--- a/Diseño/Spot it - Boceto de Interfaz.pptx
+++ b/Diseño/Spot it - Boceto de Interfaz.pptx
@@ -5,7 +5,7 @@
     <p:sldMasterId id="2147483648" r:id="rId1"/>
   </p:sldMasterIdLst>
   <p:notesMasterIdLst>
-    <p:notesMasterId r:id="rId7"/>
+    <p:notesMasterId r:id="rId9"/>
   </p:notesMasterIdLst>
   <p:sldIdLst>
     <p:sldId id="256" r:id="rId2"/>
@@ -13,6 +13,8 @@
     <p:sldId id="261" r:id="rId4"/>
     <p:sldId id="262" r:id="rId5"/>
     <p:sldId id="263" r:id="rId6"/>
+    <p:sldId id="264" r:id="rId7"/>
+    <p:sldId id="265" r:id="rId8"/>
   </p:sldIdLst>
   <p:sldSz cx="9144000" cy="6858000" type="screen4x3"/>
   <p:notesSz cx="6858000" cy="9144000"/>
@@ -202,7 +204,8 @@
           <a:p>
             <a:fld id="{8BC77FF1-B9E3-4976-878F-8B60164EA573}" type="datetimeFigureOut">
               <a:rPr lang="es-CL" smtClean="0"/>
-              <a:t>29-09-2012</a:t>
+              <a:pPr/>
+              <a:t>05-10-2012</a:t>
             </a:fld>
             <a:endParaRPr lang="es-CL"/>
           </a:p>
@@ -363,6 +366,7 @@
           <a:p>
             <a:fld id="{D35FE5BB-43CA-4601-BB66-B0438049108F}" type="slidenum">
               <a:rPr lang="es-CL" smtClean="0"/>
+              <a:pPr/>
               <a:t>‹#›</a:t>
             </a:fld>
             <a:endParaRPr lang="es-CL"/>
@@ -579,6 +583,7 @@
           <a:p>
             <a:fld id="{D35FE5BB-43CA-4601-BB66-B0438049108F}" type="slidenum">
               <a:rPr lang="es-CL" smtClean="0"/>
+              <a:pPr/>
               <a:t>2</a:t>
             </a:fld>
             <a:endParaRPr lang="es-CL"/>
@@ -664,6 +669,7 @@
           <a:p>
             <a:fld id="{D35FE5BB-43CA-4601-BB66-B0438049108F}" type="slidenum">
               <a:rPr lang="es-CL" smtClean="0"/>
+              <a:pPr/>
               <a:t>3</a:t>
             </a:fld>
             <a:endParaRPr lang="es-CL"/>
@@ -776,7 +782,180 @@
           <a:p>
             <a:fld id="{D35FE5BB-43CA-4601-BB66-B0438049108F}" type="slidenum">
               <a:rPr lang="es-CL" smtClean="0"/>
+              <a:pPr/>
               <a:t>4</a:t>
+            </a:fld>
+            <a:endParaRPr lang="es-CL"/>
+          </a:p>
+        </p:txBody>
+      </p:sp>
+    </p:spTree>
+  </p:cSld>
+  <p:clrMapOvr>
+    <a:masterClrMapping/>
+  </p:clrMapOvr>
+</p:notes>
+</file>
+
+<file path=ppt/notesSlides/notesSlide4.xml><?xml version="1.0" encoding="utf-8"?>
+<p:notes xmlns:a="http://schemas.openxmlformats.org/drawingml/2006/main" xmlns:r="http://schemas.openxmlformats.org/officeDocument/2006/relationships" xmlns:p="http://schemas.openxmlformats.org/presentationml/2006/main">
+  <p:cSld>
+    <p:spTree>
+      <p:nvGrpSpPr>
+        <p:cNvPr id="1" name=""/>
+        <p:cNvGrpSpPr/>
+        <p:nvPr/>
+      </p:nvGrpSpPr>
+      <p:grpSpPr>
+        <a:xfrm>
+          <a:off x="0" y="0"/>
+          <a:ext cx="0" cy="0"/>
+          <a:chOff x="0" y="0"/>
+          <a:chExt cx="0" cy="0"/>
+        </a:xfrm>
+      </p:grpSpPr>
+      <p:sp>
+        <p:nvSpPr>
+          <p:cNvPr id="2" name="Slide Image Placeholder 1"/>
+          <p:cNvSpPr>
+            <a:spLocks noGrp="1" noRot="1" noChangeAspect="1"/>
+          </p:cNvSpPr>
+          <p:nvPr>
+            <p:ph type="sldImg"/>
+          </p:nvPr>
+        </p:nvSpPr>
+        <p:spPr/>
+      </p:sp>
+      <p:sp>
+        <p:nvSpPr>
+          <p:cNvPr id="3" name="Notes Placeholder 2"/>
+          <p:cNvSpPr>
+            <a:spLocks noGrp="1"/>
+          </p:cNvSpPr>
+          <p:nvPr>
+            <p:ph type="body" idx="1"/>
+          </p:nvPr>
+        </p:nvSpPr>
+        <p:spPr/>
+        <p:txBody>
+          <a:bodyPr>
+            <a:normAutofit/>
+          </a:bodyPr>
+          <a:lstStyle/>
+          <a:p>
+            <a:r>
+              <a:rPr lang="es-CL" dirty="0" smtClean="0"/>
+              <a:t>Acá sale el mapa</a:t>
+            </a:r>
+            <a:endParaRPr lang="es-CL" dirty="0"/>
+          </a:p>
+        </p:txBody>
+      </p:sp>
+      <p:sp>
+        <p:nvSpPr>
+          <p:cNvPr id="4" name="Slide Number Placeholder 3"/>
+          <p:cNvSpPr>
+            <a:spLocks noGrp="1"/>
+          </p:cNvSpPr>
+          <p:nvPr>
+            <p:ph type="sldNum" sz="quarter" idx="10"/>
+          </p:nvPr>
+        </p:nvSpPr>
+        <p:spPr/>
+        <p:txBody>
+          <a:bodyPr/>
+          <a:lstStyle/>
+          <a:p>
+            <a:fld id="{D35FE5BB-43CA-4601-BB66-B0438049108F}" type="slidenum">
+              <a:rPr lang="es-CL" smtClean="0"/>
+              <a:pPr/>
+              <a:t>6</a:t>
+            </a:fld>
+            <a:endParaRPr lang="es-CL"/>
+          </a:p>
+        </p:txBody>
+      </p:sp>
+    </p:spTree>
+  </p:cSld>
+  <p:clrMapOvr>
+    <a:masterClrMapping/>
+  </p:clrMapOvr>
+</p:notes>
+</file>
+
+<file path=ppt/notesSlides/notesSlide5.xml><?xml version="1.0" encoding="utf-8"?>
+<p:notes xmlns:a="http://schemas.openxmlformats.org/drawingml/2006/main" xmlns:r="http://schemas.openxmlformats.org/officeDocument/2006/relationships" xmlns:p="http://schemas.openxmlformats.org/presentationml/2006/main">
+  <p:cSld>
+    <p:spTree>
+      <p:nvGrpSpPr>
+        <p:cNvPr id="1" name=""/>
+        <p:cNvGrpSpPr/>
+        <p:nvPr/>
+      </p:nvGrpSpPr>
+      <p:grpSpPr>
+        <a:xfrm>
+          <a:off x="0" y="0"/>
+          <a:ext cx="0" cy="0"/>
+          <a:chOff x="0" y="0"/>
+          <a:chExt cx="0" cy="0"/>
+        </a:xfrm>
+      </p:grpSpPr>
+      <p:sp>
+        <p:nvSpPr>
+          <p:cNvPr id="2" name="Slide Image Placeholder 1"/>
+          <p:cNvSpPr>
+            <a:spLocks noGrp="1" noRot="1" noChangeAspect="1"/>
+          </p:cNvSpPr>
+          <p:nvPr>
+            <p:ph type="sldImg"/>
+          </p:nvPr>
+        </p:nvSpPr>
+        <p:spPr/>
+      </p:sp>
+      <p:sp>
+        <p:nvSpPr>
+          <p:cNvPr id="3" name="Notes Placeholder 2"/>
+          <p:cNvSpPr>
+            <a:spLocks noGrp="1"/>
+          </p:cNvSpPr>
+          <p:nvPr>
+            <p:ph type="body" idx="1"/>
+          </p:nvPr>
+        </p:nvSpPr>
+        <p:spPr/>
+        <p:txBody>
+          <a:bodyPr>
+            <a:normAutofit/>
+          </a:bodyPr>
+          <a:lstStyle/>
+          <a:p>
+            <a:r>
+              <a:rPr lang="es-CL" dirty="0" smtClean="0"/>
+              <a:t>Acá sale el mapa</a:t>
+            </a:r>
+            <a:endParaRPr lang="es-CL" dirty="0"/>
+          </a:p>
+        </p:txBody>
+      </p:sp>
+      <p:sp>
+        <p:nvSpPr>
+          <p:cNvPr id="4" name="Slide Number Placeholder 3"/>
+          <p:cNvSpPr>
+            <a:spLocks noGrp="1"/>
+          </p:cNvSpPr>
+          <p:nvPr>
+            <p:ph type="sldNum" sz="quarter" idx="10"/>
+          </p:nvPr>
+        </p:nvSpPr>
+        <p:spPr/>
+        <p:txBody>
+          <a:bodyPr/>
+          <a:lstStyle/>
+          <a:p>
+            <a:fld id="{D35FE5BB-43CA-4601-BB66-B0438049108F}" type="slidenum">
+              <a:rPr lang="es-CL" smtClean="0"/>
+              <a:pPr/>
+              <a:t>7</a:t>
             </a:fld>
             <a:endParaRPr lang="es-CL"/>
           </a:p>
@@ -972,7 +1151,7 @@
             <a:fld id="{F43E7CD0-6A35-4941-AE38-9B0AC2DC948D}" type="datetimeFigureOut">
               <a:rPr lang="es-CL" smtClean="0"/>
               <a:pPr/>
-              <a:t>29-09-2012</a:t>
+              <a:t>05-10-2012</a:t>
             </a:fld>
             <a:endParaRPr lang="es-CL"/>
           </a:p>
@@ -1139,7 +1318,7 @@
             <a:fld id="{F43E7CD0-6A35-4941-AE38-9B0AC2DC948D}" type="datetimeFigureOut">
               <a:rPr lang="es-CL" smtClean="0"/>
               <a:pPr/>
-              <a:t>29-09-2012</a:t>
+              <a:t>05-10-2012</a:t>
             </a:fld>
             <a:endParaRPr lang="es-CL"/>
           </a:p>
@@ -1316,7 +1495,7 @@
             <a:fld id="{F43E7CD0-6A35-4941-AE38-9B0AC2DC948D}" type="datetimeFigureOut">
               <a:rPr lang="es-CL" smtClean="0"/>
               <a:pPr/>
-              <a:t>29-09-2012</a:t>
+              <a:t>05-10-2012</a:t>
             </a:fld>
             <a:endParaRPr lang="es-CL"/>
           </a:p>
@@ -1483,7 +1662,7 @@
             <a:fld id="{F43E7CD0-6A35-4941-AE38-9B0AC2DC948D}" type="datetimeFigureOut">
               <a:rPr lang="es-CL" smtClean="0"/>
               <a:pPr/>
-              <a:t>29-09-2012</a:t>
+              <a:t>05-10-2012</a:t>
             </a:fld>
             <a:endParaRPr lang="es-CL"/>
           </a:p>
@@ -1726,7 +1905,7 @@
             <a:fld id="{F43E7CD0-6A35-4941-AE38-9B0AC2DC948D}" type="datetimeFigureOut">
               <a:rPr lang="es-CL" smtClean="0"/>
               <a:pPr/>
-              <a:t>29-09-2012</a:t>
+              <a:t>05-10-2012</a:t>
             </a:fld>
             <a:endParaRPr lang="es-CL"/>
           </a:p>
@@ -2011,7 +2190,7 @@
             <a:fld id="{F43E7CD0-6A35-4941-AE38-9B0AC2DC948D}" type="datetimeFigureOut">
               <a:rPr lang="es-CL" smtClean="0"/>
               <a:pPr/>
-              <a:t>29-09-2012</a:t>
+              <a:t>05-10-2012</a:t>
             </a:fld>
             <a:endParaRPr lang="es-CL"/>
           </a:p>
@@ -2430,7 +2609,7 @@
             <a:fld id="{F43E7CD0-6A35-4941-AE38-9B0AC2DC948D}" type="datetimeFigureOut">
               <a:rPr lang="es-CL" smtClean="0"/>
               <a:pPr/>
-              <a:t>29-09-2012</a:t>
+              <a:t>05-10-2012</a:t>
             </a:fld>
             <a:endParaRPr lang="es-CL"/>
           </a:p>
@@ -2545,7 +2724,7 @@
             <a:fld id="{F43E7CD0-6A35-4941-AE38-9B0AC2DC948D}" type="datetimeFigureOut">
               <a:rPr lang="es-CL" smtClean="0"/>
               <a:pPr/>
-              <a:t>29-09-2012</a:t>
+              <a:t>05-10-2012</a:t>
             </a:fld>
             <a:endParaRPr lang="es-CL"/>
           </a:p>
@@ -2637,7 +2816,7 @@
             <a:fld id="{F43E7CD0-6A35-4941-AE38-9B0AC2DC948D}" type="datetimeFigureOut">
               <a:rPr lang="es-CL" smtClean="0"/>
               <a:pPr/>
-              <a:t>29-09-2012</a:t>
+              <a:t>05-10-2012</a:t>
             </a:fld>
             <a:endParaRPr lang="es-CL"/>
           </a:p>
@@ -2911,7 +3090,7 @@
             <a:fld id="{F43E7CD0-6A35-4941-AE38-9B0AC2DC948D}" type="datetimeFigureOut">
               <a:rPr lang="es-CL" smtClean="0"/>
               <a:pPr/>
-              <a:t>29-09-2012</a:t>
+              <a:t>05-10-2012</a:t>
             </a:fld>
             <a:endParaRPr lang="es-CL"/>
           </a:p>
@@ -3161,7 +3340,7 @@
             <a:fld id="{F43E7CD0-6A35-4941-AE38-9B0AC2DC948D}" type="datetimeFigureOut">
               <a:rPr lang="es-CL" smtClean="0"/>
               <a:pPr/>
-              <a:t>29-09-2012</a:t>
+              <a:t>05-10-2012</a:t>
             </a:fld>
             <a:endParaRPr lang="es-CL"/>
           </a:p>
@@ -3371,7 +3550,7 @@
             <a:fld id="{F43E7CD0-6A35-4941-AE38-9B0AC2DC948D}" type="datetimeFigureOut">
               <a:rPr lang="es-CL" smtClean="0"/>
               <a:pPr/>
-              <a:t>29-09-2012</a:t>
+              <a:t>05-10-2012</a:t>
             </a:fld>
             <a:endParaRPr lang="es-CL"/>
           </a:p>
@@ -3947,7 +4126,7 @@
         <p:spPr>
           <a:xfrm>
             <a:off x="611560" y="692696"/>
-            <a:ext cx="4176464" cy="576064"/>
+            <a:ext cx="2736304" cy="576064"/>
           </a:xfrm>
           <a:prstGeom prst="rect">
             <a:avLst/>
@@ -4020,8 +4199,8 @@
         </p:nvSpPr>
         <p:spPr>
           <a:xfrm>
-            <a:off x="4788024" y="692696"/>
-            <a:ext cx="1224136" cy="576064"/>
+            <a:off x="3347864" y="692696"/>
+            <a:ext cx="1296144" cy="576064"/>
           </a:xfrm>
           <a:prstGeom prst="rect">
             <a:avLst/>
@@ -4363,8 +4542,8 @@
         </p:nvSpPr>
         <p:spPr>
           <a:xfrm>
-            <a:off x="6012160" y="692696"/>
-            <a:ext cx="1296144" cy="576064"/>
+            <a:off x="6084168" y="692696"/>
+            <a:ext cx="1224136" cy="576064"/>
           </a:xfrm>
           <a:prstGeom prst="rect">
             <a:avLst/>
@@ -4492,15 +4671,17 @@
                     <a:schemeClr val="tx1"/>
                   </a:solidFill>
                 </a:rPr>
-                <a:t>	</a:t>
+                <a:t>	Edad: 20 años</a:t>
               </a:r>
+            </a:p>
+            <a:p>
               <a:r>
                 <a:rPr lang="es-CL" sz="1400" dirty="0" smtClean="0">
                   <a:solidFill>
                     <a:schemeClr val="tx1"/>
                   </a:solidFill>
                 </a:rPr>
-                <a:t>Edad: 20 años</a:t>
+                <a:t>	Ingeniería Civil</a:t>
               </a:r>
             </a:p>
             <a:p>
@@ -4512,29 +4693,6 @@
                 </a:rPr>
                 <a:t>	</a:t>
               </a:r>
-              <a:r>
-                <a:rPr lang="es-CL" sz="1400" dirty="0" smtClean="0">
-                  <a:solidFill>
-                    <a:schemeClr val="tx1"/>
-                  </a:solidFill>
-                </a:rPr>
-                <a:t>Ingeniería Civil</a:t>
-              </a:r>
-            </a:p>
-            <a:p>
-              <a:r>
-                <a:rPr lang="es-CL" sz="1400" dirty="0" smtClean="0">
-                  <a:solidFill>
-                    <a:schemeClr val="tx1"/>
-                  </a:solidFill>
-                </a:rPr>
-                <a:t>	</a:t>
-              </a:r>
-              <a:endParaRPr lang="es-CL" sz="1400" dirty="0" smtClean="0">
-                <a:solidFill>
-                  <a:schemeClr val="tx1"/>
-                </a:solidFill>
-              </a:endParaRPr>
             </a:p>
           </p:txBody>
         </p:sp>
@@ -5445,6 +5603,70 @@
           </p:sp>
         </p:grpSp>
       </p:grpSp>
+      <p:sp>
+        <p:nvSpPr>
+          <p:cNvPr id="38" name="Rectangle 37">
+            <a:hlinkClick r:id="rId8" action="ppaction://hlinksldjump"/>
+          </p:cNvPr>
+          <p:cNvSpPr/>
+          <p:nvPr/>
+        </p:nvSpPr>
+        <p:spPr>
+          <a:xfrm>
+            <a:off x="4644008" y="692696"/>
+            <a:ext cx="1440160" cy="576064"/>
+          </a:xfrm>
+          <a:prstGeom prst="rect">
+            <a:avLst/>
+          </a:prstGeom>
+          <a:solidFill>
+            <a:schemeClr val="accent2"/>
+          </a:solidFill>
+          <a:ln>
+            <a:solidFill>
+              <a:schemeClr val="accent2">
+                <a:lumMod val="50000"/>
+              </a:schemeClr>
+            </a:solidFill>
+          </a:ln>
+        </p:spPr>
+        <p:style>
+          <a:lnRef idx="2">
+            <a:schemeClr val="accent1">
+              <a:shade val="50000"/>
+            </a:schemeClr>
+          </a:lnRef>
+          <a:fillRef idx="1">
+            <a:schemeClr val="accent1"/>
+          </a:fillRef>
+          <a:effectRef idx="0">
+            <a:schemeClr val="accent1"/>
+          </a:effectRef>
+          <a:fontRef idx="minor">
+            <a:schemeClr val="lt1"/>
+          </a:fontRef>
+        </p:style>
+        <p:txBody>
+          <a:bodyPr rtlCol="0" anchor="ctr"/>
+          <a:lstStyle/>
+          <a:p>
+            <a:pPr algn="ctr"/>
+            <a:r>
+              <a:rPr lang="es-CL" sz="2400" dirty="0" smtClean="0">
+                <a:solidFill>
+                  <a:schemeClr val="bg1"/>
+                </a:solidFill>
+              </a:rPr>
+              <a:t>Personas</a:t>
+            </a:r>
+            <a:endParaRPr lang="es-CL" sz="2400" dirty="0">
+              <a:solidFill>
+                <a:schemeClr val="bg1"/>
+              </a:solidFill>
+            </a:endParaRPr>
+          </a:p>
+        </p:txBody>
+      </p:sp>
     </p:spTree>
   </p:cSld>
   <p:clrMapOvr>
@@ -5581,58 +5803,6 @@
       </p:grpSp>
       <p:sp>
         <p:nvSpPr>
-          <p:cNvPr id="6" name="Rectangle 5"/>
-          <p:cNvSpPr/>
-          <p:nvPr/>
-        </p:nvSpPr>
-        <p:spPr>
-          <a:xfrm>
-            <a:off x="611560" y="692696"/>
-            <a:ext cx="7992888" cy="567680"/>
-          </a:xfrm>
-          <a:prstGeom prst="rect">
-            <a:avLst/>
-          </a:prstGeom>
-          <a:solidFill>
-            <a:schemeClr val="bg1"/>
-          </a:solidFill>
-          <a:ln>
-            <a:solidFill>
-              <a:schemeClr val="accent1"/>
-            </a:solidFill>
-          </a:ln>
-        </p:spPr>
-        <p:style>
-          <a:lnRef idx="2">
-            <a:schemeClr val="accent1">
-              <a:shade val="50000"/>
-            </a:schemeClr>
-          </a:lnRef>
-          <a:fillRef idx="1">
-            <a:schemeClr val="accent1"/>
-          </a:fillRef>
-          <a:effectRef idx="0">
-            <a:schemeClr val="accent1"/>
-          </a:effectRef>
-          <a:fontRef idx="minor">
-            <a:schemeClr val="lt1"/>
-          </a:fontRef>
-        </p:style>
-        <p:txBody>
-          <a:bodyPr rtlCol="0" anchor="ctr"/>
-          <a:lstStyle/>
-          <a:p>
-            <a:pPr algn="ctr"/>
-            <a:endParaRPr lang="es-CL" sz="4400" dirty="0">
-              <a:solidFill>
-                <a:schemeClr val="tx1"/>
-              </a:solidFill>
-            </a:endParaRPr>
-          </a:p>
-        </p:txBody>
-      </p:sp>
-      <p:sp>
-        <p:nvSpPr>
           <p:cNvPr id="8" name="Rectangle 7"/>
           <p:cNvSpPr/>
           <p:nvPr/>
@@ -5717,265 +5887,6 @@
             <a:endParaRPr lang="es-CL" dirty="0">
               <a:solidFill>
                 <a:schemeClr val="tx1"/>
-              </a:solidFill>
-            </a:endParaRPr>
-          </a:p>
-        </p:txBody>
-      </p:sp>
-      <p:sp>
-        <p:nvSpPr>
-          <p:cNvPr id="11" name="Rectangle 10">
-            <a:hlinkClick r:id="rId6" action="ppaction://hlinksldjump"/>
-          </p:cNvPr>
-          <p:cNvSpPr/>
-          <p:nvPr/>
-        </p:nvSpPr>
-        <p:spPr>
-          <a:xfrm>
-            <a:off x="611560" y="692696"/>
-            <a:ext cx="1224136" cy="576064"/>
-          </a:xfrm>
-          <a:prstGeom prst="rect">
-            <a:avLst/>
-          </a:prstGeom>
-          <a:solidFill>
-            <a:schemeClr val="accent2"/>
-          </a:solidFill>
-          <a:ln>
-            <a:solidFill>
-              <a:schemeClr val="accent2">
-                <a:lumMod val="50000"/>
-              </a:schemeClr>
-            </a:solidFill>
-          </a:ln>
-        </p:spPr>
-        <p:style>
-          <a:lnRef idx="2">
-            <a:schemeClr val="accent1">
-              <a:shade val="50000"/>
-            </a:schemeClr>
-          </a:lnRef>
-          <a:fillRef idx="1">
-            <a:schemeClr val="accent1"/>
-          </a:fillRef>
-          <a:effectRef idx="0">
-            <a:schemeClr val="accent1"/>
-          </a:effectRef>
-          <a:fontRef idx="minor">
-            <a:schemeClr val="lt1"/>
-          </a:fontRef>
-        </p:style>
-        <p:txBody>
-          <a:bodyPr rtlCol="0" anchor="ctr"/>
-          <a:lstStyle/>
-          <a:p>
-            <a:pPr algn="ctr"/>
-            <a:r>
-              <a:rPr lang="es-CL" sz="2400" dirty="0">
-                <a:solidFill>
-                  <a:schemeClr val="bg1"/>
-                </a:solidFill>
-              </a:rPr>
-              <a:t>Spot </a:t>
-            </a:r>
-            <a:r>
-              <a:rPr lang="es-CL" sz="2400" dirty="0" err="1">
-                <a:solidFill>
-                  <a:schemeClr val="bg1"/>
-                </a:solidFill>
-              </a:rPr>
-              <a:t>it!</a:t>
-            </a:r>
-            <a:endParaRPr lang="es-CL" sz="2400" dirty="0">
-              <a:solidFill>
-                <a:schemeClr val="bg1"/>
-              </a:solidFill>
-            </a:endParaRPr>
-          </a:p>
-        </p:txBody>
-      </p:sp>
-      <p:sp>
-        <p:nvSpPr>
-          <p:cNvPr id="12" name="Rectangle 11">
-            <a:hlinkClick r:id="rId7" action="ppaction://hlinksldjump"/>
-          </p:cNvPr>
-          <p:cNvSpPr/>
-          <p:nvPr/>
-        </p:nvSpPr>
-        <p:spPr>
-          <a:xfrm>
-            <a:off x="1835696" y="692696"/>
-            <a:ext cx="4176464" cy="576064"/>
-          </a:xfrm>
-          <a:prstGeom prst="rect">
-            <a:avLst/>
-          </a:prstGeom>
-          <a:solidFill>
-            <a:schemeClr val="accent2">
-              <a:lumMod val="75000"/>
-            </a:schemeClr>
-          </a:solidFill>
-          <a:ln>
-            <a:solidFill>
-              <a:schemeClr val="accent2">
-                <a:lumMod val="50000"/>
-              </a:schemeClr>
-            </a:solidFill>
-          </a:ln>
-        </p:spPr>
-        <p:style>
-          <a:lnRef idx="2">
-            <a:schemeClr val="accent1">
-              <a:shade val="50000"/>
-            </a:schemeClr>
-          </a:lnRef>
-          <a:fillRef idx="1">
-            <a:schemeClr val="accent1"/>
-          </a:fillRef>
-          <a:effectRef idx="0">
-            <a:schemeClr val="accent1"/>
-          </a:effectRef>
-          <a:fontRef idx="minor">
-            <a:schemeClr val="lt1"/>
-          </a:fontRef>
-        </p:style>
-        <p:txBody>
-          <a:bodyPr rtlCol="0" anchor="ctr"/>
-          <a:lstStyle/>
-          <a:p>
-            <a:pPr algn="ctr"/>
-            <a:r>
-              <a:rPr lang="es-CL" sz="2400" dirty="0">
-                <a:solidFill>
-                  <a:schemeClr val="bg1"/>
-                </a:solidFill>
-              </a:rPr>
-              <a:t>Lugares</a:t>
-            </a:r>
-          </a:p>
-        </p:txBody>
-      </p:sp>
-      <p:sp>
-        <p:nvSpPr>
-          <p:cNvPr id="13" name="Rectangle 12"/>
-          <p:cNvSpPr/>
-          <p:nvPr/>
-        </p:nvSpPr>
-        <p:spPr>
-          <a:xfrm>
-            <a:off x="7308304" y="692696"/>
-            <a:ext cx="1296144" cy="576064"/>
-          </a:xfrm>
-          <a:prstGeom prst="rect">
-            <a:avLst/>
-          </a:prstGeom>
-          <a:solidFill>
-            <a:schemeClr val="accent2"/>
-          </a:solidFill>
-          <a:ln>
-            <a:solidFill>
-              <a:schemeClr val="accent2">
-                <a:lumMod val="50000"/>
-              </a:schemeClr>
-            </a:solidFill>
-          </a:ln>
-        </p:spPr>
-        <p:style>
-          <a:lnRef idx="2">
-            <a:schemeClr val="accent1">
-              <a:shade val="50000"/>
-            </a:schemeClr>
-          </a:lnRef>
-          <a:fillRef idx="1">
-            <a:schemeClr val="accent1"/>
-          </a:fillRef>
-          <a:effectRef idx="0">
-            <a:schemeClr val="accent1"/>
-          </a:effectRef>
-          <a:fontRef idx="minor">
-            <a:schemeClr val="lt1"/>
-          </a:fontRef>
-        </p:style>
-        <p:txBody>
-          <a:bodyPr rtlCol="0" anchor="ctr"/>
-          <a:lstStyle/>
-          <a:p>
-            <a:pPr algn="ctr"/>
-            <a:r>
-              <a:rPr lang="es-CL" sz="2400" dirty="0" smtClean="0">
-                <a:solidFill>
-                  <a:schemeClr val="bg1"/>
-                </a:solidFill>
-              </a:rPr>
-              <a:t>Ariel</a:t>
-            </a:r>
-            <a:endParaRPr lang="es-CL" sz="2400" dirty="0">
-              <a:solidFill>
-                <a:schemeClr val="bg1"/>
-              </a:solidFill>
-            </a:endParaRPr>
-          </a:p>
-        </p:txBody>
-      </p:sp>
-      <p:sp>
-        <p:nvSpPr>
-          <p:cNvPr id="14" name="Rectangle 13">
-            <a:hlinkClick r:id="rId7" action="ppaction://hlinksldjump"/>
-          </p:cNvPr>
-          <p:cNvSpPr/>
-          <p:nvPr/>
-        </p:nvSpPr>
-        <p:spPr>
-          <a:xfrm>
-            <a:off x="6012160" y="692696"/>
-            <a:ext cx="1296144" cy="576064"/>
-          </a:xfrm>
-          <a:prstGeom prst="rect">
-            <a:avLst/>
-          </a:prstGeom>
-          <a:solidFill>
-            <a:schemeClr val="accent2"/>
-          </a:solidFill>
-          <a:ln>
-            <a:solidFill>
-              <a:schemeClr val="accent2">
-                <a:lumMod val="50000"/>
-              </a:schemeClr>
-            </a:solidFill>
-          </a:ln>
-        </p:spPr>
-        <p:style>
-          <a:lnRef idx="2">
-            <a:schemeClr val="accent1">
-              <a:shade val="50000"/>
-            </a:schemeClr>
-          </a:lnRef>
-          <a:fillRef idx="1">
-            <a:schemeClr val="accent1"/>
-          </a:fillRef>
-          <a:effectRef idx="0">
-            <a:schemeClr val="accent1"/>
-          </a:effectRef>
-          <a:fontRef idx="minor">
-            <a:schemeClr val="lt1"/>
-          </a:fontRef>
-        </p:style>
-        <p:txBody>
-          <a:bodyPr rtlCol="0" anchor="ctr"/>
-          <a:lstStyle/>
-          <a:p>
-            <a:pPr algn="ctr"/>
-            <a:r>
-              <a:rPr lang="es-CL" sz="2400" dirty="0" smtClean="0">
-                <a:solidFill>
-                  <a:schemeClr val="bg1"/>
-                </a:solidFill>
-              </a:rPr>
-              <a:t>Eventos</a:t>
-            </a:r>
-            <a:endParaRPr lang="es-CL" sz="2400" dirty="0">
-              <a:solidFill>
-                <a:schemeClr val="bg1"/>
               </a:solidFill>
             </a:endParaRPr>
           </a:p>
@@ -6432,6 +6343,448 @@
           </a:p>
         </p:txBody>
       </p:sp>
+      <p:sp>
+        <p:nvSpPr>
+          <p:cNvPr id="26" name="Rectangle 25"/>
+          <p:cNvSpPr/>
+          <p:nvPr/>
+        </p:nvSpPr>
+        <p:spPr>
+          <a:xfrm>
+            <a:off x="611560" y="692696"/>
+            <a:ext cx="7992888" cy="567680"/>
+          </a:xfrm>
+          <a:prstGeom prst="rect">
+            <a:avLst/>
+          </a:prstGeom>
+          <a:solidFill>
+            <a:schemeClr val="bg1"/>
+          </a:solidFill>
+          <a:ln>
+            <a:solidFill>
+              <a:schemeClr val="accent1"/>
+            </a:solidFill>
+          </a:ln>
+        </p:spPr>
+        <p:style>
+          <a:lnRef idx="2">
+            <a:schemeClr val="accent1">
+              <a:shade val="50000"/>
+            </a:schemeClr>
+          </a:lnRef>
+          <a:fillRef idx="1">
+            <a:schemeClr val="accent1"/>
+          </a:fillRef>
+          <a:effectRef idx="0">
+            <a:schemeClr val="accent1"/>
+          </a:effectRef>
+          <a:fontRef idx="minor">
+            <a:schemeClr val="lt1"/>
+          </a:fontRef>
+        </p:style>
+        <p:txBody>
+          <a:bodyPr rtlCol="0" anchor="ctr"/>
+          <a:lstStyle/>
+          <a:p>
+            <a:pPr algn="ctr"/>
+            <a:endParaRPr lang="es-CL" sz="4400" dirty="0">
+              <a:solidFill>
+                <a:schemeClr val="tx1"/>
+              </a:solidFill>
+            </a:endParaRPr>
+          </a:p>
+        </p:txBody>
+      </p:sp>
+      <p:sp>
+        <p:nvSpPr>
+          <p:cNvPr id="33" name="Rectangle 32"/>
+          <p:cNvSpPr/>
+          <p:nvPr/>
+        </p:nvSpPr>
+        <p:spPr>
+          <a:xfrm>
+            <a:off x="539552" y="692696"/>
+            <a:ext cx="1296144" cy="576064"/>
+          </a:xfrm>
+          <a:prstGeom prst="rect">
+            <a:avLst/>
+          </a:prstGeom>
+          <a:solidFill>
+            <a:schemeClr val="accent2"/>
+          </a:solidFill>
+          <a:ln>
+            <a:solidFill>
+              <a:schemeClr val="accent2">
+                <a:lumMod val="50000"/>
+              </a:schemeClr>
+            </a:solidFill>
+          </a:ln>
+        </p:spPr>
+        <p:style>
+          <a:lnRef idx="2">
+            <a:schemeClr val="accent1">
+              <a:shade val="50000"/>
+            </a:schemeClr>
+          </a:lnRef>
+          <a:fillRef idx="1">
+            <a:schemeClr val="accent1"/>
+          </a:fillRef>
+          <a:effectRef idx="0">
+            <a:schemeClr val="accent1"/>
+          </a:effectRef>
+          <a:fontRef idx="minor">
+            <a:schemeClr val="lt1"/>
+          </a:fontRef>
+        </p:style>
+        <p:txBody>
+          <a:bodyPr rtlCol="0" anchor="ctr"/>
+          <a:lstStyle/>
+          <a:p>
+            <a:pPr algn="ctr"/>
+            <a:r>
+              <a:rPr lang="es-CL" sz="2400" dirty="0" smtClean="0">
+                <a:solidFill>
+                  <a:schemeClr val="bg1"/>
+                </a:solidFill>
+              </a:rPr>
+              <a:t>Spot </a:t>
+            </a:r>
+            <a:r>
+              <a:rPr lang="es-CL" sz="2400" dirty="0" err="1" smtClean="0">
+                <a:solidFill>
+                  <a:schemeClr val="bg1"/>
+                </a:solidFill>
+              </a:rPr>
+              <a:t>it!</a:t>
+            </a:r>
+            <a:endParaRPr lang="es-CL" sz="2400" dirty="0">
+              <a:solidFill>
+                <a:schemeClr val="bg1"/>
+              </a:solidFill>
+            </a:endParaRPr>
+          </a:p>
+        </p:txBody>
+      </p:sp>
+      <p:sp>
+        <p:nvSpPr>
+          <p:cNvPr id="34" name="Rectangle 33">
+            <a:hlinkClick r:id="rId6" action="ppaction://hlinksldjump"/>
+          </p:cNvPr>
+          <p:cNvSpPr/>
+          <p:nvPr/>
+        </p:nvSpPr>
+        <p:spPr>
+          <a:xfrm>
+            <a:off x="1780313" y="692696"/>
+            <a:ext cx="2016224" cy="576064"/>
+          </a:xfrm>
+          <a:prstGeom prst="rect">
+            <a:avLst/>
+          </a:prstGeom>
+          <a:solidFill>
+            <a:schemeClr val="accent2">
+              <a:lumMod val="75000"/>
+            </a:schemeClr>
+          </a:solidFill>
+          <a:ln>
+            <a:solidFill>
+              <a:schemeClr val="accent2">
+                <a:lumMod val="50000"/>
+              </a:schemeClr>
+            </a:solidFill>
+          </a:ln>
+        </p:spPr>
+        <p:style>
+          <a:lnRef idx="2">
+            <a:schemeClr val="accent1">
+              <a:shade val="50000"/>
+            </a:schemeClr>
+          </a:lnRef>
+          <a:fillRef idx="1">
+            <a:schemeClr val="accent1"/>
+          </a:fillRef>
+          <a:effectRef idx="0">
+            <a:schemeClr val="accent1"/>
+          </a:effectRef>
+          <a:fontRef idx="minor">
+            <a:schemeClr val="lt1"/>
+          </a:fontRef>
+        </p:style>
+        <p:txBody>
+          <a:bodyPr rtlCol="0" anchor="ctr"/>
+          <a:lstStyle/>
+          <a:p>
+            <a:pPr algn="ctr"/>
+            <a:r>
+              <a:rPr lang="es-CL" sz="2400" dirty="0" smtClean="0">
+                <a:solidFill>
+                  <a:schemeClr val="bg1"/>
+                </a:solidFill>
+              </a:rPr>
+              <a:t>Lugares</a:t>
+            </a:r>
+            <a:endParaRPr lang="es-CL" sz="2400" dirty="0">
+              <a:solidFill>
+                <a:schemeClr val="bg1"/>
+              </a:solidFill>
+            </a:endParaRPr>
+          </a:p>
+        </p:txBody>
+      </p:sp>
+      <p:sp>
+        <p:nvSpPr>
+          <p:cNvPr id="35" name="Rectangle 34"/>
+          <p:cNvSpPr/>
+          <p:nvPr/>
+        </p:nvSpPr>
+        <p:spPr>
+          <a:xfrm>
+            <a:off x="7308304" y="692696"/>
+            <a:ext cx="1296144" cy="576064"/>
+          </a:xfrm>
+          <a:prstGeom prst="rect">
+            <a:avLst/>
+          </a:prstGeom>
+          <a:solidFill>
+            <a:schemeClr val="accent2"/>
+          </a:solidFill>
+          <a:ln>
+            <a:solidFill>
+              <a:schemeClr val="accent2">
+                <a:lumMod val="50000"/>
+              </a:schemeClr>
+            </a:solidFill>
+          </a:ln>
+        </p:spPr>
+        <p:style>
+          <a:lnRef idx="2">
+            <a:schemeClr val="accent1">
+              <a:shade val="50000"/>
+            </a:schemeClr>
+          </a:lnRef>
+          <a:fillRef idx="1">
+            <a:schemeClr val="accent1"/>
+          </a:fillRef>
+          <a:effectRef idx="0">
+            <a:schemeClr val="accent1"/>
+          </a:effectRef>
+          <a:fontRef idx="minor">
+            <a:schemeClr val="lt1"/>
+          </a:fontRef>
+        </p:style>
+        <p:txBody>
+          <a:bodyPr rtlCol="0" anchor="ctr"/>
+          <a:lstStyle/>
+          <a:p>
+            <a:pPr algn="ctr"/>
+            <a:r>
+              <a:rPr lang="es-CL" sz="2400" dirty="0" smtClean="0">
+                <a:solidFill>
+                  <a:schemeClr val="bg1"/>
+                </a:solidFill>
+              </a:rPr>
+              <a:t>Ariel</a:t>
+            </a:r>
+            <a:endParaRPr lang="es-CL" sz="2400" dirty="0">
+              <a:solidFill>
+                <a:schemeClr val="bg1"/>
+              </a:solidFill>
+            </a:endParaRPr>
+          </a:p>
+        </p:txBody>
+      </p:sp>
+      <p:sp>
+        <p:nvSpPr>
+          <p:cNvPr id="36" name="Rectangle 35">
+            <a:hlinkClick r:id="rId6" action="ppaction://hlinksldjump"/>
+          </p:cNvPr>
+          <p:cNvSpPr/>
+          <p:nvPr/>
+        </p:nvSpPr>
+        <p:spPr>
+          <a:xfrm>
+            <a:off x="6084168" y="692696"/>
+            <a:ext cx="1224136" cy="576064"/>
+          </a:xfrm>
+          <a:prstGeom prst="rect">
+            <a:avLst/>
+          </a:prstGeom>
+          <a:solidFill>
+            <a:schemeClr val="accent2"/>
+          </a:solidFill>
+          <a:ln>
+            <a:solidFill>
+              <a:schemeClr val="accent2">
+                <a:lumMod val="50000"/>
+              </a:schemeClr>
+            </a:solidFill>
+          </a:ln>
+        </p:spPr>
+        <p:style>
+          <a:lnRef idx="2">
+            <a:schemeClr val="accent1">
+              <a:shade val="50000"/>
+            </a:schemeClr>
+          </a:lnRef>
+          <a:fillRef idx="1">
+            <a:schemeClr val="accent1"/>
+          </a:fillRef>
+          <a:effectRef idx="0">
+            <a:schemeClr val="accent1"/>
+          </a:effectRef>
+          <a:fontRef idx="minor">
+            <a:schemeClr val="lt1"/>
+          </a:fontRef>
+        </p:style>
+        <p:txBody>
+          <a:bodyPr rtlCol="0" anchor="ctr"/>
+          <a:lstStyle/>
+          <a:p>
+            <a:pPr algn="ctr"/>
+            <a:r>
+              <a:rPr lang="es-CL" sz="2400" dirty="0" smtClean="0">
+                <a:solidFill>
+                  <a:schemeClr val="bg1"/>
+                </a:solidFill>
+              </a:rPr>
+              <a:t>Eventos</a:t>
+            </a:r>
+            <a:endParaRPr lang="es-CL" sz="2400" dirty="0">
+              <a:solidFill>
+                <a:schemeClr val="bg1"/>
+              </a:solidFill>
+            </a:endParaRPr>
+          </a:p>
+        </p:txBody>
+      </p:sp>
+      <p:sp>
+        <p:nvSpPr>
+          <p:cNvPr id="37" name="Rectangle 36">
+            <a:hlinkClick r:id="rId7" action="ppaction://hlinksldjump"/>
+          </p:cNvPr>
+          <p:cNvSpPr/>
+          <p:nvPr/>
+        </p:nvSpPr>
+        <p:spPr>
+          <a:xfrm>
+            <a:off x="4788024" y="692696"/>
+            <a:ext cx="1296144" cy="576064"/>
+          </a:xfrm>
+          <a:prstGeom prst="rect">
+            <a:avLst/>
+          </a:prstGeom>
+          <a:solidFill>
+            <a:schemeClr val="accent2"/>
+          </a:solidFill>
+          <a:ln>
+            <a:solidFill>
+              <a:schemeClr val="accent2">
+                <a:lumMod val="50000"/>
+              </a:schemeClr>
+            </a:solidFill>
+          </a:ln>
+        </p:spPr>
+        <p:style>
+          <a:lnRef idx="2">
+            <a:schemeClr val="accent1">
+              <a:shade val="50000"/>
+            </a:schemeClr>
+          </a:lnRef>
+          <a:fillRef idx="1">
+            <a:schemeClr val="accent1"/>
+          </a:fillRef>
+          <a:effectRef idx="0">
+            <a:schemeClr val="accent1"/>
+          </a:effectRef>
+          <a:fontRef idx="minor">
+            <a:schemeClr val="lt1"/>
+          </a:fontRef>
+        </p:style>
+        <p:txBody>
+          <a:bodyPr rtlCol="0" anchor="ctr"/>
+          <a:lstStyle/>
+          <a:p>
+            <a:pPr algn="ctr"/>
+            <a:r>
+              <a:rPr lang="es-CL" sz="2400" dirty="0" smtClean="0">
+                <a:solidFill>
+                  <a:schemeClr val="bg1"/>
+                </a:solidFill>
+              </a:rPr>
+              <a:t>Personas</a:t>
+            </a:r>
+            <a:endParaRPr lang="es-CL" sz="2400" dirty="0">
+              <a:solidFill>
+                <a:schemeClr val="bg1"/>
+              </a:solidFill>
+            </a:endParaRPr>
+          </a:p>
+        </p:txBody>
+      </p:sp>
+      <p:sp>
+        <p:nvSpPr>
+          <p:cNvPr id="38" name="Rectangle 37">
+            <a:hlinkClick r:id="rId7" action="ppaction://hlinksldjump"/>
+          </p:cNvPr>
+          <p:cNvSpPr/>
+          <p:nvPr/>
+        </p:nvSpPr>
+        <p:spPr>
+          <a:xfrm>
+            <a:off x="3788296" y="692696"/>
+            <a:ext cx="999728" cy="576064"/>
+          </a:xfrm>
+          <a:prstGeom prst="rect">
+            <a:avLst/>
+          </a:prstGeom>
+          <a:solidFill>
+            <a:schemeClr val="accent2"/>
+          </a:solidFill>
+          <a:ln>
+            <a:solidFill>
+              <a:schemeClr val="accent2">
+                <a:lumMod val="50000"/>
+              </a:schemeClr>
+            </a:solidFill>
+          </a:ln>
+        </p:spPr>
+        <p:style>
+          <a:lnRef idx="2">
+            <a:schemeClr val="accent1">
+              <a:shade val="50000"/>
+            </a:schemeClr>
+          </a:lnRef>
+          <a:fillRef idx="1">
+            <a:schemeClr val="accent1"/>
+          </a:fillRef>
+          <a:effectRef idx="0">
+            <a:schemeClr val="accent1"/>
+          </a:effectRef>
+          <a:fontRef idx="minor">
+            <a:schemeClr val="lt1"/>
+          </a:fontRef>
+        </p:style>
+        <p:txBody>
+          <a:bodyPr rtlCol="0" anchor="ctr"/>
+          <a:lstStyle/>
+          <a:p>
+            <a:pPr algn="ctr"/>
+            <a:r>
+              <a:rPr lang="es-CL" sz="2400" dirty="0" smtClean="0">
+                <a:solidFill>
+                  <a:schemeClr val="bg1"/>
+                </a:solidFill>
+              </a:rPr>
+              <a:t>Salas</a:t>
+            </a:r>
+            <a:endParaRPr lang="es-CL" sz="2400" dirty="0">
+              <a:solidFill>
+                <a:schemeClr val="bg1"/>
+              </a:solidFill>
+            </a:endParaRPr>
+          </a:p>
+        </p:txBody>
+      </p:sp>
     </p:spTree>
   </p:cSld>
   <p:clrMapOvr>
@@ -6568,58 +6921,6 @@
       </p:grpSp>
       <p:sp>
         <p:nvSpPr>
-          <p:cNvPr id="6" name="Rectangle 5"/>
-          <p:cNvSpPr/>
-          <p:nvPr/>
-        </p:nvSpPr>
-        <p:spPr>
-          <a:xfrm>
-            <a:off x="611560" y="692696"/>
-            <a:ext cx="7992888" cy="567680"/>
-          </a:xfrm>
-          <a:prstGeom prst="rect">
-            <a:avLst/>
-          </a:prstGeom>
-          <a:solidFill>
-            <a:schemeClr val="bg1"/>
-          </a:solidFill>
-          <a:ln>
-            <a:solidFill>
-              <a:schemeClr val="accent1"/>
-            </a:solidFill>
-          </a:ln>
-        </p:spPr>
-        <p:style>
-          <a:lnRef idx="2">
-            <a:schemeClr val="accent1">
-              <a:shade val="50000"/>
-            </a:schemeClr>
-          </a:lnRef>
-          <a:fillRef idx="1">
-            <a:schemeClr val="accent1"/>
-          </a:fillRef>
-          <a:effectRef idx="0">
-            <a:schemeClr val="accent1"/>
-          </a:effectRef>
-          <a:fontRef idx="minor">
-            <a:schemeClr val="lt1"/>
-          </a:fontRef>
-        </p:style>
-        <p:txBody>
-          <a:bodyPr rtlCol="0" anchor="ctr"/>
-          <a:lstStyle/>
-          <a:p>
-            <a:pPr algn="ctr"/>
-            <a:endParaRPr lang="es-CL" sz="4400" dirty="0">
-              <a:solidFill>
-                <a:schemeClr val="tx1"/>
-              </a:solidFill>
-            </a:endParaRPr>
-          </a:p>
-        </p:txBody>
-      </p:sp>
-      <p:sp>
-        <p:nvSpPr>
           <p:cNvPr id="8" name="Rectangle 7"/>
           <p:cNvSpPr/>
           <p:nvPr/>
@@ -6694,265 +6995,6 @@
             <a:endParaRPr lang="es-CL" dirty="0">
               <a:solidFill>
                 <a:schemeClr val="tx1"/>
-              </a:solidFill>
-            </a:endParaRPr>
-          </a:p>
-        </p:txBody>
-      </p:sp>
-      <p:sp>
-        <p:nvSpPr>
-          <p:cNvPr id="11" name="Rectangle 10">
-            <a:hlinkClick r:id="rId4" action="ppaction://hlinksldjump"/>
-          </p:cNvPr>
-          <p:cNvSpPr/>
-          <p:nvPr/>
-        </p:nvSpPr>
-        <p:spPr>
-          <a:xfrm>
-            <a:off x="611560" y="692696"/>
-            <a:ext cx="1224136" cy="576064"/>
-          </a:xfrm>
-          <a:prstGeom prst="rect">
-            <a:avLst/>
-          </a:prstGeom>
-          <a:solidFill>
-            <a:schemeClr val="accent2"/>
-          </a:solidFill>
-          <a:ln>
-            <a:solidFill>
-              <a:schemeClr val="accent2">
-                <a:lumMod val="50000"/>
-              </a:schemeClr>
-            </a:solidFill>
-          </a:ln>
-        </p:spPr>
-        <p:style>
-          <a:lnRef idx="2">
-            <a:schemeClr val="accent1">
-              <a:shade val="50000"/>
-            </a:schemeClr>
-          </a:lnRef>
-          <a:fillRef idx="1">
-            <a:schemeClr val="accent1"/>
-          </a:fillRef>
-          <a:effectRef idx="0">
-            <a:schemeClr val="accent1"/>
-          </a:effectRef>
-          <a:fontRef idx="minor">
-            <a:schemeClr val="lt1"/>
-          </a:fontRef>
-        </p:style>
-        <p:txBody>
-          <a:bodyPr rtlCol="0" anchor="ctr"/>
-          <a:lstStyle/>
-          <a:p>
-            <a:pPr algn="ctr"/>
-            <a:r>
-              <a:rPr lang="es-CL" sz="2400" dirty="0">
-                <a:solidFill>
-                  <a:schemeClr val="bg1"/>
-                </a:solidFill>
-              </a:rPr>
-              <a:t>Spot </a:t>
-            </a:r>
-            <a:r>
-              <a:rPr lang="es-CL" sz="2400" dirty="0" err="1">
-                <a:solidFill>
-                  <a:schemeClr val="bg1"/>
-                </a:solidFill>
-              </a:rPr>
-              <a:t>it!</a:t>
-            </a:r>
-            <a:endParaRPr lang="es-CL" sz="2400" dirty="0">
-              <a:solidFill>
-                <a:schemeClr val="bg1"/>
-              </a:solidFill>
-            </a:endParaRPr>
-          </a:p>
-        </p:txBody>
-      </p:sp>
-      <p:sp>
-        <p:nvSpPr>
-          <p:cNvPr id="12" name="Rectangle 11">
-            <a:hlinkClick r:id="rId5" action="ppaction://hlinksldjump"/>
-          </p:cNvPr>
-          <p:cNvSpPr/>
-          <p:nvPr/>
-        </p:nvSpPr>
-        <p:spPr>
-          <a:xfrm>
-            <a:off x="1835696" y="692696"/>
-            <a:ext cx="4176464" cy="576064"/>
-          </a:xfrm>
-          <a:prstGeom prst="rect">
-            <a:avLst/>
-          </a:prstGeom>
-          <a:solidFill>
-            <a:schemeClr val="accent2">
-              <a:lumMod val="75000"/>
-            </a:schemeClr>
-          </a:solidFill>
-          <a:ln>
-            <a:solidFill>
-              <a:schemeClr val="accent2">
-                <a:lumMod val="50000"/>
-              </a:schemeClr>
-            </a:solidFill>
-          </a:ln>
-        </p:spPr>
-        <p:style>
-          <a:lnRef idx="2">
-            <a:schemeClr val="accent1">
-              <a:shade val="50000"/>
-            </a:schemeClr>
-          </a:lnRef>
-          <a:fillRef idx="1">
-            <a:schemeClr val="accent1"/>
-          </a:fillRef>
-          <a:effectRef idx="0">
-            <a:schemeClr val="accent1"/>
-          </a:effectRef>
-          <a:fontRef idx="minor">
-            <a:schemeClr val="lt1"/>
-          </a:fontRef>
-        </p:style>
-        <p:txBody>
-          <a:bodyPr rtlCol="0" anchor="ctr"/>
-          <a:lstStyle/>
-          <a:p>
-            <a:pPr algn="ctr"/>
-            <a:r>
-              <a:rPr lang="es-CL" sz="2400" dirty="0">
-                <a:solidFill>
-                  <a:schemeClr val="bg1"/>
-                </a:solidFill>
-              </a:rPr>
-              <a:t>Lugares</a:t>
-            </a:r>
-          </a:p>
-        </p:txBody>
-      </p:sp>
-      <p:sp>
-        <p:nvSpPr>
-          <p:cNvPr id="13" name="Rectangle 12"/>
-          <p:cNvSpPr/>
-          <p:nvPr/>
-        </p:nvSpPr>
-        <p:spPr>
-          <a:xfrm>
-            <a:off x="7308304" y="692696"/>
-            <a:ext cx="1296144" cy="576064"/>
-          </a:xfrm>
-          <a:prstGeom prst="rect">
-            <a:avLst/>
-          </a:prstGeom>
-          <a:solidFill>
-            <a:schemeClr val="accent2"/>
-          </a:solidFill>
-          <a:ln>
-            <a:solidFill>
-              <a:schemeClr val="accent2">
-                <a:lumMod val="50000"/>
-              </a:schemeClr>
-            </a:solidFill>
-          </a:ln>
-        </p:spPr>
-        <p:style>
-          <a:lnRef idx="2">
-            <a:schemeClr val="accent1">
-              <a:shade val="50000"/>
-            </a:schemeClr>
-          </a:lnRef>
-          <a:fillRef idx="1">
-            <a:schemeClr val="accent1"/>
-          </a:fillRef>
-          <a:effectRef idx="0">
-            <a:schemeClr val="accent1"/>
-          </a:effectRef>
-          <a:fontRef idx="minor">
-            <a:schemeClr val="lt1"/>
-          </a:fontRef>
-        </p:style>
-        <p:txBody>
-          <a:bodyPr rtlCol="0" anchor="ctr"/>
-          <a:lstStyle/>
-          <a:p>
-            <a:pPr algn="ctr"/>
-            <a:r>
-              <a:rPr lang="es-CL" sz="2400" dirty="0" smtClean="0">
-                <a:solidFill>
-                  <a:schemeClr val="bg1"/>
-                </a:solidFill>
-              </a:rPr>
-              <a:t>Ariel</a:t>
-            </a:r>
-            <a:endParaRPr lang="es-CL" sz="2400" dirty="0">
-              <a:solidFill>
-                <a:schemeClr val="bg1"/>
-              </a:solidFill>
-            </a:endParaRPr>
-          </a:p>
-        </p:txBody>
-      </p:sp>
-      <p:sp>
-        <p:nvSpPr>
-          <p:cNvPr id="14" name="Rectangle 13">
-            <a:hlinkClick r:id="rId5" action="ppaction://hlinksldjump"/>
-          </p:cNvPr>
-          <p:cNvSpPr/>
-          <p:nvPr/>
-        </p:nvSpPr>
-        <p:spPr>
-          <a:xfrm>
-            <a:off x="6012160" y="692696"/>
-            <a:ext cx="1296144" cy="576064"/>
-          </a:xfrm>
-          <a:prstGeom prst="rect">
-            <a:avLst/>
-          </a:prstGeom>
-          <a:solidFill>
-            <a:schemeClr val="accent2"/>
-          </a:solidFill>
-          <a:ln>
-            <a:solidFill>
-              <a:schemeClr val="accent2">
-                <a:lumMod val="50000"/>
-              </a:schemeClr>
-            </a:solidFill>
-          </a:ln>
-        </p:spPr>
-        <p:style>
-          <a:lnRef idx="2">
-            <a:schemeClr val="accent1">
-              <a:shade val="50000"/>
-            </a:schemeClr>
-          </a:lnRef>
-          <a:fillRef idx="1">
-            <a:schemeClr val="accent1"/>
-          </a:fillRef>
-          <a:effectRef idx="0">
-            <a:schemeClr val="accent1"/>
-          </a:effectRef>
-          <a:fontRef idx="minor">
-            <a:schemeClr val="lt1"/>
-          </a:fontRef>
-        </p:style>
-        <p:txBody>
-          <a:bodyPr rtlCol="0" anchor="ctr"/>
-          <a:lstStyle/>
-          <a:p>
-            <a:pPr algn="ctr"/>
-            <a:r>
-              <a:rPr lang="es-CL" sz="2400" dirty="0" smtClean="0">
-                <a:solidFill>
-                  <a:schemeClr val="bg1"/>
-                </a:solidFill>
-              </a:rPr>
-              <a:t>Eventos</a:t>
-            </a:r>
-            <a:endParaRPr lang="es-CL" sz="2400" dirty="0">
-              <a:solidFill>
-                <a:schemeClr val="bg1"/>
               </a:solidFill>
             </a:endParaRPr>
           </a:p>
@@ -7518,6 +7560,551 @@
           </a:p>
         </p:txBody>
       </p:sp>
+      <p:grpSp>
+        <p:nvGrpSpPr>
+          <p:cNvPr id="36" name="Group 35"/>
+          <p:cNvGrpSpPr/>
+          <p:nvPr/>
+        </p:nvGrpSpPr>
+        <p:grpSpPr>
+          <a:xfrm>
+            <a:off x="6156176" y="1484784"/>
+            <a:ext cx="216024" cy="216024"/>
+            <a:chOff x="6156176" y="1484784"/>
+            <a:chExt cx="216024" cy="216024"/>
+          </a:xfrm>
+        </p:grpSpPr>
+        <p:sp>
+          <p:nvSpPr>
+            <p:cNvPr id="37" name="Oval 36"/>
+            <p:cNvSpPr/>
+            <p:nvPr/>
+          </p:nvSpPr>
+          <p:spPr>
+            <a:xfrm>
+              <a:off x="6156176" y="1484784"/>
+              <a:ext cx="144016" cy="144016"/>
+            </a:xfrm>
+            <a:prstGeom prst="ellipse">
+              <a:avLst/>
+            </a:prstGeom>
+            <a:solidFill>
+              <a:schemeClr val="accent2">
+                <a:lumMod val="20000"/>
+                <a:lumOff val="80000"/>
+              </a:schemeClr>
+            </a:solidFill>
+            <a:ln>
+              <a:solidFill>
+                <a:schemeClr val="tx1"/>
+              </a:solidFill>
+            </a:ln>
+          </p:spPr>
+          <p:style>
+            <a:lnRef idx="2">
+              <a:schemeClr val="accent1">
+                <a:shade val="50000"/>
+              </a:schemeClr>
+            </a:lnRef>
+            <a:fillRef idx="1">
+              <a:schemeClr val="accent1"/>
+            </a:fillRef>
+            <a:effectRef idx="0">
+              <a:schemeClr val="accent1"/>
+            </a:effectRef>
+            <a:fontRef idx="minor">
+              <a:schemeClr val="lt1"/>
+            </a:fontRef>
+          </p:style>
+          <p:txBody>
+            <a:bodyPr rtlCol="0" anchor="ctr"/>
+            <a:lstStyle/>
+            <a:p>
+              <a:pPr algn="ctr"/>
+              <a:endParaRPr lang="es-CL"/>
+            </a:p>
+          </p:txBody>
+        </p:sp>
+        <p:cxnSp>
+          <p:nvCxnSpPr>
+            <p:cNvPr id="38" name="Straight Connector 37"/>
+            <p:cNvCxnSpPr>
+              <a:stCxn id="37" idx="5"/>
+            </p:cNvCxnSpPr>
+            <p:nvPr/>
+          </p:nvCxnSpPr>
+          <p:spPr>
+            <a:xfrm>
+              <a:off x="6279101" y="1607709"/>
+              <a:ext cx="93099" cy="93099"/>
+            </a:xfrm>
+            <a:prstGeom prst="line">
+              <a:avLst/>
+            </a:prstGeom>
+            <a:ln w="38100">
+              <a:solidFill>
+                <a:schemeClr val="tx1"/>
+              </a:solidFill>
+            </a:ln>
+          </p:spPr>
+          <p:style>
+            <a:lnRef idx="1">
+              <a:schemeClr val="accent1"/>
+            </a:lnRef>
+            <a:fillRef idx="0">
+              <a:schemeClr val="accent1"/>
+            </a:fillRef>
+            <a:effectRef idx="0">
+              <a:schemeClr val="accent1"/>
+            </a:effectRef>
+            <a:fontRef idx="minor">
+              <a:schemeClr val="tx1"/>
+            </a:fontRef>
+          </p:style>
+        </p:cxnSp>
+      </p:grpSp>
+      <p:sp>
+        <p:nvSpPr>
+          <p:cNvPr id="39" name="Rectangle 38"/>
+          <p:cNvSpPr/>
+          <p:nvPr/>
+        </p:nvSpPr>
+        <p:spPr>
+          <a:xfrm>
+            <a:off x="611560" y="692696"/>
+            <a:ext cx="7992888" cy="567680"/>
+          </a:xfrm>
+          <a:prstGeom prst="rect">
+            <a:avLst/>
+          </a:prstGeom>
+          <a:solidFill>
+            <a:schemeClr val="bg1"/>
+          </a:solidFill>
+          <a:ln>
+            <a:solidFill>
+              <a:schemeClr val="accent1"/>
+            </a:solidFill>
+          </a:ln>
+        </p:spPr>
+        <p:style>
+          <a:lnRef idx="2">
+            <a:schemeClr val="accent1">
+              <a:shade val="50000"/>
+            </a:schemeClr>
+          </a:lnRef>
+          <a:fillRef idx="1">
+            <a:schemeClr val="accent1"/>
+          </a:fillRef>
+          <a:effectRef idx="0">
+            <a:schemeClr val="accent1"/>
+          </a:effectRef>
+          <a:fontRef idx="minor">
+            <a:schemeClr val="lt1"/>
+          </a:fontRef>
+        </p:style>
+        <p:txBody>
+          <a:bodyPr rtlCol="0" anchor="ctr"/>
+          <a:lstStyle/>
+          <a:p>
+            <a:pPr algn="ctr"/>
+            <a:endParaRPr lang="es-CL" sz="4400" dirty="0">
+              <a:solidFill>
+                <a:schemeClr val="tx1"/>
+              </a:solidFill>
+            </a:endParaRPr>
+          </a:p>
+        </p:txBody>
+      </p:sp>
+      <p:sp>
+        <p:nvSpPr>
+          <p:cNvPr id="40" name="Rectangle 39"/>
+          <p:cNvSpPr/>
+          <p:nvPr/>
+        </p:nvSpPr>
+        <p:spPr>
+          <a:xfrm>
+            <a:off x="539552" y="692696"/>
+            <a:ext cx="1296144" cy="576064"/>
+          </a:xfrm>
+          <a:prstGeom prst="rect">
+            <a:avLst/>
+          </a:prstGeom>
+          <a:solidFill>
+            <a:schemeClr val="accent2"/>
+          </a:solidFill>
+          <a:ln>
+            <a:solidFill>
+              <a:schemeClr val="accent2">
+                <a:lumMod val="50000"/>
+              </a:schemeClr>
+            </a:solidFill>
+          </a:ln>
+        </p:spPr>
+        <p:style>
+          <a:lnRef idx="2">
+            <a:schemeClr val="accent1">
+              <a:shade val="50000"/>
+            </a:schemeClr>
+          </a:lnRef>
+          <a:fillRef idx="1">
+            <a:schemeClr val="accent1"/>
+          </a:fillRef>
+          <a:effectRef idx="0">
+            <a:schemeClr val="accent1"/>
+          </a:effectRef>
+          <a:fontRef idx="minor">
+            <a:schemeClr val="lt1"/>
+          </a:fontRef>
+        </p:style>
+        <p:txBody>
+          <a:bodyPr rtlCol="0" anchor="ctr"/>
+          <a:lstStyle/>
+          <a:p>
+            <a:pPr algn="ctr"/>
+            <a:r>
+              <a:rPr lang="es-CL" sz="2400" dirty="0" smtClean="0">
+                <a:solidFill>
+                  <a:schemeClr val="bg1"/>
+                </a:solidFill>
+              </a:rPr>
+              <a:t>Spot </a:t>
+            </a:r>
+            <a:r>
+              <a:rPr lang="es-CL" sz="2400" dirty="0" err="1" smtClean="0">
+                <a:solidFill>
+                  <a:schemeClr val="bg1"/>
+                </a:solidFill>
+              </a:rPr>
+              <a:t>it!</a:t>
+            </a:r>
+            <a:endParaRPr lang="es-CL" sz="2400" dirty="0">
+              <a:solidFill>
+                <a:schemeClr val="bg1"/>
+              </a:solidFill>
+            </a:endParaRPr>
+          </a:p>
+        </p:txBody>
+      </p:sp>
+      <p:sp>
+        <p:nvSpPr>
+          <p:cNvPr id="41" name="Rectangle 40">
+            <a:hlinkClick r:id="rId4" action="ppaction://hlinksldjump"/>
+          </p:cNvPr>
+          <p:cNvSpPr/>
+          <p:nvPr/>
+        </p:nvSpPr>
+        <p:spPr>
+          <a:xfrm>
+            <a:off x="1780313" y="692696"/>
+            <a:ext cx="2016224" cy="576064"/>
+          </a:xfrm>
+          <a:prstGeom prst="rect">
+            <a:avLst/>
+          </a:prstGeom>
+          <a:solidFill>
+            <a:schemeClr val="accent2">
+              <a:lumMod val="75000"/>
+            </a:schemeClr>
+          </a:solidFill>
+          <a:ln>
+            <a:solidFill>
+              <a:schemeClr val="accent2">
+                <a:lumMod val="50000"/>
+              </a:schemeClr>
+            </a:solidFill>
+          </a:ln>
+        </p:spPr>
+        <p:style>
+          <a:lnRef idx="2">
+            <a:schemeClr val="accent1">
+              <a:shade val="50000"/>
+            </a:schemeClr>
+          </a:lnRef>
+          <a:fillRef idx="1">
+            <a:schemeClr val="accent1"/>
+          </a:fillRef>
+          <a:effectRef idx="0">
+            <a:schemeClr val="accent1"/>
+          </a:effectRef>
+          <a:fontRef idx="minor">
+            <a:schemeClr val="lt1"/>
+          </a:fontRef>
+        </p:style>
+        <p:txBody>
+          <a:bodyPr rtlCol="0" anchor="ctr"/>
+          <a:lstStyle/>
+          <a:p>
+            <a:pPr algn="ctr"/>
+            <a:r>
+              <a:rPr lang="es-CL" sz="2400" dirty="0" smtClean="0">
+                <a:solidFill>
+                  <a:schemeClr val="bg1"/>
+                </a:solidFill>
+              </a:rPr>
+              <a:t>Lugares</a:t>
+            </a:r>
+            <a:endParaRPr lang="es-CL" sz="2400" dirty="0">
+              <a:solidFill>
+                <a:schemeClr val="bg1"/>
+              </a:solidFill>
+            </a:endParaRPr>
+          </a:p>
+        </p:txBody>
+      </p:sp>
+      <p:sp>
+        <p:nvSpPr>
+          <p:cNvPr id="42" name="Rectangle 41"/>
+          <p:cNvSpPr/>
+          <p:nvPr/>
+        </p:nvSpPr>
+        <p:spPr>
+          <a:xfrm>
+            <a:off x="7308304" y="692696"/>
+            <a:ext cx="1296144" cy="576064"/>
+          </a:xfrm>
+          <a:prstGeom prst="rect">
+            <a:avLst/>
+          </a:prstGeom>
+          <a:solidFill>
+            <a:schemeClr val="accent2"/>
+          </a:solidFill>
+          <a:ln>
+            <a:solidFill>
+              <a:schemeClr val="accent2">
+                <a:lumMod val="50000"/>
+              </a:schemeClr>
+            </a:solidFill>
+          </a:ln>
+        </p:spPr>
+        <p:style>
+          <a:lnRef idx="2">
+            <a:schemeClr val="accent1">
+              <a:shade val="50000"/>
+            </a:schemeClr>
+          </a:lnRef>
+          <a:fillRef idx="1">
+            <a:schemeClr val="accent1"/>
+          </a:fillRef>
+          <a:effectRef idx="0">
+            <a:schemeClr val="accent1"/>
+          </a:effectRef>
+          <a:fontRef idx="minor">
+            <a:schemeClr val="lt1"/>
+          </a:fontRef>
+        </p:style>
+        <p:txBody>
+          <a:bodyPr rtlCol="0" anchor="ctr"/>
+          <a:lstStyle/>
+          <a:p>
+            <a:pPr algn="ctr"/>
+            <a:r>
+              <a:rPr lang="es-CL" sz="2400" dirty="0" smtClean="0">
+                <a:solidFill>
+                  <a:schemeClr val="bg1"/>
+                </a:solidFill>
+              </a:rPr>
+              <a:t>Ariel</a:t>
+            </a:r>
+            <a:endParaRPr lang="es-CL" sz="2400" dirty="0">
+              <a:solidFill>
+                <a:schemeClr val="bg1"/>
+              </a:solidFill>
+            </a:endParaRPr>
+          </a:p>
+        </p:txBody>
+      </p:sp>
+      <p:sp>
+        <p:nvSpPr>
+          <p:cNvPr id="43" name="Rectangle 42">
+            <a:hlinkClick r:id="rId4" action="ppaction://hlinksldjump"/>
+          </p:cNvPr>
+          <p:cNvSpPr/>
+          <p:nvPr/>
+        </p:nvSpPr>
+        <p:spPr>
+          <a:xfrm>
+            <a:off x="6084168" y="692696"/>
+            <a:ext cx="1224136" cy="576064"/>
+          </a:xfrm>
+          <a:prstGeom prst="rect">
+            <a:avLst/>
+          </a:prstGeom>
+          <a:solidFill>
+            <a:schemeClr val="accent2"/>
+          </a:solidFill>
+          <a:ln>
+            <a:solidFill>
+              <a:schemeClr val="accent2">
+                <a:lumMod val="50000"/>
+              </a:schemeClr>
+            </a:solidFill>
+          </a:ln>
+        </p:spPr>
+        <p:style>
+          <a:lnRef idx="2">
+            <a:schemeClr val="accent1">
+              <a:shade val="50000"/>
+            </a:schemeClr>
+          </a:lnRef>
+          <a:fillRef idx="1">
+            <a:schemeClr val="accent1"/>
+          </a:fillRef>
+          <a:effectRef idx="0">
+            <a:schemeClr val="accent1"/>
+          </a:effectRef>
+          <a:fontRef idx="minor">
+            <a:schemeClr val="lt1"/>
+          </a:fontRef>
+        </p:style>
+        <p:txBody>
+          <a:bodyPr rtlCol="0" anchor="ctr"/>
+          <a:lstStyle/>
+          <a:p>
+            <a:pPr algn="ctr"/>
+            <a:r>
+              <a:rPr lang="es-CL" sz="2400" dirty="0" smtClean="0">
+                <a:solidFill>
+                  <a:schemeClr val="bg1"/>
+                </a:solidFill>
+              </a:rPr>
+              <a:t>Eventos</a:t>
+            </a:r>
+            <a:endParaRPr lang="es-CL" sz="2400" dirty="0">
+              <a:solidFill>
+                <a:schemeClr val="bg1"/>
+              </a:solidFill>
+            </a:endParaRPr>
+          </a:p>
+        </p:txBody>
+      </p:sp>
+      <p:sp>
+        <p:nvSpPr>
+          <p:cNvPr id="44" name="Rectangle 43">
+            <a:hlinkClick r:id="rId5" action="ppaction://hlinksldjump"/>
+          </p:cNvPr>
+          <p:cNvSpPr/>
+          <p:nvPr/>
+        </p:nvSpPr>
+        <p:spPr>
+          <a:xfrm>
+            <a:off x="4788024" y="692696"/>
+            <a:ext cx="1296144" cy="576064"/>
+          </a:xfrm>
+          <a:prstGeom prst="rect">
+            <a:avLst/>
+          </a:prstGeom>
+          <a:solidFill>
+            <a:schemeClr val="accent2"/>
+          </a:solidFill>
+          <a:ln>
+            <a:solidFill>
+              <a:schemeClr val="accent2">
+                <a:lumMod val="50000"/>
+              </a:schemeClr>
+            </a:solidFill>
+          </a:ln>
+        </p:spPr>
+        <p:style>
+          <a:lnRef idx="2">
+            <a:schemeClr val="accent1">
+              <a:shade val="50000"/>
+            </a:schemeClr>
+          </a:lnRef>
+          <a:fillRef idx="1">
+            <a:schemeClr val="accent1"/>
+          </a:fillRef>
+          <a:effectRef idx="0">
+            <a:schemeClr val="accent1"/>
+          </a:effectRef>
+          <a:fontRef idx="minor">
+            <a:schemeClr val="lt1"/>
+          </a:fontRef>
+        </p:style>
+        <p:txBody>
+          <a:bodyPr rtlCol="0" anchor="ctr"/>
+          <a:lstStyle/>
+          <a:p>
+            <a:pPr algn="ctr"/>
+            <a:r>
+              <a:rPr lang="es-CL" sz="2400" dirty="0" smtClean="0">
+                <a:solidFill>
+                  <a:schemeClr val="bg1"/>
+                </a:solidFill>
+              </a:rPr>
+              <a:t>Personas</a:t>
+            </a:r>
+            <a:endParaRPr lang="es-CL" sz="2400" dirty="0">
+              <a:solidFill>
+                <a:schemeClr val="bg1"/>
+              </a:solidFill>
+            </a:endParaRPr>
+          </a:p>
+        </p:txBody>
+      </p:sp>
+      <p:sp>
+        <p:nvSpPr>
+          <p:cNvPr id="45" name="Rectangle 44">
+            <a:hlinkClick r:id="rId5" action="ppaction://hlinksldjump"/>
+          </p:cNvPr>
+          <p:cNvSpPr/>
+          <p:nvPr/>
+        </p:nvSpPr>
+        <p:spPr>
+          <a:xfrm>
+            <a:off x="3788296" y="692696"/>
+            <a:ext cx="999728" cy="576064"/>
+          </a:xfrm>
+          <a:prstGeom prst="rect">
+            <a:avLst/>
+          </a:prstGeom>
+          <a:solidFill>
+            <a:schemeClr val="accent2"/>
+          </a:solidFill>
+          <a:ln>
+            <a:solidFill>
+              <a:schemeClr val="accent2">
+                <a:lumMod val="50000"/>
+              </a:schemeClr>
+            </a:solidFill>
+          </a:ln>
+        </p:spPr>
+        <p:style>
+          <a:lnRef idx="2">
+            <a:schemeClr val="accent1">
+              <a:shade val="50000"/>
+            </a:schemeClr>
+          </a:lnRef>
+          <a:fillRef idx="1">
+            <a:schemeClr val="accent1"/>
+          </a:fillRef>
+          <a:effectRef idx="0">
+            <a:schemeClr val="accent1"/>
+          </a:effectRef>
+          <a:fontRef idx="minor">
+            <a:schemeClr val="lt1"/>
+          </a:fontRef>
+        </p:style>
+        <p:txBody>
+          <a:bodyPr rtlCol="0" anchor="ctr"/>
+          <a:lstStyle/>
+          <a:p>
+            <a:pPr algn="ctr"/>
+            <a:r>
+              <a:rPr lang="es-CL" sz="2400" dirty="0" smtClean="0">
+                <a:solidFill>
+                  <a:schemeClr val="bg1"/>
+                </a:solidFill>
+              </a:rPr>
+              <a:t>Salas</a:t>
+            </a:r>
+            <a:endParaRPr lang="es-CL" sz="2400" dirty="0">
+              <a:solidFill>
+                <a:schemeClr val="bg1"/>
+              </a:solidFill>
+            </a:endParaRPr>
+          </a:p>
+        </p:txBody>
+      </p:sp>
     </p:spTree>
   </p:cSld>
   <p:clrMapOvr>
@@ -7654,58 +8241,6 @@
       </p:grpSp>
       <p:sp>
         <p:nvSpPr>
-          <p:cNvPr id="6" name="Rectangle 5"/>
-          <p:cNvSpPr/>
-          <p:nvPr/>
-        </p:nvSpPr>
-        <p:spPr>
-          <a:xfrm>
-            <a:off x="611560" y="692696"/>
-            <a:ext cx="7992888" cy="567680"/>
-          </a:xfrm>
-          <a:prstGeom prst="rect">
-            <a:avLst/>
-          </a:prstGeom>
-          <a:solidFill>
-            <a:schemeClr val="bg1"/>
-          </a:solidFill>
-          <a:ln>
-            <a:solidFill>
-              <a:schemeClr val="accent1"/>
-            </a:solidFill>
-          </a:ln>
-        </p:spPr>
-        <p:style>
-          <a:lnRef idx="2">
-            <a:schemeClr val="accent1">
-              <a:shade val="50000"/>
-            </a:schemeClr>
-          </a:lnRef>
-          <a:fillRef idx="1">
-            <a:schemeClr val="accent1"/>
-          </a:fillRef>
-          <a:effectRef idx="0">
-            <a:schemeClr val="accent1"/>
-          </a:effectRef>
-          <a:fontRef idx="minor">
-            <a:schemeClr val="lt1"/>
-          </a:fontRef>
-        </p:style>
-        <p:txBody>
-          <a:bodyPr rtlCol="0" anchor="ctr"/>
-          <a:lstStyle/>
-          <a:p>
-            <a:pPr algn="ctr"/>
-            <a:endParaRPr lang="es-CL" sz="4400" dirty="0">
-              <a:solidFill>
-                <a:schemeClr val="tx1"/>
-              </a:solidFill>
-            </a:endParaRPr>
-          </a:p>
-        </p:txBody>
-      </p:sp>
-      <p:sp>
-        <p:nvSpPr>
           <p:cNvPr id="8" name="Rectangle 7"/>
           <p:cNvSpPr/>
           <p:nvPr/>
@@ -7780,265 +8315,6 @@
             <a:endParaRPr lang="es-CL" dirty="0">
               <a:solidFill>
                 <a:schemeClr val="tx1"/>
-              </a:solidFill>
-            </a:endParaRPr>
-          </a:p>
-        </p:txBody>
-      </p:sp>
-      <p:sp>
-        <p:nvSpPr>
-          <p:cNvPr id="11" name="Rectangle 10">
-            <a:hlinkClick r:id="rId3" action="ppaction://hlinksldjump"/>
-          </p:cNvPr>
-          <p:cNvSpPr/>
-          <p:nvPr/>
-        </p:nvSpPr>
-        <p:spPr>
-          <a:xfrm>
-            <a:off x="611560" y="692696"/>
-            <a:ext cx="1224136" cy="576064"/>
-          </a:xfrm>
-          <a:prstGeom prst="rect">
-            <a:avLst/>
-          </a:prstGeom>
-          <a:solidFill>
-            <a:schemeClr val="accent2"/>
-          </a:solidFill>
-          <a:ln>
-            <a:solidFill>
-              <a:schemeClr val="accent2">
-                <a:lumMod val="50000"/>
-              </a:schemeClr>
-            </a:solidFill>
-          </a:ln>
-        </p:spPr>
-        <p:style>
-          <a:lnRef idx="2">
-            <a:schemeClr val="accent1">
-              <a:shade val="50000"/>
-            </a:schemeClr>
-          </a:lnRef>
-          <a:fillRef idx="1">
-            <a:schemeClr val="accent1"/>
-          </a:fillRef>
-          <a:effectRef idx="0">
-            <a:schemeClr val="accent1"/>
-          </a:effectRef>
-          <a:fontRef idx="minor">
-            <a:schemeClr val="lt1"/>
-          </a:fontRef>
-        </p:style>
-        <p:txBody>
-          <a:bodyPr rtlCol="0" anchor="ctr"/>
-          <a:lstStyle/>
-          <a:p>
-            <a:pPr algn="ctr"/>
-            <a:r>
-              <a:rPr lang="es-CL" sz="2400" dirty="0">
-                <a:solidFill>
-                  <a:schemeClr val="bg1"/>
-                </a:solidFill>
-              </a:rPr>
-              <a:t>Spot </a:t>
-            </a:r>
-            <a:r>
-              <a:rPr lang="es-CL" sz="2400" dirty="0" err="1">
-                <a:solidFill>
-                  <a:schemeClr val="bg1"/>
-                </a:solidFill>
-              </a:rPr>
-              <a:t>it!</a:t>
-            </a:r>
-            <a:endParaRPr lang="es-CL" sz="2400" dirty="0">
-              <a:solidFill>
-                <a:schemeClr val="bg1"/>
-              </a:solidFill>
-            </a:endParaRPr>
-          </a:p>
-        </p:txBody>
-      </p:sp>
-      <p:sp>
-        <p:nvSpPr>
-          <p:cNvPr id="12" name="Rectangle 11">
-            <a:hlinkClick r:id="rId4" action="ppaction://hlinksldjump"/>
-          </p:cNvPr>
-          <p:cNvSpPr/>
-          <p:nvPr/>
-        </p:nvSpPr>
-        <p:spPr>
-          <a:xfrm>
-            <a:off x="1835696" y="692696"/>
-            <a:ext cx="4176464" cy="576064"/>
-          </a:xfrm>
-          <a:prstGeom prst="rect">
-            <a:avLst/>
-          </a:prstGeom>
-          <a:solidFill>
-            <a:schemeClr val="accent2">
-              <a:lumMod val="75000"/>
-            </a:schemeClr>
-          </a:solidFill>
-          <a:ln>
-            <a:solidFill>
-              <a:schemeClr val="accent2">
-                <a:lumMod val="50000"/>
-              </a:schemeClr>
-            </a:solidFill>
-          </a:ln>
-        </p:spPr>
-        <p:style>
-          <a:lnRef idx="2">
-            <a:schemeClr val="accent1">
-              <a:shade val="50000"/>
-            </a:schemeClr>
-          </a:lnRef>
-          <a:fillRef idx="1">
-            <a:schemeClr val="accent1"/>
-          </a:fillRef>
-          <a:effectRef idx="0">
-            <a:schemeClr val="accent1"/>
-          </a:effectRef>
-          <a:fontRef idx="minor">
-            <a:schemeClr val="lt1"/>
-          </a:fontRef>
-        </p:style>
-        <p:txBody>
-          <a:bodyPr rtlCol="0" anchor="ctr"/>
-          <a:lstStyle/>
-          <a:p>
-            <a:pPr algn="ctr"/>
-            <a:r>
-              <a:rPr lang="es-CL" sz="2400" dirty="0">
-                <a:solidFill>
-                  <a:schemeClr val="bg1"/>
-                </a:solidFill>
-              </a:rPr>
-              <a:t>Lugares</a:t>
-            </a:r>
-          </a:p>
-        </p:txBody>
-      </p:sp>
-      <p:sp>
-        <p:nvSpPr>
-          <p:cNvPr id="13" name="Rectangle 12"/>
-          <p:cNvSpPr/>
-          <p:nvPr/>
-        </p:nvSpPr>
-        <p:spPr>
-          <a:xfrm>
-            <a:off x="7308304" y="692696"/>
-            <a:ext cx="1296144" cy="576064"/>
-          </a:xfrm>
-          <a:prstGeom prst="rect">
-            <a:avLst/>
-          </a:prstGeom>
-          <a:solidFill>
-            <a:schemeClr val="accent2"/>
-          </a:solidFill>
-          <a:ln>
-            <a:solidFill>
-              <a:schemeClr val="accent2">
-                <a:lumMod val="50000"/>
-              </a:schemeClr>
-            </a:solidFill>
-          </a:ln>
-        </p:spPr>
-        <p:style>
-          <a:lnRef idx="2">
-            <a:schemeClr val="accent1">
-              <a:shade val="50000"/>
-            </a:schemeClr>
-          </a:lnRef>
-          <a:fillRef idx="1">
-            <a:schemeClr val="accent1"/>
-          </a:fillRef>
-          <a:effectRef idx="0">
-            <a:schemeClr val="accent1"/>
-          </a:effectRef>
-          <a:fontRef idx="minor">
-            <a:schemeClr val="lt1"/>
-          </a:fontRef>
-        </p:style>
-        <p:txBody>
-          <a:bodyPr rtlCol="0" anchor="ctr"/>
-          <a:lstStyle/>
-          <a:p>
-            <a:pPr algn="ctr"/>
-            <a:r>
-              <a:rPr lang="es-CL" sz="2400" dirty="0" smtClean="0">
-                <a:solidFill>
-                  <a:schemeClr val="bg1"/>
-                </a:solidFill>
-              </a:rPr>
-              <a:t>Ariel</a:t>
-            </a:r>
-            <a:endParaRPr lang="es-CL" sz="2400" dirty="0">
-              <a:solidFill>
-                <a:schemeClr val="bg1"/>
-              </a:solidFill>
-            </a:endParaRPr>
-          </a:p>
-        </p:txBody>
-      </p:sp>
-      <p:sp>
-        <p:nvSpPr>
-          <p:cNvPr id="14" name="Rectangle 13">
-            <a:hlinkClick r:id="rId4" action="ppaction://hlinksldjump"/>
-          </p:cNvPr>
-          <p:cNvSpPr/>
-          <p:nvPr/>
-        </p:nvSpPr>
-        <p:spPr>
-          <a:xfrm>
-            <a:off x="6012160" y="692696"/>
-            <a:ext cx="1296144" cy="576064"/>
-          </a:xfrm>
-          <a:prstGeom prst="rect">
-            <a:avLst/>
-          </a:prstGeom>
-          <a:solidFill>
-            <a:schemeClr val="accent2"/>
-          </a:solidFill>
-          <a:ln>
-            <a:solidFill>
-              <a:schemeClr val="accent2">
-                <a:lumMod val="50000"/>
-              </a:schemeClr>
-            </a:solidFill>
-          </a:ln>
-        </p:spPr>
-        <p:style>
-          <a:lnRef idx="2">
-            <a:schemeClr val="accent1">
-              <a:shade val="50000"/>
-            </a:schemeClr>
-          </a:lnRef>
-          <a:fillRef idx="1">
-            <a:schemeClr val="accent1"/>
-          </a:fillRef>
-          <a:effectRef idx="0">
-            <a:schemeClr val="accent1"/>
-          </a:effectRef>
-          <a:fontRef idx="minor">
-            <a:schemeClr val="lt1"/>
-          </a:fontRef>
-        </p:style>
-        <p:txBody>
-          <a:bodyPr rtlCol="0" anchor="ctr"/>
-          <a:lstStyle/>
-          <a:p>
-            <a:pPr algn="ctr"/>
-            <a:r>
-              <a:rPr lang="es-CL" sz="2400" dirty="0" smtClean="0">
-                <a:solidFill>
-                  <a:schemeClr val="bg1"/>
-                </a:solidFill>
-              </a:rPr>
-              <a:t>Eventos</a:t>
-            </a:r>
-            <a:endParaRPr lang="es-CL" sz="2400" dirty="0">
-              <a:solidFill>
-                <a:schemeClr val="bg1"/>
               </a:solidFill>
             </a:endParaRPr>
           </a:p>
@@ -8561,6 +8837,5256 @@
           </a:p>
         </p:txBody>
       </p:sp>
+      <p:grpSp>
+        <p:nvGrpSpPr>
+          <p:cNvPr id="47" name="Group 46"/>
+          <p:cNvGrpSpPr/>
+          <p:nvPr/>
+        </p:nvGrpSpPr>
+        <p:grpSpPr>
+          <a:xfrm>
+            <a:off x="6156176" y="1484784"/>
+            <a:ext cx="216024" cy="216024"/>
+            <a:chOff x="6156176" y="1484784"/>
+            <a:chExt cx="216024" cy="216024"/>
+          </a:xfrm>
+        </p:grpSpPr>
+        <p:sp>
+          <p:nvSpPr>
+            <p:cNvPr id="48" name="Oval 47"/>
+            <p:cNvSpPr/>
+            <p:nvPr/>
+          </p:nvSpPr>
+          <p:spPr>
+            <a:xfrm>
+              <a:off x="6156176" y="1484784"/>
+              <a:ext cx="144016" cy="144016"/>
+            </a:xfrm>
+            <a:prstGeom prst="ellipse">
+              <a:avLst/>
+            </a:prstGeom>
+            <a:solidFill>
+              <a:schemeClr val="accent2">
+                <a:lumMod val="20000"/>
+                <a:lumOff val="80000"/>
+              </a:schemeClr>
+            </a:solidFill>
+            <a:ln>
+              <a:solidFill>
+                <a:schemeClr val="tx1"/>
+              </a:solidFill>
+            </a:ln>
+          </p:spPr>
+          <p:style>
+            <a:lnRef idx="2">
+              <a:schemeClr val="accent1">
+                <a:shade val="50000"/>
+              </a:schemeClr>
+            </a:lnRef>
+            <a:fillRef idx="1">
+              <a:schemeClr val="accent1"/>
+            </a:fillRef>
+            <a:effectRef idx="0">
+              <a:schemeClr val="accent1"/>
+            </a:effectRef>
+            <a:fontRef idx="minor">
+              <a:schemeClr val="lt1"/>
+            </a:fontRef>
+          </p:style>
+          <p:txBody>
+            <a:bodyPr rtlCol="0" anchor="ctr"/>
+            <a:lstStyle/>
+            <a:p>
+              <a:pPr algn="ctr"/>
+              <a:endParaRPr lang="es-CL"/>
+            </a:p>
+          </p:txBody>
+        </p:sp>
+        <p:cxnSp>
+          <p:nvCxnSpPr>
+            <p:cNvPr id="49" name="Straight Connector 48"/>
+            <p:cNvCxnSpPr>
+              <a:stCxn id="48" idx="5"/>
+            </p:cNvCxnSpPr>
+            <p:nvPr/>
+          </p:nvCxnSpPr>
+          <p:spPr>
+            <a:xfrm>
+              <a:off x="6279101" y="1607709"/>
+              <a:ext cx="93099" cy="93099"/>
+            </a:xfrm>
+            <a:prstGeom prst="line">
+              <a:avLst/>
+            </a:prstGeom>
+            <a:ln w="38100">
+              <a:solidFill>
+                <a:schemeClr val="tx1"/>
+              </a:solidFill>
+            </a:ln>
+          </p:spPr>
+          <p:style>
+            <a:lnRef idx="1">
+              <a:schemeClr val="accent1"/>
+            </a:lnRef>
+            <a:fillRef idx="0">
+              <a:schemeClr val="accent1"/>
+            </a:fillRef>
+            <a:effectRef idx="0">
+              <a:schemeClr val="accent1"/>
+            </a:effectRef>
+            <a:fontRef idx="minor">
+              <a:schemeClr val="tx1"/>
+            </a:fontRef>
+          </p:style>
+        </p:cxnSp>
+      </p:grpSp>
+      <p:sp>
+        <p:nvSpPr>
+          <p:cNvPr id="50" name="Rectangle 49"/>
+          <p:cNvSpPr/>
+          <p:nvPr/>
+        </p:nvSpPr>
+        <p:spPr>
+          <a:xfrm>
+            <a:off x="611560" y="692696"/>
+            <a:ext cx="7992888" cy="567680"/>
+          </a:xfrm>
+          <a:prstGeom prst="rect">
+            <a:avLst/>
+          </a:prstGeom>
+          <a:solidFill>
+            <a:schemeClr val="bg1"/>
+          </a:solidFill>
+          <a:ln>
+            <a:solidFill>
+              <a:schemeClr val="accent1"/>
+            </a:solidFill>
+          </a:ln>
+        </p:spPr>
+        <p:style>
+          <a:lnRef idx="2">
+            <a:schemeClr val="accent1">
+              <a:shade val="50000"/>
+            </a:schemeClr>
+          </a:lnRef>
+          <a:fillRef idx="1">
+            <a:schemeClr val="accent1"/>
+          </a:fillRef>
+          <a:effectRef idx="0">
+            <a:schemeClr val="accent1"/>
+          </a:effectRef>
+          <a:fontRef idx="minor">
+            <a:schemeClr val="lt1"/>
+          </a:fontRef>
+        </p:style>
+        <p:txBody>
+          <a:bodyPr rtlCol="0" anchor="ctr"/>
+          <a:lstStyle/>
+          <a:p>
+            <a:pPr algn="ctr"/>
+            <a:endParaRPr lang="es-CL" sz="4400" dirty="0">
+              <a:solidFill>
+                <a:schemeClr val="tx1"/>
+              </a:solidFill>
+            </a:endParaRPr>
+          </a:p>
+        </p:txBody>
+      </p:sp>
+      <p:sp>
+        <p:nvSpPr>
+          <p:cNvPr id="51" name="Rectangle 50"/>
+          <p:cNvSpPr/>
+          <p:nvPr/>
+        </p:nvSpPr>
+        <p:spPr>
+          <a:xfrm>
+            <a:off x="539552" y="692696"/>
+            <a:ext cx="1296144" cy="576064"/>
+          </a:xfrm>
+          <a:prstGeom prst="rect">
+            <a:avLst/>
+          </a:prstGeom>
+          <a:solidFill>
+            <a:schemeClr val="accent2"/>
+          </a:solidFill>
+          <a:ln>
+            <a:solidFill>
+              <a:schemeClr val="accent2">
+                <a:lumMod val="50000"/>
+              </a:schemeClr>
+            </a:solidFill>
+          </a:ln>
+        </p:spPr>
+        <p:style>
+          <a:lnRef idx="2">
+            <a:schemeClr val="accent1">
+              <a:shade val="50000"/>
+            </a:schemeClr>
+          </a:lnRef>
+          <a:fillRef idx="1">
+            <a:schemeClr val="accent1"/>
+          </a:fillRef>
+          <a:effectRef idx="0">
+            <a:schemeClr val="accent1"/>
+          </a:effectRef>
+          <a:fontRef idx="minor">
+            <a:schemeClr val="lt1"/>
+          </a:fontRef>
+        </p:style>
+        <p:txBody>
+          <a:bodyPr rtlCol="0" anchor="ctr"/>
+          <a:lstStyle/>
+          <a:p>
+            <a:pPr algn="ctr"/>
+            <a:r>
+              <a:rPr lang="es-CL" sz="2400" dirty="0" smtClean="0">
+                <a:solidFill>
+                  <a:schemeClr val="bg1"/>
+                </a:solidFill>
+              </a:rPr>
+              <a:t>Spot </a:t>
+            </a:r>
+            <a:r>
+              <a:rPr lang="es-CL" sz="2400" dirty="0" err="1" smtClean="0">
+                <a:solidFill>
+                  <a:schemeClr val="bg1"/>
+                </a:solidFill>
+              </a:rPr>
+              <a:t>it!</a:t>
+            </a:r>
+            <a:endParaRPr lang="es-CL" sz="2400" dirty="0">
+              <a:solidFill>
+                <a:schemeClr val="bg1"/>
+              </a:solidFill>
+            </a:endParaRPr>
+          </a:p>
+        </p:txBody>
+      </p:sp>
+      <p:sp>
+        <p:nvSpPr>
+          <p:cNvPr id="52" name="Rectangle 51">
+            <a:hlinkClick r:id="rId3" action="ppaction://hlinksldjump"/>
+          </p:cNvPr>
+          <p:cNvSpPr/>
+          <p:nvPr/>
+        </p:nvSpPr>
+        <p:spPr>
+          <a:xfrm>
+            <a:off x="1780313" y="692696"/>
+            <a:ext cx="2016224" cy="576064"/>
+          </a:xfrm>
+          <a:prstGeom prst="rect">
+            <a:avLst/>
+          </a:prstGeom>
+          <a:solidFill>
+            <a:schemeClr val="accent2">
+              <a:lumMod val="75000"/>
+            </a:schemeClr>
+          </a:solidFill>
+          <a:ln>
+            <a:solidFill>
+              <a:schemeClr val="accent2">
+                <a:lumMod val="50000"/>
+              </a:schemeClr>
+            </a:solidFill>
+          </a:ln>
+        </p:spPr>
+        <p:style>
+          <a:lnRef idx="2">
+            <a:schemeClr val="accent1">
+              <a:shade val="50000"/>
+            </a:schemeClr>
+          </a:lnRef>
+          <a:fillRef idx="1">
+            <a:schemeClr val="accent1"/>
+          </a:fillRef>
+          <a:effectRef idx="0">
+            <a:schemeClr val="accent1"/>
+          </a:effectRef>
+          <a:fontRef idx="minor">
+            <a:schemeClr val="lt1"/>
+          </a:fontRef>
+        </p:style>
+        <p:txBody>
+          <a:bodyPr rtlCol="0" anchor="ctr"/>
+          <a:lstStyle/>
+          <a:p>
+            <a:pPr algn="ctr"/>
+            <a:r>
+              <a:rPr lang="es-CL" sz="2400" dirty="0" smtClean="0">
+                <a:solidFill>
+                  <a:schemeClr val="bg1"/>
+                </a:solidFill>
+              </a:rPr>
+              <a:t>Lugares</a:t>
+            </a:r>
+            <a:endParaRPr lang="es-CL" sz="2400" dirty="0">
+              <a:solidFill>
+                <a:schemeClr val="bg1"/>
+              </a:solidFill>
+            </a:endParaRPr>
+          </a:p>
+        </p:txBody>
+      </p:sp>
+      <p:sp>
+        <p:nvSpPr>
+          <p:cNvPr id="53" name="Rectangle 52"/>
+          <p:cNvSpPr/>
+          <p:nvPr/>
+        </p:nvSpPr>
+        <p:spPr>
+          <a:xfrm>
+            <a:off x="7308304" y="692696"/>
+            <a:ext cx="1296144" cy="576064"/>
+          </a:xfrm>
+          <a:prstGeom prst="rect">
+            <a:avLst/>
+          </a:prstGeom>
+          <a:solidFill>
+            <a:schemeClr val="accent2"/>
+          </a:solidFill>
+          <a:ln>
+            <a:solidFill>
+              <a:schemeClr val="accent2">
+                <a:lumMod val="50000"/>
+              </a:schemeClr>
+            </a:solidFill>
+          </a:ln>
+        </p:spPr>
+        <p:style>
+          <a:lnRef idx="2">
+            <a:schemeClr val="accent1">
+              <a:shade val="50000"/>
+            </a:schemeClr>
+          </a:lnRef>
+          <a:fillRef idx="1">
+            <a:schemeClr val="accent1"/>
+          </a:fillRef>
+          <a:effectRef idx="0">
+            <a:schemeClr val="accent1"/>
+          </a:effectRef>
+          <a:fontRef idx="minor">
+            <a:schemeClr val="lt1"/>
+          </a:fontRef>
+        </p:style>
+        <p:txBody>
+          <a:bodyPr rtlCol="0" anchor="ctr"/>
+          <a:lstStyle/>
+          <a:p>
+            <a:pPr algn="ctr"/>
+            <a:r>
+              <a:rPr lang="es-CL" sz="2400" dirty="0" smtClean="0">
+                <a:solidFill>
+                  <a:schemeClr val="bg1"/>
+                </a:solidFill>
+              </a:rPr>
+              <a:t>Ariel</a:t>
+            </a:r>
+            <a:endParaRPr lang="es-CL" sz="2400" dirty="0">
+              <a:solidFill>
+                <a:schemeClr val="bg1"/>
+              </a:solidFill>
+            </a:endParaRPr>
+          </a:p>
+        </p:txBody>
+      </p:sp>
+      <p:sp>
+        <p:nvSpPr>
+          <p:cNvPr id="54" name="Rectangle 53">
+            <a:hlinkClick r:id="rId3" action="ppaction://hlinksldjump"/>
+          </p:cNvPr>
+          <p:cNvSpPr/>
+          <p:nvPr/>
+        </p:nvSpPr>
+        <p:spPr>
+          <a:xfrm>
+            <a:off x="6084168" y="692696"/>
+            <a:ext cx="1224136" cy="576064"/>
+          </a:xfrm>
+          <a:prstGeom prst="rect">
+            <a:avLst/>
+          </a:prstGeom>
+          <a:solidFill>
+            <a:schemeClr val="accent2"/>
+          </a:solidFill>
+          <a:ln>
+            <a:solidFill>
+              <a:schemeClr val="accent2">
+                <a:lumMod val="50000"/>
+              </a:schemeClr>
+            </a:solidFill>
+          </a:ln>
+        </p:spPr>
+        <p:style>
+          <a:lnRef idx="2">
+            <a:schemeClr val="accent1">
+              <a:shade val="50000"/>
+            </a:schemeClr>
+          </a:lnRef>
+          <a:fillRef idx="1">
+            <a:schemeClr val="accent1"/>
+          </a:fillRef>
+          <a:effectRef idx="0">
+            <a:schemeClr val="accent1"/>
+          </a:effectRef>
+          <a:fontRef idx="minor">
+            <a:schemeClr val="lt1"/>
+          </a:fontRef>
+        </p:style>
+        <p:txBody>
+          <a:bodyPr rtlCol="0" anchor="ctr"/>
+          <a:lstStyle/>
+          <a:p>
+            <a:pPr algn="ctr"/>
+            <a:r>
+              <a:rPr lang="es-CL" sz="2400" dirty="0" smtClean="0">
+                <a:solidFill>
+                  <a:schemeClr val="bg1"/>
+                </a:solidFill>
+              </a:rPr>
+              <a:t>Eventos</a:t>
+            </a:r>
+            <a:endParaRPr lang="es-CL" sz="2400" dirty="0">
+              <a:solidFill>
+                <a:schemeClr val="bg1"/>
+              </a:solidFill>
+            </a:endParaRPr>
+          </a:p>
+        </p:txBody>
+      </p:sp>
+      <p:sp>
+        <p:nvSpPr>
+          <p:cNvPr id="55" name="Rectangle 54">
+            <a:hlinkClick r:id="rId4" action="ppaction://hlinksldjump"/>
+          </p:cNvPr>
+          <p:cNvSpPr/>
+          <p:nvPr/>
+        </p:nvSpPr>
+        <p:spPr>
+          <a:xfrm>
+            <a:off x="4788024" y="692696"/>
+            <a:ext cx="1296144" cy="576064"/>
+          </a:xfrm>
+          <a:prstGeom prst="rect">
+            <a:avLst/>
+          </a:prstGeom>
+          <a:solidFill>
+            <a:schemeClr val="accent2"/>
+          </a:solidFill>
+          <a:ln>
+            <a:solidFill>
+              <a:schemeClr val="accent2">
+                <a:lumMod val="50000"/>
+              </a:schemeClr>
+            </a:solidFill>
+          </a:ln>
+        </p:spPr>
+        <p:style>
+          <a:lnRef idx="2">
+            <a:schemeClr val="accent1">
+              <a:shade val="50000"/>
+            </a:schemeClr>
+          </a:lnRef>
+          <a:fillRef idx="1">
+            <a:schemeClr val="accent1"/>
+          </a:fillRef>
+          <a:effectRef idx="0">
+            <a:schemeClr val="accent1"/>
+          </a:effectRef>
+          <a:fontRef idx="minor">
+            <a:schemeClr val="lt1"/>
+          </a:fontRef>
+        </p:style>
+        <p:txBody>
+          <a:bodyPr rtlCol="0" anchor="ctr"/>
+          <a:lstStyle/>
+          <a:p>
+            <a:pPr algn="ctr"/>
+            <a:r>
+              <a:rPr lang="es-CL" sz="2400" dirty="0" smtClean="0">
+                <a:solidFill>
+                  <a:schemeClr val="bg1"/>
+                </a:solidFill>
+              </a:rPr>
+              <a:t>Personas</a:t>
+            </a:r>
+            <a:endParaRPr lang="es-CL" sz="2400" dirty="0">
+              <a:solidFill>
+                <a:schemeClr val="bg1"/>
+              </a:solidFill>
+            </a:endParaRPr>
+          </a:p>
+        </p:txBody>
+      </p:sp>
+      <p:sp>
+        <p:nvSpPr>
+          <p:cNvPr id="56" name="Rectangle 55">
+            <a:hlinkClick r:id="rId4" action="ppaction://hlinksldjump"/>
+          </p:cNvPr>
+          <p:cNvSpPr/>
+          <p:nvPr/>
+        </p:nvSpPr>
+        <p:spPr>
+          <a:xfrm>
+            <a:off x="3788296" y="692696"/>
+            <a:ext cx="999728" cy="576064"/>
+          </a:xfrm>
+          <a:prstGeom prst="rect">
+            <a:avLst/>
+          </a:prstGeom>
+          <a:solidFill>
+            <a:schemeClr val="accent2"/>
+          </a:solidFill>
+          <a:ln>
+            <a:solidFill>
+              <a:schemeClr val="accent2">
+                <a:lumMod val="50000"/>
+              </a:schemeClr>
+            </a:solidFill>
+          </a:ln>
+        </p:spPr>
+        <p:style>
+          <a:lnRef idx="2">
+            <a:schemeClr val="accent1">
+              <a:shade val="50000"/>
+            </a:schemeClr>
+          </a:lnRef>
+          <a:fillRef idx="1">
+            <a:schemeClr val="accent1"/>
+          </a:fillRef>
+          <a:effectRef idx="0">
+            <a:schemeClr val="accent1"/>
+          </a:effectRef>
+          <a:fontRef idx="minor">
+            <a:schemeClr val="lt1"/>
+          </a:fontRef>
+        </p:style>
+        <p:txBody>
+          <a:bodyPr rtlCol="0" anchor="ctr"/>
+          <a:lstStyle/>
+          <a:p>
+            <a:pPr algn="ctr"/>
+            <a:r>
+              <a:rPr lang="es-CL" sz="2400" dirty="0" smtClean="0">
+                <a:solidFill>
+                  <a:schemeClr val="bg1"/>
+                </a:solidFill>
+              </a:rPr>
+              <a:t>Salas</a:t>
+            </a:r>
+            <a:endParaRPr lang="es-CL" sz="2400" dirty="0">
+              <a:solidFill>
+                <a:schemeClr val="bg1"/>
+              </a:solidFill>
+            </a:endParaRPr>
+          </a:p>
+        </p:txBody>
+      </p:sp>
+    </p:spTree>
+  </p:cSld>
+  <p:clrMapOvr>
+    <a:masterClrMapping/>
+  </p:clrMapOvr>
+  <p:transition advClick="0"/>
+  <p:timing>
+    <p:tnLst>
+      <p:par>
+        <p:cTn id="1" dur="indefinite" restart="never" nodeType="tmRoot"/>
+      </p:par>
+    </p:tnLst>
+  </p:timing>
+</p:sld>
+</file>
+
+<file path=ppt/slides/slide6.xml><?xml version="1.0" encoding="utf-8"?>
+<p:sld xmlns:a="http://schemas.openxmlformats.org/drawingml/2006/main" xmlns:r="http://schemas.openxmlformats.org/officeDocument/2006/relationships" xmlns:p="http://schemas.openxmlformats.org/presentationml/2006/main">
+  <p:cSld>
+    <p:spTree>
+      <p:nvGrpSpPr>
+        <p:cNvPr id="1" name=""/>
+        <p:cNvGrpSpPr/>
+        <p:nvPr/>
+      </p:nvGrpSpPr>
+      <p:grpSpPr>
+        <a:xfrm>
+          <a:off x="0" y="0"/>
+          <a:ext cx="0" cy="0"/>
+          <a:chOff x="0" y="0"/>
+          <a:chExt cx="0" cy="0"/>
+        </a:xfrm>
+      </p:grpSpPr>
+      <p:grpSp>
+        <p:nvGrpSpPr>
+          <p:cNvPr id="2" name="Group 20"/>
+          <p:cNvGrpSpPr/>
+          <p:nvPr/>
+        </p:nvGrpSpPr>
+        <p:grpSpPr>
+          <a:xfrm>
+            <a:off x="611560" y="1412776"/>
+            <a:ext cx="7992888" cy="5040560"/>
+            <a:chOff x="611560" y="1412776"/>
+            <a:chExt cx="7992888" cy="5040560"/>
+          </a:xfrm>
+        </p:grpSpPr>
+        <p:sp>
+          <p:nvSpPr>
+            <p:cNvPr id="5" name="Rectangle 4"/>
+            <p:cNvSpPr/>
+            <p:nvPr/>
+          </p:nvSpPr>
+          <p:spPr>
+            <a:xfrm>
+              <a:off x="611560" y="1412776"/>
+              <a:ext cx="7992888" cy="5040560"/>
+            </a:xfrm>
+            <a:prstGeom prst="rect">
+              <a:avLst/>
+            </a:prstGeom>
+            <a:solidFill>
+              <a:schemeClr val="bg1"/>
+            </a:solidFill>
+            <a:ln>
+              <a:solidFill>
+                <a:schemeClr val="accent4">
+                  <a:lumMod val="50000"/>
+                </a:schemeClr>
+              </a:solidFill>
+            </a:ln>
+          </p:spPr>
+          <p:style>
+            <a:lnRef idx="2">
+              <a:schemeClr val="accent1">
+                <a:shade val="50000"/>
+              </a:schemeClr>
+            </a:lnRef>
+            <a:fillRef idx="1">
+              <a:schemeClr val="accent1"/>
+            </a:fillRef>
+            <a:effectRef idx="0">
+              <a:schemeClr val="accent1"/>
+            </a:effectRef>
+            <a:fontRef idx="minor">
+              <a:schemeClr val="lt1"/>
+            </a:fontRef>
+          </p:style>
+          <p:txBody>
+            <a:bodyPr rtlCol="0" anchor="ctr"/>
+            <a:lstStyle/>
+            <a:p>
+              <a:pPr algn="ctr"/>
+              <a:r>
+                <a:rPr lang="es-CL" sz="4400" dirty="0" smtClean="0">
+                  <a:solidFill>
+                    <a:schemeClr val="tx1"/>
+                  </a:solidFill>
+                </a:rPr>
+                <a:t>MAPA</a:t>
+              </a:r>
+              <a:endParaRPr lang="es-CL" sz="4400" dirty="0">
+                <a:solidFill>
+                  <a:schemeClr val="tx1"/>
+                </a:solidFill>
+              </a:endParaRPr>
+            </a:p>
+          </p:txBody>
+        </p:sp>
+        <p:pic>
+          <p:nvPicPr>
+            <p:cNvPr id="20" name="Picture 19" descr="mapa2.jpg"/>
+            <p:cNvPicPr>
+              <a:picLocks noChangeAspect="1"/>
+            </p:cNvPicPr>
+            <p:nvPr/>
+          </p:nvPicPr>
+          <p:blipFill>
+            <a:blip r:embed="rId3" cstate="print"/>
+            <a:stretch>
+              <a:fillRect/>
+            </a:stretch>
+          </p:blipFill>
+          <p:spPr>
+            <a:xfrm>
+              <a:off x="1187624" y="1988840"/>
+              <a:ext cx="6768752" cy="4230312"/>
+            </a:xfrm>
+            <a:prstGeom prst="rect">
+              <a:avLst/>
+            </a:prstGeom>
+          </p:spPr>
+        </p:pic>
+      </p:grpSp>
+      <p:sp>
+        <p:nvSpPr>
+          <p:cNvPr id="8" name="Rectangle 7"/>
+          <p:cNvSpPr/>
+          <p:nvPr/>
+        </p:nvSpPr>
+        <p:spPr>
+          <a:xfrm>
+            <a:off x="611560" y="1412776"/>
+            <a:ext cx="7992888" cy="432048"/>
+          </a:xfrm>
+          <a:prstGeom prst="rect">
+            <a:avLst/>
+          </a:prstGeom>
+          <a:solidFill>
+            <a:schemeClr val="accent4">
+              <a:lumMod val="40000"/>
+              <a:lumOff val="60000"/>
+            </a:schemeClr>
+          </a:solidFill>
+          <a:ln>
+            <a:solidFill>
+              <a:schemeClr val="accent4">
+                <a:lumMod val="50000"/>
+              </a:schemeClr>
+            </a:solidFill>
+          </a:ln>
+        </p:spPr>
+        <p:style>
+          <a:lnRef idx="2">
+            <a:schemeClr val="accent1">
+              <a:shade val="50000"/>
+            </a:schemeClr>
+          </a:lnRef>
+          <a:fillRef idx="1">
+            <a:schemeClr val="accent1"/>
+          </a:fillRef>
+          <a:effectRef idx="0">
+            <a:schemeClr val="accent1"/>
+          </a:effectRef>
+          <a:fontRef idx="minor">
+            <a:schemeClr val="lt1"/>
+          </a:fontRef>
+        </p:style>
+        <p:txBody>
+          <a:bodyPr rtlCol="0" anchor="ctr"/>
+          <a:lstStyle/>
+          <a:p>
+            <a:pPr algn="ctr"/>
+            <a:r>
+              <a:rPr lang="es-CL" sz="2400" dirty="0" smtClean="0">
+                <a:solidFill>
+                  <a:schemeClr val="tx1"/>
+                </a:solidFill>
+              </a:rPr>
+              <a:t>Cargo</a:t>
+            </a:r>
+            <a:r>
+              <a:rPr lang="es-CL" sz="2400" dirty="0">
+                <a:solidFill>
+                  <a:schemeClr val="tx1"/>
+                </a:solidFill>
+              </a:rPr>
+              <a:t>	</a:t>
+            </a:r>
+            <a:r>
+              <a:rPr lang="es-CL" sz="2400" dirty="0" smtClean="0">
+                <a:solidFill>
+                  <a:schemeClr val="tx1"/>
+                </a:solidFill>
+              </a:rPr>
+              <a:t>	|	Facultad	|	</a:t>
+            </a:r>
+            <a:r>
+              <a:rPr lang="es-CL" sz="2400" dirty="0" smtClean="0">
+                <a:solidFill>
+                  <a:schemeClr val="tx1"/>
+                </a:solidFill>
+                <a:hlinkClick r:id="rId4" action="ppaction://hlinksldjump"/>
+              </a:rPr>
+              <a:t>Búsqueda</a:t>
+            </a:r>
+            <a:endParaRPr lang="es-CL" dirty="0">
+              <a:solidFill>
+                <a:schemeClr val="tx1"/>
+              </a:solidFill>
+            </a:endParaRPr>
+          </a:p>
+        </p:txBody>
+      </p:sp>
+      <p:grpSp>
+        <p:nvGrpSpPr>
+          <p:cNvPr id="3" name="Group 21"/>
+          <p:cNvGrpSpPr/>
+          <p:nvPr/>
+        </p:nvGrpSpPr>
+        <p:grpSpPr>
+          <a:xfrm>
+            <a:off x="6156176" y="1484784"/>
+            <a:ext cx="216024" cy="216024"/>
+            <a:chOff x="6156176" y="1484784"/>
+            <a:chExt cx="216024" cy="216024"/>
+          </a:xfrm>
+        </p:grpSpPr>
+        <p:sp>
+          <p:nvSpPr>
+            <p:cNvPr id="15" name="Oval 14"/>
+            <p:cNvSpPr/>
+            <p:nvPr/>
+          </p:nvSpPr>
+          <p:spPr>
+            <a:xfrm>
+              <a:off x="6156176" y="1484784"/>
+              <a:ext cx="144016" cy="144016"/>
+            </a:xfrm>
+            <a:prstGeom prst="ellipse">
+              <a:avLst/>
+            </a:prstGeom>
+            <a:solidFill>
+              <a:schemeClr val="accent2">
+                <a:lumMod val="20000"/>
+                <a:lumOff val="80000"/>
+              </a:schemeClr>
+            </a:solidFill>
+            <a:ln>
+              <a:solidFill>
+                <a:schemeClr val="tx1"/>
+              </a:solidFill>
+            </a:ln>
+          </p:spPr>
+          <p:style>
+            <a:lnRef idx="2">
+              <a:schemeClr val="accent1">
+                <a:shade val="50000"/>
+              </a:schemeClr>
+            </a:lnRef>
+            <a:fillRef idx="1">
+              <a:schemeClr val="accent1"/>
+            </a:fillRef>
+            <a:effectRef idx="0">
+              <a:schemeClr val="accent1"/>
+            </a:effectRef>
+            <a:fontRef idx="minor">
+              <a:schemeClr val="lt1"/>
+            </a:fontRef>
+          </p:style>
+          <p:txBody>
+            <a:bodyPr rtlCol="0" anchor="ctr"/>
+            <a:lstStyle/>
+            <a:p>
+              <a:pPr algn="ctr"/>
+              <a:endParaRPr lang="es-CL"/>
+            </a:p>
+          </p:txBody>
+        </p:sp>
+        <p:cxnSp>
+          <p:nvCxnSpPr>
+            <p:cNvPr id="17" name="Straight Connector 16"/>
+            <p:cNvCxnSpPr>
+              <a:stCxn id="15" idx="5"/>
+            </p:cNvCxnSpPr>
+            <p:nvPr/>
+          </p:nvCxnSpPr>
+          <p:spPr>
+            <a:xfrm>
+              <a:off x="6279101" y="1607709"/>
+              <a:ext cx="93099" cy="93099"/>
+            </a:xfrm>
+            <a:prstGeom prst="line">
+              <a:avLst/>
+            </a:prstGeom>
+            <a:ln w="38100">
+              <a:solidFill>
+                <a:schemeClr val="tx1"/>
+              </a:solidFill>
+            </a:ln>
+          </p:spPr>
+          <p:style>
+            <a:lnRef idx="1">
+              <a:schemeClr val="accent1"/>
+            </a:lnRef>
+            <a:fillRef idx="0">
+              <a:schemeClr val="accent1"/>
+            </a:fillRef>
+            <a:effectRef idx="0">
+              <a:schemeClr val="accent1"/>
+            </a:effectRef>
+            <a:fontRef idx="minor">
+              <a:schemeClr val="tx1"/>
+            </a:fontRef>
+          </p:style>
+        </p:cxnSp>
+      </p:grpSp>
+      <p:sp>
+        <p:nvSpPr>
+          <p:cNvPr id="24" name="Rectangle 23"/>
+          <p:cNvSpPr/>
+          <p:nvPr/>
+        </p:nvSpPr>
+        <p:spPr>
+          <a:xfrm>
+            <a:off x="611560" y="6237312"/>
+            <a:ext cx="7992888" cy="216024"/>
+          </a:xfrm>
+          <a:prstGeom prst="rect">
+            <a:avLst/>
+          </a:prstGeom>
+          <a:solidFill>
+            <a:schemeClr val="bg1">
+              <a:lumMod val="95000"/>
+            </a:schemeClr>
+          </a:solidFill>
+          <a:ln>
+            <a:solidFill>
+              <a:schemeClr val="tx1">
+                <a:lumMod val="75000"/>
+                <a:lumOff val="25000"/>
+              </a:schemeClr>
+            </a:solidFill>
+          </a:ln>
+        </p:spPr>
+        <p:style>
+          <a:lnRef idx="2">
+            <a:schemeClr val="accent1">
+              <a:shade val="50000"/>
+            </a:schemeClr>
+          </a:lnRef>
+          <a:fillRef idx="1">
+            <a:schemeClr val="accent1"/>
+          </a:fillRef>
+          <a:effectRef idx="0">
+            <a:schemeClr val="accent1"/>
+          </a:effectRef>
+          <a:fontRef idx="minor">
+            <a:schemeClr val="lt1"/>
+          </a:fontRef>
+        </p:style>
+        <p:txBody>
+          <a:bodyPr rtlCol="0" anchor="ctr"/>
+          <a:lstStyle/>
+          <a:p>
+            <a:pPr algn="ctr"/>
+            <a:endParaRPr lang="es-CL"/>
+          </a:p>
+        </p:txBody>
+      </p:sp>
+      <p:grpSp>
+        <p:nvGrpSpPr>
+          <p:cNvPr id="4" name="Group 27"/>
+          <p:cNvGrpSpPr/>
+          <p:nvPr/>
+        </p:nvGrpSpPr>
+        <p:grpSpPr>
+          <a:xfrm>
+            <a:off x="8388424" y="6237312"/>
+            <a:ext cx="216024" cy="216024"/>
+            <a:chOff x="8388424" y="6237312"/>
+            <a:chExt cx="216024" cy="216024"/>
+          </a:xfrm>
+        </p:grpSpPr>
+        <p:sp>
+          <p:nvSpPr>
+            <p:cNvPr id="25" name="Rectangle 24"/>
+            <p:cNvSpPr/>
+            <p:nvPr/>
+          </p:nvSpPr>
+          <p:spPr>
+            <a:xfrm>
+              <a:off x="8388424" y="6237312"/>
+              <a:ext cx="216024" cy="216024"/>
+            </a:xfrm>
+            <a:prstGeom prst="rect">
+              <a:avLst/>
+            </a:prstGeom>
+            <a:solidFill>
+              <a:schemeClr val="bg1">
+                <a:lumMod val="95000"/>
+              </a:schemeClr>
+            </a:solidFill>
+            <a:ln>
+              <a:solidFill>
+                <a:schemeClr val="tx1">
+                  <a:lumMod val="75000"/>
+                  <a:lumOff val="25000"/>
+                </a:schemeClr>
+              </a:solidFill>
+            </a:ln>
+          </p:spPr>
+          <p:style>
+            <a:lnRef idx="2">
+              <a:schemeClr val="accent1">
+                <a:shade val="50000"/>
+              </a:schemeClr>
+            </a:lnRef>
+            <a:fillRef idx="1">
+              <a:schemeClr val="accent1"/>
+            </a:fillRef>
+            <a:effectRef idx="0">
+              <a:schemeClr val="accent1"/>
+            </a:effectRef>
+            <a:fontRef idx="minor">
+              <a:schemeClr val="lt1"/>
+            </a:fontRef>
+          </p:style>
+          <p:txBody>
+            <a:bodyPr rtlCol="0" anchor="ctr"/>
+            <a:lstStyle/>
+            <a:p>
+              <a:pPr algn="ctr"/>
+              <a:endParaRPr lang="es-CL"/>
+            </a:p>
+          </p:txBody>
+        </p:sp>
+        <p:sp>
+          <p:nvSpPr>
+            <p:cNvPr id="27" name="Isosceles Triangle 26"/>
+            <p:cNvSpPr/>
+            <p:nvPr/>
+          </p:nvSpPr>
+          <p:spPr>
+            <a:xfrm rot="5400000">
+              <a:off x="8388424" y="6237312"/>
+              <a:ext cx="216024" cy="216024"/>
+            </a:xfrm>
+            <a:prstGeom prst="triangle">
+              <a:avLst/>
+            </a:prstGeom>
+            <a:solidFill>
+              <a:schemeClr val="bg1">
+                <a:lumMod val="75000"/>
+              </a:schemeClr>
+            </a:solidFill>
+            <a:ln>
+              <a:solidFill>
+                <a:schemeClr val="tx1">
+                  <a:lumMod val="75000"/>
+                  <a:lumOff val="25000"/>
+                </a:schemeClr>
+              </a:solidFill>
+            </a:ln>
+          </p:spPr>
+          <p:style>
+            <a:lnRef idx="2">
+              <a:schemeClr val="accent1">
+                <a:shade val="50000"/>
+              </a:schemeClr>
+            </a:lnRef>
+            <a:fillRef idx="1">
+              <a:schemeClr val="accent1"/>
+            </a:fillRef>
+            <a:effectRef idx="0">
+              <a:schemeClr val="accent1"/>
+            </a:effectRef>
+            <a:fontRef idx="minor">
+              <a:schemeClr val="lt1"/>
+            </a:fontRef>
+          </p:style>
+          <p:txBody>
+            <a:bodyPr rtlCol="0" anchor="ctr"/>
+            <a:lstStyle/>
+            <a:p>
+              <a:pPr algn="ctr"/>
+              <a:endParaRPr lang="es-CL"/>
+            </a:p>
+          </p:txBody>
+        </p:sp>
+      </p:grpSp>
+      <p:grpSp>
+        <p:nvGrpSpPr>
+          <p:cNvPr id="6" name="Group 28"/>
+          <p:cNvGrpSpPr/>
+          <p:nvPr/>
+        </p:nvGrpSpPr>
+        <p:grpSpPr>
+          <a:xfrm rot="10800000">
+            <a:off x="611560" y="6237312"/>
+            <a:ext cx="216024" cy="216024"/>
+            <a:chOff x="8388424" y="6237312"/>
+            <a:chExt cx="216024" cy="216024"/>
+          </a:xfrm>
+        </p:grpSpPr>
+        <p:sp>
+          <p:nvSpPr>
+            <p:cNvPr id="30" name="Rectangle 29"/>
+            <p:cNvSpPr/>
+            <p:nvPr/>
+          </p:nvSpPr>
+          <p:spPr>
+            <a:xfrm>
+              <a:off x="8388424" y="6237312"/>
+              <a:ext cx="216024" cy="216024"/>
+            </a:xfrm>
+            <a:prstGeom prst="rect">
+              <a:avLst/>
+            </a:prstGeom>
+            <a:solidFill>
+              <a:schemeClr val="bg1">
+                <a:lumMod val="95000"/>
+              </a:schemeClr>
+            </a:solidFill>
+            <a:ln>
+              <a:solidFill>
+                <a:schemeClr val="tx1">
+                  <a:lumMod val="75000"/>
+                  <a:lumOff val="25000"/>
+                </a:schemeClr>
+              </a:solidFill>
+            </a:ln>
+          </p:spPr>
+          <p:style>
+            <a:lnRef idx="2">
+              <a:schemeClr val="accent1">
+                <a:shade val="50000"/>
+              </a:schemeClr>
+            </a:lnRef>
+            <a:fillRef idx="1">
+              <a:schemeClr val="accent1"/>
+            </a:fillRef>
+            <a:effectRef idx="0">
+              <a:schemeClr val="accent1"/>
+            </a:effectRef>
+            <a:fontRef idx="minor">
+              <a:schemeClr val="lt1"/>
+            </a:fontRef>
+          </p:style>
+          <p:txBody>
+            <a:bodyPr rtlCol="0" anchor="ctr"/>
+            <a:lstStyle/>
+            <a:p>
+              <a:pPr algn="ctr"/>
+              <a:endParaRPr lang="es-CL"/>
+            </a:p>
+          </p:txBody>
+        </p:sp>
+        <p:sp>
+          <p:nvSpPr>
+            <p:cNvPr id="31" name="Isosceles Triangle 30"/>
+            <p:cNvSpPr/>
+            <p:nvPr/>
+          </p:nvSpPr>
+          <p:spPr>
+            <a:xfrm rot="5400000">
+              <a:off x="8388424" y="6237312"/>
+              <a:ext cx="216024" cy="216024"/>
+            </a:xfrm>
+            <a:prstGeom prst="triangle">
+              <a:avLst/>
+            </a:prstGeom>
+            <a:solidFill>
+              <a:schemeClr val="bg1">
+                <a:lumMod val="75000"/>
+              </a:schemeClr>
+            </a:solidFill>
+            <a:ln>
+              <a:solidFill>
+                <a:schemeClr val="tx1">
+                  <a:lumMod val="75000"/>
+                  <a:lumOff val="25000"/>
+                </a:schemeClr>
+              </a:solidFill>
+            </a:ln>
+          </p:spPr>
+          <p:style>
+            <a:lnRef idx="2">
+              <a:schemeClr val="accent1">
+                <a:shade val="50000"/>
+              </a:schemeClr>
+            </a:lnRef>
+            <a:fillRef idx="1">
+              <a:schemeClr val="accent1"/>
+            </a:fillRef>
+            <a:effectRef idx="0">
+              <a:schemeClr val="accent1"/>
+            </a:effectRef>
+            <a:fontRef idx="minor">
+              <a:schemeClr val="lt1"/>
+            </a:fontRef>
+          </p:style>
+          <p:txBody>
+            <a:bodyPr rtlCol="0" anchor="ctr"/>
+            <a:lstStyle/>
+            <a:p>
+              <a:pPr algn="ctr"/>
+              <a:endParaRPr lang="es-CL"/>
+            </a:p>
+          </p:txBody>
+        </p:sp>
+      </p:grpSp>
+      <p:sp>
+        <p:nvSpPr>
+          <p:cNvPr id="32" name="Rectangle 31"/>
+          <p:cNvSpPr/>
+          <p:nvPr/>
+        </p:nvSpPr>
+        <p:spPr>
+          <a:xfrm>
+            <a:off x="2483768" y="6237312"/>
+            <a:ext cx="4464496" cy="216024"/>
+          </a:xfrm>
+          <a:prstGeom prst="rect">
+            <a:avLst/>
+          </a:prstGeom>
+          <a:solidFill>
+            <a:schemeClr val="bg1">
+              <a:lumMod val="75000"/>
+            </a:schemeClr>
+          </a:solidFill>
+          <a:ln>
+            <a:solidFill>
+              <a:schemeClr val="tx1">
+                <a:lumMod val="75000"/>
+                <a:lumOff val="25000"/>
+              </a:schemeClr>
+            </a:solidFill>
+          </a:ln>
+        </p:spPr>
+        <p:style>
+          <a:lnRef idx="2">
+            <a:schemeClr val="accent1">
+              <a:shade val="50000"/>
+            </a:schemeClr>
+          </a:lnRef>
+          <a:fillRef idx="1">
+            <a:schemeClr val="accent1"/>
+          </a:fillRef>
+          <a:effectRef idx="0">
+            <a:schemeClr val="accent1"/>
+          </a:effectRef>
+          <a:fontRef idx="minor">
+            <a:schemeClr val="lt1"/>
+          </a:fontRef>
+        </p:style>
+        <p:txBody>
+          <a:bodyPr rtlCol="0" anchor="ctr"/>
+          <a:lstStyle/>
+          <a:p>
+            <a:pPr algn="ctr"/>
+            <a:endParaRPr lang="es-CL"/>
+          </a:p>
+        </p:txBody>
+      </p:sp>
+      <p:grpSp>
+        <p:nvGrpSpPr>
+          <p:cNvPr id="28" name="Group 27"/>
+          <p:cNvGrpSpPr/>
+          <p:nvPr/>
+        </p:nvGrpSpPr>
+        <p:grpSpPr>
+          <a:xfrm>
+            <a:off x="6156176" y="1484784"/>
+            <a:ext cx="216024" cy="216024"/>
+            <a:chOff x="6156176" y="1484784"/>
+            <a:chExt cx="216024" cy="216024"/>
+          </a:xfrm>
+        </p:grpSpPr>
+        <p:sp>
+          <p:nvSpPr>
+            <p:cNvPr id="29" name="Oval 28"/>
+            <p:cNvSpPr/>
+            <p:nvPr/>
+          </p:nvSpPr>
+          <p:spPr>
+            <a:xfrm>
+              <a:off x="6156176" y="1484784"/>
+              <a:ext cx="144016" cy="144016"/>
+            </a:xfrm>
+            <a:prstGeom prst="ellipse">
+              <a:avLst/>
+            </a:prstGeom>
+            <a:solidFill>
+              <a:schemeClr val="accent2">
+                <a:lumMod val="20000"/>
+                <a:lumOff val="80000"/>
+              </a:schemeClr>
+            </a:solidFill>
+            <a:ln>
+              <a:solidFill>
+                <a:schemeClr val="tx1"/>
+              </a:solidFill>
+            </a:ln>
+          </p:spPr>
+          <p:style>
+            <a:lnRef idx="2">
+              <a:schemeClr val="accent1">
+                <a:shade val="50000"/>
+              </a:schemeClr>
+            </a:lnRef>
+            <a:fillRef idx="1">
+              <a:schemeClr val="accent1"/>
+            </a:fillRef>
+            <a:effectRef idx="0">
+              <a:schemeClr val="accent1"/>
+            </a:effectRef>
+            <a:fontRef idx="minor">
+              <a:schemeClr val="lt1"/>
+            </a:fontRef>
+          </p:style>
+          <p:txBody>
+            <a:bodyPr rtlCol="0" anchor="ctr"/>
+            <a:lstStyle/>
+            <a:p>
+              <a:pPr algn="ctr"/>
+              <a:endParaRPr lang="es-CL"/>
+            </a:p>
+          </p:txBody>
+        </p:sp>
+        <p:cxnSp>
+          <p:nvCxnSpPr>
+            <p:cNvPr id="38" name="Straight Connector 37"/>
+            <p:cNvCxnSpPr>
+              <a:stCxn id="29" idx="5"/>
+            </p:cNvCxnSpPr>
+            <p:nvPr/>
+          </p:nvCxnSpPr>
+          <p:spPr>
+            <a:xfrm>
+              <a:off x="6279101" y="1607709"/>
+              <a:ext cx="93099" cy="93099"/>
+            </a:xfrm>
+            <a:prstGeom prst="line">
+              <a:avLst/>
+            </a:prstGeom>
+            <a:ln w="38100">
+              <a:solidFill>
+                <a:schemeClr val="tx1"/>
+              </a:solidFill>
+            </a:ln>
+          </p:spPr>
+          <p:style>
+            <a:lnRef idx="1">
+              <a:schemeClr val="accent1"/>
+            </a:lnRef>
+            <a:fillRef idx="0">
+              <a:schemeClr val="accent1"/>
+            </a:fillRef>
+            <a:effectRef idx="0">
+              <a:schemeClr val="accent1"/>
+            </a:effectRef>
+            <a:fontRef idx="minor">
+              <a:schemeClr val="tx1"/>
+            </a:fontRef>
+          </p:style>
+        </p:cxnSp>
+      </p:grpSp>
+      <p:sp>
+        <p:nvSpPr>
+          <p:cNvPr id="39" name="Rectangle 38"/>
+          <p:cNvSpPr/>
+          <p:nvPr/>
+        </p:nvSpPr>
+        <p:spPr>
+          <a:xfrm>
+            <a:off x="611560" y="692696"/>
+            <a:ext cx="7992888" cy="567680"/>
+          </a:xfrm>
+          <a:prstGeom prst="rect">
+            <a:avLst/>
+          </a:prstGeom>
+          <a:solidFill>
+            <a:schemeClr val="bg1"/>
+          </a:solidFill>
+          <a:ln>
+            <a:solidFill>
+              <a:schemeClr val="accent1"/>
+            </a:solidFill>
+          </a:ln>
+        </p:spPr>
+        <p:style>
+          <a:lnRef idx="2">
+            <a:schemeClr val="accent1">
+              <a:shade val="50000"/>
+            </a:schemeClr>
+          </a:lnRef>
+          <a:fillRef idx="1">
+            <a:schemeClr val="accent1"/>
+          </a:fillRef>
+          <a:effectRef idx="0">
+            <a:schemeClr val="accent1"/>
+          </a:effectRef>
+          <a:fontRef idx="minor">
+            <a:schemeClr val="lt1"/>
+          </a:fontRef>
+        </p:style>
+        <p:txBody>
+          <a:bodyPr rtlCol="0" anchor="ctr"/>
+          <a:lstStyle/>
+          <a:p>
+            <a:pPr algn="ctr"/>
+            <a:endParaRPr lang="es-CL" sz="4400" dirty="0">
+              <a:solidFill>
+                <a:schemeClr val="tx1"/>
+              </a:solidFill>
+            </a:endParaRPr>
+          </a:p>
+        </p:txBody>
+      </p:sp>
+      <p:sp>
+        <p:nvSpPr>
+          <p:cNvPr id="40" name="Rectangle 39"/>
+          <p:cNvSpPr/>
+          <p:nvPr/>
+        </p:nvSpPr>
+        <p:spPr>
+          <a:xfrm>
+            <a:off x="539552" y="692696"/>
+            <a:ext cx="1296144" cy="576064"/>
+          </a:xfrm>
+          <a:prstGeom prst="rect">
+            <a:avLst/>
+          </a:prstGeom>
+          <a:solidFill>
+            <a:schemeClr val="accent2"/>
+          </a:solidFill>
+          <a:ln>
+            <a:solidFill>
+              <a:schemeClr val="accent2">
+                <a:lumMod val="50000"/>
+              </a:schemeClr>
+            </a:solidFill>
+          </a:ln>
+        </p:spPr>
+        <p:style>
+          <a:lnRef idx="2">
+            <a:schemeClr val="accent1">
+              <a:shade val="50000"/>
+            </a:schemeClr>
+          </a:lnRef>
+          <a:fillRef idx="1">
+            <a:schemeClr val="accent1"/>
+          </a:fillRef>
+          <a:effectRef idx="0">
+            <a:schemeClr val="accent1"/>
+          </a:effectRef>
+          <a:fontRef idx="minor">
+            <a:schemeClr val="lt1"/>
+          </a:fontRef>
+        </p:style>
+        <p:txBody>
+          <a:bodyPr rtlCol="0" anchor="ctr"/>
+          <a:lstStyle/>
+          <a:p>
+            <a:pPr algn="ctr"/>
+            <a:r>
+              <a:rPr lang="es-CL" sz="2400" dirty="0" smtClean="0">
+                <a:solidFill>
+                  <a:schemeClr val="bg1"/>
+                </a:solidFill>
+              </a:rPr>
+              <a:t>Spot </a:t>
+            </a:r>
+            <a:r>
+              <a:rPr lang="es-CL" sz="2400" dirty="0" err="1" smtClean="0">
+                <a:solidFill>
+                  <a:schemeClr val="bg1"/>
+                </a:solidFill>
+              </a:rPr>
+              <a:t>it!</a:t>
+            </a:r>
+            <a:endParaRPr lang="es-CL" sz="2400" dirty="0">
+              <a:solidFill>
+                <a:schemeClr val="bg1"/>
+              </a:solidFill>
+            </a:endParaRPr>
+          </a:p>
+        </p:txBody>
+      </p:sp>
+      <p:sp>
+        <p:nvSpPr>
+          <p:cNvPr id="41" name="Rectangle 40">
+            <a:hlinkClick r:id="rId5" action="ppaction://hlinksldjump"/>
+          </p:cNvPr>
+          <p:cNvSpPr/>
+          <p:nvPr/>
+        </p:nvSpPr>
+        <p:spPr>
+          <a:xfrm>
+            <a:off x="1780313" y="692696"/>
+            <a:ext cx="1279519" cy="576064"/>
+          </a:xfrm>
+          <a:prstGeom prst="rect">
+            <a:avLst/>
+          </a:prstGeom>
+          <a:solidFill>
+            <a:schemeClr val="accent2"/>
+          </a:solidFill>
+          <a:ln>
+            <a:solidFill>
+              <a:schemeClr val="accent2">
+                <a:lumMod val="50000"/>
+              </a:schemeClr>
+            </a:solidFill>
+          </a:ln>
+        </p:spPr>
+        <p:style>
+          <a:lnRef idx="2">
+            <a:schemeClr val="accent1">
+              <a:shade val="50000"/>
+            </a:schemeClr>
+          </a:lnRef>
+          <a:fillRef idx="1">
+            <a:schemeClr val="accent1"/>
+          </a:fillRef>
+          <a:effectRef idx="0">
+            <a:schemeClr val="accent1"/>
+          </a:effectRef>
+          <a:fontRef idx="minor">
+            <a:schemeClr val="lt1"/>
+          </a:fontRef>
+        </p:style>
+        <p:txBody>
+          <a:bodyPr rtlCol="0" anchor="ctr"/>
+          <a:lstStyle/>
+          <a:p>
+            <a:pPr algn="ctr"/>
+            <a:r>
+              <a:rPr lang="es-CL" sz="2400" dirty="0" smtClean="0">
+                <a:solidFill>
+                  <a:schemeClr val="bg1"/>
+                </a:solidFill>
+              </a:rPr>
+              <a:t>Lugares</a:t>
+            </a:r>
+          </a:p>
+        </p:txBody>
+      </p:sp>
+      <p:sp>
+        <p:nvSpPr>
+          <p:cNvPr id="42" name="Rectangle 41"/>
+          <p:cNvSpPr/>
+          <p:nvPr/>
+        </p:nvSpPr>
+        <p:spPr>
+          <a:xfrm>
+            <a:off x="7308304" y="692696"/>
+            <a:ext cx="1296144" cy="576064"/>
+          </a:xfrm>
+          <a:prstGeom prst="rect">
+            <a:avLst/>
+          </a:prstGeom>
+          <a:solidFill>
+            <a:schemeClr val="accent2"/>
+          </a:solidFill>
+          <a:ln>
+            <a:solidFill>
+              <a:schemeClr val="accent2">
+                <a:lumMod val="50000"/>
+              </a:schemeClr>
+            </a:solidFill>
+          </a:ln>
+        </p:spPr>
+        <p:style>
+          <a:lnRef idx="2">
+            <a:schemeClr val="accent1">
+              <a:shade val="50000"/>
+            </a:schemeClr>
+          </a:lnRef>
+          <a:fillRef idx="1">
+            <a:schemeClr val="accent1"/>
+          </a:fillRef>
+          <a:effectRef idx="0">
+            <a:schemeClr val="accent1"/>
+          </a:effectRef>
+          <a:fontRef idx="minor">
+            <a:schemeClr val="lt1"/>
+          </a:fontRef>
+        </p:style>
+        <p:txBody>
+          <a:bodyPr rtlCol="0" anchor="ctr"/>
+          <a:lstStyle/>
+          <a:p>
+            <a:pPr algn="ctr"/>
+            <a:r>
+              <a:rPr lang="es-CL" sz="2400" dirty="0" smtClean="0">
+                <a:solidFill>
+                  <a:schemeClr val="bg1"/>
+                </a:solidFill>
+              </a:rPr>
+              <a:t>Ariel</a:t>
+            </a:r>
+            <a:endParaRPr lang="es-CL" sz="2400" dirty="0">
+              <a:solidFill>
+                <a:schemeClr val="bg1"/>
+              </a:solidFill>
+            </a:endParaRPr>
+          </a:p>
+        </p:txBody>
+      </p:sp>
+      <p:sp>
+        <p:nvSpPr>
+          <p:cNvPr id="43" name="Rectangle 42">
+            <a:hlinkClick r:id="rId5" action="ppaction://hlinksldjump"/>
+          </p:cNvPr>
+          <p:cNvSpPr/>
+          <p:nvPr/>
+        </p:nvSpPr>
+        <p:spPr>
+          <a:xfrm>
+            <a:off x="6084168" y="692696"/>
+            <a:ext cx="1224136" cy="576064"/>
+          </a:xfrm>
+          <a:prstGeom prst="rect">
+            <a:avLst/>
+          </a:prstGeom>
+          <a:solidFill>
+            <a:schemeClr val="accent2"/>
+          </a:solidFill>
+          <a:ln>
+            <a:solidFill>
+              <a:schemeClr val="accent2">
+                <a:lumMod val="50000"/>
+              </a:schemeClr>
+            </a:solidFill>
+          </a:ln>
+        </p:spPr>
+        <p:style>
+          <a:lnRef idx="2">
+            <a:schemeClr val="accent1">
+              <a:shade val="50000"/>
+            </a:schemeClr>
+          </a:lnRef>
+          <a:fillRef idx="1">
+            <a:schemeClr val="accent1"/>
+          </a:fillRef>
+          <a:effectRef idx="0">
+            <a:schemeClr val="accent1"/>
+          </a:effectRef>
+          <a:fontRef idx="minor">
+            <a:schemeClr val="lt1"/>
+          </a:fontRef>
+        </p:style>
+        <p:txBody>
+          <a:bodyPr rtlCol="0" anchor="ctr"/>
+          <a:lstStyle/>
+          <a:p>
+            <a:pPr algn="ctr"/>
+            <a:r>
+              <a:rPr lang="es-CL" sz="2400" dirty="0" smtClean="0">
+                <a:solidFill>
+                  <a:schemeClr val="bg1"/>
+                </a:solidFill>
+              </a:rPr>
+              <a:t>Eventos</a:t>
+            </a:r>
+            <a:endParaRPr lang="es-CL" sz="2400" dirty="0">
+              <a:solidFill>
+                <a:schemeClr val="bg1"/>
+              </a:solidFill>
+            </a:endParaRPr>
+          </a:p>
+        </p:txBody>
+      </p:sp>
+      <p:sp>
+        <p:nvSpPr>
+          <p:cNvPr id="44" name="Rectangle 43">
+            <a:hlinkClick r:id="rId6" action="ppaction://hlinksldjump"/>
+          </p:cNvPr>
+          <p:cNvSpPr/>
+          <p:nvPr/>
+        </p:nvSpPr>
+        <p:spPr>
+          <a:xfrm>
+            <a:off x="4067944" y="692696"/>
+            <a:ext cx="2016224" cy="576064"/>
+          </a:xfrm>
+          <a:prstGeom prst="rect">
+            <a:avLst/>
+          </a:prstGeom>
+          <a:solidFill>
+            <a:schemeClr val="accent2">
+              <a:lumMod val="75000"/>
+            </a:schemeClr>
+          </a:solidFill>
+          <a:ln>
+            <a:solidFill>
+              <a:schemeClr val="accent2">
+                <a:lumMod val="50000"/>
+              </a:schemeClr>
+            </a:solidFill>
+          </a:ln>
+        </p:spPr>
+        <p:style>
+          <a:lnRef idx="2">
+            <a:schemeClr val="accent1">
+              <a:shade val="50000"/>
+            </a:schemeClr>
+          </a:lnRef>
+          <a:fillRef idx="1">
+            <a:schemeClr val="accent1"/>
+          </a:fillRef>
+          <a:effectRef idx="0">
+            <a:schemeClr val="accent1"/>
+          </a:effectRef>
+          <a:fontRef idx="minor">
+            <a:schemeClr val="lt1"/>
+          </a:fontRef>
+        </p:style>
+        <p:txBody>
+          <a:bodyPr rtlCol="0" anchor="ctr"/>
+          <a:lstStyle/>
+          <a:p>
+            <a:pPr algn="ctr"/>
+            <a:r>
+              <a:rPr lang="es-CL" sz="2400" dirty="0" smtClean="0">
+                <a:solidFill>
+                  <a:schemeClr val="bg1"/>
+                </a:solidFill>
+              </a:rPr>
+              <a:t>Personas</a:t>
+            </a:r>
+          </a:p>
+        </p:txBody>
+      </p:sp>
+      <p:sp>
+        <p:nvSpPr>
+          <p:cNvPr id="45" name="Rectangle 44">
+            <a:hlinkClick r:id="rId6" action="ppaction://hlinksldjump"/>
+          </p:cNvPr>
+          <p:cNvSpPr/>
+          <p:nvPr/>
+        </p:nvSpPr>
+        <p:spPr>
+          <a:xfrm>
+            <a:off x="3059832" y="692696"/>
+            <a:ext cx="999728" cy="576064"/>
+          </a:xfrm>
+          <a:prstGeom prst="rect">
+            <a:avLst/>
+          </a:prstGeom>
+          <a:solidFill>
+            <a:schemeClr val="accent2"/>
+          </a:solidFill>
+          <a:ln>
+            <a:solidFill>
+              <a:schemeClr val="accent2">
+                <a:lumMod val="50000"/>
+              </a:schemeClr>
+            </a:solidFill>
+          </a:ln>
+        </p:spPr>
+        <p:style>
+          <a:lnRef idx="2">
+            <a:schemeClr val="accent1">
+              <a:shade val="50000"/>
+            </a:schemeClr>
+          </a:lnRef>
+          <a:fillRef idx="1">
+            <a:schemeClr val="accent1"/>
+          </a:fillRef>
+          <a:effectRef idx="0">
+            <a:schemeClr val="accent1"/>
+          </a:effectRef>
+          <a:fontRef idx="minor">
+            <a:schemeClr val="lt1"/>
+          </a:fontRef>
+        </p:style>
+        <p:txBody>
+          <a:bodyPr rtlCol="0" anchor="ctr"/>
+          <a:lstStyle/>
+          <a:p>
+            <a:pPr algn="ctr"/>
+            <a:r>
+              <a:rPr lang="es-CL" sz="2400" dirty="0" smtClean="0">
+                <a:solidFill>
+                  <a:schemeClr val="bg1"/>
+                </a:solidFill>
+              </a:rPr>
+              <a:t>Salas</a:t>
+            </a:r>
+            <a:endParaRPr lang="es-CL" sz="2400" dirty="0">
+              <a:solidFill>
+                <a:schemeClr val="bg1"/>
+              </a:solidFill>
+            </a:endParaRPr>
+          </a:p>
+        </p:txBody>
+      </p:sp>
+    </p:spTree>
+  </p:cSld>
+  <p:clrMapOvr>
+    <a:masterClrMapping/>
+  </p:clrMapOvr>
+  <p:transition advClick="0"/>
+  <p:timing>
+    <p:tnLst>
+      <p:par>
+        <p:cTn id="1" dur="indefinite" restart="never" nodeType="tmRoot"/>
+      </p:par>
+    </p:tnLst>
+  </p:timing>
+</p:sld>
+</file>
+
+<file path=ppt/slides/slide7.xml><?xml version="1.0" encoding="utf-8"?>
+<p:sld xmlns:a="http://schemas.openxmlformats.org/drawingml/2006/main" xmlns:r="http://schemas.openxmlformats.org/officeDocument/2006/relationships" xmlns:p="http://schemas.openxmlformats.org/presentationml/2006/main">
+  <p:cSld>
+    <p:spTree>
+      <p:nvGrpSpPr>
+        <p:cNvPr id="1" name=""/>
+        <p:cNvGrpSpPr/>
+        <p:nvPr/>
+      </p:nvGrpSpPr>
+      <p:grpSpPr>
+        <a:xfrm>
+          <a:off x="0" y="0"/>
+          <a:ext cx="0" cy="0"/>
+          <a:chOff x="0" y="0"/>
+          <a:chExt cx="0" cy="0"/>
+        </a:xfrm>
+      </p:grpSpPr>
+      <p:grpSp>
+        <p:nvGrpSpPr>
+          <p:cNvPr id="2" name="Group 20"/>
+          <p:cNvGrpSpPr/>
+          <p:nvPr/>
+        </p:nvGrpSpPr>
+        <p:grpSpPr>
+          <a:xfrm>
+            <a:off x="611560" y="1412776"/>
+            <a:ext cx="7992888" cy="5040560"/>
+            <a:chOff x="611560" y="1412776"/>
+            <a:chExt cx="7992888" cy="5040560"/>
+          </a:xfrm>
+        </p:grpSpPr>
+        <p:sp>
+          <p:nvSpPr>
+            <p:cNvPr id="5" name="Rectangle 4"/>
+            <p:cNvSpPr/>
+            <p:nvPr/>
+          </p:nvSpPr>
+          <p:spPr>
+            <a:xfrm>
+              <a:off x="611560" y="1412776"/>
+              <a:ext cx="7992888" cy="5040560"/>
+            </a:xfrm>
+            <a:prstGeom prst="rect">
+              <a:avLst/>
+            </a:prstGeom>
+            <a:solidFill>
+              <a:schemeClr val="bg1"/>
+            </a:solidFill>
+            <a:ln>
+              <a:solidFill>
+                <a:schemeClr val="accent4">
+                  <a:lumMod val="50000"/>
+                </a:schemeClr>
+              </a:solidFill>
+            </a:ln>
+          </p:spPr>
+          <p:style>
+            <a:lnRef idx="2">
+              <a:schemeClr val="accent1">
+                <a:shade val="50000"/>
+              </a:schemeClr>
+            </a:lnRef>
+            <a:fillRef idx="1">
+              <a:schemeClr val="accent1"/>
+            </a:fillRef>
+            <a:effectRef idx="0">
+              <a:schemeClr val="accent1"/>
+            </a:effectRef>
+            <a:fontRef idx="minor">
+              <a:schemeClr val="lt1"/>
+            </a:fontRef>
+          </p:style>
+          <p:txBody>
+            <a:bodyPr rtlCol="0" anchor="ctr"/>
+            <a:lstStyle/>
+            <a:p>
+              <a:pPr algn="ctr"/>
+              <a:r>
+                <a:rPr lang="es-CL" sz="4400" dirty="0" smtClean="0">
+                  <a:solidFill>
+                    <a:schemeClr val="tx1"/>
+                  </a:solidFill>
+                </a:rPr>
+                <a:t>MAPA</a:t>
+              </a:r>
+              <a:endParaRPr lang="es-CL" sz="4400" dirty="0">
+                <a:solidFill>
+                  <a:schemeClr val="tx1"/>
+                </a:solidFill>
+              </a:endParaRPr>
+            </a:p>
+          </p:txBody>
+        </p:sp>
+        <p:pic>
+          <p:nvPicPr>
+            <p:cNvPr id="20" name="Picture 19" descr="mapa2.jpg"/>
+            <p:cNvPicPr>
+              <a:picLocks noChangeAspect="1"/>
+            </p:cNvPicPr>
+            <p:nvPr/>
+          </p:nvPicPr>
+          <p:blipFill>
+            <a:blip r:embed="rId3" cstate="print"/>
+            <a:stretch>
+              <a:fillRect/>
+            </a:stretch>
+          </p:blipFill>
+          <p:spPr>
+            <a:xfrm>
+              <a:off x="1187624" y="1988840"/>
+              <a:ext cx="6768752" cy="4230312"/>
+            </a:xfrm>
+            <a:prstGeom prst="rect">
+              <a:avLst/>
+            </a:prstGeom>
+          </p:spPr>
+        </p:pic>
+      </p:grpSp>
+      <p:sp>
+        <p:nvSpPr>
+          <p:cNvPr id="24" name="Rectangle 23"/>
+          <p:cNvSpPr/>
+          <p:nvPr/>
+        </p:nvSpPr>
+        <p:spPr>
+          <a:xfrm>
+            <a:off x="611560" y="6237312"/>
+            <a:ext cx="7992888" cy="216024"/>
+          </a:xfrm>
+          <a:prstGeom prst="rect">
+            <a:avLst/>
+          </a:prstGeom>
+          <a:solidFill>
+            <a:schemeClr val="bg1">
+              <a:lumMod val="95000"/>
+            </a:schemeClr>
+          </a:solidFill>
+          <a:ln>
+            <a:solidFill>
+              <a:schemeClr val="tx1">
+                <a:lumMod val="75000"/>
+                <a:lumOff val="25000"/>
+              </a:schemeClr>
+            </a:solidFill>
+          </a:ln>
+        </p:spPr>
+        <p:style>
+          <a:lnRef idx="2">
+            <a:schemeClr val="accent1">
+              <a:shade val="50000"/>
+            </a:schemeClr>
+          </a:lnRef>
+          <a:fillRef idx="1">
+            <a:schemeClr val="accent1"/>
+          </a:fillRef>
+          <a:effectRef idx="0">
+            <a:schemeClr val="accent1"/>
+          </a:effectRef>
+          <a:fontRef idx="minor">
+            <a:schemeClr val="lt1"/>
+          </a:fontRef>
+        </p:style>
+        <p:txBody>
+          <a:bodyPr rtlCol="0" anchor="ctr"/>
+          <a:lstStyle/>
+          <a:p>
+            <a:pPr algn="ctr"/>
+            <a:endParaRPr lang="es-CL"/>
+          </a:p>
+        </p:txBody>
+      </p:sp>
+      <p:grpSp>
+        <p:nvGrpSpPr>
+          <p:cNvPr id="4" name="Group 27"/>
+          <p:cNvGrpSpPr/>
+          <p:nvPr/>
+        </p:nvGrpSpPr>
+        <p:grpSpPr>
+          <a:xfrm>
+            <a:off x="8388424" y="6237312"/>
+            <a:ext cx="216024" cy="216024"/>
+            <a:chOff x="8388424" y="6237312"/>
+            <a:chExt cx="216024" cy="216024"/>
+          </a:xfrm>
+        </p:grpSpPr>
+        <p:sp>
+          <p:nvSpPr>
+            <p:cNvPr id="25" name="Rectangle 24"/>
+            <p:cNvSpPr/>
+            <p:nvPr/>
+          </p:nvSpPr>
+          <p:spPr>
+            <a:xfrm>
+              <a:off x="8388424" y="6237312"/>
+              <a:ext cx="216024" cy="216024"/>
+            </a:xfrm>
+            <a:prstGeom prst="rect">
+              <a:avLst/>
+            </a:prstGeom>
+            <a:solidFill>
+              <a:schemeClr val="bg1">
+                <a:lumMod val="95000"/>
+              </a:schemeClr>
+            </a:solidFill>
+            <a:ln>
+              <a:solidFill>
+                <a:schemeClr val="tx1">
+                  <a:lumMod val="75000"/>
+                  <a:lumOff val="25000"/>
+                </a:schemeClr>
+              </a:solidFill>
+            </a:ln>
+          </p:spPr>
+          <p:style>
+            <a:lnRef idx="2">
+              <a:schemeClr val="accent1">
+                <a:shade val="50000"/>
+              </a:schemeClr>
+            </a:lnRef>
+            <a:fillRef idx="1">
+              <a:schemeClr val="accent1"/>
+            </a:fillRef>
+            <a:effectRef idx="0">
+              <a:schemeClr val="accent1"/>
+            </a:effectRef>
+            <a:fontRef idx="minor">
+              <a:schemeClr val="lt1"/>
+            </a:fontRef>
+          </p:style>
+          <p:txBody>
+            <a:bodyPr rtlCol="0" anchor="ctr"/>
+            <a:lstStyle/>
+            <a:p>
+              <a:pPr algn="ctr"/>
+              <a:endParaRPr lang="es-CL"/>
+            </a:p>
+          </p:txBody>
+        </p:sp>
+        <p:sp>
+          <p:nvSpPr>
+            <p:cNvPr id="27" name="Isosceles Triangle 26"/>
+            <p:cNvSpPr/>
+            <p:nvPr/>
+          </p:nvSpPr>
+          <p:spPr>
+            <a:xfrm rot="5400000">
+              <a:off x="8388424" y="6237312"/>
+              <a:ext cx="216024" cy="216024"/>
+            </a:xfrm>
+            <a:prstGeom prst="triangle">
+              <a:avLst/>
+            </a:prstGeom>
+            <a:solidFill>
+              <a:schemeClr val="bg1">
+                <a:lumMod val="75000"/>
+              </a:schemeClr>
+            </a:solidFill>
+            <a:ln>
+              <a:solidFill>
+                <a:schemeClr val="tx1">
+                  <a:lumMod val="75000"/>
+                  <a:lumOff val="25000"/>
+                </a:schemeClr>
+              </a:solidFill>
+            </a:ln>
+          </p:spPr>
+          <p:style>
+            <a:lnRef idx="2">
+              <a:schemeClr val="accent1">
+                <a:shade val="50000"/>
+              </a:schemeClr>
+            </a:lnRef>
+            <a:fillRef idx="1">
+              <a:schemeClr val="accent1"/>
+            </a:fillRef>
+            <a:effectRef idx="0">
+              <a:schemeClr val="accent1"/>
+            </a:effectRef>
+            <a:fontRef idx="minor">
+              <a:schemeClr val="lt1"/>
+            </a:fontRef>
+          </p:style>
+          <p:txBody>
+            <a:bodyPr rtlCol="0" anchor="ctr"/>
+            <a:lstStyle/>
+            <a:p>
+              <a:pPr algn="ctr"/>
+              <a:endParaRPr lang="es-CL"/>
+            </a:p>
+          </p:txBody>
+        </p:sp>
+      </p:grpSp>
+      <p:grpSp>
+        <p:nvGrpSpPr>
+          <p:cNvPr id="6" name="Group 28"/>
+          <p:cNvGrpSpPr/>
+          <p:nvPr/>
+        </p:nvGrpSpPr>
+        <p:grpSpPr>
+          <a:xfrm rot="10800000">
+            <a:off x="611560" y="6237312"/>
+            <a:ext cx="216024" cy="216024"/>
+            <a:chOff x="8388424" y="6237312"/>
+            <a:chExt cx="216024" cy="216024"/>
+          </a:xfrm>
+        </p:grpSpPr>
+        <p:sp>
+          <p:nvSpPr>
+            <p:cNvPr id="30" name="Rectangle 29"/>
+            <p:cNvSpPr/>
+            <p:nvPr/>
+          </p:nvSpPr>
+          <p:spPr>
+            <a:xfrm>
+              <a:off x="8388424" y="6237312"/>
+              <a:ext cx="216024" cy="216024"/>
+            </a:xfrm>
+            <a:prstGeom prst="rect">
+              <a:avLst/>
+            </a:prstGeom>
+            <a:solidFill>
+              <a:schemeClr val="bg1">
+                <a:lumMod val="95000"/>
+              </a:schemeClr>
+            </a:solidFill>
+            <a:ln>
+              <a:solidFill>
+                <a:schemeClr val="tx1">
+                  <a:lumMod val="75000"/>
+                  <a:lumOff val="25000"/>
+                </a:schemeClr>
+              </a:solidFill>
+            </a:ln>
+          </p:spPr>
+          <p:style>
+            <a:lnRef idx="2">
+              <a:schemeClr val="accent1">
+                <a:shade val="50000"/>
+              </a:schemeClr>
+            </a:lnRef>
+            <a:fillRef idx="1">
+              <a:schemeClr val="accent1"/>
+            </a:fillRef>
+            <a:effectRef idx="0">
+              <a:schemeClr val="accent1"/>
+            </a:effectRef>
+            <a:fontRef idx="minor">
+              <a:schemeClr val="lt1"/>
+            </a:fontRef>
+          </p:style>
+          <p:txBody>
+            <a:bodyPr rtlCol="0" anchor="ctr"/>
+            <a:lstStyle/>
+            <a:p>
+              <a:pPr algn="ctr"/>
+              <a:endParaRPr lang="es-CL"/>
+            </a:p>
+          </p:txBody>
+        </p:sp>
+        <p:sp>
+          <p:nvSpPr>
+            <p:cNvPr id="31" name="Isosceles Triangle 30"/>
+            <p:cNvSpPr/>
+            <p:nvPr/>
+          </p:nvSpPr>
+          <p:spPr>
+            <a:xfrm rot="5400000">
+              <a:off x="8388424" y="6237312"/>
+              <a:ext cx="216024" cy="216024"/>
+            </a:xfrm>
+            <a:prstGeom prst="triangle">
+              <a:avLst/>
+            </a:prstGeom>
+            <a:solidFill>
+              <a:schemeClr val="bg1">
+                <a:lumMod val="75000"/>
+              </a:schemeClr>
+            </a:solidFill>
+            <a:ln>
+              <a:solidFill>
+                <a:schemeClr val="tx1">
+                  <a:lumMod val="75000"/>
+                  <a:lumOff val="25000"/>
+                </a:schemeClr>
+              </a:solidFill>
+            </a:ln>
+          </p:spPr>
+          <p:style>
+            <a:lnRef idx="2">
+              <a:schemeClr val="accent1">
+                <a:shade val="50000"/>
+              </a:schemeClr>
+            </a:lnRef>
+            <a:fillRef idx="1">
+              <a:schemeClr val="accent1"/>
+            </a:fillRef>
+            <a:effectRef idx="0">
+              <a:schemeClr val="accent1"/>
+            </a:effectRef>
+            <a:fontRef idx="minor">
+              <a:schemeClr val="lt1"/>
+            </a:fontRef>
+          </p:style>
+          <p:txBody>
+            <a:bodyPr rtlCol="0" anchor="ctr"/>
+            <a:lstStyle/>
+            <a:p>
+              <a:pPr algn="ctr"/>
+              <a:endParaRPr lang="es-CL"/>
+            </a:p>
+          </p:txBody>
+        </p:sp>
+      </p:grpSp>
+      <p:sp>
+        <p:nvSpPr>
+          <p:cNvPr id="32" name="Rectangle 31"/>
+          <p:cNvSpPr/>
+          <p:nvPr/>
+        </p:nvSpPr>
+        <p:spPr>
+          <a:xfrm>
+            <a:off x="2483768" y="6237312"/>
+            <a:ext cx="4464496" cy="216024"/>
+          </a:xfrm>
+          <a:prstGeom prst="rect">
+            <a:avLst/>
+          </a:prstGeom>
+          <a:solidFill>
+            <a:schemeClr val="bg1">
+              <a:lumMod val="75000"/>
+            </a:schemeClr>
+          </a:solidFill>
+          <a:ln>
+            <a:solidFill>
+              <a:schemeClr val="tx1">
+                <a:lumMod val="75000"/>
+                <a:lumOff val="25000"/>
+              </a:schemeClr>
+            </a:solidFill>
+          </a:ln>
+        </p:spPr>
+        <p:style>
+          <a:lnRef idx="2">
+            <a:schemeClr val="accent1">
+              <a:shade val="50000"/>
+            </a:schemeClr>
+          </a:lnRef>
+          <a:fillRef idx="1">
+            <a:schemeClr val="accent1"/>
+          </a:fillRef>
+          <a:effectRef idx="0">
+            <a:schemeClr val="accent1"/>
+          </a:effectRef>
+          <a:fontRef idx="minor">
+            <a:schemeClr val="lt1"/>
+          </a:fontRef>
+        </p:style>
+        <p:txBody>
+          <a:bodyPr rtlCol="0" anchor="ctr"/>
+          <a:lstStyle/>
+          <a:p>
+            <a:pPr algn="ctr"/>
+            <a:endParaRPr lang="es-CL"/>
+          </a:p>
+        </p:txBody>
+      </p:sp>
+      <p:sp>
+        <p:nvSpPr>
+          <p:cNvPr id="39" name="Rectangle 38"/>
+          <p:cNvSpPr/>
+          <p:nvPr/>
+        </p:nvSpPr>
+        <p:spPr>
+          <a:xfrm>
+            <a:off x="611560" y="692696"/>
+            <a:ext cx="7992888" cy="567680"/>
+          </a:xfrm>
+          <a:prstGeom prst="rect">
+            <a:avLst/>
+          </a:prstGeom>
+          <a:solidFill>
+            <a:schemeClr val="bg1"/>
+          </a:solidFill>
+          <a:ln>
+            <a:solidFill>
+              <a:schemeClr val="accent1"/>
+            </a:solidFill>
+          </a:ln>
+        </p:spPr>
+        <p:style>
+          <a:lnRef idx="2">
+            <a:schemeClr val="accent1">
+              <a:shade val="50000"/>
+            </a:schemeClr>
+          </a:lnRef>
+          <a:fillRef idx="1">
+            <a:schemeClr val="accent1"/>
+          </a:fillRef>
+          <a:effectRef idx="0">
+            <a:schemeClr val="accent1"/>
+          </a:effectRef>
+          <a:fontRef idx="minor">
+            <a:schemeClr val="lt1"/>
+          </a:fontRef>
+        </p:style>
+        <p:txBody>
+          <a:bodyPr rtlCol="0" anchor="ctr"/>
+          <a:lstStyle/>
+          <a:p>
+            <a:pPr algn="ctr"/>
+            <a:endParaRPr lang="es-CL" sz="4400" dirty="0">
+              <a:solidFill>
+                <a:schemeClr val="tx1"/>
+              </a:solidFill>
+            </a:endParaRPr>
+          </a:p>
+        </p:txBody>
+      </p:sp>
+      <p:sp>
+        <p:nvSpPr>
+          <p:cNvPr id="40" name="Rectangle 39"/>
+          <p:cNvSpPr/>
+          <p:nvPr/>
+        </p:nvSpPr>
+        <p:spPr>
+          <a:xfrm>
+            <a:off x="539552" y="692696"/>
+            <a:ext cx="1296144" cy="576064"/>
+          </a:xfrm>
+          <a:prstGeom prst="rect">
+            <a:avLst/>
+          </a:prstGeom>
+          <a:solidFill>
+            <a:schemeClr val="accent2"/>
+          </a:solidFill>
+          <a:ln>
+            <a:solidFill>
+              <a:schemeClr val="accent2">
+                <a:lumMod val="50000"/>
+              </a:schemeClr>
+            </a:solidFill>
+          </a:ln>
+        </p:spPr>
+        <p:style>
+          <a:lnRef idx="2">
+            <a:schemeClr val="accent1">
+              <a:shade val="50000"/>
+            </a:schemeClr>
+          </a:lnRef>
+          <a:fillRef idx="1">
+            <a:schemeClr val="accent1"/>
+          </a:fillRef>
+          <a:effectRef idx="0">
+            <a:schemeClr val="accent1"/>
+          </a:effectRef>
+          <a:fontRef idx="minor">
+            <a:schemeClr val="lt1"/>
+          </a:fontRef>
+        </p:style>
+        <p:txBody>
+          <a:bodyPr rtlCol="0" anchor="ctr"/>
+          <a:lstStyle/>
+          <a:p>
+            <a:pPr algn="ctr"/>
+            <a:r>
+              <a:rPr lang="es-CL" sz="2400" dirty="0" smtClean="0">
+                <a:solidFill>
+                  <a:schemeClr val="bg1"/>
+                </a:solidFill>
+              </a:rPr>
+              <a:t>Spot </a:t>
+            </a:r>
+            <a:r>
+              <a:rPr lang="es-CL" sz="2400" dirty="0" err="1" smtClean="0">
+                <a:solidFill>
+                  <a:schemeClr val="bg1"/>
+                </a:solidFill>
+              </a:rPr>
+              <a:t>it!</a:t>
+            </a:r>
+            <a:endParaRPr lang="es-CL" sz="2400" dirty="0">
+              <a:solidFill>
+                <a:schemeClr val="bg1"/>
+              </a:solidFill>
+            </a:endParaRPr>
+          </a:p>
+        </p:txBody>
+      </p:sp>
+      <p:sp>
+        <p:nvSpPr>
+          <p:cNvPr id="41" name="Rectangle 40">
+            <a:hlinkClick r:id="rId4" action="ppaction://hlinksldjump"/>
+          </p:cNvPr>
+          <p:cNvSpPr/>
+          <p:nvPr/>
+        </p:nvSpPr>
+        <p:spPr>
+          <a:xfrm>
+            <a:off x="1780313" y="692696"/>
+            <a:ext cx="1279519" cy="576064"/>
+          </a:xfrm>
+          <a:prstGeom prst="rect">
+            <a:avLst/>
+          </a:prstGeom>
+          <a:solidFill>
+            <a:schemeClr val="accent2"/>
+          </a:solidFill>
+          <a:ln>
+            <a:solidFill>
+              <a:schemeClr val="accent2">
+                <a:lumMod val="50000"/>
+              </a:schemeClr>
+            </a:solidFill>
+          </a:ln>
+        </p:spPr>
+        <p:style>
+          <a:lnRef idx="2">
+            <a:schemeClr val="accent1">
+              <a:shade val="50000"/>
+            </a:schemeClr>
+          </a:lnRef>
+          <a:fillRef idx="1">
+            <a:schemeClr val="accent1"/>
+          </a:fillRef>
+          <a:effectRef idx="0">
+            <a:schemeClr val="accent1"/>
+          </a:effectRef>
+          <a:fontRef idx="minor">
+            <a:schemeClr val="lt1"/>
+          </a:fontRef>
+        </p:style>
+        <p:txBody>
+          <a:bodyPr rtlCol="0" anchor="ctr"/>
+          <a:lstStyle/>
+          <a:p>
+            <a:pPr algn="ctr"/>
+            <a:r>
+              <a:rPr lang="es-CL" sz="2400" dirty="0" smtClean="0">
+                <a:solidFill>
+                  <a:schemeClr val="bg1"/>
+                </a:solidFill>
+              </a:rPr>
+              <a:t>Lugares</a:t>
+            </a:r>
+          </a:p>
+        </p:txBody>
+      </p:sp>
+      <p:sp>
+        <p:nvSpPr>
+          <p:cNvPr id="42" name="Rectangle 41"/>
+          <p:cNvSpPr/>
+          <p:nvPr/>
+        </p:nvSpPr>
+        <p:spPr>
+          <a:xfrm>
+            <a:off x="7308304" y="692696"/>
+            <a:ext cx="1296144" cy="576064"/>
+          </a:xfrm>
+          <a:prstGeom prst="rect">
+            <a:avLst/>
+          </a:prstGeom>
+          <a:solidFill>
+            <a:schemeClr val="accent2"/>
+          </a:solidFill>
+          <a:ln>
+            <a:solidFill>
+              <a:schemeClr val="accent2">
+                <a:lumMod val="50000"/>
+              </a:schemeClr>
+            </a:solidFill>
+          </a:ln>
+        </p:spPr>
+        <p:style>
+          <a:lnRef idx="2">
+            <a:schemeClr val="accent1">
+              <a:shade val="50000"/>
+            </a:schemeClr>
+          </a:lnRef>
+          <a:fillRef idx="1">
+            <a:schemeClr val="accent1"/>
+          </a:fillRef>
+          <a:effectRef idx="0">
+            <a:schemeClr val="accent1"/>
+          </a:effectRef>
+          <a:fontRef idx="minor">
+            <a:schemeClr val="lt1"/>
+          </a:fontRef>
+        </p:style>
+        <p:txBody>
+          <a:bodyPr rtlCol="0" anchor="ctr"/>
+          <a:lstStyle/>
+          <a:p>
+            <a:pPr algn="ctr"/>
+            <a:r>
+              <a:rPr lang="es-CL" sz="2400" dirty="0" smtClean="0">
+                <a:solidFill>
+                  <a:schemeClr val="bg1"/>
+                </a:solidFill>
+              </a:rPr>
+              <a:t>Ariel</a:t>
+            </a:r>
+            <a:endParaRPr lang="es-CL" sz="2400" dirty="0">
+              <a:solidFill>
+                <a:schemeClr val="bg1"/>
+              </a:solidFill>
+            </a:endParaRPr>
+          </a:p>
+        </p:txBody>
+      </p:sp>
+      <p:sp>
+        <p:nvSpPr>
+          <p:cNvPr id="43" name="Rectangle 42">
+            <a:hlinkClick r:id="rId4" action="ppaction://hlinksldjump"/>
+          </p:cNvPr>
+          <p:cNvSpPr/>
+          <p:nvPr/>
+        </p:nvSpPr>
+        <p:spPr>
+          <a:xfrm>
+            <a:off x="6084168" y="692696"/>
+            <a:ext cx="1224136" cy="576064"/>
+          </a:xfrm>
+          <a:prstGeom prst="rect">
+            <a:avLst/>
+          </a:prstGeom>
+          <a:solidFill>
+            <a:schemeClr val="accent2"/>
+          </a:solidFill>
+          <a:ln>
+            <a:solidFill>
+              <a:schemeClr val="accent2">
+                <a:lumMod val="50000"/>
+              </a:schemeClr>
+            </a:solidFill>
+          </a:ln>
+        </p:spPr>
+        <p:style>
+          <a:lnRef idx="2">
+            <a:schemeClr val="accent1">
+              <a:shade val="50000"/>
+            </a:schemeClr>
+          </a:lnRef>
+          <a:fillRef idx="1">
+            <a:schemeClr val="accent1"/>
+          </a:fillRef>
+          <a:effectRef idx="0">
+            <a:schemeClr val="accent1"/>
+          </a:effectRef>
+          <a:fontRef idx="minor">
+            <a:schemeClr val="lt1"/>
+          </a:fontRef>
+        </p:style>
+        <p:txBody>
+          <a:bodyPr rtlCol="0" anchor="ctr"/>
+          <a:lstStyle/>
+          <a:p>
+            <a:pPr algn="ctr"/>
+            <a:r>
+              <a:rPr lang="es-CL" sz="2400" dirty="0" smtClean="0">
+                <a:solidFill>
+                  <a:schemeClr val="bg1"/>
+                </a:solidFill>
+              </a:rPr>
+              <a:t>Eventos</a:t>
+            </a:r>
+            <a:endParaRPr lang="es-CL" sz="2400" dirty="0">
+              <a:solidFill>
+                <a:schemeClr val="bg1"/>
+              </a:solidFill>
+            </a:endParaRPr>
+          </a:p>
+        </p:txBody>
+      </p:sp>
+      <p:sp>
+        <p:nvSpPr>
+          <p:cNvPr id="45" name="Rectangle 44">
+            <a:hlinkClick r:id="rId5" action="ppaction://hlinksldjump"/>
+          </p:cNvPr>
+          <p:cNvSpPr/>
+          <p:nvPr/>
+        </p:nvSpPr>
+        <p:spPr>
+          <a:xfrm>
+            <a:off x="3059832" y="692696"/>
+            <a:ext cx="1728192" cy="576064"/>
+          </a:xfrm>
+          <a:prstGeom prst="rect">
+            <a:avLst/>
+          </a:prstGeom>
+          <a:solidFill>
+            <a:schemeClr val="accent2">
+              <a:lumMod val="75000"/>
+            </a:schemeClr>
+          </a:solidFill>
+          <a:ln>
+            <a:solidFill>
+              <a:schemeClr val="accent2">
+                <a:lumMod val="50000"/>
+              </a:schemeClr>
+            </a:solidFill>
+          </a:ln>
+        </p:spPr>
+        <p:style>
+          <a:lnRef idx="2">
+            <a:schemeClr val="accent1">
+              <a:shade val="50000"/>
+            </a:schemeClr>
+          </a:lnRef>
+          <a:fillRef idx="1">
+            <a:schemeClr val="accent1"/>
+          </a:fillRef>
+          <a:effectRef idx="0">
+            <a:schemeClr val="accent1"/>
+          </a:effectRef>
+          <a:fontRef idx="minor">
+            <a:schemeClr val="lt1"/>
+          </a:fontRef>
+        </p:style>
+        <p:txBody>
+          <a:bodyPr rtlCol="0" anchor="ctr"/>
+          <a:lstStyle/>
+          <a:p>
+            <a:pPr algn="ctr"/>
+            <a:r>
+              <a:rPr lang="es-CL" sz="2400" dirty="0" smtClean="0">
+                <a:solidFill>
+                  <a:schemeClr val="bg1"/>
+                </a:solidFill>
+              </a:rPr>
+              <a:t>Salas</a:t>
+            </a:r>
+            <a:endParaRPr lang="es-CL" sz="2400" dirty="0">
+              <a:solidFill>
+                <a:schemeClr val="bg1"/>
+              </a:solidFill>
+            </a:endParaRPr>
+          </a:p>
+        </p:txBody>
+      </p:sp>
+      <p:sp>
+        <p:nvSpPr>
+          <p:cNvPr id="28" name="Rectangle 27">
+            <a:hlinkClick r:id="rId5" action="ppaction://hlinksldjump"/>
+          </p:cNvPr>
+          <p:cNvSpPr/>
+          <p:nvPr/>
+        </p:nvSpPr>
+        <p:spPr>
+          <a:xfrm>
+            <a:off x="4788024" y="692696"/>
+            <a:ext cx="1296144" cy="576064"/>
+          </a:xfrm>
+          <a:prstGeom prst="rect">
+            <a:avLst/>
+          </a:prstGeom>
+          <a:solidFill>
+            <a:schemeClr val="accent2"/>
+          </a:solidFill>
+          <a:ln>
+            <a:solidFill>
+              <a:schemeClr val="accent2">
+                <a:lumMod val="50000"/>
+              </a:schemeClr>
+            </a:solidFill>
+          </a:ln>
+        </p:spPr>
+        <p:style>
+          <a:lnRef idx="2">
+            <a:schemeClr val="accent1">
+              <a:shade val="50000"/>
+            </a:schemeClr>
+          </a:lnRef>
+          <a:fillRef idx="1">
+            <a:schemeClr val="accent1"/>
+          </a:fillRef>
+          <a:effectRef idx="0">
+            <a:schemeClr val="accent1"/>
+          </a:effectRef>
+          <a:fontRef idx="minor">
+            <a:schemeClr val="lt1"/>
+          </a:fontRef>
+        </p:style>
+        <p:txBody>
+          <a:bodyPr rtlCol="0" anchor="ctr"/>
+          <a:lstStyle/>
+          <a:p>
+            <a:pPr algn="ctr"/>
+            <a:r>
+              <a:rPr lang="es-CL" sz="2400" dirty="0" smtClean="0">
+                <a:solidFill>
+                  <a:schemeClr val="bg1"/>
+                </a:solidFill>
+              </a:rPr>
+              <a:t>Personas</a:t>
+            </a:r>
+            <a:endParaRPr lang="es-CL" sz="2400" dirty="0">
+              <a:solidFill>
+                <a:schemeClr val="bg1"/>
+              </a:solidFill>
+            </a:endParaRPr>
+          </a:p>
+        </p:txBody>
+      </p:sp>
+      <p:grpSp>
+        <p:nvGrpSpPr>
+          <p:cNvPr id="116" name="Group 115"/>
+          <p:cNvGrpSpPr/>
+          <p:nvPr/>
+        </p:nvGrpSpPr>
+        <p:grpSpPr>
+          <a:xfrm>
+            <a:off x="2771800" y="2780928"/>
+            <a:ext cx="3744416" cy="2520280"/>
+            <a:chOff x="2771800" y="2780928"/>
+            <a:chExt cx="3744416" cy="2520280"/>
+          </a:xfrm>
+        </p:grpSpPr>
+        <p:grpSp>
+          <p:nvGrpSpPr>
+            <p:cNvPr id="90" name="Group 89"/>
+            <p:cNvGrpSpPr/>
+            <p:nvPr/>
+          </p:nvGrpSpPr>
+          <p:grpSpPr>
+            <a:xfrm>
+              <a:off x="2771800" y="2780928"/>
+              <a:ext cx="3744416" cy="2520280"/>
+              <a:chOff x="2771800" y="2780928"/>
+              <a:chExt cx="3744416" cy="2520280"/>
+            </a:xfrm>
+          </p:grpSpPr>
+          <p:sp>
+            <p:nvSpPr>
+              <p:cNvPr id="33" name="Rectangle 32"/>
+              <p:cNvSpPr/>
+              <p:nvPr/>
+            </p:nvSpPr>
+            <p:spPr>
+              <a:xfrm>
+                <a:off x="2771800" y="2780928"/>
+                <a:ext cx="3744416" cy="2520280"/>
+              </a:xfrm>
+              <a:prstGeom prst="rect">
+                <a:avLst/>
+              </a:prstGeom>
+              <a:solidFill>
+                <a:schemeClr val="bg1">
+                  <a:lumMod val="50000"/>
+                  <a:alpha val="69804"/>
+                </a:schemeClr>
+              </a:solidFill>
+            </p:spPr>
+            <p:style>
+              <a:lnRef idx="2">
+                <a:schemeClr val="accent1">
+                  <a:shade val="50000"/>
+                </a:schemeClr>
+              </a:lnRef>
+              <a:fillRef idx="1">
+                <a:schemeClr val="accent1"/>
+              </a:fillRef>
+              <a:effectRef idx="0">
+                <a:schemeClr val="accent1"/>
+              </a:effectRef>
+              <a:fontRef idx="minor">
+                <a:schemeClr val="lt1"/>
+              </a:fontRef>
+            </p:style>
+            <p:txBody>
+              <a:bodyPr rtlCol="0" anchor="ctr"/>
+              <a:lstStyle/>
+              <a:p>
+                <a:pPr algn="ctr"/>
+                <a:endParaRPr lang="es-CL"/>
+              </a:p>
+            </p:txBody>
+          </p:sp>
+          <p:sp>
+            <p:nvSpPr>
+              <p:cNvPr id="80" name="TextBox 79"/>
+              <p:cNvSpPr txBox="1"/>
+              <p:nvPr/>
+            </p:nvSpPr>
+            <p:spPr>
+              <a:xfrm>
+                <a:off x="2843808" y="2852936"/>
+                <a:ext cx="3672408" cy="461665"/>
+              </a:xfrm>
+              <a:prstGeom prst="rect">
+                <a:avLst/>
+              </a:prstGeom>
+              <a:noFill/>
+            </p:spPr>
+            <p:txBody>
+              <a:bodyPr wrap="square" rtlCol="0">
+                <a:spAutoFit/>
+              </a:bodyPr>
+              <a:lstStyle/>
+              <a:p>
+                <a:r>
+                  <a:rPr lang="es-CL" sz="2400" i="1" dirty="0" smtClean="0"/>
+                  <a:t> </a:t>
+                </a:r>
+                <a:r>
+                  <a:rPr lang="es-CL" sz="2400" i="1" dirty="0" smtClean="0">
+                    <a:solidFill>
+                      <a:schemeClr val="tx1">
+                        <a:lumMod val="75000"/>
+                        <a:lumOff val="25000"/>
+                      </a:schemeClr>
+                    </a:solidFill>
+                  </a:rPr>
+                  <a:t>Seleccione Bloque Horario</a:t>
+                </a:r>
+                <a:endParaRPr lang="es-CL" sz="2400" i="1" dirty="0">
+                  <a:solidFill>
+                    <a:schemeClr val="tx1">
+                      <a:lumMod val="75000"/>
+                      <a:lumOff val="25000"/>
+                    </a:schemeClr>
+                  </a:solidFill>
+                </a:endParaRPr>
+              </a:p>
+            </p:txBody>
+          </p:sp>
+        </p:grpSp>
+        <p:grpSp>
+          <p:nvGrpSpPr>
+            <p:cNvPr id="89" name="Group 88"/>
+            <p:cNvGrpSpPr/>
+            <p:nvPr/>
+          </p:nvGrpSpPr>
+          <p:grpSpPr>
+            <a:xfrm>
+              <a:off x="4283968" y="4437112"/>
+              <a:ext cx="2088232" cy="461665"/>
+              <a:chOff x="4283968" y="4623519"/>
+              <a:chExt cx="2088232" cy="461665"/>
+            </a:xfrm>
+          </p:grpSpPr>
+          <p:sp>
+            <p:nvSpPr>
+              <p:cNvPr id="82" name="TextBox 81"/>
+              <p:cNvSpPr txBox="1"/>
+              <p:nvPr/>
+            </p:nvSpPr>
+            <p:spPr>
+              <a:xfrm>
+                <a:off x="4283968" y="4623519"/>
+                <a:ext cx="1800200" cy="461665"/>
+              </a:xfrm>
+              <a:prstGeom prst="rect">
+                <a:avLst/>
+              </a:prstGeom>
+              <a:noFill/>
+            </p:spPr>
+            <p:txBody>
+              <a:bodyPr wrap="square" rtlCol="0">
+                <a:spAutoFit/>
+              </a:bodyPr>
+              <a:lstStyle/>
+              <a:p>
+                <a:r>
+                  <a:rPr lang="es-CL" sz="2400" i="1" dirty="0" smtClean="0"/>
+                  <a:t> </a:t>
+                </a:r>
+                <a:r>
+                  <a:rPr lang="es-CL" sz="2400" i="1" dirty="0" smtClean="0">
+                    <a:solidFill>
+                      <a:schemeClr val="tx1">
+                        <a:lumMod val="75000"/>
+                        <a:lumOff val="25000"/>
+                      </a:schemeClr>
+                    </a:solidFill>
+                  </a:rPr>
+                  <a:t>Capacidad:</a:t>
+                </a:r>
+                <a:endParaRPr lang="es-CL" sz="2400" i="1" dirty="0">
+                  <a:solidFill>
+                    <a:schemeClr val="tx1">
+                      <a:lumMod val="75000"/>
+                      <a:lumOff val="25000"/>
+                    </a:schemeClr>
+                  </a:solidFill>
+                </a:endParaRPr>
+              </a:p>
+            </p:txBody>
+          </p:sp>
+          <p:sp>
+            <p:nvSpPr>
+              <p:cNvPr id="83" name="Rectangle 82"/>
+              <p:cNvSpPr/>
+              <p:nvPr/>
+            </p:nvSpPr>
+            <p:spPr>
+              <a:xfrm>
+                <a:off x="5868144" y="4725144"/>
+                <a:ext cx="360040" cy="288032"/>
+              </a:xfrm>
+              <a:prstGeom prst="rect">
+                <a:avLst/>
+              </a:prstGeom>
+              <a:solidFill>
+                <a:schemeClr val="bg1"/>
+              </a:solidFill>
+              <a:ln>
+                <a:solidFill>
+                  <a:schemeClr val="bg1">
+                    <a:lumMod val="50000"/>
+                  </a:schemeClr>
+                </a:solidFill>
+              </a:ln>
+            </p:spPr>
+            <p:style>
+              <a:lnRef idx="2">
+                <a:schemeClr val="accent1">
+                  <a:shade val="50000"/>
+                </a:schemeClr>
+              </a:lnRef>
+              <a:fillRef idx="1">
+                <a:schemeClr val="accent1"/>
+              </a:fillRef>
+              <a:effectRef idx="0">
+                <a:schemeClr val="accent1"/>
+              </a:effectRef>
+              <a:fontRef idx="minor">
+                <a:schemeClr val="lt1"/>
+              </a:fontRef>
+            </p:style>
+            <p:txBody>
+              <a:bodyPr rtlCol="0" anchor="ctr"/>
+              <a:lstStyle/>
+              <a:p>
+                <a:pPr algn="ctr"/>
+                <a:r>
+                  <a:rPr lang="es-CL" i="1" dirty="0" smtClean="0">
+                    <a:solidFill>
+                      <a:schemeClr val="bg1">
+                        <a:lumMod val="50000"/>
+                      </a:schemeClr>
+                    </a:solidFill>
+                  </a:rPr>
+                  <a:t>1</a:t>
+                </a:r>
+                <a:endParaRPr lang="es-CL" i="1" dirty="0">
+                  <a:solidFill>
+                    <a:schemeClr val="bg1">
+                      <a:lumMod val="50000"/>
+                    </a:schemeClr>
+                  </a:solidFill>
+                </a:endParaRPr>
+              </a:p>
+            </p:txBody>
+          </p:sp>
+          <p:sp>
+            <p:nvSpPr>
+              <p:cNvPr id="84" name="Rectangle 83"/>
+              <p:cNvSpPr/>
+              <p:nvPr/>
+            </p:nvSpPr>
+            <p:spPr>
+              <a:xfrm>
+                <a:off x="6228184" y="4725144"/>
+                <a:ext cx="144016" cy="144016"/>
+              </a:xfrm>
+              <a:prstGeom prst="rect">
+                <a:avLst/>
+              </a:prstGeom>
+              <a:solidFill>
+                <a:schemeClr val="bg1">
+                  <a:lumMod val="85000"/>
+                </a:schemeClr>
+              </a:solidFill>
+              <a:ln>
+                <a:solidFill>
+                  <a:schemeClr val="bg1">
+                    <a:lumMod val="50000"/>
+                  </a:schemeClr>
+                </a:solidFill>
+              </a:ln>
+            </p:spPr>
+            <p:style>
+              <a:lnRef idx="2">
+                <a:schemeClr val="accent1">
+                  <a:shade val="50000"/>
+                </a:schemeClr>
+              </a:lnRef>
+              <a:fillRef idx="1">
+                <a:schemeClr val="accent1"/>
+              </a:fillRef>
+              <a:effectRef idx="0">
+                <a:schemeClr val="accent1"/>
+              </a:effectRef>
+              <a:fontRef idx="minor">
+                <a:schemeClr val="lt1"/>
+              </a:fontRef>
+            </p:style>
+            <p:txBody>
+              <a:bodyPr rtlCol="0" anchor="ctr"/>
+              <a:lstStyle/>
+              <a:p>
+                <a:pPr algn="ctr"/>
+                <a:endParaRPr lang="es-CL"/>
+              </a:p>
+            </p:txBody>
+          </p:sp>
+          <p:sp>
+            <p:nvSpPr>
+              <p:cNvPr id="85" name="Rectangle 84"/>
+              <p:cNvSpPr/>
+              <p:nvPr/>
+            </p:nvSpPr>
+            <p:spPr>
+              <a:xfrm>
+                <a:off x="6228184" y="4877544"/>
+                <a:ext cx="144016" cy="144016"/>
+              </a:xfrm>
+              <a:prstGeom prst="rect">
+                <a:avLst/>
+              </a:prstGeom>
+              <a:solidFill>
+                <a:schemeClr val="bg1">
+                  <a:lumMod val="85000"/>
+                </a:schemeClr>
+              </a:solidFill>
+              <a:ln>
+                <a:solidFill>
+                  <a:schemeClr val="bg1">
+                    <a:lumMod val="50000"/>
+                  </a:schemeClr>
+                </a:solidFill>
+              </a:ln>
+            </p:spPr>
+            <p:style>
+              <a:lnRef idx="2">
+                <a:schemeClr val="accent1">
+                  <a:shade val="50000"/>
+                </a:schemeClr>
+              </a:lnRef>
+              <a:fillRef idx="1">
+                <a:schemeClr val="accent1"/>
+              </a:fillRef>
+              <a:effectRef idx="0">
+                <a:schemeClr val="accent1"/>
+              </a:effectRef>
+              <a:fontRef idx="minor">
+                <a:schemeClr val="lt1"/>
+              </a:fontRef>
+            </p:style>
+            <p:txBody>
+              <a:bodyPr rtlCol="0" anchor="ctr"/>
+              <a:lstStyle/>
+              <a:p>
+                <a:pPr algn="ctr"/>
+                <a:endParaRPr lang="es-CL"/>
+              </a:p>
+            </p:txBody>
+          </p:sp>
+          <p:sp>
+            <p:nvSpPr>
+              <p:cNvPr id="86" name="Isosceles Triangle 85"/>
+              <p:cNvSpPr/>
+              <p:nvPr/>
+            </p:nvSpPr>
+            <p:spPr>
+              <a:xfrm>
+                <a:off x="6228184" y="4725144"/>
+                <a:ext cx="144016" cy="144016"/>
+              </a:xfrm>
+              <a:prstGeom prst="triangle">
+                <a:avLst/>
+              </a:prstGeom>
+              <a:solidFill>
+                <a:schemeClr val="bg1">
+                  <a:lumMod val="85000"/>
+                </a:schemeClr>
+              </a:solidFill>
+              <a:ln>
+                <a:solidFill>
+                  <a:schemeClr val="bg1">
+                    <a:lumMod val="50000"/>
+                  </a:schemeClr>
+                </a:solidFill>
+              </a:ln>
+            </p:spPr>
+            <p:style>
+              <a:lnRef idx="2">
+                <a:schemeClr val="accent1">
+                  <a:shade val="50000"/>
+                </a:schemeClr>
+              </a:lnRef>
+              <a:fillRef idx="1">
+                <a:schemeClr val="accent1"/>
+              </a:fillRef>
+              <a:effectRef idx="0">
+                <a:schemeClr val="accent1"/>
+              </a:effectRef>
+              <a:fontRef idx="minor">
+                <a:schemeClr val="lt1"/>
+              </a:fontRef>
+            </p:style>
+            <p:txBody>
+              <a:bodyPr rtlCol="0" anchor="ctr"/>
+              <a:lstStyle/>
+              <a:p>
+                <a:pPr algn="ctr"/>
+                <a:endParaRPr lang="es-CL"/>
+              </a:p>
+            </p:txBody>
+          </p:sp>
+          <p:sp>
+            <p:nvSpPr>
+              <p:cNvPr id="87" name="Isosceles Triangle 86"/>
+              <p:cNvSpPr/>
+              <p:nvPr/>
+            </p:nvSpPr>
+            <p:spPr>
+              <a:xfrm rot="10800000">
+                <a:off x="6228184" y="4869159"/>
+                <a:ext cx="144016" cy="144016"/>
+              </a:xfrm>
+              <a:prstGeom prst="triangle">
+                <a:avLst/>
+              </a:prstGeom>
+              <a:solidFill>
+                <a:schemeClr val="bg1">
+                  <a:lumMod val="85000"/>
+                </a:schemeClr>
+              </a:solidFill>
+              <a:ln>
+                <a:solidFill>
+                  <a:schemeClr val="bg1">
+                    <a:lumMod val="50000"/>
+                  </a:schemeClr>
+                </a:solidFill>
+              </a:ln>
+            </p:spPr>
+            <p:style>
+              <a:lnRef idx="2">
+                <a:schemeClr val="accent1">
+                  <a:shade val="50000"/>
+                </a:schemeClr>
+              </a:lnRef>
+              <a:fillRef idx="1">
+                <a:schemeClr val="accent1"/>
+              </a:fillRef>
+              <a:effectRef idx="0">
+                <a:schemeClr val="accent1"/>
+              </a:effectRef>
+              <a:fontRef idx="minor">
+                <a:schemeClr val="lt1"/>
+              </a:fontRef>
+            </p:style>
+            <p:txBody>
+              <a:bodyPr rtlCol="0" anchor="ctr"/>
+              <a:lstStyle/>
+              <a:p>
+                <a:pPr algn="ctr"/>
+                <a:endParaRPr lang="es-CL"/>
+              </a:p>
+            </p:txBody>
+          </p:sp>
+        </p:grpSp>
+        <p:grpSp>
+          <p:nvGrpSpPr>
+            <p:cNvPr id="115" name="Group 114"/>
+            <p:cNvGrpSpPr/>
+            <p:nvPr/>
+          </p:nvGrpSpPr>
+          <p:grpSpPr>
+            <a:xfrm>
+              <a:off x="4355976" y="3429000"/>
+              <a:ext cx="1944216" cy="830997"/>
+              <a:chOff x="4355976" y="3429000"/>
+              <a:chExt cx="1944216" cy="830997"/>
+            </a:xfrm>
+          </p:grpSpPr>
+          <p:sp>
+            <p:nvSpPr>
+              <p:cNvPr id="92" name="TextBox 91"/>
+              <p:cNvSpPr txBox="1"/>
+              <p:nvPr/>
+            </p:nvSpPr>
+            <p:spPr>
+              <a:xfrm>
+                <a:off x="4355976" y="3429000"/>
+                <a:ext cx="1800200" cy="830997"/>
+              </a:xfrm>
+              <a:prstGeom prst="rect">
+                <a:avLst/>
+              </a:prstGeom>
+              <a:noFill/>
+            </p:spPr>
+            <p:txBody>
+              <a:bodyPr wrap="square" rtlCol="0">
+                <a:spAutoFit/>
+              </a:bodyPr>
+              <a:lstStyle/>
+              <a:p>
+                <a:r>
+                  <a:rPr lang="es-CL" sz="2400" i="1" dirty="0" smtClean="0">
+                    <a:solidFill>
+                      <a:schemeClr val="tx1">
+                        <a:lumMod val="75000"/>
+                        <a:lumOff val="25000"/>
+                      </a:schemeClr>
+                    </a:solidFill>
+                  </a:rPr>
+                  <a:t>Seleccionar Ubicación:</a:t>
+                </a:r>
+                <a:endParaRPr lang="es-CL" sz="2400" i="1" dirty="0">
+                  <a:solidFill>
+                    <a:schemeClr val="tx1">
+                      <a:lumMod val="75000"/>
+                      <a:lumOff val="25000"/>
+                    </a:schemeClr>
+                  </a:solidFill>
+                </a:endParaRPr>
+              </a:p>
+            </p:txBody>
+          </p:sp>
+          <p:pic>
+            <p:nvPicPr>
+              <p:cNvPr id="97" name="Picture 96" descr="hand-pointer-icon.jpg"/>
+              <p:cNvPicPr>
+                <a:picLocks noChangeAspect="1"/>
+              </p:cNvPicPr>
+              <p:nvPr/>
+            </p:nvPicPr>
+            <p:blipFill>
+              <a:blip r:embed="rId6" cstate="print"/>
+              <a:stretch>
+                <a:fillRect/>
+              </a:stretch>
+            </p:blipFill>
+            <p:spPr>
+              <a:xfrm>
+                <a:off x="5868144" y="3789040"/>
+                <a:ext cx="432048" cy="345638"/>
+              </a:xfrm>
+              <a:prstGeom prst="rect">
+                <a:avLst/>
+              </a:prstGeom>
+              <a:ln w="28575">
+                <a:solidFill>
+                  <a:schemeClr val="tx1">
+                    <a:lumMod val="50000"/>
+                    <a:lumOff val="50000"/>
+                  </a:schemeClr>
+                </a:solidFill>
+              </a:ln>
+            </p:spPr>
+          </p:pic>
+        </p:grpSp>
+        <p:grpSp>
+          <p:nvGrpSpPr>
+            <p:cNvPr id="114" name="Group 113"/>
+            <p:cNvGrpSpPr/>
+            <p:nvPr/>
+          </p:nvGrpSpPr>
+          <p:grpSpPr>
+            <a:xfrm>
+              <a:off x="2843808" y="3212976"/>
+              <a:ext cx="1584176" cy="1872208"/>
+              <a:chOff x="2843808" y="3212976"/>
+              <a:chExt cx="1584176" cy="1872208"/>
+            </a:xfrm>
+          </p:grpSpPr>
+          <p:grpSp>
+            <p:nvGrpSpPr>
+              <p:cNvPr id="88" name="Group 87"/>
+              <p:cNvGrpSpPr/>
+              <p:nvPr/>
+            </p:nvGrpSpPr>
+            <p:grpSpPr>
+              <a:xfrm>
+                <a:off x="2843808" y="3212976"/>
+                <a:ext cx="1584176" cy="1872208"/>
+                <a:chOff x="2843808" y="3212976"/>
+                <a:chExt cx="1584176" cy="1872208"/>
+              </a:xfrm>
+            </p:grpSpPr>
+            <p:sp>
+              <p:nvSpPr>
+                <p:cNvPr id="34" name="Rectangle 33"/>
+                <p:cNvSpPr/>
+                <p:nvPr/>
+              </p:nvSpPr>
+              <p:spPr>
+                <a:xfrm>
+                  <a:off x="2987824" y="3573016"/>
+                  <a:ext cx="144016" cy="144016"/>
+                </a:xfrm>
+                <a:prstGeom prst="rect">
+                  <a:avLst/>
+                </a:prstGeom>
+                <a:solidFill>
+                  <a:schemeClr val="bg1"/>
+                </a:solidFill>
+                <a:ln>
+                  <a:solidFill>
+                    <a:schemeClr val="accent2"/>
+                  </a:solidFill>
+                </a:ln>
+              </p:spPr>
+              <p:style>
+                <a:lnRef idx="2">
+                  <a:schemeClr val="accent1">
+                    <a:shade val="50000"/>
+                  </a:schemeClr>
+                </a:lnRef>
+                <a:fillRef idx="1">
+                  <a:schemeClr val="accent1"/>
+                </a:fillRef>
+                <a:effectRef idx="0">
+                  <a:schemeClr val="accent1"/>
+                </a:effectRef>
+                <a:fontRef idx="minor">
+                  <a:schemeClr val="lt1"/>
+                </a:fontRef>
+              </p:style>
+              <p:txBody>
+                <a:bodyPr rtlCol="0" anchor="ctr"/>
+                <a:lstStyle/>
+                <a:p>
+                  <a:pPr algn="ctr"/>
+                  <a:endParaRPr lang="es-CL"/>
+                </a:p>
+              </p:txBody>
+            </p:sp>
+            <p:sp>
+              <p:nvSpPr>
+                <p:cNvPr id="36" name="Rectangle 35"/>
+                <p:cNvSpPr/>
+                <p:nvPr/>
+              </p:nvSpPr>
+              <p:spPr>
+                <a:xfrm>
+                  <a:off x="2987824" y="3789040"/>
+                  <a:ext cx="144016" cy="144016"/>
+                </a:xfrm>
+                <a:prstGeom prst="rect">
+                  <a:avLst/>
+                </a:prstGeom>
+                <a:solidFill>
+                  <a:schemeClr val="bg1"/>
+                </a:solidFill>
+                <a:ln>
+                  <a:solidFill>
+                    <a:schemeClr val="accent2"/>
+                  </a:solidFill>
+                </a:ln>
+              </p:spPr>
+              <p:style>
+                <a:lnRef idx="2">
+                  <a:schemeClr val="accent1">
+                    <a:shade val="50000"/>
+                  </a:schemeClr>
+                </a:lnRef>
+                <a:fillRef idx="1">
+                  <a:schemeClr val="accent1"/>
+                </a:fillRef>
+                <a:effectRef idx="0">
+                  <a:schemeClr val="accent1"/>
+                </a:effectRef>
+                <a:fontRef idx="minor">
+                  <a:schemeClr val="lt1"/>
+                </a:fontRef>
+              </p:style>
+              <p:txBody>
+                <a:bodyPr rtlCol="0" anchor="ctr"/>
+                <a:lstStyle/>
+                <a:p>
+                  <a:pPr algn="ctr"/>
+                  <a:endParaRPr lang="es-CL"/>
+                </a:p>
+              </p:txBody>
+            </p:sp>
+            <p:sp>
+              <p:nvSpPr>
+                <p:cNvPr id="37" name="Rectangle 36"/>
+                <p:cNvSpPr/>
+                <p:nvPr/>
+              </p:nvSpPr>
+              <p:spPr>
+                <a:xfrm>
+                  <a:off x="3203848" y="3573016"/>
+                  <a:ext cx="144016" cy="144016"/>
+                </a:xfrm>
+                <a:prstGeom prst="rect">
+                  <a:avLst/>
+                </a:prstGeom>
+                <a:solidFill>
+                  <a:schemeClr val="bg1"/>
+                </a:solidFill>
+                <a:ln>
+                  <a:solidFill>
+                    <a:schemeClr val="accent2"/>
+                  </a:solidFill>
+                </a:ln>
+              </p:spPr>
+              <p:style>
+                <a:lnRef idx="2">
+                  <a:schemeClr val="accent1">
+                    <a:shade val="50000"/>
+                  </a:schemeClr>
+                </a:lnRef>
+                <a:fillRef idx="1">
+                  <a:schemeClr val="accent1"/>
+                </a:fillRef>
+                <a:effectRef idx="0">
+                  <a:schemeClr val="accent1"/>
+                </a:effectRef>
+                <a:fontRef idx="minor">
+                  <a:schemeClr val="lt1"/>
+                </a:fontRef>
+              </p:style>
+              <p:txBody>
+                <a:bodyPr rtlCol="0" anchor="ctr"/>
+                <a:lstStyle/>
+                <a:p>
+                  <a:pPr algn="ctr"/>
+                  <a:endParaRPr lang="es-CL"/>
+                </a:p>
+              </p:txBody>
+            </p:sp>
+            <p:sp>
+              <p:nvSpPr>
+                <p:cNvPr id="46" name="Rectangle 45"/>
+                <p:cNvSpPr/>
+                <p:nvPr/>
+              </p:nvSpPr>
+              <p:spPr>
+                <a:xfrm>
+                  <a:off x="3203848" y="3789040"/>
+                  <a:ext cx="144016" cy="144016"/>
+                </a:xfrm>
+                <a:prstGeom prst="rect">
+                  <a:avLst/>
+                </a:prstGeom>
+                <a:solidFill>
+                  <a:schemeClr val="bg1"/>
+                </a:solidFill>
+                <a:ln>
+                  <a:solidFill>
+                    <a:schemeClr val="accent2"/>
+                  </a:solidFill>
+                </a:ln>
+              </p:spPr>
+              <p:style>
+                <a:lnRef idx="2">
+                  <a:schemeClr val="accent1">
+                    <a:shade val="50000"/>
+                  </a:schemeClr>
+                </a:lnRef>
+                <a:fillRef idx="1">
+                  <a:schemeClr val="accent1"/>
+                </a:fillRef>
+                <a:effectRef idx="0">
+                  <a:schemeClr val="accent1"/>
+                </a:effectRef>
+                <a:fontRef idx="minor">
+                  <a:schemeClr val="lt1"/>
+                </a:fontRef>
+              </p:style>
+              <p:txBody>
+                <a:bodyPr rtlCol="0" anchor="ctr"/>
+                <a:lstStyle/>
+                <a:p>
+                  <a:pPr algn="ctr"/>
+                  <a:endParaRPr lang="es-CL"/>
+                </a:p>
+              </p:txBody>
+            </p:sp>
+            <p:sp>
+              <p:nvSpPr>
+                <p:cNvPr id="47" name="Rectangle 46"/>
+                <p:cNvSpPr/>
+                <p:nvPr/>
+              </p:nvSpPr>
+              <p:spPr>
+                <a:xfrm>
+                  <a:off x="3419872" y="3573016"/>
+                  <a:ext cx="144016" cy="144016"/>
+                </a:xfrm>
+                <a:prstGeom prst="rect">
+                  <a:avLst/>
+                </a:prstGeom>
+                <a:solidFill>
+                  <a:schemeClr val="bg1"/>
+                </a:solidFill>
+                <a:ln>
+                  <a:solidFill>
+                    <a:schemeClr val="accent2"/>
+                  </a:solidFill>
+                </a:ln>
+              </p:spPr>
+              <p:style>
+                <a:lnRef idx="2">
+                  <a:schemeClr val="accent1">
+                    <a:shade val="50000"/>
+                  </a:schemeClr>
+                </a:lnRef>
+                <a:fillRef idx="1">
+                  <a:schemeClr val="accent1"/>
+                </a:fillRef>
+                <a:effectRef idx="0">
+                  <a:schemeClr val="accent1"/>
+                </a:effectRef>
+                <a:fontRef idx="minor">
+                  <a:schemeClr val="lt1"/>
+                </a:fontRef>
+              </p:style>
+              <p:txBody>
+                <a:bodyPr rtlCol="0" anchor="ctr"/>
+                <a:lstStyle/>
+                <a:p>
+                  <a:pPr algn="ctr"/>
+                  <a:endParaRPr lang="es-CL"/>
+                </a:p>
+              </p:txBody>
+            </p:sp>
+            <p:sp>
+              <p:nvSpPr>
+                <p:cNvPr id="48" name="Rectangle 47"/>
+                <p:cNvSpPr/>
+                <p:nvPr/>
+              </p:nvSpPr>
+              <p:spPr>
+                <a:xfrm>
+                  <a:off x="3419872" y="3789040"/>
+                  <a:ext cx="144016" cy="144016"/>
+                </a:xfrm>
+                <a:prstGeom prst="rect">
+                  <a:avLst/>
+                </a:prstGeom>
+                <a:solidFill>
+                  <a:schemeClr val="bg1"/>
+                </a:solidFill>
+                <a:ln>
+                  <a:solidFill>
+                    <a:schemeClr val="accent2"/>
+                  </a:solidFill>
+                </a:ln>
+              </p:spPr>
+              <p:style>
+                <a:lnRef idx="2">
+                  <a:schemeClr val="accent1">
+                    <a:shade val="50000"/>
+                  </a:schemeClr>
+                </a:lnRef>
+                <a:fillRef idx="1">
+                  <a:schemeClr val="accent1"/>
+                </a:fillRef>
+                <a:effectRef idx="0">
+                  <a:schemeClr val="accent1"/>
+                </a:effectRef>
+                <a:fontRef idx="minor">
+                  <a:schemeClr val="lt1"/>
+                </a:fontRef>
+              </p:style>
+              <p:txBody>
+                <a:bodyPr rtlCol="0" anchor="ctr"/>
+                <a:lstStyle/>
+                <a:p>
+                  <a:pPr algn="ctr"/>
+                  <a:endParaRPr lang="es-CL"/>
+                </a:p>
+              </p:txBody>
+            </p:sp>
+            <p:sp>
+              <p:nvSpPr>
+                <p:cNvPr id="49" name="Rectangle 48"/>
+                <p:cNvSpPr/>
+                <p:nvPr/>
+              </p:nvSpPr>
+              <p:spPr>
+                <a:xfrm>
+                  <a:off x="3635896" y="3573016"/>
+                  <a:ext cx="144016" cy="144016"/>
+                </a:xfrm>
+                <a:prstGeom prst="rect">
+                  <a:avLst/>
+                </a:prstGeom>
+                <a:solidFill>
+                  <a:schemeClr val="bg1"/>
+                </a:solidFill>
+                <a:ln>
+                  <a:solidFill>
+                    <a:schemeClr val="accent2"/>
+                  </a:solidFill>
+                </a:ln>
+              </p:spPr>
+              <p:style>
+                <a:lnRef idx="2">
+                  <a:schemeClr val="accent1">
+                    <a:shade val="50000"/>
+                  </a:schemeClr>
+                </a:lnRef>
+                <a:fillRef idx="1">
+                  <a:schemeClr val="accent1"/>
+                </a:fillRef>
+                <a:effectRef idx="0">
+                  <a:schemeClr val="accent1"/>
+                </a:effectRef>
+                <a:fontRef idx="minor">
+                  <a:schemeClr val="lt1"/>
+                </a:fontRef>
+              </p:style>
+              <p:txBody>
+                <a:bodyPr rtlCol="0" anchor="ctr"/>
+                <a:lstStyle/>
+                <a:p>
+                  <a:pPr algn="ctr"/>
+                  <a:endParaRPr lang="es-CL"/>
+                </a:p>
+              </p:txBody>
+            </p:sp>
+            <p:sp>
+              <p:nvSpPr>
+                <p:cNvPr id="50" name="Rectangle 49"/>
+                <p:cNvSpPr/>
+                <p:nvPr/>
+              </p:nvSpPr>
+              <p:spPr>
+                <a:xfrm>
+                  <a:off x="3635896" y="3789040"/>
+                  <a:ext cx="144016" cy="144016"/>
+                </a:xfrm>
+                <a:prstGeom prst="rect">
+                  <a:avLst/>
+                </a:prstGeom>
+                <a:solidFill>
+                  <a:schemeClr val="bg1"/>
+                </a:solidFill>
+                <a:ln>
+                  <a:solidFill>
+                    <a:schemeClr val="accent2"/>
+                  </a:solidFill>
+                </a:ln>
+              </p:spPr>
+              <p:style>
+                <a:lnRef idx="2">
+                  <a:schemeClr val="accent1">
+                    <a:shade val="50000"/>
+                  </a:schemeClr>
+                </a:lnRef>
+                <a:fillRef idx="1">
+                  <a:schemeClr val="accent1"/>
+                </a:fillRef>
+                <a:effectRef idx="0">
+                  <a:schemeClr val="accent1"/>
+                </a:effectRef>
+                <a:fontRef idx="minor">
+                  <a:schemeClr val="lt1"/>
+                </a:fontRef>
+              </p:style>
+              <p:txBody>
+                <a:bodyPr rtlCol="0" anchor="ctr"/>
+                <a:lstStyle/>
+                <a:p>
+                  <a:pPr algn="ctr"/>
+                  <a:endParaRPr lang="es-CL"/>
+                </a:p>
+              </p:txBody>
+            </p:sp>
+            <p:sp>
+              <p:nvSpPr>
+                <p:cNvPr id="51" name="Rectangle 50"/>
+                <p:cNvSpPr/>
+                <p:nvPr/>
+              </p:nvSpPr>
+              <p:spPr>
+                <a:xfrm>
+                  <a:off x="3851920" y="3573016"/>
+                  <a:ext cx="144016" cy="144016"/>
+                </a:xfrm>
+                <a:prstGeom prst="rect">
+                  <a:avLst/>
+                </a:prstGeom>
+                <a:solidFill>
+                  <a:schemeClr val="bg1"/>
+                </a:solidFill>
+                <a:ln>
+                  <a:solidFill>
+                    <a:schemeClr val="accent2"/>
+                  </a:solidFill>
+                </a:ln>
+              </p:spPr>
+              <p:style>
+                <a:lnRef idx="2">
+                  <a:schemeClr val="accent1">
+                    <a:shade val="50000"/>
+                  </a:schemeClr>
+                </a:lnRef>
+                <a:fillRef idx="1">
+                  <a:schemeClr val="accent1"/>
+                </a:fillRef>
+                <a:effectRef idx="0">
+                  <a:schemeClr val="accent1"/>
+                </a:effectRef>
+                <a:fontRef idx="minor">
+                  <a:schemeClr val="lt1"/>
+                </a:fontRef>
+              </p:style>
+              <p:txBody>
+                <a:bodyPr rtlCol="0" anchor="ctr"/>
+                <a:lstStyle/>
+                <a:p>
+                  <a:pPr algn="ctr"/>
+                  <a:endParaRPr lang="es-CL"/>
+                </a:p>
+              </p:txBody>
+            </p:sp>
+            <p:sp>
+              <p:nvSpPr>
+                <p:cNvPr id="52" name="Rectangle 51"/>
+                <p:cNvSpPr/>
+                <p:nvPr/>
+              </p:nvSpPr>
+              <p:spPr>
+                <a:xfrm>
+                  <a:off x="3851920" y="3789040"/>
+                  <a:ext cx="144016" cy="144016"/>
+                </a:xfrm>
+                <a:prstGeom prst="rect">
+                  <a:avLst/>
+                </a:prstGeom>
+                <a:solidFill>
+                  <a:schemeClr val="bg1"/>
+                </a:solidFill>
+                <a:ln>
+                  <a:solidFill>
+                    <a:schemeClr val="accent2"/>
+                  </a:solidFill>
+                </a:ln>
+              </p:spPr>
+              <p:style>
+                <a:lnRef idx="2">
+                  <a:schemeClr val="accent1">
+                    <a:shade val="50000"/>
+                  </a:schemeClr>
+                </a:lnRef>
+                <a:fillRef idx="1">
+                  <a:schemeClr val="accent1"/>
+                </a:fillRef>
+                <a:effectRef idx="0">
+                  <a:schemeClr val="accent1"/>
+                </a:effectRef>
+                <a:fontRef idx="minor">
+                  <a:schemeClr val="lt1"/>
+                </a:fontRef>
+              </p:style>
+              <p:txBody>
+                <a:bodyPr rtlCol="0" anchor="ctr"/>
+                <a:lstStyle/>
+                <a:p>
+                  <a:pPr algn="ctr"/>
+                  <a:endParaRPr lang="es-CL"/>
+                </a:p>
+              </p:txBody>
+            </p:sp>
+            <p:sp>
+              <p:nvSpPr>
+                <p:cNvPr id="53" name="Rectangle 52"/>
+                <p:cNvSpPr/>
+                <p:nvPr/>
+              </p:nvSpPr>
+              <p:spPr>
+                <a:xfrm>
+                  <a:off x="4067944" y="3573016"/>
+                  <a:ext cx="144016" cy="144016"/>
+                </a:xfrm>
+                <a:prstGeom prst="rect">
+                  <a:avLst/>
+                </a:prstGeom>
+                <a:solidFill>
+                  <a:schemeClr val="bg1"/>
+                </a:solidFill>
+                <a:ln>
+                  <a:solidFill>
+                    <a:schemeClr val="accent2"/>
+                  </a:solidFill>
+                </a:ln>
+              </p:spPr>
+              <p:style>
+                <a:lnRef idx="2">
+                  <a:schemeClr val="accent1">
+                    <a:shade val="50000"/>
+                  </a:schemeClr>
+                </a:lnRef>
+                <a:fillRef idx="1">
+                  <a:schemeClr val="accent1"/>
+                </a:fillRef>
+                <a:effectRef idx="0">
+                  <a:schemeClr val="accent1"/>
+                </a:effectRef>
+                <a:fontRef idx="minor">
+                  <a:schemeClr val="lt1"/>
+                </a:fontRef>
+              </p:style>
+              <p:txBody>
+                <a:bodyPr rtlCol="0" anchor="ctr"/>
+                <a:lstStyle/>
+                <a:p>
+                  <a:pPr algn="ctr"/>
+                  <a:endParaRPr lang="es-CL"/>
+                </a:p>
+              </p:txBody>
+            </p:sp>
+            <p:sp>
+              <p:nvSpPr>
+                <p:cNvPr id="54" name="Rectangle 53"/>
+                <p:cNvSpPr/>
+                <p:nvPr/>
+              </p:nvSpPr>
+              <p:spPr>
+                <a:xfrm>
+                  <a:off x="4067944" y="3789040"/>
+                  <a:ext cx="144016" cy="144016"/>
+                </a:xfrm>
+                <a:prstGeom prst="rect">
+                  <a:avLst/>
+                </a:prstGeom>
+                <a:solidFill>
+                  <a:schemeClr val="bg1"/>
+                </a:solidFill>
+                <a:ln>
+                  <a:solidFill>
+                    <a:schemeClr val="accent2"/>
+                  </a:solidFill>
+                </a:ln>
+              </p:spPr>
+              <p:style>
+                <a:lnRef idx="2">
+                  <a:schemeClr val="accent1">
+                    <a:shade val="50000"/>
+                  </a:schemeClr>
+                </a:lnRef>
+                <a:fillRef idx="1">
+                  <a:schemeClr val="accent1"/>
+                </a:fillRef>
+                <a:effectRef idx="0">
+                  <a:schemeClr val="accent1"/>
+                </a:effectRef>
+                <a:fontRef idx="minor">
+                  <a:schemeClr val="lt1"/>
+                </a:fontRef>
+              </p:style>
+              <p:txBody>
+                <a:bodyPr rtlCol="0" anchor="ctr"/>
+                <a:lstStyle/>
+                <a:p>
+                  <a:pPr algn="ctr"/>
+                  <a:endParaRPr lang="es-CL"/>
+                </a:p>
+              </p:txBody>
+            </p:sp>
+            <p:sp>
+              <p:nvSpPr>
+                <p:cNvPr id="55" name="Rectangle 54"/>
+                <p:cNvSpPr/>
+                <p:nvPr/>
+              </p:nvSpPr>
+              <p:spPr>
+                <a:xfrm>
+                  <a:off x="2987824" y="4005064"/>
+                  <a:ext cx="144016" cy="144016"/>
+                </a:xfrm>
+                <a:prstGeom prst="rect">
+                  <a:avLst/>
+                </a:prstGeom>
+                <a:solidFill>
+                  <a:schemeClr val="bg1"/>
+                </a:solidFill>
+                <a:ln>
+                  <a:solidFill>
+                    <a:schemeClr val="accent2"/>
+                  </a:solidFill>
+                </a:ln>
+              </p:spPr>
+              <p:style>
+                <a:lnRef idx="2">
+                  <a:schemeClr val="accent1">
+                    <a:shade val="50000"/>
+                  </a:schemeClr>
+                </a:lnRef>
+                <a:fillRef idx="1">
+                  <a:schemeClr val="accent1"/>
+                </a:fillRef>
+                <a:effectRef idx="0">
+                  <a:schemeClr val="accent1"/>
+                </a:effectRef>
+                <a:fontRef idx="minor">
+                  <a:schemeClr val="lt1"/>
+                </a:fontRef>
+              </p:style>
+              <p:txBody>
+                <a:bodyPr rtlCol="0" anchor="ctr"/>
+                <a:lstStyle/>
+                <a:p>
+                  <a:pPr algn="ctr"/>
+                  <a:endParaRPr lang="es-CL"/>
+                </a:p>
+              </p:txBody>
+            </p:sp>
+            <p:sp>
+              <p:nvSpPr>
+                <p:cNvPr id="56" name="Rectangle 55"/>
+                <p:cNvSpPr/>
+                <p:nvPr/>
+              </p:nvSpPr>
+              <p:spPr>
+                <a:xfrm>
+                  <a:off x="3203848" y="4005064"/>
+                  <a:ext cx="144016" cy="144016"/>
+                </a:xfrm>
+                <a:prstGeom prst="rect">
+                  <a:avLst/>
+                </a:prstGeom>
+                <a:solidFill>
+                  <a:schemeClr val="bg1"/>
+                </a:solidFill>
+                <a:ln>
+                  <a:solidFill>
+                    <a:schemeClr val="accent2"/>
+                  </a:solidFill>
+                </a:ln>
+              </p:spPr>
+              <p:style>
+                <a:lnRef idx="2">
+                  <a:schemeClr val="accent1">
+                    <a:shade val="50000"/>
+                  </a:schemeClr>
+                </a:lnRef>
+                <a:fillRef idx="1">
+                  <a:schemeClr val="accent1"/>
+                </a:fillRef>
+                <a:effectRef idx="0">
+                  <a:schemeClr val="accent1"/>
+                </a:effectRef>
+                <a:fontRef idx="minor">
+                  <a:schemeClr val="lt1"/>
+                </a:fontRef>
+              </p:style>
+              <p:txBody>
+                <a:bodyPr rtlCol="0" anchor="ctr"/>
+                <a:lstStyle/>
+                <a:p>
+                  <a:pPr algn="ctr"/>
+                  <a:endParaRPr lang="es-CL"/>
+                </a:p>
+              </p:txBody>
+            </p:sp>
+            <p:sp>
+              <p:nvSpPr>
+                <p:cNvPr id="57" name="Rectangle 56"/>
+                <p:cNvSpPr/>
+                <p:nvPr/>
+              </p:nvSpPr>
+              <p:spPr>
+                <a:xfrm>
+                  <a:off x="3419872" y="4005064"/>
+                  <a:ext cx="144016" cy="144016"/>
+                </a:xfrm>
+                <a:prstGeom prst="rect">
+                  <a:avLst/>
+                </a:prstGeom>
+                <a:solidFill>
+                  <a:schemeClr val="bg1"/>
+                </a:solidFill>
+                <a:ln>
+                  <a:solidFill>
+                    <a:schemeClr val="accent2"/>
+                  </a:solidFill>
+                </a:ln>
+              </p:spPr>
+              <p:style>
+                <a:lnRef idx="2">
+                  <a:schemeClr val="accent1">
+                    <a:shade val="50000"/>
+                  </a:schemeClr>
+                </a:lnRef>
+                <a:fillRef idx="1">
+                  <a:schemeClr val="accent1"/>
+                </a:fillRef>
+                <a:effectRef idx="0">
+                  <a:schemeClr val="accent1"/>
+                </a:effectRef>
+                <a:fontRef idx="minor">
+                  <a:schemeClr val="lt1"/>
+                </a:fontRef>
+              </p:style>
+              <p:txBody>
+                <a:bodyPr rtlCol="0" anchor="ctr"/>
+                <a:lstStyle/>
+                <a:p>
+                  <a:pPr algn="ctr"/>
+                  <a:endParaRPr lang="es-CL"/>
+                </a:p>
+              </p:txBody>
+            </p:sp>
+            <p:sp>
+              <p:nvSpPr>
+                <p:cNvPr id="58" name="Rectangle 57"/>
+                <p:cNvSpPr/>
+                <p:nvPr/>
+              </p:nvSpPr>
+              <p:spPr>
+                <a:xfrm>
+                  <a:off x="3635896" y="4005064"/>
+                  <a:ext cx="144016" cy="144016"/>
+                </a:xfrm>
+                <a:prstGeom prst="rect">
+                  <a:avLst/>
+                </a:prstGeom>
+                <a:solidFill>
+                  <a:schemeClr val="bg1"/>
+                </a:solidFill>
+                <a:ln>
+                  <a:solidFill>
+                    <a:schemeClr val="accent2"/>
+                  </a:solidFill>
+                </a:ln>
+              </p:spPr>
+              <p:style>
+                <a:lnRef idx="2">
+                  <a:schemeClr val="accent1">
+                    <a:shade val="50000"/>
+                  </a:schemeClr>
+                </a:lnRef>
+                <a:fillRef idx="1">
+                  <a:schemeClr val="accent1"/>
+                </a:fillRef>
+                <a:effectRef idx="0">
+                  <a:schemeClr val="accent1"/>
+                </a:effectRef>
+                <a:fontRef idx="minor">
+                  <a:schemeClr val="lt1"/>
+                </a:fontRef>
+              </p:style>
+              <p:txBody>
+                <a:bodyPr rtlCol="0" anchor="ctr"/>
+                <a:lstStyle/>
+                <a:p>
+                  <a:pPr algn="ctr"/>
+                  <a:endParaRPr lang="es-CL"/>
+                </a:p>
+              </p:txBody>
+            </p:sp>
+            <p:sp>
+              <p:nvSpPr>
+                <p:cNvPr id="59" name="Rectangle 58"/>
+                <p:cNvSpPr/>
+                <p:nvPr/>
+              </p:nvSpPr>
+              <p:spPr>
+                <a:xfrm>
+                  <a:off x="3851920" y="4005064"/>
+                  <a:ext cx="144016" cy="144016"/>
+                </a:xfrm>
+                <a:prstGeom prst="rect">
+                  <a:avLst/>
+                </a:prstGeom>
+                <a:solidFill>
+                  <a:schemeClr val="bg1"/>
+                </a:solidFill>
+                <a:ln>
+                  <a:solidFill>
+                    <a:schemeClr val="accent2"/>
+                  </a:solidFill>
+                </a:ln>
+              </p:spPr>
+              <p:style>
+                <a:lnRef idx="2">
+                  <a:schemeClr val="accent1">
+                    <a:shade val="50000"/>
+                  </a:schemeClr>
+                </a:lnRef>
+                <a:fillRef idx="1">
+                  <a:schemeClr val="accent1"/>
+                </a:fillRef>
+                <a:effectRef idx="0">
+                  <a:schemeClr val="accent1"/>
+                </a:effectRef>
+                <a:fontRef idx="minor">
+                  <a:schemeClr val="lt1"/>
+                </a:fontRef>
+              </p:style>
+              <p:txBody>
+                <a:bodyPr rtlCol="0" anchor="ctr"/>
+                <a:lstStyle/>
+                <a:p>
+                  <a:pPr algn="ctr"/>
+                  <a:endParaRPr lang="es-CL"/>
+                </a:p>
+              </p:txBody>
+            </p:sp>
+            <p:sp>
+              <p:nvSpPr>
+                <p:cNvPr id="60" name="Rectangle 59"/>
+                <p:cNvSpPr/>
+                <p:nvPr/>
+              </p:nvSpPr>
+              <p:spPr>
+                <a:xfrm>
+                  <a:off x="4067944" y="4005064"/>
+                  <a:ext cx="144016" cy="144016"/>
+                </a:xfrm>
+                <a:prstGeom prst="rect">
+                  <a:avLst/>
+                </a:prstGeom>
+                <a:solidFill>
+                  <a:schemeClr val="bg1"/>
+                </a:solidFill>
+                <a:ln>
+                  <a:solidFill>
+                    <a:schemeClr val="accent2"/>
+                  </a:solidFill>
+                </a:ln>
+              </p:spPr>
+              <p:style>
+                <a:lnRef idx="2">
+                  <a:schemeClr val="accent1">
+                    <a:shade val="50000"/>
+                  </a:schemeClr>
+                </a:lnRef>
+                <a:fillRef idx="1">
+                  <a:schemeClr val="accent1"/>
+                </a:fillRef>
+                <a:effectRef idx="0">
+                  <a:schemeClr val="accent1"/>
+                </a:effectRef>
+                <a:fontRef idx="minor">
+                  <a:schemeClr val="lt1"/>
+                </a:fontRef>
+              </p:style>
+              <p:txBody>
+                <a:bodyPr rtlCol="0" anchor="ctr"/>
+                <a:lstStyle/>
+                <a:p>
+                  <a:pPr algn="ctr"/>
+                  <a:endParaRPr lang="es-CL"/>
+                </a:p>
+              </p:txBody>
+            </p:sp>
+            <p:sp>
+              <p:nvSpPr>
+                <p:cNvPr id="61" name="TextBox 60"/>
+                <p:cNvSpPr txBox="1"/>
+                <p:nvPr/>
+              </p:nvSpPr>
+              <p:spPr>
+                <a:xfrm>
+                  <a:off x="2987824" y="4170566"/>
+                  <a:ext cx="1296144" cy="338554"/>
+                </a:xfrm>
+                <a:prstGeom prst="rect">
+                  <a:avLst/>
+                </a:prstGeom>
+                <a:noFill/>
+              </p:spPr>
+              <p:txBody>
+                <a:bodyPr wrap="square" rtlCol="0">
+                  <a:spAutoFit/>
+                </a:bodyPr>
+                <a:lstStyle/>
+                <a:p>
+                  <a:r>
+                    <a:rPr lang="es-CL" sz="1600" i="1" dirty="0" smtClean="0"/>
+                    <a:t> </a:t>
+                  </a:r>
+                  <a:r>
+                    <a:rPr lang="es-CL" sz="1600" i="1" dirty="0" smtClean="0">
+                      <a:solidFill>
+                        <a:schemeClr val="tx1">
+                          <a:lumMod val="75000"/>
+                          <a:lumOff val="25000"/>
+                        </a:schemeClr>
+                      </a:solidFill>
+                    </a:rPr>
+                    <a:t>ALMUERZO</a:t>
+                  </a:r>
+                  <a:endParaRPr lang="es-CL" sz="1600" i="1" dirty="0">
+                    <a:solidFill>
+                      <a:schemeClr val="tx1">
+                        <a:lumMod val="75000"/>
+                        <a:lumOff val="25000"/>
+                      </a:schemeClr>
+                    </a:solidFill>
+                  </a:endParaRPr>
+                </a:p>
+              </p:txBody>
+            </p:sp>
+            <p:sp>
+              <p:nvSpPr>
+                <p:cNvPr id="62" name="Rectangle 61"/>
+                <p:cNvSpPr/>
+                <p:nvPr/>
+              </p:nvSpPr>
+              <p:spPr>
+                <a:xfrm>
+                  <a:off x="2987824" y="4509120"/>
+                  <a:ext cx="144016" cy="144016"/>
+                </a:xfrm>
+                <a:prstGeom prst="rect">
+                  <a:avLst/>
+                </a:prstGeom>
+                <a:solidFill>
+                  <a:schemeClr val="bg1"/>
+                </a:solidFill>
+                <a:ln>
+                  <a:solidFill>
+                    <a:schemeClr val="accent2"/>
+                  </a:solidFill>
+                </a:ln>
+              </p:spPr>
+              <p:style>
+                <a:lnRef idx="2">
+                  <a:schemeClr val="accent1">
+                    <a:shade val="50000"/>
+                  </a:schemeClr>
+                </a:lnRef>
+                <a:fillRef idx="1">
+                  <a:schemeClr val="accent1"/>
+                </a:fillRef>
+                <a:effectRef idx="0">
+                  <a:schemeClr val="accent1"/>
+                </a:effectRef>
+                <a:fontRef idx="minor">
+                  <a:schemeClr val="lt1"/>
+                </a:fontRef>
+              </p:style>
+              <p:txBody>
+                <a:bodyPr rtlCol="0" anchor="ctr"/>
+                <a:lstStyle/>
+                <a:p>
+                  <a:pPr algn="ctr"/>
+                  <a:endParaRPr lang="es-CL"/>
+                </a:p>
+              </p:txBody>
+            </p:sp>
+            <p:sp>
+              <p:nvSpPr>
+                <p:cNvPr id="63" name="Rectangle 62"/>
+                <p:cNvSpPr/>
+                <p:nvPr/>
+              </p:nvSpPr>
+              <p:spPr>
+                <a:xfrm>
+                  <a:off x="2987824" y="4725144"/>
+                  <a:ext cx="144016" cy="144016"/>
+                </a:xfrm>
+                <a:prstGeom prst="rect">
+                  <a:avLst/>
+                </a:prstGeom>
+                <a:solidFill>
+                  <a:schemeClr val="bg1"/>
+                </a:solidFill>
+                <a:ln>
+                  <a:solidFill>
+                    <a:schemeClr val="accent2"/>
+                  </a:solidFill>
+                </a:ln>
+              </p:spPr>
+              <p:style>
+                <a:lnRef idx="2">
+                  <a:schemeClr val="accent1">
+                    <a:shade val="50000"/>
+                  </a:schemeClr>
+                </a:lnRef>
+                <a:fillRef idx="1">
+                  <a:schemeClr val="accent1"/>
+                </a:fillRef>
+                <a:effectRef idx="0">
+                  <a:schemeClr val="accent1"/>
+                </a:effectRef>
+                <a:fontRef idx="minor">
+                  <a:schemeClr val="lt1"/>
+                </a:fontRef>
+              </p:style>
+              <p:txBody>
+                <a:bodyPr rtlCol="0" anchor="ctr"/>
+                <a:lstStyle/>
+                <a:p>
+                  <a:pPr algn="ctr"/>
+                  <a:endParaRPr lang="es-CL"/>
+                </a:p>
+              </p:txBody>
+            </p:sp>
+            <p:sp>
+              <p:nvSpPr>
+                <p:cNvPr id="64" name="Rectangle 63"/>
+                <p:cNvSpPr/>
+                <p:nvPr/>
+              </p:nvSpPr>
+              <p:spPr>
+                <a:xfrm>
+                  <a:off x="3203848" y="4509120"/>
+                  <a:ext cx="144016" cy="144016"/>
+                </a:xfrm>
+                <a:prstGeom prst="rect">
+                  <a:avLst/>
+                </a:prstGeom>
+                <a:solidFill>
+                  <a:schemeClr val="bg1"/>
+                </a:solidFill>
+                <a:ln>
+                  <a:solidFill>
+                    <a:schemeClr val="accent2"/>
+                  </a:solidFill>
+                </a:ln>
+              </p:spPr>
+              <p:style>
+                <a:lnRef idx="2">
+                  <a:schemeClr val="accent1">
+                    <a:shade val="50000"/>
+                  </a:schemeClr>
+                </a:lnRef>
+                <a:fillRef idx="1">
+                  <a:schemeClr val="accent1"/>
+                </a:fillRef>
+                <a:effectRef idx="0">
+                  <a:schemeClr val="accent1"/>
+                </a:effectRef>
+                <a:fontRef idx="minor">
+                  <a:schemeClr val="lt1"/>
+                </a:fontRef>
+              </p:style>
+              <p:txBody>
+                <a:bodyPr rtlCol="0" anchor="ctr"/>
+                <a:lstStyle/>
+                <a:p>
+                  <a:pPr algn="ctr"/>
+                  <a:endParaRPr lang="es-CL"/>
+                </a:p>
+              </p:txBody>
+            </p:sp>
+            <p:sp>
+              <p:nvSpPr>
+                <p:cNvPr id="65" name="Rectangle 64"/>
+                <p:cNvSpPr/>
+                <p:nvPr/>
+              </p:nvSpPr>
+              <p:spPr>
+                <a:xfrm>
+                  <a:off x="3203848" y="4725144"/>
+                  <a:ext cx="144016" cy="144016"/>
+                </a:xfrm>
+                <a:prstGeom prst="rect">
+                  <a:avLst/>
+                </a:prstGeom>
+                <a:solidFill>
+                  <a:schemeClr val="bg1"/>
+                </a:solidFill>
+                <a:ln>
+                  <a:solidFill>
+                    <a:schemeClr val="accent2"/>
+                  </a:solidFill>
+                </a:ln>
+              </p:spPr>
+              <p:style>
+                <a:lnRef idx="2">
+                  <a:schemeClr val="accent1">
+                    <a:shade val="50000"/>
+                  </a:schemeClr>
+                </a:lnRef>
+                <a:fillRef idx="1">
+                  <a:schemeClr val="accent1"/>
+                </a:fillRef>
+                <a:effectRef idx="0">
+                  <a:schemeClr val="accent1"/>
+                </a:effectRef>
+                <a:fontRef idx="minor">
+                  <a:schemeClr val="lt1"/>
+                </a:fontRef>
+              </p:style>
+              <p:txBody>
+                <a:bodyPr rtlCol="0" anchor="ctr"/>
+                <a:lstStyle/>
+                <a:p>
+                  <a:pPr algn="ctr"/>
+                  <a:endParaRPr lang="es-CL"/>
+                </a:p>
+              </p:txBody>
+            </p:sp>
+            <p:sp>
+              <p:nvSpPr>
+                <p:cNvPr id="66" name="Rectangle 65"/>
+                <p:cNvSpPr/>
+                <p:nvPr/>
+              </p:nvSpPr>
+              <p:spPr>
+                <a:xfrm>
+                  <a:off x="3419872" y="4509120"/>
+                  <a:ext cx="144016" cy="144016"/>
+                </a:xfrm>
+                <a:prstGeom prst="rect">
+                  <a:avLst/>
+                </a:prstGeom>
+                <a:solidFill>
+                  <a:schemeClr val="bg1"/>
+                </a:solidFill>
+                <a:ln>
+                  <a:solidFill>
+                    <a:schemeClr val="accent2"/>
+                  </a:solidFill>
+                </a:ln>
+              </p:spPr>
+              <p:style>
+                <a:lnRef idx="2">
+                  <a:schemeClr val="accent1">
+                    <a:shade val="50000"/>
+                  </a:schemeClr>
+                </a:lnRef>
+                <a:fillRef idx="1">
+                  <a:schemeClr val="accent1"/>
+                </a:fillRef>
+                <a:effectRef idx="0">
+                  <a:schemeClr val="accent1"/>
+                </a:effectRef>
+                <a:fontRef idx="minor">
+                  <a:schemeClr val="lt1"/>
+                </a:fontRef>
+              </p:style>
+              <p:txBody>
+                <a:bodyPr rtlCol="0" anchor="ctr"/>
+                <a:lstStyle/>
+                <a:p>
+                  <a:pPr algn="ctr"/>
+                  <a:endParaRPr lang="es-CL"/>
+                </a:p>
+              </p:txBody>
+            </p:sp>
+            <p:sp>
+              <p:nvSpPr>
+                <p:cNvPr id="67" name="Rectangle 66"/>
+                <p:cNvSpPr/>
+                <p:nvPr/>
+              </p:nvSpPr>
+              <p:spPr>
+                <a:xfrm>
+                  <a:off x="3419872" y="4725144"/>
+                  <a:ext cx="144016" cy="144016"/>
+                </a:xfrm>
+                <a:prstGeom prst="rect">
+                  <a:avLst/>
+                </a:prstGeom>
+                <a:solidFill>
+                  <a:schemeClr val="bg1"/>
+                </a:solidFill>
+                <a:ln>
+                  <a:solidFill>
+                    <a:schemeClr val="accent2"/>
+                  </a:solidFill>
+                </a:ln>
+              </p:spPr>
+              <p:style>
+                <a:lnRef idx="2">
+                  <a:schemeClr val="accent1">
+                    <a:shade val="50000"/>
+                  </a:schemeClr>
+                </a:lnRef>
+                <a:fillRef idx="1">
+                  <a:schemeClr val="accent1"/>
+                </a:fillRef>
+                <a:effectRef idx="0">
+                  <a:schemeClr val="accent1"/>
+                </a:effectRef>
+                <a:fontRef idx="minor">
+                  <a:schemeClr val="lt1"/>
+                </a:fontRef>
+              </p:style>
+              <p:txBody>
+                <a:bodyPr rtlCol="0" anchor="ctr"/>
+                <a:lstStyle/>
+                <a:p>
+                  <a:pPr algn="ctr"/>
+                  <a:endParaRPr lang="es-CL"/>
+                </a:p>
+              </p:txBody>
+            </p:sp>
+            <p:sp>
+              <p:nvSpPr>
+                <p:cNvPr id="68" name="Rectangle 67"/>
+                <p:cNvSpPr/>
+                <p:nvPr/>
+              </p:nvSpPr>
+              <p:spPr>
+                <a:xfrm>
+                  <a:off x="3635896" y="4509120"/>
+                  <a:ext cx="144016" cy="144016"/>
+                </a:xfrm>
+                <a:prstGeom prst="rect">
+                  <a:avLst/>
+                </a:prstGeom>
+                <a:solidFill>
+                  <a:schemeClr val="bg1"/>
+                </a:solidFill>
+                <a:ln>
+                  <a:solidFill>
+                    <a:schemeClr val="accent2"/>
+                  </a:solidFill>
+                </a:ln>
+              </p:spPr>
+              <p:style>
+                <a:lnRef idx="2">
+                  <a:schemeClr val="accent1">
+                    <a:shade val="50000"/>
+                  </a:schemeClr>
+                </a:lnRef>
+                <a:fillRef idx="1">
+                  <a:schemeClr val="accent1"/>
+                </a:fillRef>
+                <a:effectRef idx="0">
+                  <a:schemeClr val="accent1"/>
+                </a:effectRef>
+                <a:fontRef idx="minor">
+                  <a:schemeClr val="lt1"/>
+                </a:fontRef>
+              </p:style>
+              <p:txBody>
+                <a:bodyPr rtlCol="0" anchor="ctr"/>
+                <a:lstStyle/>
+                <a:p>
+                  <a:pPr algn="ctr"/>
+                  <a:endParaRPr lang="es-CL"/>
+                </a:p>
+              </p:txBody>
+            </p:sp>
+            <p:sp>
+              <p:nvSpPr>
+                <p:cNvPr id="69" name="Rectangle 68"/>
+                <p:cNvSpPr/>
+                <p:nvPr/>
+              </p:nvSpPr>
+              <p:spPr>
+                <a:xfrm>
+                  <a:off x="3635896" y="4725144"/>
+                  <a:ext cx="144016" cy="144016"/>
+                </a:xfrm>
+                <a:prstGeom prst="rect">
+                  <a:avLst/>
+                </a:prstGeom>
+                <a:solidFill>
+                  <a:schemeClr val="bg1"/>
+                </a:solidFill>
+                <a:ln>
+                  <a:solidFill>
+                    <a:schemeClr val="accent2"/>
+                  </a:solidFill>
+                </a:ln>
+              </p:spPr>
+              <p:style>
+                <a:lnRef idx="2">
+                  <a:schemeClr val="accent1">
+                    <a:shade val="50000"/>
+                  </a:schemeClr>
+                </a:lnRef>
+                <a:fillRef idx="1">
+                  <a:schemeClr val="accent1"/>
+                </a:fillRef>
+                <a:effectRef idx="0">
+                  <a:schemeClr val="accent1"/>
+                </a:effectRef>
+                <a:fontRef idx="minor">
+                  <a:schemeClr val="lt1"/>
+                </a:fontRef>
+              </p:style>
+              <p:txBody>
+                <a:bodyPr rtlCol="0" anchor="ctr"/>
+                <a:lstStyle/>
+                <a:p>
+                  <a:pPr algn="ctr"/>
+                  <a:endParaRPr lang="es-CL"/>
+                </a:p>
+              </p:txBody>
+            </p:sp>
+            <p:sp>
+              <p:nvSpPr>
+                <p:cNvPr id="70" name="Rectangle 69"/>
+                <p:cNvSpPr/>
+                <p:nvPr/>
+              </p:nvSpPr>
+              <p:spPr>
+                <a:xfrm>
+                  <a:off x="3851920" y="4509120"/>
+                  <a:ext cx="144016" cy="144016"/>
+                </a:xfrm>
+                <a:prstGeom prst="rect">
+                  <a:avLst/>
+                </a:prstGeom>
+                <a:solidFill>
+                  <a:schemeClr val="bg1"/>
+                </a:solidFill>
+                <a:ln>
+                  <a:solidFill>
+                    <a:schemeClr val="accent2"/>
+                  </a:solidFill>
+                </a:ln>
+              </p:spPr>
+              <p:style>
+                <a:lnRef idx="2">
+                  <a:schemeClr val="accent1">
+                    <a:shade val="50000"/>
+                  </a:schemeClr>
+                </a:lnRef>
+                <a:fillRef idx="1">
+                  <a:schemeClr val="accent1"/>
+                </a:fillRef>
+                <a:effectRef idx="0">
+                  <a:schemeClr val="accent1"/>
+                </a:effectRef>
+                <a:fontRef idx="minor">
+                  <a:schemeClr val="lt1"/>
+                </a:fontRef>
+              </p:style>
+              <p:txBody>
+                <a:bodyPr rtlCol="0" anchor="ctr"/>
+                <a:lstStyle/>
+                <a:p>
+                  <a:pPr algn="ctr"/>
+                  <a:endParaRPr lang="es-CL"/>
+                </a:p>
+              </p:txBody>
+            </p:sp>
+            <p:sp>
+              <p:nvSpPr>
+                <p:cNvPr id="71" name="Rectangle 70"/>
+                <p:cNvSpPr/>
+                <p:nvPr/>
+              </p:nvSpPr>
+              <p:spPr>
+                <a:xfrm>
+                  <a:off x="3851920" y="4725144"/>
+                  <a:ext cx="144016" cy="144016"/>
+                </a:xfrm>
+                <a:prstGeom prst="rect">
+                  <a:avLst/>
+                </a:prstGeom>
+                <a:solidFill>
+                  <a:schemeClr val="bg1"/>
+                </a:solidFill>
+                <a:ln>
+                  <a:solidFill>
+                    <a:schemeClr val="accent2"/>
+                  </a:solidFill>
+                </a:ln>
+              </p:spPr>
+              <p:style>
+                <a:lnRef idx="2">
+                  <a:schemeClr val="accent1">
+                    <a:shade val="50000"/>
+                  </a:schemeClr>
+                </a:lnRef>
+                <a:fillRef idx="1">
+                  <a:schemeClr val="accent1"/>
+                </a:fillRef>
+                <a:effectRef idx="0">
+                  <a:schemeClr val="accent1"/>
+                </a:effectRef>
+                <a:fontRef idx="minor">
+                  <a:schemeClr val="lt1"/>
+                </a:fontRef>
+              </p:style>
+              <p:txBody>
+                <a:bodyPr rtlCol="0" anchor="ctr"/>
+                <a:lstStyle/>
+                <a:p>
+                  <a:pPr algn="ctr"/>
+                  <a:endParaRPr lang="es-CL"/>
+                </a:p>
+              </p:txBody>
+            </p:sp>
+            <p:sp>
+              <p:nvSpPr>
+                <p:cNvPr id="72" name="Rectangle 71"/>
+                <p:cNvSpPr/>
+                <p:nvPr/>
+              </p:nvSpPr>
+              <p:spPr>
+                <a:xfrm>
+                  <a:off x="4067944" y="4509120"/>
+                  <a:ext cx="144016" cy="144016"/>
+                </a:xfrm>
+                <a:prstGeom prst="rect">
+                  <a:avLst/>
+                </a:prstGeom>
+                <a:solidFill>
+                  <a:schemeClr val="bg1"/>
+                </a:solidFill>
+                <a:ln>
+                  <a:solidFill>
+                    <a:schemeClr val="accent2"/>
+                  </a:solidFill>
+                </a:ln>
+              </p:spPr>
+              <p:style>
+                <a:lnRef idx="2">
+                  <a:schemeClr val="accent1">
+                    <a:shade val="50000"/>
+                  </a:schemeClr>
+                </a:lnRef>
+                <a:fillRef idx="1">
+                  <a:schemeClr val="accent1"/>
+                </a:fillRef>
+                <a:effectRef idx="0">
+                  <a:schemeClr val="accent1"/>
+                </a:effectRef>
+                <a:fontRef idx="minor">
+                  <a:schemeClr val="lt1"/>
+                </a:fontRef>
+              </p:style>
+              <p:txBody>
+                <a:bodyPr rtlCol="0" anchor="ctr"/>
+                <a:lstStyle/>
+                <a:p>
+                  <a:pPr algn="ctr"/>
+                  <a:endParaRPr lang="es-CL"/>
+                </a:p>
+              </p:txBody>
+            </p:sp>
+            <p:sp>
+              <p:nvSpPr>
+                <p:cNvPr id="73" name="Rectangle 72"/>
+                <p:cNvSpPr/>
+                <p:nvPr/>
+              </p:nvSpPr>
+              <p:spPr>
+                <a:xfrm>
+                  <a:off x="4067944" y="4725144"/>
+                  <a:ext cx="144016" cy="144016"/>
+                </a:xfrm>
+                <a:prstGeom prst="rect">
+                  <a:avLst/>
+                </a:prstGeom>
+                <a:solidFill>
+                  <a:schemeClr val="bg1"/>
+                </a:solidFill>
+                <a:ln>
+                  <a:solidFill>
+                    <a:schemeClr val="accent2"/>
+                  </a:solidFill>
+                </a:ln>
+              </p:spPr>
+              <p:style>
+                <a:lnRef idx="2">
+                  <a:schemeClr val="accent1">
+                    <a:shade val="50000"/>
+                  </a:schemeClr>
+                </a:lnRef>
+                <a:fillRef idx="1">
+                  <a:schemeClr val="accent1"/>
+                </a:fillRef>
+                <a:effectRef idx="0">
+                  <a:schemeClr val="accent1"/>
+                </a:effectRef>
+                <a:fontRef idx="minor">
+                  <a:schemeClr val="lt1"/>
+                </a:fontRef>
+              </p:style>
+              <p:txBody>
+                <a:bodyPr rtlCol="0" anchor="ctr"/>
+                <a:lstStyle/>
+                <a:p>
+                  <a:pPr algn="ctr"/>
+                  <a:endParaRPr lang="es-CL"/>
+                </a:p>
+              </p:txBody>
+            </p:sp>
+            <p:sp>
+              <p:nvSpPr>
+                <p:cNvPr id="74" name="Rectangle 73"/>
+                <p:cNvSpPr/>
+                <p:nvPr/>
+              </p:nvSpPr>
+              <p:spPr>
+                <a:xfrm>
+                  <a:off x="2987824" y="4941168"/>
+                  <a:ext cx="144016" cy="144016"/>
+                </a:xfrm>
+                <a:prstGeom prst="rect">
+                  <a:avLst/>
+                </a:prstGeom>
+                <a:solidFill>
+                  <a:schemeClr val="bg1"/>
+                </a:solidFill>
+                <a:ln>
+                  <a:solidFill>
+                    <a:schemeClr val="accent2"/>
+                  </a:solidFill>
+                </a:ln>
+              </p:spPr>
+              <p:style>
+                <a:lnRef idx="2">
+                  <a:schemeClr val="accent1">
+                    <a:shade val="50000"/>
+                  </a:schemeClr>
+                </a:lnRef>
+                <a:fillRef idx="1">
+                  <a:schemeClr val="accent1"/>
+                </a:fillRef>
+                <a:effectRef idx="0">
+                  <a:schemeClr val="accent1"/>
+                </a:effectRef>
+                <a:fontRef idx="minor">
+                  <a:schemeClr val="lt1"/>
+                </a:fontRef>
+              </p:style>
+              <p:txBody>
+                <a:bodyPr rtlCol="0" anchor="ctr"/>
+                <a:lstStyle/>
+                <a:p>
+                  <a:pPr algn="ctr"/>
+                  <a:endParaRPr lang="es-CL"/>
+                </a:p>
+              </p:txBody>
+            </p:sp>
+            <p:sp>
+              <p:nvSpPr>
+                <p:cNvPr id="75" name="Rectangle 74"/>
+                <p:cNvSpPr/>
+                <p:nvPr/>
+              </p:nvSpPr>
+              <p:spPr>
+                <a:xfrm>
+                  <a:off x="3203848" y="4941168"/>
+                  <a:ext cx="144016" cy="144016"/>
+                </a:xfrm>
+                <a:prstGeom prst="rect">
+                  <a:avLst/>
+                </a:prstGeom>
+                <a:solidFill>
+                  <a:schemeClr val="bg1"/>
+                </a:solidFill>
+                <a:ln>
+                  <a:solidFill>
+                    <a:schemeClr val="accent2"/>
+                  </a:solidFill>
+                </a:ln>
+              </p:spPr>
+              <p:style>
+                <a:lnRef idx="2">
+                  <a:schemeClr val="accent1">
+                    <a:shade val="50000"/>
+                  </a:schemeClr>
+                </a:lnRef>
+                <a:fillRef idx="1">
+                  <a:schemeClr val="accent1"/>
+                </a:fillRef>
+                <a:effectRef idx="0">
+                  <a:schemeClr val="accent1"/>
+                </a:effectRef>
+                <a:fontRef idx="minor">
+                  <a:schemeClr val="lt1"/>
+                </a:fontRef>
+              </p:style>
+              <p:txBody>
+                <a:bodyPr rtlCol="0" anchor="ctr"/>
+                <a:lstStyle/>
+                <a:p>
+                  <a:pPr algn="ctr"/>
+                  <a:endParaRPr lang="es-CL"/>
+                </a:p>
+              </p:txBody>
+            </p:sp>
+            <p:sp>
+              <p:nvSpPr>
+                <p:cNvPr id="76" name="Rectangle 75"/>
+                <p:cNvSpPr/>
+                <p:nvPr/>
+              </p:nvSpPr>
+              <p:spPr>
+                <a:xfrm>
+                  <a:off x="3419872" y="4941168"/>
+                  <a:ext cx="144016" cy="144016"/>
+                </a:xfrm>
+                <a:prstGeom prst="rect">
+                  <a:avLst/>
+                </a:prstGeom>
+                <a:solidFill>
+                  <a:schemeClr val="bg1"/>
+                </a:solidFill>
+                <a:ln>
+                  <a:solidFill>
+                    <a:schemeClr val="accent2"/>
+                  </a:solidFill>
+                </a:ln>
+              </p:spPr>
+              <p:style>
+                <a:lnRef idx="2">
+                  <a:schemeClr val="accent1">
+                    <a:shade val="50000"/>
+                  </a:schemeClr>
+                </a:lnRef>
+                <a:fillRef idx="1">
+                  <a:schemeClr val="accent1"/>
+                </a:fillRef>
+                <a:effectRef idx="0">
+                  <a:schemeClr val="accent1"/>
+                </a:effectRef>
+                <a:fontRef idx="minor">
+                  <a:schemeClr val="lt1"/>
+                </a:fontRef>
+              </p:style>
+              <p:txBody>
+                <a:bodyPr rtlCol="0" anchor="ctr"/>
+                <a:lstStyle/>
+                <a:p>
+                  <a:pPr algn="ctr"/>
+                  <a:endParaRPr lang="es-CL"/>
+                </a:p>
+              </p:txBody>
+            </p:sp>
+            <p:sp>
+              <p:nvSpPr>
+                <p:cNvPr id="77" name="Rectangle 76"/>
+                <p:cNvSpPr/>
+                <p:nvPr/>
+              </p:nvSpPr>
+              <p:spPr>
+                <a:xfrm>
+                  <a:off x="3635896" y="4941168"/>
+                  <a:ext cx="144016" cy="144016"/>
+                </a:xfrm>
+                <a:prstGeom prst="rect">
+                  <a:avLst/>
+                </a:prstGeom>
+                <a:solidFill>
+                  <a:schemeClr val="bg1"/>
+                </a:solidFill>
+                <a:ln>
+                  <a:solidFill>
+                    <a:schemeClr val="accent2"/>
+                  </a:solidFill>
+                </a:ln>
+              </p:spPr>
+              <p:style>
+                <a:lnRef idx="2">
+                  <a:schemeClr val="accent1">
+                    <a:shade val="50000"/>
+                  </a:schemeClr>
+                </a:lnRef>
+                <a:fillRef idx="1">
+                  <a:schemeClr val="accent1"/>
+                </a:fillRef>
+                <a:effectRef idx="0">
+                  <a:schemeClr val="accent1"/>
+                </a:effectRef>
+                <a:fontRef idx="minor">
+                  <a:schemeClr val="lt1"/>
+                </a:fontRef>
+              </p:style>
+              <p:txBody>
+                <a:bodyPr rtlCol="0" anchor="ctr"/>
+                <a:lstStyle/>
+                <a:p>
+                  <a:pPr algn="ctr"/>
+                  <a:endParaRPr lang="es-CL"/>
+                </a:p>
+              </p:txBody>
+            </p:sp>
+            <p:sp>
+              <p:nvSpPr>
+                <p:cNvPr id="78" name="Rectangle 77"/>
+                <p:cNvSpPr/>
+                <p:nvPr/>
+              </p:nvSpPr>
+              <p:spPr>
+                <a:xfrm>
+                  <a:off x="3851920" y="4941168"/>
+                  <a:ext cx="144016" cy="144016"/>
+                </a:xfrm>
+                <a:prstGeom prst="rect">
+                  <a:avLst/>
+                </a:prstGeom>
+                <a:solidFill>
+                  <a:schemeClr val="bg1"/>
+                </a:solidFill>
+                <a:ln>
+                  <a:solidFill>
+                    <a:schemeClr val="accent2"/>
+                  </a:solidFill>
+                </a:ln>
+              </p:spPr>
+              <p:style>
+                <a:lnRef idx="2">
+                  <a:schemeClr val="accent1">
+                    <a:shade val="50000"/>
+                  </a:schemeClr>
+                </a:lnRef>
+                <a:fillRef idx="1">
+                  <a:schemeClr val="accent1"/>
+                </a:fillRef>
+                <a:effectRef idx="0">
+                  <a:schemeClr val="accent1"/>
+                </a:effectRef>
+                <a:fontRef idx="minor">
+                  <a:schemeClr val="lt1"/>
+                </a:fontRef>
+              </p:style>
+              <p:txBody>
+                <a:bodyPr rtlCol="0" anchor="ctr"/>
+                <a:lstStyle/>
+                <a:p>
+                  <a:pPr algn="ctr"/>
+                  <a:endParaRPr lang="es-CL"/>
+                </a:p>
+              </p:txBody>
+            </p:sp>
+            <p:sp>
+              <p:nvSpPr>
+                <p:cNvPr id="79" name="Rectangle 78"/>
+                <p:cNvSpPr/>
+                <p:nvPr/>
+              </p:nvSpPr>
+              <p:spPr>
+                <a:xfrm>
+                  <a:off x="4067944" y="4941168"/>
+                  <a:ext cx="144016" cy="144016"/>
+                </a:xfrm>
+                <a:prstGeom prst="rect">
+                  <a:avLst/>
+                </a:prstGeom>
+                <a:solidFill>
+                  <a:schemeClr val="bg1"/>
+                </a:solidFill>
+                <a:ln>
+                  <a:solidFill>
+                    <a:schemeClr val="accent2"/>
+                  </a:solidFill>
+                </a:ln>
+              </p:spPr>
+              <p:style>
+                <a:lnRef idx="2">
+                  <a:schemeClr val="accent1">
+                    <a:shade val="50000"/>
+                  </a:schemeClr>
+                </a:lnRef>
+                <a:fillRef idx="1">
+                  <a:schemeClr val="accent1"/>
+                </a:fillRef>
+                <a:effectRef idx="0">
+                  <a:schemeClr val="accent1"/>
+                </a:effectRef>
+                <a:fontRef idx="minor">
+                  <a:schemeClr val="lt1"/>
+                </a:fontRef>
+              </p:style>
+              <p:txBody>
+                <a:bodyPr rtlCol="0" anchor="ctr"/>
+                <a:lstStyle/>
+                <a:p>
+                  <a:pPr algn="ctr"/>
+                  <a:endParaRPr lang="es-CL"/>
+                </a:p>
+              </p:txBody>
+            </p:sp>
+            <p:sp>
+              <p:nvSpPr>
+                <p:cNvPr id="81" name="TextBox 80"/>
+                <p:cNvSpPr txBox="1"/>
+                <p:nvPr/>
+              </p:nvSpPr>
+              <p:spPr>
+                <a:xfrm>
+                  <a:off x="2843808" y="3212976"/>
+                  <a:ext cx="1584176" cy="369332"/>
+                </a:xfrm>
+                <a:prstGeom prst="rect">
+                  <a:avLst/>
+                </a:prstGeom>
+                <a:noFill/>
+              </p:spPr>
+              <p:txBody>
+                <a:bodyPr wrap="square" rtlCol="0">
+                  <a:spAutoFit/>
+                </a:bodyPr>
+                <a:lstStyle/>
+                <a:p>
+                  <a:r>
+                    <a:rPr lang="es-CL" i="1" dirty="0" smtClean="0"/>
+                    <a:t> </a:t>
+                  </a:r>
+                  <a:r>
+                    <a:rPr lang="es-CL" i="1" dirty="0" smtClean="0">
+                      <a:solidFill>
+                        <a:schemeClr val="tx1">
+                          <a:lumMod val="75000"/>
+                          <a:lumOff val="25000"/>
+                        </a:schemeClr>
+                      </a:solidFill>
+                    </a:rPr>
+                    <a:t>L  M W J  V  S</a:t>
+                  </a:r>
+                  <a:endParaRPr lang="es-CL" i="1" dirty="0">
+                    <a:solidFill>
+                      <a:schemeClr val="tx1">
+                        <a:lumMod val="75000"/>
+                        <a:lumOff val="25000"/>
+                      </a:schemeClr>
+                    </a:solidFill>
+                  </a:endParaRPr>
+                </a:p>
+              </p:txBody>
+            </p:sp>
+          </p:grpSp>
+          <p:grpSp>
+            <p:nvGrpSpPr>
+              <p:cNvPr id="108" name="Group 107"/>
+              <p:cNvGrpSpPr/>
+              <p:nvPr/>
+            </p:nvGrpSpPr>
+            <p:grpSpPr>
+              <a:xfrm>
+                <a:off x="3231280" y="4553696"/>
+                <a:ext cx="90296" cy="72008"/>
+                <a:chOff x="9886" y="3645024"/>
+                <a:chExt cx="97618" cy="144016"/>
+              </a:xfrm>
+            </p:grpSpPr>
+            <p:cxnSp>
+              <p:nvCxnSpPr>
+                <p:cNvPr id="109" name="Straight Connector 108"/>
+                <p:cNvCxnSpPr/>
+                <p:nvPr/>
+              </p:nvCxnSpPr>
+              <p:spPr>
+                <a:xfrm>
+                  <a:off x="9886" y="3707888"/>
+                  <a:ext cx="35495" cy="72008"/>
+                </a:xfrm>
+                <a:prstGeom prst="line">
+                  <a:avLst/>
+                </a:prstGeom>
+                <a:ln w="28575">
+                  <a:solidFill>
+                    <a:srgbClr val="00B050"/>
+                  </a:solidFill>
+                </a:ln>
+              </p:spPr>
+              <p:style>
+                <a:lnRef idx="1">
+                  <a:schemeClr val="accent1"/>
+                </a:lnRef>
+                <a:fillRef idx="0">
+                  <a:schemeClr val="accent1"/>
+                </a:fillRef>
+                <a:effectRef idx="0">
+                  <a:schemeClr val="accent1"/>
+                </a:effectRef>
+                <a:fontRef idx="minor">
+                  <a:schemeClr val="tx1"/>
+                </a:fontRef>
+              </p:style>
+            </p:cxnSp>
+            <p:cxnSp>
+              <p:nvCxnSpPr>
+                <p:cNvPr id="110" name="Straight Connector 109"/>
+                <p:cNvCxnSpPr/>
+                <p:nvPr/>
+              </p:nvCxnSpPr>
+              <p:spPr>
+                <a:xfrm flipV="1">
+                  <a:off x="35496" y="3645024"/>
+                  <a:ext cx="72008" cy="144016"/>
+                </a:xfrm>
+                <a:prstGeom prst="line">
+                  <a:avLst/>
+                </a:prstGeom>
+                <a:ln w="28575">
+                  <a:solidFill>
+                    <a:srgbClr val="00B050"/>
+                  </a:solidFill>
+                </a:ln>
+              </p:spPr>
+              <p:style>
+                <a:lnRef idx="1">
+                  <a:schemeClr val="accent1"/>
+                </a:lnRef>
+                <a:fillRef idx="0">
+                  <a:schemeClr val="accent1"/>
+                </a:fillRef>
+                <a:effectRef idx="0">
+                  <a:schemeClr val="accent1"/>
+                </a:effectRef>
+                <a:fontRef idx="minor">
+                  <a:schemeClr val="tx1"/>
+                </a:fontRef>
+              </p:style>
+            </p:cxnSp>
+          </p:grpSp>
+          <p:grpSp>
+            <p:nvGrpSpPr>
+              <p:cNvPr id="111" name="Group 110"/>
+              <p:cNvGrpSpPr/>
+              <p:nvPr/>
+            </p:nvGrpSpPr>
+            <p:grpSpPr>
+              <a:xfrm>
+                <a:off x="3226708" y="4757148"/>
+                <a:ext cx="90296" cy="72008"/>
+                <a:chOff x="9886" y="3645024"/>
+                <a:chExt cx="97618" cy="144016"/>
+              </a:xfrm>
+            </p:grpSpPr>
+            <p:cxnSp>
+              <p:nvCxnSpPr>
+                <p:cNvPr id="112" name="Straight Connector 111"/>
+                <p:cNvCxnSpPr/>
+                <p:nvPr/>
+              </p:nvCxnSpPr>
+              <p:spPr>
+                <a:xfrm>
+                  <a:off x="9886" y="3707888"/>
+                  <a:ext cx="35495" cy="72008"/>
+                </a:xfrm>
+                <a:prstGeom prst="line">
+                  <a:avLst/>
+                </a:prstGeom>
+                <a:ln w="28575">
+                  <a:solidFill>
+                    <a:srgbClr val="00B050"/>
+                  </a:solidFill>
+                </a:ln>
+              </p:spPr>
+              <p:style>
+                <a:lnRef idx="1">
+                  <a:schemeClr val="accent1"/>
+                </a:lnRef>
+                <a:fillRef idx="0">
+                  <a:schemeClr val="accent1"/>
+                </a:fillRef>
+                <a:effectRef idx="0">
+                  <a:schemeClr val="accent1"/>
+                </a:effectRef>
+                <a:fontRef idx="minor">
+                  <a:schemeClr val="tx1"/>
+                </a:fontRef>
+              </p:style>
+            </p:cxnSp>
+            <p:cxnSp>
+              <p:nvCxnSpPr>
+                <p:cNvPr id="113" name="Straight Connector 112"/>
+                <p:cNvCxnSpPr/>
+                <p:nvPr/>
+              </p:nvCxnSpPr>
+              <p:spPr>
+                <a:xfrm flipV="1">
+                  <a:off x="35496" y="3645024"/>
+                  <a:ext cx="72008" cy="144016"/>
+                </a:xfrm>
+                <a:prstGeom prst="line">
+                  <a:avLst/>
+                </a:prstGeom>
+                <a:ln w="28575">
+                  <a:solidFill>
+                    <a:srgbClr val="00B050"/>
+                  </a:solidFill>
+                </a:ln>
+              </p:spPr>
+              <p:style>
+                <a:lnRef idx="1">
+                  <a:schemeClr val="accent1"/>
+                </a:lnRef>
+                <a:fillRef idx="0">
+                  <a:schemeClr val="accent1"/>
+                </a:fillRef>
+                <a:effectRef idx="0">
+                  <a:schemeClr val="accent1"/>
+                </a:effectRef>
+                <a:fontRef idx="minor">
+                  <a:schemeClr val="tx1"/>
+                </a:fontRef>
+              </p:style>
+            </p:cxnSp>
+          </p:grpSp>
+        </p:grpSp>
+      </p:grpSp>
     </p:spTree>
   </p:cSld>
   <p:clrMapOvr>

--- a/Diseño/Spot it - Boceto de Interfaz.pptx
+++ b/Diseño/Spot it - Boceto de Interfaz.pptx
@@ -5,7 +5,7 @@
     <p:sldMasterId id="2147483648" r:id="rId1"/>
   </p:sldMasterIdLst>
   <p:notesMasterIdLst>
-    <p:notesMasterId r:id="rId10"/>
+    <p:notesMasterId r:id="rId11"/>
   </p:notesMasterIdLst>
   <p:sldIdLst>
     <p:sldId id="256" r:id="rId2"/>
@@ -16,6 +16,7 @@
     <p:sldId id="265" r:id="rId7"/>
     <p:sldId id="266" r:id="rId8"/>
     <p:sldId id="267" r:id="rId9"/>
+    <p:sldId id="268" r:id="rId10"/>
   </p:sldIdLst>
   <p:sldSz cx="9144000" cy="6858000" type="screen4x3"/>
   <p:notesSz cx="6858000" cy="9144000"/>
@@ -1129,6 +1130,92 @@
               <a:rPr lang="es-CL" smtClean="0"/>
               <a:pPr/>
               <a:t>8</a:t>
+            </a:fld>
+            <a:endParaRPr lang="es-CL"/>
+          </a:p>
+        </p:txBody>
+      </p:sp>
+    </p:spTree>
+  </p:cSld>
+  <p:clrMapOvr>
+    <a:masterClrMapping/>
+  </p:clrMapOvr>
+</p:notes>
+</file>
+
+<file path=ppt/notesSlides/notesSlide8.xml><?xml version="1.0" encoding="utf-8"?>
+<p:notes xmlns:a="http://schemas.openxmlformats.org/drawingml/2006/main" xmlns:r="http://schemas.openxmlformats.org/officeDocument/2006/relationships" xmlns:p="http://schemas.openxmlformats.org/presentationml/2006/main">
+  <p:cSld>
+    <p:spTree>
+      <p:nvGrpSpPr>
+        <p:cNvPr id="1" name=""/>
+        <p:cNvGrpSpPr/>
+        <p:nvPr/>
+      </p:nvGrpSpPr>
+      <p:grpSpPr>
+        <a:xfrm>
+          <a:off x="0" y="0"/>
+          <a:ext cx="0" cy="0"/>
+          <a:chOff x="0" y="0"/>
+          <a:chExt cx="0" cy="0"/>
+        </a:xfrm>
+      </p:grpSpPr>
+      <p:sp>
+        <p:nvSpPr>
+          <p:cNvPr id="2" name="Slide Image Placeholder 1"/>
+          <p:cNvSpPr>
+            <a:spLocks noGrp="1" noRot="1" noChangeAspect="1"/>
+          </p:cNvSpPr>
+          <p:nvPr>
+            <p:ph type="sldImg"/>
+          </p:nvPr>
+        </p:nvSpPr>
+        <p:spPr/>
+      </p:sp>
+      <p:sp>
+        <p:nvSpPr>
+          <p:cNvPr id="3" name="Notes Placeholder 2"/>
+          <p:cNvSpPr>
+            <a:spLocks noGrp="1"/>
+          </p:cNvSpPr>
+          <p:nvPr>
+            <p:ph type="body" idx="1"/>
+          </p:nvPr>
+        </p:nvSpPr>
+        <p:spPr/>
+        <p:txBody>
+          <a:bodyPr>
+            <a:normAutofit/>
+          </a:bodyPr>
+          <a:lstStyle/>
+          <a:p>
+            <a:r>
+              <a:rPr lang="es-CL" dirty="0" smtClean="0"/>
+              <a:t>Acá sale el mapa</a:t>
+            </a:r>
+            <a:endParaRPr lang="es-CL" dirty="0"/>
+          </a:p>
+        </p:txBody>
+      </p:sp>
+      <p:sp>
+        <p:nvSpPr>
+          <p:cNvPr id="4" name="Slide Number Placeholder 3"/>
+          <p:cNvSpPr>
+            <a:spLocks noGrp="1"/>
+          </p:cNvSpPr>
+          <p:nvPr>
+            <p:ph type="sldNum" sz="quarter" idx="10"/>
+          </p:nvPr>
+        </p:nvSpPr>
+        <p:spPr/>
+        <p:txBody>
+          <a:bodyPr/>
+          <a:lstStyle/>
+          <a:p>
+            <a:fld id="{D35FE5BB-43CA-4601-BB66-B0438049108F}" type="slidenum">
+              <a:rPr lang="es-CL" smtClean="0"/>
+              <a:pPr/>
+              <a:t>9</a:t>
             </a:fld>
             <a:endParaRPr lang="es-CL"/>
           </a:p>
@@ -10628,7 +10715,7 @@
       </p:sp>
       <p:grpSp>
         <p:nvGrpSpPr>
-          <p:cNvPr id="116" name="Group 115"/>
+          <p:cNvPr id="118" name="Group 117"/>
           <p:cNvGrpSpPr/>
           <p:nvPr/>
         </p:nvGrpSpPr>
@@ -10757,7 +10844,7 @@
           </p:nvGrpSpPr>
           <p:grpSpPr>
             <a:xfrm>
-              <a:off x="4283968" y="4437112"/>
+              <a:off x="4283968" y="4221088"/>
               <a:ext cx="2088232" cy="461665"/>
               <a:chOff x="4283968" y="4623519"/>
               <a:chExt cx="2088232" cy="461665"/>
@@ -11094,9 +11181,9 @@
           </p:nvGrpSpPr>
           <p:grpSpPr>
             <a:xfrm>
-              <a:off x="4355976" y="3429000"/>
+              <a:off x="4355976" y="3318083"/>
               <a:ext cx="1944216" cy="830997"/>
-              <a:chOff x="4355976" y="3429000"/>
+              <a:chOff x="4355976" y="3318083"/>
               <a:chExt cx="1944216" cy="830997"/>
             </a:xfrm>
           </p:grpSpPr>
@@ -11108,7 +11195,7 @@
             </p:nvSpPr>
             <p:spPr>
               <a:xfrm>
-                <a:off x="4355976" y="3429000"/>
+                <a:off x="4355976" y="3318083"/>
                 <a:ext cx="1800200" cy="830997"/>
               </a:xfrm>
               <a:prstGeom prst="rect">
@@ -11160,7 +11247,7 @@
             </p:blipFill>
             <p:spPr>
               <a:xfrm>
-                <a:off x="5868144" y="3789040"/>
+                <a:off x="5868144" y="3678123"/>
                 <a:ext cx="432048" cy="345638"/>
               </a:xfrm>
               <a:prstGeom prst="rect">
@@ -13201,6 +13288,66 @@
             </p:cxnSp>
           </p:grpSp>
         </p:grpSp>
+        <p:sp>
+          <p:nvSpPr>
+            <p:cNvPr id="117" name="Rectangle 116"/>
+            <p:cNvSpPr/>
+            <p:nvPr/>
+          </p:nvSpPr>
+          <p:spPr>
+            <a:xfrm>
+              <a:off x="4427984" y="4725144"/>
+              <a:ext cx="1944216" cy="360040"/>
+            </a:xfrm>
+            <a:prstGeom prst="rect">
+              <a:avLst/>
+            </a:prstGeom>
+            <a:solidFill>
+              <a:schemeClr val="bg1"/>
+            </a:solidFill>
+            <a:ln>
+              <a:solidFill>
+                <a:schemeClr val="accent2"/>
+              </a:solidFill>
+            </a:ln>
+          </p:spPr>
+          <p:style>
+            <a:lnRef idx="2">
+              <a:schemeClr val="accent1">
+                <a:shade val="50000"/>
+              </a:schemeClr>
+            </a:lnRef>
+            <a:fillRef idx="1">
+              <a:schemeClr val="accent1"/>
+            </a:fillRef>
+            <a:effectRef idx="0">
+              <a:schemeClr val="accent1"/>
+            </a:effectRef>
+            <a:fontRef idx="minor">
+              <a:schemeClr val="lt1"/>
+            </a:fontRef>
+          </p:style>
+          <p:txBody>
+            <a:bodyPr rtlCol="0" anchor="ctr"/>
+            <a:lstStyle/>
+            <a:p>
+              <a:pPr algn="ctr"/>
+              <a:r>
+                <a:rPr lang="es-CL" dirty="0" smtClean="0">
+                  <a:solidFill>
+                    <a:schemeClr val="tx1"/>
+                  </a:solidFill>
+                </a:rPr>
+                <a:t>Buscar</a:t>
+              </a:r>
+              <a:endParaRPr lang="es-CL" dirty="0">
+                <a:solidFill>
+                  <a:schemeClr val="tx1"/>
+                </a:solidFill>
+              </a:endParaRPr>
+            </a:p>
+          </p:txBody>
+        </p:sp>
       </p:grpSp>
     </p:spTree>
   </p:cSld>
@@ -14123,7 +14270,7 @@
       </p:sp>
       <p:grpSp>
         <p:nvGrpSpPr>
-          <p:cNvPr id="6" name="Group 115"/>
+          <p:cNvPr id="88" name="Group 87"/>
           <p:cNvGrpSpPr/>
           <p:nvPr/>
         </p:nvGrpSpPr>
@@ -14137,7 +14284,7 @@
         </p:grpSpPr>
         <p:grpSp>
           <p:nvGrpSpPr>
-            <p:cNvPr id="7" name="Group 89"/>
+            <p:cNvPr id="89" name="Group 89"/>
             <p:cNvGrpSpPr/>
             <p:nvPr/>
           </p:nvGrpSpPr>
@@ -14151,7 +14298,7 @@
           </p:grpSpPr>
           <p:sp>
             <p:nvSpPr>
-              <p:cNvPr id="33" name="Rectangle 32"/>
+              <p:cNvPr id="153" name="Rectangle 152"/>
               <p:cNvSpPr/>
               <p:nvPr/>
             </p:nvSpPr>
@@ -14197,7 +14344,7 @@
           </p:sp>
           <p:sp>
             <p:nvSpPr>
-              <p:cNvPr id="80" name="TextBox 79"/>
+              <p:cNvPr id="154" name="TextBox 153"/>
               <p:cNvSpPr txBox="1"/>
               <p:nvPr/>
             </p:nvSpPr>
@@ -14246,13 +14393,13 @@
         </p:grpSp>
         <p:grpSp>
           <p:nvGrpSpPr>
-            <p:cNvPr id="8" name="Group 88"/>
+            <p:cNvPr id="90" name="Group 88"/>
             <p:cNvGrpSpPr/>
             <p:nvPr/>
           </p:nvGrpSpPr>
           <p:grpSpPr>
             <a:xfrm>
-              <a:off x="4283968" y="4437112"/>
+              <a:off x="4283968" y="4221088"/>
               <a:ext cx="2088232" cy="461665"/>
               <a:chOff x="4283968" y="4623519"/>
               <a:chExt cx="2088232" cy="461665"/>
@@ -14260,7 +14407,7 @@
           </p:grpSpPr>
           <p:sp>
             <p:nvSpPr>
-              <p:cNvPr id="82" name="TextBox 81"/>
+              <p:cNvPr id="147" name="TextBox 146"/>
               <p:cNvSpPr txBox="1"/>
               <p:nvPr/>
             </p:nvSpPr>
@@ -14308,7 +14455,7 @@
           </p:sp>
           <p:sp>
             <p:nvSpPr>
-              <p:cNvPr id="83" name="Rectangle 82"/>
+              <p:cNvPr id="148" name="Rectangle 147"/>
               <p:cNvSpPr/>
               <p:nvPr/>
             </p:nvSpPr>
@@ -14374,7 +14521,7 @@
           </p:sp>
           <p:sp>
             <p:nvSpPr>
-              <p:cNvPr id="84" name="Rectangle 83"/>
+              <p:cNvPr id="149" name="Rectangle 148"/>
               <p:cNvSpPr/>
               <p:nvPr/>
             </p:nvSpPr>
@@ -14426,7 +14573,7 @@
           </p:sp>
           <p:sp>
             <p:nvSpPr>
-              <p:cNvPr id="85" name="Rectangle 84"/>
+              <p:cNvPr id="150" name="Rectangle 149"/>
               <p:cNvSpPr/>
               <p:nvPr/>
             </p:nvSpPr>
@@ -14478,7 +14625,7 @@
           </p:sp>
           <p:sp>
             <p:nvSpPr>
-              <p:cNvPr id="86" name="Isosceles Triangle 85"/>
+              <p:cNvPr id="151" name="Isosceles Triangle 150"/>
               <p:cNvSpPr/>
               <p:nvPr/>
             </p:nvSpPr>
@@ -14530,7 +14677,7 @@
           </p:sp>
           <p:sp>
             <p:nvSpPr>
-              <p:cNvPr id="87" name="Isosceles Triangle 86"/>
+              <p:cNvPr id="152" name="Isosceles Triangle 151"/>
               <p:cNvSpPr/>
               <p:nvPr/>
             </p:nvSpPr>
@@ -14583,27 +14730,27 @@
         </p:grpSp>
         <p:grpSp>
           <p:nvGrpSpPr>
-            <p:cNvPr id="9" name="Group 114"/>
+            <p:cNvPr id="91" name="Group 114"/>
             <p:cNvGrpSpPr/>
             <p:nvPr/>
           </p:nvGrpSpPr>
           <p:grpSpPr>
             <a:xfrm>
-              <a:off x="4355976" y="3429000"/>
+              <a:off x="4355976" y="3318083"/>
               <a:ext cx="1944216" cy="830997"/>
-              <a:chOff x="4355976" y="3429000"/>
+              <a:chOff x="4355976" y="3318083"/>
               <a:chExt cx="1944216" cy="830997"/>
             </a:xfrm>
           </p:grpSpPr>
           <p:sp>
             <p:nvSpPr>
-              <p:cNvPr id="92" name="TextBox 91"/>
+              <p:cNvPr id="145" name="TextBox 144"/>
               <p:cNvSpPr txBox="1"/>
               <p:nvPr/>
             </p:nvSpPr>
             <p:spPr>
               <a:xfrm>
-                <a:off x="4355976" y="3429000"/>
+                <a:off x="4355976" y="3318083"/>
                 <a:ext cx="1800200" cy="830997"/>
               </a:xfrm>
               <a:prstGeom prst="rect">
@@ -14641,7 +14788,7 @@
           </p:sp>
           <p:pic>
             <p:nvPicPr>
-              <p:cNvPr id="97" name="Picture 96" descr="hand-pointer-icon.jpg"/>
+              <p:cNvPr id="146" name="Picture 145" descr="hand-pointer-icon.jpg"/>
               <p:cNvPicPr>
                 <a:picLocks noChangeAspect="1"/>
               </p:cNvPicPr>
@@ -14655,7 +14802,7 @@
             </p:blipFill>
             <p:spPr>
               <a:xfrm>
-                <a:off x="5868144" y="3789040"/>
+                <a:off x="5868144" y="3678123"/>
                 <a:ext cx="432048" cy="345638"/>
               </a:xfrm>
               <a:prstGeom prst="rect">
@@ -14674,7 +14821,7 @@
         </p:grpSp>
         <p:grpSp>
           <p:nvGrpSpPr>
-            <p:cNvPr id="10" name="Group 113"/>
+            <p:cNvPr id="93" name="Group 113"/>
             <p:cNvGrpSpPr/>
             <p:nvPr/>
           </p:nvGrpSpPr>
@@ -14688,7 +14835,7 @@
           </p:grpSpPr>
           <p:grpSp>
             <p:nvGrpSpPr>
-              <p:cNvPr id="11" name="Group 87"/>
+              <p:cNvPr id="95" name="Group 87"/>
               <p:cNvGrpSpPr/>
               <p:nvPr/>
             </p:nvGrpSpPr>
@@ -14702,7 +14849,7 @@
             </p:grpSpPr>
             <p:sp>
               <p:nvSpPr>
-                <p:cNvPr id="34" name="Rectangle 33"/>
+                <p:cNvPr id="103" name="Rectangle 102"/>
                 <p:cNvSpPr/>
                 <p:nvPr/>
               </p:nvSpPr>
@@ -14750,7 +14897,7 @@
             </p:sp>
             <p:sp>
               <p:nvSpPr>
-                <p:cNvPr id="36" name="Rectangle 35"/>
+                <p:cNvPr id="104" name="Rectangle 103"/>
                 <p:cNvSpPr/>
                 <p:nvPr/>
               </p:nvSpPr>
@@ -14798,7 +14945,7 @@
             </p:sp>
             <p:sp>
               <p:nvSpPr>
-                <p:cNvPr id="37" name="Rectangle 36"/>
+                <p:cNvPr id="105" name="Rectangle 104"/>
                 <p:cNvSpPr/>
                 <p:nvPr/>
               </p:nvSpPr>
@@ -14846,7 +14993,7 @@
             </p:sp>
             <p:sp>
               <p:nvSpPr>
-                <p:cNvPr id="46" name="Rectangle 45"/>
+                <p:cNvPr id="106" name="Rectangle 105"/>
                 <p:cNvSpPr/>
                 <p:nvPr/>
               </p:nvSpPr>
@@ -14894,7 +15041,7 @@
             </p:sp>
             <p:sp>
               <p:nvSpPr>
-                <p:cNvPr id="47" name="Rectangle 46"/>
+                <p:cNvPr id="107" name="Rectangle 106"/>
                 <p:cNvSpPr/>
                 <p:nvPr/>
               </p:nvSpPr>
@@ -14942,7 +15089,7 @@
             </p:sp>
             <p:sp>
               <p:nvSpPr>
-                <p:cNvPr id="48" name="Rectangle 47"/>
+                <p:cNvPr id="108" name="Rectangle 107"/>
                 <p:cNvSpPr/>
                 <p:nvPr/>
               </p:nvSpPr>
@@ -14990,7 +15137,7 @@
             </p:sp>
             <p:sp>
               <p:nvSpPr>
-                <p:cNvPr id="49" name="Rectangle 48"/>
+                <p:cNvPr id="111" name="Rectangle 110"/>
                 <p:cNvSpPr/>
                 <p:nvPr/>
               </p:nvSpPr>
@@ -15038,7 +15185,7 @@
             </p:sp>
             <p:sp>
               <p:nvSpPr>
-                <p:cNvPr id="50" name="Rectangle 49"/>
+                <p:cNvPr id="114" name="Rectangle 113"/>
                 <p:cNvSpPr/>
                 <p:nvPr/>
               </p:nvSpPr>
@@ -15086,7 +15233,7 @@
             </p:sp>
             <p:sp>
               <p:nvSpPr>
-                <p:cNvPr id="51" name="Rectangle 50"/>
+                <p:cNvPr id="115" name="Rectangle 114"/>
                 <p:cNvSpPr/>
                 <p:nvPr/>
               </p:nvSpPr>
@@ -15134,7 +15281,7 @@
             </p:sp>
             <p:sp>
               <p:nvSpPr>
-                <p:cNvPr id="52" name="Rectangle 51"/>
+                <p:cNvPr id="116" name="Rectangle 115"/>
                 <p:cNvSpPr/>
                 <p:nvPr/>
               </p:nvSpPr>
@@ -15182,7 +15329,7 @@
             </p:sp>
             <p:sp>
               <p:nvSpPr>
-                <p:cNvPr id="53" name="Rectangle 52"/>
+                <p:cNvPr id="117" name="Rectangle 116"/>
                 <p:cNvSpPr/>
                 <p:nvPr/>
               </p:nvSpPr>
@@ -15230,7 +15377,7 @@
             </p:sp>
             <p:sp>
               <p:nvSpPr>
-                <p:cNvPr id="54" name="Rectangle 53"/>
+                <p:cNvPr id="118" name="Rectangle 117"/>
                 <p:cNvSpPr/>
                 <p:nvPr/>
               </p:nvSpPr>
@@ -15278,7 +15425,7 @@
             </p:sp>
             <p:sp>
               <p:nvSpPr>
-                <p:cNvPr id="55" name="Rectangle 54"/>
+                <p:cNvPr id="119" name="Rectangle 118"/>
                 <p:cNvSpPr/>
                 <p:nvPr/>
               </p:nvSpPr>
@@ -15326,7 +15473,7 @@
             </p:sp>
             <p:sp>
               <p:nvSpPr>
-                <p:cNvPr id="56" name="Rectangle 55"/>
+                <p:cNvPr id="120" name="Rectangle 119"/>
                 <p:cNvSpPr/>
                 <p:nvPr/>
               </p:nvSpPr>
@@ -15374,7 +15521,7 @@
             </p:sp>
             <p:sp>
               <p:nvSpPr>
-                <p:cNvPr id="57" name="Rectangle 56"/>
+                <p:cNvPr id="121" name="Rectangle 120"/>
                 <p:cNvSpPr/>
                 <p:nvPr/>
               </p:nvSpPr>
@@ -15422,7 +15569,7 @@
             </p:sp>
             <p:sp>
               <p:nvSpPr>
-                <p:cNvPr id="58" name="Rectangle 57"/>
+                <p:cNvPr id="122" name="Rectangle 121"/>
                 <p:cNvSpPr/>
                 <p:nvPr/>
               </p:nvSpPr>
@@ -15470,7 +15617,7 @@
             </p:sp>
             <p:sp>
               <p:nvSpPr>
-                <p:cNvPr id="59" name="Rectangle 58"/>
+                <p:cNvPr id="123" name="Rectangle 122"/>
                 <p:cNvSpPr/>
                 <p:nvPr/>
               </p:nvSpPr>
@@ -15518,7 +15665,7 @@
             </p:sp>
             <p:sp>
               <p:nvSpPr>
-                <p:cNvPr id="60" name="Rectangle 59"/>
+                <p:cNvPr id="124" name="Rectangle 123"/>
                 <p:cNvSpPr/>
                 <p:nvPr/>
               </p:nvSpPr>
@@ -15566,7 +15713,7 @@
             </p:sp>
             <p:sp>
               <p:nvSpPr>
-                <p:cNvPr id="61" name="TextBox 60"/>
+                <p:cNvPr id="125" name="TextBox 124"/>
                 <p:cNvSpPr txBox="1"/>
                 <p:nvPr/>
               </p:nvSpPr>
@@ -15614,7 +15761,7 @@
             </p:sp>
             <p:sp>
               <p:nvSpPr>
-                <p:cNvPr id="62" name="Rectangle 61"/>
+                <p:cNvPr id="126" name="Rectangle 125"/>
                 <p:cNvSpPr/>
                 <p:nvPr/>
               </p:nvSpPr>
@@ -15662,7 +15809,7 @@
             </p:sp>
             <p:sp>
               <p:nvSpPr>
-                <p:cNvPr id="63" name="Rectangle 62"/>
+                <p:cNvPr id="127" name="Rectangle 126"/>
                 <p:cNvSpPr/>
                 <p:nvPr/>
               </p:nvSpPr>
@@ -15710,7 +15857,7 @@
             </p:sp>
             <p:sp>
               <p:nvSpPr>
-                <p:cNvPr id="64" name="Rectangle 63"/>
+                <p:cNvPr id="128" name="Rectangle 127"/>
                 <p:cNvSpPr/>
                 <p:nvPr/>
               </p:nvSpPr>
@@ -15758,7 +15905,7 @@
             </p:sp>
             <p:sp>
               <p:nvSpPr>
-                <p:cNvPr id="65" name="Rectangle 64"/>
+                <p:cNvPr id="129" name="Rectangle 128"/>
                 <p:cNvSpPr/>
                 <p:nvPr/>
               </p:nvSpPr>
@@ -15806,7 +15953,7 @@
             </p:sp>
             <p:sp>
               <p:nvSpPr>
-                <p:cNvPr id="66" name="Rectangle 65"/>
+                <p:cNvPr id="130" name="Rectangle 129"/>
                 <p:cNvSpPr/>
                 <p:nvPr/>
               </p:nvSpPr>
@@ -15854,7 +16001,7 @@
             </p:sp>
             <p:sp>
               <p:nvSpPr>
-                <p:cNvPr id="67" name="Rectangle 66"/>
+                <p:cNvPr id="131" name="Rectangle 130"/>
                 <p:cNvSpPr/>
                 <p:nvPr/>
               </p:nvSpPr>
@@ -15902,7 +16049,7 @@
             </p:sp>
             <p:sp>
               <p:nvSpPr>
-                <p:cNvPr id="68" name="Rectangle 67"/>
+                <p:cNvPr id="132" name="Rectangle 131"/>
                 <p:cNvSpPr/>
                 <p:nvPr/>
               </p:nvSpPr>
@@ -15950,7 +16097,7 @@
             </p:sp>
             <p:sp>
               <p:nvSpPr>
-                <p:cNvPr id="69" name="Rectangle 68"/>
+                <p:cNvPr id="133" name="Rectangle 132"/>
                 <p:cNvSpPr/>
                 <p:nvPr/>
               </p:nvSpPr>
@@ -15998,7 +16145,7 @@
             </p:sp>
             <p:sp>
               <p:nvSpPr>
-                <p:cNvPr id="70" name="Rectangle 69"/>
+                <p:cNvPr id="134" name="Rectangle 133"/>
                 <p:cNvSpPr/>
                 <p:nvPr/>
               </p:nvSpPr>
@@ -16046,7 +16193,7 @@
             </p:sp>
             <p:sp>
               <p:nvSpPr>
-                <p:cNvPr id="71" name="Rectangle 70"/>
+                <p:cNvPr id="135" name="Rectangle 134"/>
                 <p:cNvSpPr/>
                 <p:nvPr/>
               </p:nvSpPr>
@@ -16094,7 +16241,7 @@
             </p:sp>
             <p:sp>
               <p:nvSpPr>
-                <p:cNvPr id="72" name="Rectangle 71"/>
+                <p:cNvPr id="136" name="Rectangle 135"/>
                 <p:cNvSpPr/>
                 <p:nvPr/>
               </p:nvSpPr>
@@ -16142,7 +16289,7 @@
             </p:sp>
             <p:sp>
               <p:nvSpPr>
-                <p:cNvPr id="73" name="Rectangle 72"/>
+                <p:cNvPr id="137" name="Rectangle 136"/>
                 <p:cNvSpPr/>
                 <p:nvPr/>
               </p:nvSpPr>
@@ -16190,7 +16337,7 @@
             </p:sp>
             <p:sp>
               <p:nvSpPr>
-                <p:cNvPr id="74" name="Rectangle 73"/>
+                <p:cNvPr id="138" name="Rectangle 137"/>
                 <p:cNvSpPr/>
                 <p:nvPr/>
               </p:nvSpPr>
@@ -16238,7 +16385,7 @@
             </p:sp>
             <p:sp>
               <p:nvSpPr>
-                <p:cNvPr id="75" name="Rectangle 74"/>
+                <p:cNvPr id="139" name="Rectangle 138"/>
                 <p:cNvSpPr/>
                 <p:nvPr/>
               </p:nvSpPr>
@@ -16286,7 +16433,7 @@
             </p:sp>
             <p:sp>
               <p:nvSpPr>
-                <p:cNvPr id="76" name="Rectangle 75"/>
+                <p:cNvPr id="140" name="Rectangle 139"/>
                 <p:cNvSpPr/>
                 <p:nvPr/>
               </p:nvSpPr>
@@ -16334,7 +16481,7 @@
             </p:sp>
             <p:sp>
               <p:nvSpPr>
-                <p:cNvPr id="77" name="Rectangle 76"/>
+                <p:cNvPr id="141" name="Rectangle 140"/>
                 <p:cNvSpPr/>
                 <p:nvPr/>
               </p:nvSpPr>
@@ -16382,7 +16529,7 @@
             </p:sp>
             <p:sp>
               <p:nvSpPr>
-                <p:cNvPr id="78" name="Rectangle 77"/>
+                <p:cNvPr id="142" name="Rectangle 141"/>
                 <p:cNvSpPr/>
                 <p:nvPr/>
               </p:nvSpPr>
@@ -16430,7 +16577,7 @@
             </p:sp>
             <p:sp>
               <p:nvSpPr>
-                <p:cNvPr id="79" name="Rectangle 78"/>
+                <p:cNvPr id="143" name="Rectangle 142"/>
                 <p:cNvSpPr/>
                 <p:nvPr/>
               </p:nvSpPr>
@@ -16478,7 +16625,7 @@
             </p:sp>
             <p:sp>
               <p:nvSpPr>
-                <p:cNvPr id="81" name="TextBox 80"/>
+                <p:cNvPr id="144" name="TextBox 143"/>
                 <p:cNvSpPr txBox="1"/>
                 <p:nvPr/>
               </p:nvSpPr>
@@ -16527,7 +16674,7 @@
           </p:grpSp>
           <p:grpSp>
             <p:nvGrpSpPr>
-              <p:cNvPr id="12" name="Group 107"/>
+              <p:cNvPr id="96" name="Group 107"/>
               <p:cNvGrpSpPr/>
               <p:nvPr/>
             </p:nvGrpSpPr>
@@ -16541,7 +16688,7 @@
             </p:grpSpPr>
             <p:cxnSp>
               <p:nvCxnSpPr>
-                <p:cNvPr id="109" name="Straight Connector 108"/>
+                <p:cNvPr id="101" name="Straight Connector 100"/>
                 <p:cNvCxnSpPr/>
                 <p:nvPr/>
               </p:nvCxnSpPr>
@@ -16576,7 +16723,7 @@
             </p:cxnSp>
             <p:cxnSp>
               <p:nvCxnSpPr>
-                <p:cNvPr id="110" name="Straight Connector 109"/>
+                <p:cNvPr id="102" name="Straight Connector 101"/>
                 <p:cNvCxnSpPr/>
                 <p:nvPr/>
               </p:nvCxnSpPr>
@@ -16612,7 +16759,7 @@
           </p:grpSp>
           <p:grpSp>
             <p:nvGrpSpPr>
-              <p:cNvPr id="13" name="Group 110"/>
+              <p:cNvPr id="98" name="Group 110"/>
               <p:cNvGrpSpPr/>
               <p:nvPr/>
             </p:nvGrpSpPr>
@@ -16626,7 +16773,7 @@
             </p:grpSpPr>
             <p:cxnSp>
               <p:nvCxnSpPr>
-                <p:cNvPr id="112" name="Straight Connector 111"/>
+                <p:cNvPr id="99" name="Straight Connector 98"/>
                 <p:cNvCxnSpPr/>
                 <p:nvPr/>
               </p:nvCxnSpPr>
@@ -16661,7 +16808,7 @@
             </p:cxnSp>
             <p:cxnSp>
               <p:nvCxnSpPr>
-                <p:cNvPr id="113" name="Straight Connector 112"/>
+                <p:cNvPr id="100" name="Straight Connector 99"/>
                 <p:cNvCxnSpPr/>
                 <p:nvPr/>
               </p:nvCxnSpPr>
@@ -16696,6 +16843,66 @@
             </p:cxnSp>
           </p:grpSp>
         </p:grpSp>
+        <p:sp>
+          <p:nvSpPr>
+            <p:cNvPr id="94" name="Rectangle 93"/>
+            <p:cNvSpPr/>
+            <p:nvPr/>
+          </p:nvSpPr>
+          <p:spPr>
+            <a:xfrm>
+              <a:off x="4427984" y="4725144"/>
+              <a:ext cx="1944216" cy="360040"/>
+            </a:xfrm>
+            <a:prstGeom prst="rect">
+              <a:avLst/>
+            </a:prstGeom>
+            <a:solidFill>
+              <a:schemeClr val="bg1"/>
+            </a:solidFill>
+            <a:ln>
+              <a:solidFill>
+                <a:schemeClr val="accent2"/>
+              </a:solidFill>
+            </a:ln>
+          </p:spPr>
+          <p:style>
+            <a:lnRef idx="2">
+              <a:schemeClr val="accent1">
+                <a:shade val="50000"/>
+              </a:schemeClr>
+            </a:lnRef>
+            <a:fillRef idx="1">
+              <a:schemeClr val="accent1"/>
+            </a:fillRef>
+            <a:effectRef idx="0">
+              <a:schemeClr val="accent1"/>
+            </a:effectRef>
+            <a:fontRef idx="minor">
+              <a:schemeClr val="lt1"/>
+            </a:fontRef>
+          </p:style>
+          <p:txBody>
+            <a:bodyPr rtlCol="0" anchor="ctr"/>
+            <a:lstStyle/>
+            <a:p>
+              <a:pPr algn="ctr"/>
+              <a:r>
+                <a:rPr lang="es-CL" dirty="0" smtClean="0">
+                  <a:solidFill>
+                    <a:schemeClr val="tx1"/>
+                  </a:solidFill>
+                </a:rPr>
+                <a:t>Buscar</a:t>
+              </a:r>
+              <a:endParaRPr lang="es-CL" dirty="0">
+                <a:solidFill>
+                  <a:schemeClr val="tx1"/>
+                </a:solidFill>
+              </a:endParaRPr>
+            </a:p>
+          </p:txBody>
+        </p:sp>
       </p:grpSp>
     </p:spTree>
   </p:cSld>
@@ -16730,23 +16937,460 @@
           <a:chExt cx="0" cy="0"/>
         </a:xfrm>
       </p:grpSpPr>
+      <p:sp>
+        <p:nvSpPr>
+          <p:cNvPr id="39" name="Rectangle 38"/>
+          <p:cNvSpPr/>
+          <p:nvPr/>
+        </p:nvSpPr>
+        <p:spPr>
+          <a:xfrm>
+            <a:off x="611560" y="692696"/>
+            <a:ext cx="7992888" cy="567680"/>
+          </a:xfrm>
+          <a:prstGeom prst="rect">
+            <a:avLst/>
+          </a:prstGeom>
+          <a:solidFill>
+            <a:schemeClr val="bg1"/>
+          </a:solidFill>
+          <a:ln>
+            <a:solidFill>
+              <a:schemeClr val="accent1"/>
+            </a:solidFill>
+          </a:ln>
+        </p:spPr>
+        <p:style>
+          <a:lnRef idx="2">
+            <a:schemeClr val="accent1">
+              <a:shade val="50000"/>
+            </a:schemeClr>
+          </a:lnRef>
+          <a:fillRef idx="1">
+            <a:schemeClr val="accent1"/>
+          </a:fillRef>
+          <a:effectRef idx="0">
+            <a:schemeClr val="accent1"/>
+          </a:effectRef>
+          <a:fontRef idx="minor">
+            <a:schemeClr val="lt1"/>
+          </a:fontRef>
+        </p:style>
+        <p:txBody>
+          <a:bodyPr rtlCol="0" anchor="ctr"/>
+          <a:lstStyle/>
+          <a:p>
+            <a:pPr algn="ctr"/>
+            <a:endParaRPr lang="es-CL" sz="4400" dirty="0">
+              <a:solidFill>
+                <a:schemeClr val="tx1"/>
+              </a:solidFill>
+            </a:endParaRPr>
+          </a:p>
+        </p:txBody>
+      </p:sp>
+      <p:sp>
+        <p:nvSpPr>
+          <p:cNvPr id="40" name="Rectangle 39"/>
+          <p:cNvSpPr/>
+          <p:nvPr/>
+        </p:nvSpPr>
+        <p:spPr>
+          <a:xfrm>
+            <a:off x="539552" y="692696"/>
+            <a:ext cx="1296144" cy="576064"/>
+          </a:xfrm>
+          <a:prstGeom prst="rect">
+            <a:avLst/>
+          </a:prstGeom>
+          <a:solidFill>
+            <a:schemeClr val="accent2"/>
+          </a:solidFill>
+          <a:ln>
+            <a:solidFill>
+              <a:schemeClr val="accent2">
+                <a:lumMod val="50000"/>
+              </a:schemeClr>
+            </a:solidFill>
+          </a:ln>
+        </p:spPr>
+        <p:style>
+          <a:lnRef idx="2">
+            <a:schemeClr val="accent1">
+              <a:shade val="50000"/>
+            </a:schemeClr>
+          </a:lnRef>
+          <a:fillRef idx="1">
+            <a:schemeClr val="accent1"/>
+          </a:fillRef>
+          <a:effectRef idx="0">
+            <a:schemeClr val="accent1"/>
+          </a:effectRef>
+          <a:fontRef idx="minor">
+            <a:schemeClr val="lt1"/>
+          </a:fontRef>
+        </p:style>
+        <p:txBody>
+          <a:bodyPr rtlCol="0" anchor="ctr"/>
+          <a:lstStyle/>
+          <a:p>
+            <a:pPr algn="ctr"/>
+            <a:r>
+              <a:rPr lang="es-CL" sz="2400" dirty="0" smtClean="0">
+                <a:solidFill>
+                  <a:schemeClr val="bg1"/>
+                </a:solidFill>
+              </a:rPr>
+              <a:t>Spot </a:t>
+            </a:r>
+            <a:r>
+              <a:rPr lang="es-CL" sz="2400" dirty="0" err="1" smtClean="0">
+                <a:solidFill>
+                  <a:schemeClr val="bg1"/>
+                </a:solidFill>
+              </a:rPr>
+              <a:t>it!</a:t>
+            </a:r>
+            <a:endParaRPr lang="es-CL" sz="2400" dirty="0">
+              <a:solidFill>
+                <a:schemeClr val="bg1"/>
+              </a:solidFill>
+            </a:endParaRPr>
+          </a:p>
+        </p:txBody>
+      </p:sp>
+      <p:sp>
+        <p:nvSpPr>
+          <p:cNvPr id="41" name="Rectangle 40">
+            <a:hlinkClick r:id="rId3" action="ppaction://hlinksldjump"/>
+          </p:cNvPr>
+          <p:cNvSpPr/>
+          <p:nvPr/>
+        </p:nvSpPr>
+        <p:spPr>
+          <a:xfrm>
+            <a:off x="1780313" y="692696"/>
+            <a:ext cx="1279519" cy="576064"/>
+          </a:xfrm>
+          <a:prstGeom prst="rect">
+            <a:avLst/>
+          </a:prstGeom>
+          <a:solidFill>
+            <a:schemeClr val="accent2"/>
+          </a:solidFill>
+          <a:ln>
+            <a:solidFill>
+              <a:schemeClr val="accent2">
+                <a:lumMod val="50000"/>
+              </a:schemeClr>
+            </a:solidFill>
+          </a:ln>
+        </p:spPr>
+        <p:style>
+          <a:lnRef idx="2">
+            <a:schemeClr val="accent1">
+              <a:shade val="50000"/>
+            </a:schemeClr>
+          </a:lnRef>
+          <a:fillRef idx="1">
+            <a:schemeClr val="accent1"/>
+          </a:fillRef>
+          <a:effectRef idx="0">
+            <a:schemeClr val="accent1"/>
+          </a:effectRef>
+          <a:fontRef idx="minor">
+            <a:schemeClr val="lt1"/>
+          </a:fontRef>
+        </p:style>
+        <p:txBody>
+          <a:bodyPr rtlCol="0" anchor="ctr"/>
+          <a:lstStyle/>
+          <a:p>
+            <a:pPr algn="ctr"/>
+            <a:r>
+              <a:rPr lang="es-CL" sz="2400" dirty="0" smtClean="0">
+                <a:solidFill>
+                  <a:schemeClr val="bg1"/>
+                </a:solidFill>
+              </a:rPr>
+              <a:t>Lugares</a:t>
+            </a:r>
+          </a:p>
+        </p:txBody>
+      </p:sp>
+      <p:sp>
+        <p:nvSpPr>
+          <p:cNvPr id="42" name="Rectangle 41"/>
+          <p:cNvSpPr/>
+          <p:nvPr/>
+        </p:nvSpPr>
+        <p:spPr>
+          <a:xfrm>
+            <a:off x="7308304" y="692696"/>
+            <a:ext cx="1296144" cy="576064"/>
+          </a:xfrm>
+          <a:prstGeom prst="rect">
+            <a:avLst/>
+          </a:prstGeom>
+          <a:solidFill>
+            <a:schemeClr val="accent2"/>
+          </a:solidFill>
+          <a:ln>
+            <a:solidFill>
+              <a:schemeClr val="accent2">
+                <a:lumMod val="50000"/>
+              </a:schemeClr>
+            </a:solidFill>
+          </a:ln>
+        </p:spPr>
+        <p:style>
+          <a:lnRef idx="2">
+            <a:schemeClr val="accent1">
+              <a:shade val="50000"/>
+            </a:schemeClr>
+          </a:lnRef>
+          <a:fillRef idx="1">
+            <a:schemeClr val="accent1"/>
+          </a:fillRef>
+          <a:effectRef idx="0">
+            <a:schemeClr val="accent1"/>
+          </a:effectRef>
+          <a:fontRef idx="minor">
+            <a:schemeClr val="lt1"/>
+          </a:fontRef>
+        </p:style>
+        <p:txBody>
+          <a:bodyPr rtlCol="0" anchor="ctr"/>
+          <a:lstStyle/>
+          <a:p>
+            <a:pPr algn="ctr"/>
+            <a:r>
+              <a:rPr lang="es-CL" sz="2400" dirty="0" smtClean="0">
+                <a:solidFill>
+                  <a:schemeClr val="bg1"/>
+                </a:solidFill>
+              </a:rPr>
+              <a:t>Ariel</a:t>
+            </a:r>
+            <a:endParaRPr lang="es-CL" sz="2400" dirty="0">
+              <a:solidFill>
+                <a:schemeClr val="bg1"/>
+              </a:solidFill>
+            </a:endParaRPr>
+          </a:p>
+        </p:txBody>
+      </p:sp>
+      <p:sp>
+        <p:nvSpPr>
+          <p:cNvPr id="43" name="Rectangle 42">
+            <a:hlinkClick r:id="rId3" action="ppaction://hlinksldjump"/>
+          </p:cNvPr>
+          <p:cNvSpPr/>
+          <p:nvPr/>
+        </p:nvSpPr>
+        <p:spPr>
+          <a:xfrm>
+            <a:off x="6084168" y="692696"/>
+            <a:ext cx="1224136" cy="576064"/>
+          </a:xfrm>
+          <a:prstGeom prst="rect">
+            <a:avLst/>
+          </a:prstGeom>
+          <a:solidFill>
+            <a:schemeClr val="accent2"/>
+          </a:solidFill>
+          <a:ln>
+            <a:solidFill>
+              <a:schemeClr val="accent2">
+                <a:lumMod val="50000"/>
+              </a:schemeClr>
+            </a:solidFill>
+          </a:ln>
+        </p:spPr>
+        <p:style>
+          <a:lnRef idx="2">
+            <a:schemeClr val="accent1">
+              <a:shade val="50000"/>
+            </a:schemeClr>
+          </a:lnRef>
+          <a:fillRef idx="1">
+            <a:schemeClr val="accent1"/>
+          </a:fillRef>
+          <a:effectRef idx="0">
+            <a:schemeClr val="accent1"/>
+          </a:effectRef>
+          <a:fontRef idx="minor">
+            <a:schemeClr val="lt1"/>
+          </a:fontRef>
+        </p:style>
+        <p:txBody>
+          <a:bodyPr rtlCol="0" anchor="ctr"/>
+          <a:lstStyle/>
+          <a:p>
+            <a:pPr algn="ctr"/>
+            <a:r>
+              <a:rPr lang="es-CL" sz="2400" dirty="0" smtClean="0">
+                <a:solidFill>
+                  <a:schemeClr val="bg1"/>
+                </a:solidFill>
+              </a:rPr>
+              <a:t>Eventos</a:t>
+            </a:r>
+            <a:endParaRPr lang="es-CL" sz="2400" dirty="0">
+              <a:solidFill>
+                <a:schemeClr val="bg1"/>
+              </a:solidFill>
+            </a:endParaRPr>
+          </a:p>
+        </p:txBody>
+      </p:sp>
+      <p:sp>
+        <p:nvSpPr>
+          <p:cNvPr id="45" name="Rectangle 44">
+            <a:hlinkClick r:id="rId4" action="ppaction://hlinksldjump"/>
+          </p:cNvPr>
+          <p:cNvSpPr/>
+          <p:nvPr/>
+        </p:nvSpPr>
+        <p:spPr>
+          <a:xfrm>
+            <a:off x="3059832" y="692696"/>
+            <a:ext cx="1728192" cy="576064"/>
+          </a:xfrm>
+          <a:prstGeom prst="rect">
+            <a:avLst/>
+          </a:prstGeom>
+          <a:solidFill>
+            <a:schemeClr val="accent2">
+              <a:lumMod val="75000"/>
+            </a:schemeClr>
+          </a:solidFill>
+          <a:ln>
+            <a:solidFill>
+              <a:schemeClr val="accent2">
+                <a:lumMod val="50000"/>
+              </a:schemeClr>
+            </a:solidFill>
+          </a:ln>
+        </p:spPr>
+        <p:style>
+          <a:lnRef idx="2">
+            <a:schemeClr val="accent1">
+              <a:shade val="50000"/>
+            </a:schemeClr>
+          </a:lnRef>
+          <a:fillRef idx="1">
+            <a:schemeClr val="accent1"/>
+          </a:fillRef>
+          <a:effectRef idx="0">
+            <a:schemeClr val="accent1"/>
+          </a:effectRef>
+          <a:fontRef idx="minor">
+            <a:schemeClr val="lt1"/>
+          </a:fontRef>
+        </p:style>
+        <p:txBody>
+          <a:bodyPr rtlCol="0" anchor="ctr"/>
+          <a:lstStyle/>
+          <a:p>
+            <a:pPr algn="ctr"/>
+            <a:r>
+              <a:rPr lang="es-CL" sz="2400" dirty="0" smtClean="0">
+                <a:solidFill>
+                  <a:schemeClr val="bg1"/>
+                </a:solidFill>
+              </a:rPr>
+              <a:t>Salas</a:t>
+            </a:r>
+            <a:endParaRPr lang="es-CL" sz="2400" dirty="0">
+              <a:solidFill>
+                <a:schemeClr val="bg1"/>
+              </a:solidFill>
+            </a:endParaRPr>
+          </a:p>
+        </p:txBody>
+      </p:sp>
+      <p:sp>
+        <p:nvSpPr>
+          <p:cNvPr id="28" name="Rectangle 27">
+            <a:hlinkClick r:id="rId4" action="ppaction://hlinksldjump"/>
+          </p:cNvPr>
+          <p:cNvSpPr/>
+          <p:nvPr/>
+        </p:nvSpPr>
+        <p:spPr>
+          <a:xfrm>
+            <a:off x="4788024" y="692696"/>
+            <a:ext cx="1296144" cy="576064"/>
+          </a:xfrm>
+          <a:prstGeom prst="rect">
+            <a:avLst/>
+          </a:prstGeom>
+          <a:solidFill>
+            <a:schemeClr val="accent2"/>
+          </a:solidFill>
+          <a:ln>
+            <a:solidFill>
+              <a:schemeClr val="accent2">
+                <a:lumMod val="50000"/>
+              </a:schemeClr>
+            </a:solidFill>
+          </a:ln>
+        </p:spPr>
+        <p:style>
+          <a:lnRef idx="2">
+            <a:schemeClr val="accent1">
+              <a:shade val="50000"/>
+            </a:schemeClr>
+          </a:lnRef>
+          <a:fillRef idx="1">
+            <a:schemeClr val="accent1"/>
+          </a:fillRef>
+          <a:effectRef idx="0">
+            <a:schemeClr val="accent1"/>
+          </a:effectRef>
+          <a:fontRef idx="minor">
+            <a:schemeClr val="lt1"/>
+          </a:fontRef>
+        </p:style>
+        <p:txBody>
+          <a:bodyPr rtlCol="0" anchor="ctr"/>
+          <a:lstStyle/>
+          <a:p>
+            <a:pPr algn="ctr"/>
+            <a:r>
+              <a:rPr lang="es-CL" sz="2400" dirty="0" smtClean="0">
+                <a:solidFill>
+                  <a:schemeClr val="bg1"/>
+                </a:solidFill>
+              </a:rPr>
+              <a:t>Personas</a:t>
+            </a:r>
+            <a:endParaRPr lang="es-CL" sz="2400" dirty="0">
+              <a:solidFill>
+                <a:schemeClr val="bg1"/>
+              </a:solidFill>
+            </a:endParaRPr>
+          </a:p>
+        </p:txBody>
+      </p:sp>
       <p:grpSp>
         <p:nvGrpSpPr>
-          <p:cNvPr id="105" name="Group 104"/>
+          <p:cNvPr id="186" name="Group 185"/>
           <p:cNvGrpSpPr/>
           <p:nvPr/>
         </p:nvGrpSpPr>
         <p:grpSpPr>
           <a:xfrm>
-            <a:off x="539552" y="692696"/>
-            <a:ext cx="8064896" cy="5760640"/>
-            <a:chOff x="539552" y="692696"/>
-            <a:chExt cx="8064896" cy="5760640"/>
+            <a:off x="611560" y="1412776"/>
+            <a:ext cx="7992888" cy="5040560"/>
+            <a:chOff x="611560" y="1412776"/>
+            <a:chExt cx="7992888" cy="5040560"/>
           </a:xfrm>
         </p:grpSpPr>
         <p:grpSp>
           <p:nvGrpSpPr>
-            <p:cNvPr id="2" name="Group 20"/>
+            <p:cNvPr id="106" name="Group 105"/>
             <p:cNvGrpSpPr/>
             <p:nvPr/>
           </p:nvGrpSpPr>
@@ -16758,22 +17402,474 @@
               <a:chExt cx="7992888" cy="5040560"/>
             </a:xfrm>
           </p:grpSpPr>
+          <p:grpSp>
+            <p:nvGrpSpPr>
+              <p:cNvPr id="2" name="Group 20"/>
+              <p:cNvGrpSpPr/>
+              <p:nvPr/>
+            </p:nvGrpSpPr>
+            <p:grpSpPr>
+              <a:xfrm>
+                <a:off x="611560" y="1412776"/>
+                <a:ext cx="7992888" cy="5040560"/>
+                <a:chOff x="611560" y="1412776"/>
+                <a:chExt cx="7992888" cy="5040560"/>
+              </a:xfrm>
+            </p:grpSpPr>
+            <p:sp>
+              <p:nvSpPr>
+                <p:cNvPr id="5" name="Rectangle 4"/>
+                <p:cNvSpPr/>
+                <p:nvPr/>
+              </p:nvSpPr>
+              <p:spPr>
+                <a:xfrm>
+                  <a:off x="611560" y="1412776"/>
+                  <a:ext cx="7992888" cy="5040560"/>
+                </a:xfrm>
+                <a:prstGeom prst="rect">
+                  <a:avLst/>
+                </a:prstGeom>
+                <a:solidFill>
+                  <a:schemeClr val="bg1"/>
+                </a:solidFill>
+                <a:ln>
+                  <a:solidFill>
+                    <a:schemeClr val="accent4">
+                      <a:lumMod val="50000"/>
+                    </a:schemeClr>
+                  </a:solidFill>
+                </a:ln>
+              </p:spPr>
+              <p:style>
+                <a:lnRef idx="2">
+                  <a:schemeClr val="accent1">
+                    <a:shade val="50000"/>
+                  </a:schemeClr>
+                </a:lnRef>
+                <a:fillRef idx="1">
+                  <a:schemeClr val="accent1"/>
+                </a:fillRef>
+                <a:effectRef idx="0">
+                  <a:schemeClr val="accent1"/>
+                </a:effectRef>
+                <a:fontRef idx="minor">
+                  <a:schemeClr val="lt1"/>
+                </a:fontRef>
+              </p:style>
+              <p:txBody>
+                <a:bodyPr rtlCol="0" anchor="ctr"/>
+                <a:lstStyle/>
+                <a:p>
+                  <a:pPr algn="ctr"/>
+                  <a:r>
+                    <a:rPr lang="es-CL" sz="4400" dirty="0" smtClean="0">
+                      <a:solidFill>
+                        <a:schemeClr val="tx1"/>
+                      </a:solidFill>
+                    </a:rPr>
+                    <a:t>MAPA</a:t>
+                  </a:r>
+                  <a:endParaRPr lang="es-CL" sz="4400" dirty="0">
+                    <a:solidFill>
+                      <a:schemeClr val="tx1"/>
+                    </a:solidFill>
+                  </a:endParaRPr>
+                </a:p>
+              </p:txBody>
+            </p:sp>
+            <p:pic>
+              <p:nvPicPr>
+                <p:cNvPr id="20" name="Picture 19" descr="mapa2.jpg"/>
+                <p:cNvPicPr>
+                  <a:picLocks noChangeAspect="1"/>
+                </p:cNvPicPr>
+                <p:nvPr/>
+              </p:nvPicPr>
+              <p:blipFill>
+                <a:blip r:embed="rId5" cstate="print"/>
+                <a:stretch>
+                  <a:fillRect/>
+                </a:stretch>
+              </p:blipFill>
+              <p:spPr>
+                <a:xfrm>
+                  <a:off x="1187624" y="1988840"/>
+                  <a:ext cx="6768752" cy="4230312"/>
+                </a:xfrm>
+                <a:prstGeom prst="rect">
+                  <a:avLst/>
+                </a:prstGeom>
+              </p:spPr>
+            </p:pic>
+          </p:grpSp>
           <p:sp>
             <p:nvSpPr>
-              <p:cNvPr id="5" name="Rectangle 4"/>
+              <p:cNvPr id="24" name="Rectangle 23"/>
+              <p:cNvSpPr/>
+              <p:nvPr/>
+            </p:nvSpPr>
+            <p:spPr>
+              <a:xfrm>
+                <a:off x="611560" y="6237312"/>
+                <a:ext cx="7992888" cy="216024"/>
+              </a:xfrm>
+              <a:prstGeom prst="rect">
+                <a:avLst/>
+              </a:prstGeom>
+              <a:solidFill>
+                <a:schemeClr val="bg1">
+                  <a:lumMod val="95000"/>
+                </a:schemeClr>
+              </a:solidFill>
+              <a:ln>
+                <a:solidFill>
+                  <a:schemeClr val="tx1">
+                    <a:lumMod val="75000"/>
+                    <a:lumOff val="25000"/>
+                  </a:schemeClr>
+                </a:solidFill>
+              </a:ln>
+            </p:spPr>
+            <p:style>
+              <a:lnRef idx="2">
+                <a:schemeClr val="accent1">
+                  <a:shade val="50000"/>
+                </a:schemeClr>
+              </a:lnRef>
+              <a:fillRef idx="1">
+                <a:schemeClr val="accent1"/>
+              </a:fillRef>
+              <a:effectRef idx="0">
+                <a:schemeClr val="accent1"/>
+              </a:effectRef>
+              <a:fontRef idx="minor">
+                <a:schemeClr val="lt1"/>
+              </a:fontRef>
+            </p:style>
+            <p:txBody>
+              <a:bodyPr rtlCol="0" anchor="ctr"/>
+              <a:lstStyle/>
+              <a:p>
+                <a:pPr algn="ctr"/>
+                <a:endParaRPr lang="es-CL"/>
+              </a:p>
+            </p:txBody>
+          </p:sp>
+          <p:grpSp>
+            <p:nvGrpSpPr>
+              <p:cNvPr id="3" name="Group 27"/>
+              <p:cNvGrpSpPr/>
+              <p:nvPr/>
+            </p:nvGrpSpPr>
+            <p:grpSpPr>
+              <a:xfrm>
+                <a:off x="8388424" y="6237312"/>
+                <a:ext cx="216024" cy="216024"/>
+                <a:chOff x="8388424" y="6237312"/>
+                <a:chExt cx="216024" cy="216024"/>
+              </a:xfrm>
+            </p:grpSpPr>
+            <p:sp>
+              <p:nvSpPr>
+                <p:cNvPr id="25" name="Rectangle 24"/>
+                <p:cNvSpPr/>
+                <p:nvPr/>
+              </p:nvSpPr>
+              <p:spPr>
+                <a:xfrm>
+                  <a:off x="8388424" y="6237312"/>
+                  <a:ext cx="216024" cy="216024"/>
+                </a:xfrm>
+                <a:prstGeom prst="rect">
+                  <a:avLst/>
+                </a:prstGeom>
+                <a:solidFill>
+                  <a:schemeClr val="bg1">
+                    <a:lumMod val="95000"/>
+                  </a:schemeClr>
+                </a:solidFill>
+                <a:ln>
+                  <a:solidFill>
+                    <a:schemeClr val="tx1">
+                      <a:lumMod val="75000"/>
+                      <a:lumOff val="25000"/>
+                    </a:schemeClr>
+                  </a:solidFill>
+                </a:ln>
+              </p:spPr>
+              <p:style>
+                <a:lnRef idx="2">
+                  <a:schemeClr val="accent1">
+                    <a:shade val="50000"/>
+                  </a:schemeClr>
+                </a:lnRef>
+                <a:fillRef idx="1">
+                  <a:schemeClr val="accent1"/>
+                </a:fillRef>
+                <a:effectRef idx="0">
+                  <a:schemeClr val="accent1"/>
+                </a:effectRef>
+                <a:fontRef idx="minor">
+                  <a:schemeClr val="lt1"/>
+                </a:fontRef>
+              </p:style>
+              <p:txBody>
+                <a:bodyPr rtlCol="0" anchor="ctr"/>
+                <a:lstStyle/>
+                <a:p>
+                  <a:pPr algn="ctr"/>
+                  <a:endParaRPr lang="es-CL"/>
+                </a:p>
+              </p:txBody>
+            </p:sp>
+            <p:sp>
+              <p:nvSpPr>
+                <p:cNvPr id="27" name="Isosceles Triangle 26"/>
+                <p:cNvSpPr/>
+                <p:nvPr/>
+              </p:nvSpPr>
+              <p:spPr>
+                <a:xfrm rot="5400000">
+                  <a:off x="8388424" y="6237312"/>
+                  <a:ext cx="216024" cy="216024"/>
+                </a:xfrm>
+                <a:prstGeom prst="triangle">
+                  <a:avLst/>
+                </a:prstGeom>
+                <a:solidFill>
+                  <a:schemeClr val="bg1">
+                    <a:lumMod val="75000"/>
+                  </a:schemeClr>
+                </a:solidFill>
+                <a:ln>
+                  <a:solidFill>
+                    <a:schemeClr val="tx1">
+                      <a:lumMod val="75000"/>
+                      <a:lumOff val="25000"/>
+                    </a:schemeClr>
+                  </a:solidFill>
+                </a:ln>
+              </p:spPr>
+              <p:style>
+                <a:lnRef idx="2">
+                  <a:schemeClr val="accent1">
+                    <a:shade val="50000"/>
+                  </a:schemeClr>
+                </a:lnRef>
+                <a:fillRef idx="1">
+                  <a:schemeClr val="accent1"/>
+                </a:fillRef>
+                <a:effectRef idx="0">
+                  <a:schemeClr val="accent1"/>
+                </a:effectRef>
+                <a:fontRef idx="minor">
+                  <a:schemeClr val="lt1"/>
+                </a:fontRef>
+              </p:style>
+              <p:txBody>
+                <a:bodyPr rtlCol="0" anchor="ctr"/>
+                <a:lstStyle/>
+                <a:p>
+                  <a:pPr algn="ctr"/>
+                  <a:endParaRPr lang="es-CL"/>
+                </a:p>
+              </p:txBody>
+            </p:sp>
+          </p:grpSp>
+          <p:grpSp>
+            <p:nvGrpSpPr>
+              <p:cNvPr id="4" name="Group 28"/>
+              <p:cNvGrpSpPr/>
+              <p:nvPr/>
+            </p:nvGrpSpPr>
+            <p:grpSpPr>
+              <a:xfrm rot="10800000">
+                <a:off x="611560" y="6237312"/>
+                <a:ext cx="216024" cy="216024"/>
+                <a:chOff x="8388424" y="6237312"/>
+                <a:chExt cx="216024" cy="216024"/>
+              </a:xfrm>
+            </p:grpSpPr>
+            <p:sp>
+              <p:nvSpPr>
+                <p:cNvPr id="30" name="Rectangle 29"/>
+                <p:cNvSpPr/>
+                <p:nvPr/>
+              </p:nvSpPr>
+              <p:spPr>
+                <a:xfrm>
+                  <a:off x="8388424" y="6237312"/>
+                  <a:ext cx="216024" cy="216024"/>
+                </a:xfrm>
+                <a:prstGeom prst="rect">
+                  <a:avLst/>
+                </a:prstGeom>
+                <a:solidFill>
+                  <a:schemeClr val="bg1">
+                    <a:lumMod val="95000"/>
+                  </a:schemeClr>
+                </a:solidFill>
+                <a:ln>
+                  <a:solidFill>
+                    <a:schemeClr val="tx1">
+                      <a:lumMod val="75000"/>
+                      <a:lumOff val="25000"/>
+                    </a:schemeClr>
+                  </a:solidFill>
+                </a:ln>
+              </p:spPr>
+              <p:style>
+                <a:lnRef idx="2">
+                  <a:schemeClr val="accent1">
+                    <a:shade val="50000"/>
+                  </a:schemeClr>
+                </a:lnRef>
+                <a:fillRef idx="1">
+                  <a:schemeClr val="accent1"/>
+                </a:fillRef>
+                <a:effectRef idx="0">
+                  <a:schemeClr val="accent1"/>
+                </a:effectRef>
+                <a:fontRef idx="minor">
+                  <a:schemeClr val="lt1"/>
+                </a:fontRef>
+              </p:style>
+              <p:txBody>
+                <a:bodyPr rtlCol="0" anchor="ctr"/>
+                <a:lstStyle/>
+                <a:p>
+                  <a:pPr algn="ctr"/>
+                  <a:endParaRPr lang="es-CL"/>
+                </a:p>
+              </p:txBody>
+            </p:sp>
+            <p:sp>
+              <p:nvSpPr>
+                <p:cNvPr id="31" name="Isosceles Triangle 30"/>
+                <p:cNvSpPr/>
+                <p:nvPr/>
+              </p:nvSpPr>
+              <p:spPr>
+                <a:xfrm rot="5400000">
+                  <a:off x="8388424" y="6237312"/>
+                  <a:ext cx="216024" cy="216024"/>
+                </a:xfrm>
+                <a:prstGeom prst="triangle">
+                  <a:avLst/>
+                </a:prstGeom>
+                <a:solidFill>
+                  <a:schemeClr val="bg1">
+                    <a:lumMod val="75000"/>
+                  </a:schemeClr>
+                </a:solidFill>
+                <a:ln>
+                  <a:solidFill>
+                    <a:schemeClr val="tx1">
+                      <a:lumMod val="75000"/>
+                      <a:lumOff val="25000"/>
+                    </a:schemeClr>
+                  </a:solidFill>
+                </a:ln>
+              </p:spPr>
+              <p:style>
+                <a:lnRef idx="2">
+                  <a:schemeClr val="accent1">
+                    <a:shade val="50000"/>
+                  </a:schemeClr>
+                </a:lnRef>
+                <a:fillRef idx="1">
+                  <a:schemeClr val="accent1"/>
+                </a:fillRef>
+                <a:effectRef idx="0">
+                  <a:schemeClr val="accent1"/>
+                </a:effectRef>
+                <a:fontRef idx="minor">
+                  <a:schemeClr val="lt1"/>
+                </a:fontRef>
+              </p:style>
+              <p:txBody>
+                <a:bodyPr rtlCol="0" anchor="ctr"/>
+                <a:lstStyle/>
+                <a:p>
+                  <a:pPr algn="ctr"/>
+                  <a:endParaRPr lang="es-CL"/>
+                </a:p>
+              </p:txBody>
+            </p:sp>
+          </p:grpSp>
+          <p:sp>
+            <p:nvSpPr>
+              <p:cNvPr id="32" name="Rectangle 31"/>
+              <p:cNvSpPr/>
+              <p:nvPr/>
+            </p:nvSpPr>
+            <p:spPr>
+              <a:xfrm>
+                <a:off x="2483768" y="6237312"/>
+                <a:ext cx="4464496" cy="216024"/>
+              </a:xfrm>
+              <a:prstGeom prst="rect">
+                <a:avLst/>
+              </a:prstGeom>
+              <a:solidFill>
+                <a:schemeClr val="bg1">
+                  <a:lumMod val="75000"/>
+                </a:schemeClr>
+              </a:solidFill>
+              <a:ln>
+                <a:solidFill>
+                  <a:schemeClr val="tx1">
+                    <a:lumMod val="75000"/>
+                    <a:lumOff val="25000"/>
+                  </a:schemeClr>
+                </a:solidFill>
+              </a:ln>
+            </p:spPr>
+            <p:style>
+              <a:lnRef idx="2">
+                <a:schemeClr val="accent1">
+                  <a:shade val="50000"/>
+                </a:schemeClr>
+              </a:lnRef>
+              <a:fillRef idx="1">
+                <a:schemeClr val="accent1"/>
+              </a:fillRef>
+              <a:effectRef idx="0">
+                <a:schemeClr val="accent1"/>
+              </a:effectRef>
+              <a:fontRef idx="minor">
+                <a:schemeClr val="lt1"/>
+              </a:fontRef>
+            </p:style>
+            <p:txBody>
+              <a:bodyPr rtlCol="0" anchor="ctr"/>
+              <a:lstStyle/>
+              <a:p>
+                <a:pPr algn="ctr"/>
+                <a:endParaRPr lang="es-CL"/>
+              </a:p>
+            </p:txBody>
+          </p:sp>
+          <p:sp>
+            <p:nvSpPr>
+              <p:cNvPr id="88" name="Rectangle 87"/>
               <p:cNvSpPr/>
               <p:nvPr/>
             </p:nvSpPr>
             <p:spPr>
               <a:xfrm>
                 <a:off x="611560" y="1412776"/>
-                <a:ext cx="7992888" cy="5040560"/>
+                <a:ext cx="7992888" cy="432048"/>
               </a:xfrm>
               <a:prstGeom prst="rect">
                 <a:avLst/>
               </a:prstGeom>
               <a:solidFill>
-                <a:schemeClr val="bg1"/>
+                <a:schemeClr val="accent4">
+                  <a:lumMod val="40000"/>
+                  <a:lumOff val="60000"/>
+                </a:schemeClr>
               </a:solidFill>
               <a:ln>
                 <a:solidFill>
@@ -16803,16 +17899,2682 @@
               <a:bodyPr rtlCol="0" anchor="ctr"/>
               <a:lstStyle/>
               <a:p>
+                <a:r>
+                  <a:rPr lang="es-CL" sz="2400" dirty="0" smtClean="0">
+                    <a:solidFill>
+                      <a:schemeClr val="bg1">
+                        <a:lumMod val="50000"/>
+                      </a:schemeClr>
+                    </a:solidFill>
+                  </a:rPr>
+                  <a:t>Mostrando Resultados para M:4-5		</a:t>
+                </a:r>
+                <a:r>
+                  <a:rPr lang="es-CL" sz="2400" i="1" dirty="0" smtClean="0">
+                    <a:solidFill>
+                      <a:schemeClr val="bg1">
+                        <a:lumMod val="50000"/>
+                      </a:schemeClr>
+                    </a:solidFill>
+                  </a:rPr>
+                  <a:t>Ver Búsqueda</a:t>
+                </a:r>
+                <a:r>
+                  <a:rPr lang="es-CL" sz="2400" dirty="0" smtClean="0">
+                    <a:solidFill>
+                      <a:schemeClr val="bg1">
+                        <a:lumMod val="50000"/>
+                      </a:schemeClr>
+                    </a:solidFill>
+                  </a:rPr>
+                  <a:t>	</a:t>
+                </a:r>
+                <a:endParaRPr lang="es-CL" dirty="0">
+                  <a:solidFill>
+                    <a:schemeClr val="bg1">
+                      <a:lumMod val="50000"/>
+                    </a:schemeClr>
+                  </a:solidFill>
+                </a:endParaRPr>
+              </a:p>
+            </p:txBody>
+          </p:sp>
+          <p:grpSp>
+            <p:nvGrpSpPr>
+              <p:cNvPr id="96" name="Group 95"/>
+              <p:cNvGrpSpPr/>
+              <p:nvPr/>
+            </p:nvGrpSpPr>
+            <p:grpSpPr>
+              <a:xfrm rot="20666605">
+                <a:off x="3131840" y="4941168"/>
+                <a:ext cx="236539" cy="216024"/>
+                <a:chOff x="179512" y="2348880"/>
+                <a:chExt cx="236539" cy="216024"/>
+              </a:xfrm>
+            </p:grpSpPr>
+            <p:cxnSp>
+              <p:nvCxnSpPr>
+                <p:cNvPr id="93" name="Straight Connector 92"/>
+                <p:cNvCxnSpPr/>
+                <p:nvPr/>
+              </p:nvCxnSpPr>
+              <p:spPr>
+                <a:xfrm flipH="1">
+                  <a:off x="179512" y="2348880"/>
+                  <a:ext cx="72008" cy="216024"/>
+                </a:xfrm>
+                <a:prstGeom prst="line">
+                  <a:avLst/>
+                </a:prstGeom>
+                <a:ln w="38100">
+                  <a:solidFill>
+                    <a:schemeClr val="tx1">
+                      <a:lumMod val="85000"/>
+                      <a:lumOff val="15000"/>
+                    </a:schemeClr>
+                  </a:solidFill>
+                </a:ln>
+              </p:spPr>
+              <p:style>
+                <a:lnRef idx="1">
+                  <a:schemeClr val="accent1"/>
+                </a:lnRef>
+                <a:fillRef idx="0">
+                  <a:schemeClr val="accent1"/>
+                </a:fillRef>
+                <a:effectRef idx="0">
+                  <a:schemeClr val="accent1"/>
+                </a:effectRef>
+                <a:fontRef idx="minor">
+                  <a:schemeClr val="tx1"/>
+                </a:fontRef>
+              </p:style>
+            </p:cxnSp>
+            <p:sp>
+              <p:nvSpPr>
+                <p:cNvPr id="95" name="Isosceles Triangle 94"/>
+                <p:cNvSpPr/>
+                <p:nvPr/>
+              </p:nvSpPr>
+              <p:spPr>
+                <a:xfrm rot="6580326">
+                  <a:off x="285401" y="2336563"/>
+                  <a:ext cx="92650" cy="168650"/>
+                </a:xfrm>
+                <a:prstGeom prst="triangle">
+                  <a:avLst/>
+                </a:prstGeom>
+                <a:solidFill>
+                  <a:schemeClr val="accent2"/>
+                </a:solidFill>
+                <a:ln>
+                  <a:solidFill>
+                    <a:schemeClr val="accent2">
+                      <a:lumMod val="50000"/>
+                    </a:schemeClr>
+                  </a:solidFill>
+                </a:ln>
+              </p:spPr>
+              <p:style>
+                <a:lnRef idx="2">
+                  <a:schemeClr val="accent1">
+                    <a:shade val="50000"/>
+                  </a:schemeClr>
+                </a:lnRef>
+                <a:fillRef idx="1">
+                  <a:schemeClr val="accent1"/>
+                </a:fillRef>
+                <a:effectRef idx="0">
+                  <a:schemeClr val="accent1"/>
+                </a:effectRef>
+                <a:fontRef idx="minor">
+                  <a:schemeClr val="lt1"/>
+                </a:fontRef>
+              </p:style>
+              <p:txBody>
+                <a:bodyPr rtlCol="0" anchor="ctr"/>
+                <a:lstStyle/>
+                <a:p>
+                  <a:pPr algn="ctr"/>
+                  <a:endParaRPr lang="es-CL"/>
+                </a:p>
+              </p:txBody>
+            </p:sp>
+          </p:grpSp>
+          <p:grpSp>
+            <p:nvGrpSpPr>
+              <p:cNvPr id="99" name="Group 98"/>
+              <p:cNvGrpSpPr/>
+              <p:nvPr/>
+            </p:nvGrpSpPr>
+            <p:grpSpPr>
+              <a:xfrm rot="20666605">
+                <a:off x="3516515" y="4680898"/>
+                <a:ext cx="236539" cy="216024"/>
+                <a:chOff x="179512" y="2348880"/>
+                <a:chExt cx="236539" cy="216024"/>
+              </a:xfrm>
+            </p:grpSpPr>
+            <p:cxnSp>
+              <p:nvCxnSpPr>
+                <p:cNvPr id="100" name="Straight Connector 99"/>
+                <p:cNvCxnSpPr/>
+                <p:nvPr/>
+              </p:nvCxnSpPr>
+              <p:spPr>
+                <a:xfrm flipH="1">
+                  <a:off x="179512" y="2348880"/>
+                  <a:ext cx="72008" cy="216024"/>
+                </a:xfrm>
+                <a:prstGeom prst="line">
+                  <a:avLst/>
+                </a:prstGeom>
+                <a:ln w="38100">
+                  <a:solidFill>
+                    <a:schemeClr val="tx1">
+                      <a:lumMod val="85000"/>
+                      <a:lumOff val="15000"/>
+                    </a:schemeClr>
+                  </a:solidFill>
+                </a:ln>
+              </p:spPr>
+              <p:style>
+                <a:lnRef idx="1">
+                  <a:schemeClr val="accent1"/>
+                </a:lnRef>
+                <a:fillRef idx="0">
+                  <a:schemeClr val="accent1"/>
+                </a:fillRef>
+                <a:effectRef idx="0">
+                  <a:schemeClr val="accent1"/>
+                </a:effectRef>
+                <a:fontRef idx="minor">
+                  <a:schemeClr val="tx1"/>
+                </a:fontRef>
+              </p:style>
+            </p:cxnSp>
+            <p:sp>
+              <p:nvSpPr>
+                <p:cNvPr id="101" name="Isosceles Triangle 100"/>
+                <p:cNvSpPr/>
+                <p:nvPr/>
+              </p:nvSpPr>
+              <p:spPr>
+                <a:xfrm rot="6580326">
+                  <a:off x="285401" y="2336563"/>
+                  <a:ext cx="92650" cy="168650"/>
+                </a:xfrm>
+                <a:prstGeom prst="triangle">
+                  <a:avLst/>
+                </a:prstGeom>
+                <a:solidFill>
+                  <a:schemeClr val="accent2"/>
+                </a:solidFill>
+                <a:ln>
+                  <a:solidFill>
+                    <a:schemeClr val="accent2">
+                      <a:lumMod val="50000"/>
+                    </a:schemeClr>
+                  </a:solidFill>
+                </a:ln>
+              </p:spPr>
+              <p:style>
+                <a:lnRef idx="2">
+                  <a:schemeClr val="accent1">
+                    <a:shade val="50000"/>
+                  </a:schemeClr>
+                </a:lnRef>
+                <a:fillRef idx="1">
+                  <a:schemeClr val="accent1"/>
+                </a:fillRef>
+                <a:effectRef idx="0">
+                  <a:schemeClr val="accent1"/>
+                </a:effectRef>
+                <a:fontRef idx="minor">
+                  <a:schemeClr val="lt1"/>
+                </a:fontRef>
+              </p:style>
+              <p:txBody>
+                <a:bodyPr rtlCol="0" anchor="ctr"/>
+                <a:lstStyle/>
+                <a:p>
+                  <a:pPr algn="ctr"/>
+                  <a:endParaRPr lang="es-CL"/>
+                </a:p>
+              </p:txBody>
+            </p:sp>
+          </p:grpSp>
+          <p:grpSp>
+            <p:nvGrpSpPr>
+              <p:cNvPr id="102" name="Group 101"/>
+              <p:cNvGrpSpPr/>
+              <p:nvPr/>
+            </p:nvGrpSpPr>
+            <p:grpSpPr>
+              <a:xfrm rot="20666605">
+                <a:off x="3588524" y="4752905"/>
+                <a:ext cx="236539" cy="216024"/>
+                <a:chOff x="179512" y="2348880"/>
+                <a:chExt cx="236539" cy="216024"/>
+              </a:xfrm>
+            </p:grpSpPr>
+            <p:cxnSp>
+              <p:nvCxnSpPr>
+                <p:cNvPr id="103" name="Straight Connector 102"/>
+                <p:cNvCxnSpPr/>
+                <p:nvPr/>
+              </p:nvCxnSpPr>
+              <p:spPr>
+                <a:xfrm flipH="1">
+                  <a:off x="179512" y="2348880"/>
+                  <a:ext cx="72008" cy="216024"/>
+                </a:xfrm>
+                <a:prstGeom prst="line">
+                  <a:avLst/>
+                </a:prstGeom>
+                <a:ln w="38100">
+                  <a:solidFill>
+                    <a:schemeClr val="tx1">
+                      <a:lumMod val="85000"/>
+                      <a:lumOff val="15000"/>
+                    </a:schemeClr>
+                  </a:solidFill>
+                </a:ln>
+              </p:spPr>
+              <p:style>
+                <a:lnRef idx="1">
+                  <a:schemeClr val="accent1"/>
+                </a:lnRef>
+                <a:fillRef idx="0">
+                  <a:schemeClr val="accent1"/>
+                </a:fillRef>
+                <a:effectRef idx="0">
+                  <a:schemeClr val="accent1"/>
+                </a:effectRef>
+                <a:fontRef idx="minor">
+                  <a:schemeClr val="tx1"/>
+                </a:fontRef>
+              </p:style>
+            </p:cxnSp>
+            <p:sp>
+              <p:nvSpPr>
+                <p:cNvPr id="104" name="Isosceles Triangle 103"/>
+                <p:cNvSpPr/>
+                <p:nvPr/>
+              </p:nvSpPr>
+              <p:spPr>
+                <a:xfrm rot="6580326">
+                  <a:off x="285401" y="2336563"/>
+                  <a:ext cx="92650" cy="168650"/>
+                </a:xfrm>
+                <a:prstGeom prst="triangle">
+                  <a:avLst/>
+                </a:prstGeom>
+                <a:solidFill>
+                  <a:schemeClr val="accent2"/>
+                </a:solidFill>
+                <a:ln>
+                  <a:solidFill>
+                    <a:schemeClr val="accent2">
+                      <a:lumMod val="50000"/>
+                    </a:schemeClr>
+                  </a:solidFill>
+                </a:ln>
+              </p:spPr>
+              <p:style>
+                <a:lnRef idx="2">
+                  <a:schemeClr val="accent1">
+                    <a:shade val="50000"/>
+                  </a:schemeClr>
+                </a:lnRef>
+                <a:fillRef idx="1">
+                  <a:schemeClr val="accent1"/>
+                </a:fillRef>
+                <a:effectRef idx="0">
+                  <a:schemeClr val="accent1"/>
+                </a:effectRef>
+                <a:fontRef idx="minor">
+                  <a:schemeClr val="lt1"/>
+                </a:fontRef>
+              </p:style>
+              <p:txBody>
+                <a:bodyPr rtlCol="0" anchor="ctr"/>
+                <a:lstStyle/>
+                <a:p>
+                  <a:pPr algn="ctr"/>
+                  <a:endParaRPr lang="es-CL"/>
+                </a:p>
+              </p:txBody>
+            </p:sp>
+          </p:grpSp>
+        </p:grpSp>
+        <p:sp>
+          <p:nvSpPr>
+            <p:cNvPr id="119" name="Oval 118"/>
+            <p:cNvSpPr/>
+            <p:nvPr/>
+          </p:nvSpPr>
+          <p:spPr>
+            <a:xfrm>
+              <a:off x="3131840" y="5157192"/>
+              <a:ext cx="72008" cy="72008"/>
+            </a:xfrm>
+            <a:prstGeom prst="ellipse">
+              <a:avLst/>
+            </a:prstGeom>
+            <a:solidFill>
+              <a:srgbClr val="FFC000"/>
+            </a:solidFill>
+            <a:ln>
+              <a:solidFill>
+                <a:schemeClr val="tx1"/>
+              </a:solidFill>
+            </a:ln>
+          </p:spPr>
+          <p:style>
+            <a:lnRef idx="2">
+              <a:schemeClr val="accent1">
+                <a:shade val="50000"/>
+              </a:schemeClr>
+            </a:lnRef>
+            <a:fillRef idx="1">
+              <a:schemeClr val="accent1"/>
+            </a:fillRef>
+            <a:effectRef idx="0">
+              <a:schemeClr val="accent1"/>
+            </a:effectRef>
+            <a:fontRef idx="minor">
+              <a:schemeClr val="lt1"/>
+            </a:fontRef>
+          </p:style>
+          <p:txBody>
+            <a:bodyPr rtlCol="0" anchor="ctr"/>
+            <a:lstStyle/>
+            <a:p>
+              <a:pPr algn="ctr"/>
+              <a:endParaRPr lang="es-CL"/>
+            </a:p>
+          </p:txBody>
+        </p:sp>
+        <p:grpSp>
+          <p:nvGrpSpPr>
+            <p:cNvPr id="185" name="Group 184"/>
+            <p:cNvGrpSpPr/>
+            <p:nvPr/>
+          </p:nvGrpSpPr>
+          <p:grpSpPr>
+            <a:xfrm>
+              <a:off x="3203848" y="2996952"/>
+              <a:ext cx="3744416" cy="2520280"/>
+              <a:chOff x="3203848" y="2996952"/>
+              <a:chExt cx="3744416" cy="2520280"/>
+            </a:xfrm>
+          </p:grpSpPr>
+          <p:grpSp>
+            <p:nvGrpSpPr>
+              <p:cNvPr id="181" name="Group 180"/>
+              <p:cNvGrpSpPr/>
+              <p:nvPr/>
+            </p:nvGrpSpPr>
+            <p:grpSpPr>
+              <a:xfrm>
+                <a:off x="3635896" y="2996952"/>
+                <a:ext cx="3312368" cy="2520280"/>
+                <a:chOff x="3635896" y="2996952"/>
+                <a:chExt cx="3024336" cy="2520280"/>
+              </a:xfrm>
+            </p:grpSpPr>
+            <p:sp>
+              <p:nvSpPr>
+                <p:cNvPr id="178" name="Rectangle 177"/>
+                <p:cNvSpPr/>
+                <p:nvPr/>
+              </p:nvSpPr>
+              <p:spPr>
+                <a:xfrm>
+                  <a:off x="3635896" y="2996952"/>
+                  <a:ext cx="3024336" cy="2520280"/>
+                </a:xfrm>
+                <a:prstGeom prst="rect">
+                  <a:avLst/>
+                </a:prstGeom>
+                <a:solidFill>
+                  <a:schemeClr val="bg1">
+                    <a:lumMod val="50000"/>
+                    <a:alpha val="69804"/>
+                  </a:schemeClr>
+                </a:solidFill>
+              </p:spPr>
+              <p:style>
+                <a:lnRef idx="2">
+                  <a:schemeClr val="accent1">
+                    <a:shade val="50000"/>
+                  </a:schemeClr>
+                </a:lnRef>
+                <a:fillRef idx="1">
+                  <a:schemeClr val="accent1"/>
+                </a:fillRef>
+                <a:effectRef idx="0">
+                  <a:schemeClr val="accent1"/>
+                </a:effectRef>
+                <a:fontRef idx="minor">
+                  <a:schemeClr val="lt1"/>
+                </a:fontRef>
+              </p:style>
+              <p:txBody>
+                <a:bodyPr rtlCol="0" anchor="ctr"/>
+                <a:lstStyle/>
+                <a:p>
+                  <a:pPr algn="ctr"/>
+                  <a:endParaRPr lang="es-CL"/>
+                </a:p>
+              </p:txBody>
+            </p:sp>
+            <p:sp>
+              <p:nvSpPr>
+                <p:cNvPr id="179" name="TextBox 178"/>
+                <p:cNvSpPr txBox="1"/>
+                <p:nvPr/>
+              </p:nvSpPr>
+              <p:spPr>
+                <a:xfrm>
+                  <a:off x="3707904" y="3068960"/>
+                  <a:ext cx="2886581" cy="461665"/>
+                </a:xfrm>
+                <a:prstGeom prst="rect">
+                  <a:avLst/>
+                </a:prstGeom>
+                <a:noFill/>
+              </p:spPr>
+              <p:txBody>
+                <a:bodyPr wrap="square" rtlCol="0">
+                  <a:spAutoFit/>
+                </a:bodyPr>
+                <a:lstStyle/>
+                <a:p>
+                  <a:r>
+                    <a:rPr lang="es-CL" sz="2400" i="1" dirty="0" smtClean="0">
+                      <a:solidFill>
+                        <a:schemeClr val="tx1">
+                          <a:lumMod val="75000"/>
+                          <a:lumOff val="25000"/>
+                        </a:schemeClr>
+                      </a:solidFill>
+                    </a:rPr>
+                    <a:t>Código de Sala: B25</a:t>
+                  </a:r>
+                  <a:endParaRPr lang="es-CL" sz="2400" i="1" dirty="0">
+                    <a:solidFill>
+                      <a:schemeClr val="tx1">
+                        <a:lumMod val="75000"/>
+                        <a:lumOff val="25000"/>
+                      </a:schemeClr>
+                    </a:solidFill>
+                  </a:endParaRPr>
+                </a:p>
+              </p:txBody>
+            </p:sp>
+          </p:grpSp>
+          <p:sp>
+            <p:nvSpPr>
+              <p:cNvPr id="180" name="Isosceles Triangle 179"/>
+              <p:cNvSpPr/>
+              <p:nvPr/>
+            </p:nvSpPr>
+            <p:spPr>
+              <a:xfrm rot="16200000">
+                <a:off x="3311860" y="4977172"/>
+                <a:ext cx="216024" cy="432048"/>
+              </a:xfrm>
+              <a:prstGeom prst="triangle">
+                <a:avLst/>
+              </a:prstGeom>
+              <a:solidFill>
+                <a:schemeClr val="bg1">
+                  <a:lumMod val="50000"/>
+                  <a:alpha val="69804"/>
+                </a:schemeClr>
+              </a:solidFill>
+            </p:spPr>
+            <p:style>
+              <a:lnRef idx="2">
+                <a:schemeClr val="accent1">
+                  <a:shade val="50000"/>
+                </a:schemeClr>
+              </a:lnRef>
+              <a:fillRef idx="1">
+                <a:schemeClr val="accent1"/>
+              </a:fillRef>
+              <a:effectRef idx="0">
+                <a:schemeClr val="accent1"/>
+              </a:effectRef>
+              <a:fontRef idx="minor">
+                <a:schemeClr val="lt1"/>
+              </a:fontRef>
+            </p:style>
+            <p:txBody>
+              <a:bodyPr rtlCol="0" anchor="ctr"/>
+              <a:lstStyle/>
+              <a:p>
+                <a:pPr algn="ctr"/>
+                <a:endParaRPr lang="es-CL"/>
+              </a:p>
+            </p:txBody>
+          </p:sp>
+          <p:grpSp>
+            <p:nvGrpSpPr>
+              <p:cNvPr id="124" name="Group 113"/>
+              <p:cNvGrpSpPr/>
+              <p:nvPr/>
+            </p:nvGrpSpPr>
+            <p:grpSpPr>
+              <a:xfrm>
+                <a:off x="3707904" y="3429000"/>
+                <a:ext cx="1584176" cy="1872208"/>
+                <a:chOff x="2843808" y="3212976"/>
+                <a:chExt cx="1584176" cy="1872208"/>
+              </a:xfrm>
+            </p:grpSpPr>
+            <p:grpSp>
+              <p:nvGrpSpPr>
+                <p:cNvPr id="125" name="Group 87"/>
+                <p:cNvGrpSpPr/>
+                <p:nvPr/>
+              </p:nvGrpSpPr>
+              <p:grpSpPr>
+                <a:xfrm>
+                  <a:off x="2843808" y="3212976"/>
+                  <a:ext cx="1584176" cy="1872208"/>
+                  <a:chOff x="2843808" y="3212976"/>
+                  <a:chExt cx="1584176" cy="1872208"/>
+                </a:xfrm>
+              </p:grpSpPr>
+              <p:sp>
+                <p:nvSpPr>
+                  <p:cNvPr id="132" name="Rectangle 131"/>
+                  <p:cNvSpPr/>
+                  <p:nvPr/>
+                </p:nvSpPr>
+                <p:spPr>
+                  <a:xfrm>
+                    <a:off x="2987824" y="3573016"/>
+                    <a:ext cx="144016" cy="144016"/>
+                  </a:xfrm>
+                  <a:prstGeom prst="rect">
+                    <a:avLst/>
+                  </a:prstGeom>
+                  <a:solidFill>
+                    <a:schemeClr val="bg1">
+                      <a:lumMod val="75000"/>
+                    </a:schemeClr>
+                  </a:solidFill>
+                  <a:ln>
+                    <a:solidFill>
+                      <a:schemeClr val="accent2"/>
+                    </a:solidFill>
+                  </a:ln>
+                </p:spPr>
+                <p:style>
+                  <a:lnRef idx="2">
+                    <a:schemeClr val="accent1">
+                      <a:shade val="50000"/>
+                    </a:schemeClr>
+                  </a:lnRef>
+                  <a:fillRef idx="1">
+                    <a:schemeClr val="accent1"/>
+                  </a:fillRef>
+                  <a:effectRef idx="0">
+                    <a:schemeClr val="accent1"/>
+                  </a:effectRef>
+                  <a:fontRef idx="minor">
+                    <a:schemeClr val="lt1"/>
+                  </a:fontRef>
+                </p:style>
+                <p:txBody>
+                  <a:bodyPr rtlCol="0" anchor="ctr"/>
+                  <a:lstStyle/>
+                  <a:p>
+                    <a:pPr algn="ctr"/>
+                    <a:endParaRPr lang="es-CL"/>
+                  </a:p>
+                </p:txBody>
+              </p:sp>
+              <p:sp>
+                <p:nvSpPr>
+                  <p:cNvPr id="133" name="Rectangle 132"/>
+                  <p:cNvSpPr/>
+                  <p:nvPr/>
+                </p:nvSpPr>
+                <p:spPr>
+                  <a:xfrm>
+                    <a:off x="2987824" y="3789040"/>
+                    <a:ext cx="144016" cy="144016"/>
+                  </a:xfrm>
+                  <a:prstGeom prst="rect">
+                    <a:avLst/>
+                  </a:prstGeom>
+                  <a:solidFill>
+                    <a:schemeClr val="bg1">
+                      <a:lumMod val="75000"/>
+                    </a:schemeClr>
+                  </a:solidFill>
+                  <a:ln>
+                    <a:solidFill>
+                      <a:schemeClr val="accent2"/>
+                    </a:solidFill>
+                  </a:ln>
+                </p:spPr>
+                <p:style>
+                  <a:lnRef idx="2">
+                    <a:schemeClr val="accent1">
+                      <a:shade val="50000"/>
+                    </a:schemeClr>
+                  </a:lnRef>
+                  <a:fillRef idx="1">
+                    <a:schemeClr val="accent1"/>
+                  </a:fillRef>
+                  <a:effectRef idx="0">
+                    <a:schemeClr val="accent1"/>
+                  </a:effectRef>
+                  <a:fontRef idx="minor">
+                    <a:schemeClr val="lt1"/>
+                  </a:fontRef>
+                </p:style>
+                <p:txBody>
+                  <a:bodyPr rtlCol="0" anchor="ctr"/>
+                  <a:lstStyle/>
+                  <a:p>
+                    <a:pPr algn="ctr"/>
+                    <a:endParaRPr lang="es-CL"/>
+                  </a:p>
+                </p:txBody>
+              </p:sp>
+              <p:sp>
+                <p:nvSpPr>
+                  <p:cNvPr id="134" name="Rectangle 133"/>
+                  <p:cNvSpPr/>
+                  <p:nvPr/>
+                </p:nvSpPr>
+                <p:spPr>
+                  <a:xfrm>
+                    <a:off x="3203848" y="3573016"/>
+                    <a:ext cx="144016" cy="144016"/>
+                  </a:xfrm>
+                  <a:prstGeom prst="rect">
+                    <a:avLst/>
+                  </a:prstGeom>
+                  <a:solidFill>
+                    <a:schemeClr val="bg1">
+                      <a:lumMod val="75000"/>
+                    </a:schemeClr>
+                  </a:solidFill>
+                  <a:ln>
+                    <a:solidFill>
+                      <a:schemeClr val="accent2"/>
+                    </a:solidFill>
+                  </a:ln>
+                </p:spPr>
+                <p:style>
+                  <a:lnRef idx="2">
+                    <a:schemeClr val="accent1">
+                      <a:shade val="50000"/>
+                    </a:schemeClr>
+                  </a:lnRef>
+                  <a:fillRef idx="1">
+                    <a:schemeClr val="accent1"/>
+                  </a:fillRef>
+                  <a:effectRef idx="0">
+                    <a:schemeClr val="accent1"/>
+                  </a:effectRef>
+                  <a:fontRef idx="minor">
+                    <a:schemeClr val="lt1"/>
+                  </a:fontRef>
+                </p:style>
+                <p:txBody>
+                  <a:bodyPr rtlCol="0" anchor="ctr"/>
+                  <a:lstStyle/>
+                  <a:p>
+                    <a:pPr algn="ctr"/>
+                    <a:endParaRPr lang="es-CL"/>
+                  </a:p>
+                </p:txBody>
+              </p:sp>
+              <p:sp>
+                <p:nvSpPr>
+                  <p:cNvPr id="135" name="Rectangle 134"/>
+                  <p:cNvSpPr/>
+                  <p:nvPr/>
+                </p:nvSpPr>
+                <p:spPr>
+                  <a:xfrm>
+                    <a:off x="3203848" y="3789040"/>
+                    <a:ext cx="144016" cy="144016"/>
+                  </a:xfrm>
+                  <a:prstGeom prst="rect">
+                    <a:avLst/>
+                  </a:prstGeom>
+                  <a:solidFill>
+                    <a:schemeClr val="bg1">
+                      <a:lumMod val="75000"/>
+                    </a:schemeClr>
+                  </a:solidFill>
+                  <a:ln>
+                    <a:solidFill>
+                      <a:schemeClr val="accent2"/>
+                    </a:solidFill>
+                  </a:ln>
+                </p:spPr>
+                <p:style>
+                  <a:lnRef idx="2">
+                    <a:schemeClr val="accent1">
+                      <a:shade val="50000"/>
+                    </a:schemeClr>
+                  </a:lnRef>
+                  <a:fillRef idx="1">
+                    <a:schemeClr val="accent1"/>
+                  </a:fillRef>
+                  <a:effectRef idx="0">
+                    <a:schemeClr val="accent1"/>
+                  </a:effectRef>
+                  <a:fontRef idx="minor">
+                    <a:schemeClr val="lt1"/>
+                  </a:fontRef>
+                </p:style>
+                <p:txBody>
+                  <a:bodyPr rtlCol="0" anchor="ctr"/>
+                  <a:lstStyle/>
+                  <a:p>
+                    <a:pPr algn="ctr"/>
+                    <a:endParaRPr lang="es-CL"/>
+                  </a:p>
+                </p:txBody>
+              </p:sp>
+              <p:sp>
+                <p:nvSpPr>
+                  <p:cNvPr id="136" name="Rectangle 135"/>
+                  <p:cNvSpPr/>
+                  <p:nvPr/>
+                </p:nvSpPr>
+                <p:spPr>
+                  <a:xfrm>
+                    <a:off x="3419872" y="3573016"/>
+                    <a:ext cx="144016" cy="144016"/>
+                  </a:xfrm>
+                  <a:prstGeom prst="rect">
+                    <a:avLst/>
+                  </a:prstGeom>
+                  <a:solidFill>
+                    <a:schemeClr val="bg1">
+                      <a:lumMod val="75000"/>
+                    </a:schemeClr>
+                  </a:solidFill>
+                  <a:ln>
+                    <a:solidFill>
+                      <a:schemeClr val="accent2"/>
+                    </a:solidFill>
+                  </a:ln>
+                </p:spPr>
+                <p:style>
+                  <a:lnRef idx="2">
+                    <a:schemeClr val="accent1">
+                      <a:shade val="50000"/>
+                    </a:schemeClr>
+                  </a:lnRef>
+                  <a:fillRef idx="1">
+                    <a:schemeClr val="accent1"/>
+                  </a:fillRef>
+                  <a:effectRef idx="0">
+                    <a:schemeClr val="accent1"/>
+                  </a:effectRef>
+                  <a:fontRef idx="minor">
+                    <a:schemeClr val="lt1"/>
+                  </a:fontRef>
+                </p:style>
+                <p:txBody>
+                  <a:bodyPr rtlCol="0" anchor="ctr"/>
+                  <a:lstStyle/>
+                  <a:p>
+                    <a:pPr algn="ctr"/>
+                    <a:endParaRPr lang="es-CL"/>
+                  </a:p>
+                </p:txBody>
+              </p:sp>
+              <p:sp>
+                <p:nvSpPr>
+                  <p:cNvPr id="137" name="Rectangle 136"/>
+                  <p:cNvSpPr/>
+                  <p:nvPr/>
+                </p:nvSpPr>
+                <p:spPr>
+                  <a:xfrm>
+                    <a:off x="3419872" y="3789040"/>
+                    <a:ext cx="144016" cy="144016"/>
+                  </a:xfrm>
+                  <a:prstGeom prst="rect">
+                    <a:avLst/>
+                  </a:prstGeom>
+                  <a:solidFill>
+                    <a:schemeClr val="bg1">
+                      <a:lumMod val="75000"/>
+                    </a:schemeClr>
+                  </a:solidFill>
+                  <a:ln>
+                    <a:solidFill>
+                      <a:schemeClr val="accent2"/>
+                    </a:solidFill>
+                  </a:ln>
+                </p:spPr>
+                <p:style>
+                  <a:lnRef idx="2">
+                    <a:schemeClr val="accent1">
+                      <a:shade val="50000"/>
+                    </a:schemeClr>
+                  </a:lnRef>
+                  <a:fillRef idx="1">
+                    <a:schemeClr val="accent1"/>
+                  </a:fillRef>
+                  <a:effectRef idx="0">
+                    <a:schemeClr val="accent1"/>
+                  </a:effectRef>
+                  <a:fontRef idx="minor">
+                    <a:schemeClr val="lt1"/>
+                  </a:fontRef>
+                </p:style>
+                <p:txBody>
+                  <a:bodyPr rtlCol="0" anchor="ctr"/>
+                  <a:lstStyle/>
+                  <a:p>
+                    <a:pPr algn="ctr"/>
+                    <a:endParaRPr lang="es-CL"/>
+                  </a:p>
+                </p:txBody>
+              </p:sp>
+              <p:sp>
+                <p:nvSpPr>
+                  <p:cNvPr id="138" name="Rectangle 137"/>
+                  <p:cNvSpPr/>
+                  <p:nvPr/>
+                </p:nvSpPr>
+                <p:spPr>
+                  <a:xfrm>
+                    <a:off x="3635896" y="3573016"/>
+                    <a:ext cx="144016" cy="144016"/>
+                  </a:xfrm>
+                  <a:prstGeom prst="rect">
+                    <a:avLst/>
+                  </a:prstGeom>
+                  <a:solidFill>
+                    <a:schemeClr val="bg1">
+                      <a:lumMod val="75000"/>
+                    </a:schemeClr>
+                  </a:solidFill>
+                  <a:ln>
+                    <a:solidFill>
+                      <a:schemeClr val="accent2"/>
+                    </a:solidFill>
+                  </a:ln>
+                </p:spPr>
+                <p:style>
+                  <a:lnRef idx="2">
+                    <a:schemeClr val="accent1">
+                      <a:shade val="50000"/>
+                    </a:schemeClr>
+                  </a:lnRef>
+                  <a:fillRef idx="1">
+                    <a:schemeClr val="accent1"/>
+                  </a:fillRef>
+                  <a:effectRef idx="0">
+                    <a:schemeClr val="accent1"/>
+                  </a:effectRef>
+                  <a:fontRef idx="minor">
+                    <a:schemeClr val="lt1"/>
+                  </a:fontRef>
+                </p:style>
+                <p:txBody>
+                  <a:bodyPr rtlCol="0" anchor="ctr"/>
+                  <a:lstStyle/>
+                  <a:p>
+                    <a:pPr algn="ctr"/>
+                    <a:endParaRPr lang="es-CL"/>
+                  </a:p>
+                </p:txBody>
+              </p:sp>
+              <p:sp>
+                <p:nvSpPr>
+                  <p:cNvPr id="139" name="Rectangle 138"/>
+                  <p:cNvSpPr/>
+                  <p:nvPr/>
+                </p:nvSpPr>
+                <p:spPr>
+                  <a:xfrm>
+                    <a:off x="3635896" y="3789040"/>
+                    <a:ext cx="144016" cy="144016"/>
+                  </a:xfrm>
+                  <a:prstGeom prst="rect">
+                    <a:avLst/>
+                  </a:prstGeom>
+                  <a:solidFill>
+                    <a:schemeClr val="bg1">
+                      <a:lumMod val="75000"/>
+                    </a:schemeClr>
+                  </a:solidFill>
+                  <a:ln>
+                    <a:solidFill>
+                      <a:schemeClr val="accent2"/>
+                    </a:solidFill>
+                  </a:ln>
+                </p:spPr>
+                <p:style>
+                  <a:lnRef idx="2">
+                    <a:schemeClr val="accent1">
+                      <a:shade val="50000"/>
+                    </a:schemeClr>
+                  </a:lnRef>
+                  <a:fillRef idx="1">
+                    <a:schemeClr val="accent1"/>
+                  </a:fillRef>
+                  <a:effectRef idx="0">
+                    <a:schemeClr val="accent1"/>
+                  </a:effectRef>
+                  <a:fontRef idx="minor">
+                    <a:schemeClr val="lt1"/>
+                  </a:fontRef>
+                </p:style>
+                <p:txBody>
+                  <a:bodyPr rtlCol="0" anchor="ctr"/>
+                  <a:lstStyle/>
+                  <a:p>
+                    <a:pPr algn="ctr"/>
+                    <a:endParaRPr lang="es-CL"/>
+                  </a:p>
+                </p:txBody>
+              </p:sp>
+              <p:sp>
+                <p:nvSpPr>
+                  <p:cNvPr id="140" name="Rectangle 139"/>
+                  <p:cNvSpPr/>
+                  <p:nvPr/>
+                </p:nvSpPr>
+                <p:spPr>
+                  <a:xfrm>
+                    <a:off x="3851920" y="3573016"/>
+                    <a:ext cx="144016" cy="144016"/>
+                  </a:xfrm>
+                  <a:prstGeom prst="rect">
+                    <a:avLst/>
+                  </a:prstGeom>
+                  <a:solidFill>
+                    <a:schemeClr val="bg1">
+                      <a:lumMod val="75000"/>
+                    </a:schemeClr>
+                  </a:solidFill>
+                  <a:ln>
+                    <a:solidFill>
+                      <a:schemeClr val="accent2"/>
+                    </a:solidFill>
+                  </a:ln>
+                </p:spPr>
+                <p:style>
+                  <a:lnRef idx="2">
+                    <a:schemeClr val="accent1">
+                      <a:shade val="50000"/>
+                    </a:schemeClr>
+                  </a:lnRef>
+                  <a:fillRef idx="1">
+                    <a:schemeClr val="accent1"/>
+                  </a:fillRef>
+                  <a:effectRef idx="0">
+                    <a:schemeClr val="accent1"/>
+                  </a:effectRef>
+                  <a:fontRef idx="minor">
+                    <a:schemeClr val="lt1"/>
+                  </a:fontRef>
+                </p:style>
+                <p:txBody>
+                  <a:bodyPr rtlCol="0" anchor="ctr"/>
+                  <a:lstStyle/>
+                  <a:p>
+                    <a:pPr algn="ctr"/>
+                    <a:endParaRPr lang="es-CL"/>
+                  </a:p>
+                </p:txBody>
+              </p:sp>
+              <p:sp>
+                <p:nvSpPr>
+                  <p:cNvPr id="141" name="Rectangle 140"/>
+                  <p:cNvSpPr/>
+                  <p:nvPr/>
+                </p:nvSpPr>
+                <p:spPr>
+                  <a:xfrm>
+                    <a:off x="3851920" y="3789040"/>
+                    <a:ext cx="144016" cy="144016"/>
+                  </a:xfrm>
+                  <a:prstGeom prst="rect">
+                    <a:avLst/>
+                  </a:prstGeom>
+                  <a:solidFill>
+                    <a:schemeClr val="bg1">
+                      <a:lumMod val="75000"/>
+                    </a:schemeClr>
+                  </a:solidFill>
+                  <a:ln>
+                    <a:solidFill>
+                      <a:schemeClr val="accent2"/>
+                    </a:solidFill>
+                  </a:ln>
+                </p:spPr>
+                <p:style>
+                  <a:lnRef idx="2">
+                    <a:schemeClr val="accent1">
+                      <a:shade val="50000"/>
+                    </a:schemeClr>
+                  </a:lnRef>
+                  <a:fillRef idx="1">
+                    <a:schemeClr val="accent1"/>
+                  </a:fillRef>
+                  <a:effectRef idx="0">
+                    <a:schemeClr val="accent1"/>
+                  </a:effectRef>
+                  <a:fontRef idx="minor">
+                    <a:schemeClr val="lt1"/>
+                  </a:fontRef>
+                </p:style>
+                <p:txBody>
+                  <a:bodyPr rtlCol="0" anchor="ctr"/>
+                  <a:lstStyle/>
+                  <a:p>
+                    <a:pPr algn="ctr"/>
+                    <a:endParaRPr lang="es-CL"/>
+                  </a:p>
+                </p:txBody>
+              </p:sp>
+              <p:sp>
+                <p:nvSpPr>
+                  <p:cNvPr id="142" name="Rectangle 141"/>
+                  <p:cNvSpPr/>
+                  <p:nvPr/>
+                </p:nvSpPr>
+                <p:spPr>
+                  <a:xfrm>
+                    <a:off x="4067944" y="3573016"/>
+                    <a:ext cx="144016" cy="144016"/>
+                  </a:xfrm>
+                  <a:prstGeom prst="rect">
+                    <a:avLst/>
+                  </a:prstGeom>
+                  <a:solidFill>
+                    <a:schemeClr val="bg1"/>
+                  </a:solidFill>
+                  <a:ln>
+                    <a:solidFill>
+                      <a:schemeClr val="accent2"/>
+                    </a:solidFill>
+                  </a:ln>
+                </p:spPr>
+                <p:style>
+                  <a:lnRef idx="2">
+                    <a:schemeClr val="accent1">
+                      <a:shade val="50000"/>
+                    </a:schemeClr>
+                  </a:lnRef>
+                  <a:fillRef idx="1">
+                    <a:schemeClr val="accent1"/>
+                  </a:fillRef>
+                  <a:effectRef idx="0">
+                    <a:schemeClr val="accent1"/>
+                  </a:effectRef>
+                  <a:fontRef idx="minor">
+                    <a:schemeClr val="lt1"/>
+                  </a:fontRef>
+                </p:style>
+                <p:txBody>
+                  <a:bodyPr rtlCol="0" anchor="ctr"/>
+                  <a:lstStyle/>
+                  <a:p>
+                    <a:pPr algn="ctr"/>
+                    <a:endParaRPr lang="es-CL"/>
+                  </a:p>
+                </p:txBody>
+              </p:sp>
+              <p:sp>
+                <p:nvSpPr>
+                  <p:cNvPr id="143" name="Rectangle 142"/>
+                  <p:cNvSpPr/>
+                  <p:nvPr/>
+                </p:nvSpPr>
+                <p:spPr>
+                  <a:xfrm>
+                    <a:off x="4067944" y="3789040"/>
+                    <a:ext cx="144016" cy="144016"/>
+                  </a:xfrm>
+                  <a:prstGeom prst="rect">
+                    <a:avLst/>
+                  </a:prstGeom>
+                  <a:solidFill>
+                    <a:schemeClr val="bg1"/>
+                  </a:solidFill>
+                  <a:ln>
+                    <a:solidFill>
+                      <a:schemeClr val="accent2"/>
+                    </a:solidFill>
+                  </a:ln>
+                </p:spPr>
+                <p:style>
+                  <a:lnRef idx="2">
+                    <a:schemeClr val="accent1">
+                      <a:shade val="50000"/>
+                    </a:schemeClr>
+                  </a:lnRef>
+                  <a:fillRef idx="1">
+                    <a:schemeClr val="accent1"/>
+                  </a:fillRef>
+                  <a:effectRef idx="0">
+                    <a:schemeClr val="accent1"/>
+                  </a:effectRef>
+                  <a:fontRef idx="minor">
+                    <a:schemeClr val="lt1"/>
+                  </a:fontRef>
+                </p:style>
+                <p:txBody>
+                  <a:bodyPr rtlCol="0" anchor="ctr"/>
+                  <a:lstStyle/>
+                  <a:p>
+                    <a:pPr algn="ctr"/>
+                    <a:endParaRPr lang="es-CL"/>
+                  </a:p>
+                </p:txBody>
+              </p:sp>
+              <p:sp>
+                <p:nvSpPr>
+                  <p:cNvPr id="144" name="Rectangle 143"/>
+                  <p:cNvSpPr/>
+                  <p:nvPr/>
+                </p:nvSpPr>
+                <p:spPr>
+                  <a:xfrm>
+                    <a:off x="2987824" y="4005064"/>
+                    <a:ext cx="144016" cy="144016"/>
+                  </a:xfrm>
+                  <a:prstGeom prst="rect">
+                    <a:avLst/>
+                  </a:prstGeom>
+                  <a:solidFill>
+                    <a:schemeClr val="bg1">
+                      <a:lumMod val="75000"/>
+                    </a:schemeClr>
+                  </a:solidFill>
+                  <a:ln>
+                    <a:solidFill>
+                      <a:schemeClr val="accent2"/>
+                    </a:solidFill>
+                  </a:ln>
+                </p:spPr>
+                <p:style>
+                  <a:lnRef idx="2">
+                    <a:schemeClr val="accent1">
+                      <a:shade val="50000"/>
+                    </a:schemeClr>
+                  </a:lnRef>
+                  <a:fillRef idx="1">
+                    <a:schemeClr val="accent1"/>
+                  </a:fillRef>
+                  <a:effectRef idx="0">
+                    <a:schemeClr val="accent1"/>
+                  </a:effectRef>
+                  <a:fontRef idx="minor">
+                    <a:schemeClr val="lt1"/>
+                  </a:fontRef>
+                </p:style>
+                <p:txBody>
+                  <a:bodyPr rtlCol="0" anchor="ctr"/>
+                  <a:lstStyle/>
+                  <a:p>
+                    <a:pPr algn="ctr"/>
+                    <a:endParaRPr lang="es-CL"/>
+                  </a:p>
+                </p:txBody>
+              </p:sp>
+              <p:sp>
+                <p:nvSpPr>
+                  <p:cNvPr id="145" name="Rectangle 144"/>
+                  <p:cNvSpPr/>
+                  <p:nvPr/>
+                </p:nvSpPr>
+                <p:spPr>
+                  <a:xfrm>
+                    <a:off x="3203848" y="4005064"/>
+                    <a:ext cx="144016" cy="144016"/>
+                  </a:xfrm>
+                  <a:prstGeom prst="rect">
+                    <a:avLst/>
+                  </a:prstGeom>
+                  <a:solidFill>
+                    <a:schemeClr val="bg1">
+                      <a:lumMod val="75000"/>
+                    </a:schemeClr>
+                  </a:solidFill>
+                  <a:ln>
+                    <a:solidFill>
+                      <a:schemeClr val="accent2"/>
+                    </a:solidFill>
+                  </a:ln>
+                </p:spPr>
+                <p:style>
+                  <a:lnRef idx="2">
+                    <a:schemeClr val="accent1">
+                      <a:shade val="50000"/>
+                    </a:schemeClr>
+                  </a:lnRef>
+                  <a:fillRef idx="1">
+                    <a:schemeClr val="accent1"/>
+                  </a:fillRef>
+                  <a:effectRef idx="0">
+                    <a:schemeClr val="accent1"/>
+                  </a:effectRef>
+                  <a:fontRef idx="minor">
+                    <a:schemeClr val="lt1"/>
+                  </a:fontRef>
+                </p:style>
+                <p:txBody>
+                  <a:bodyPr rtlCol="0" anchor="ctr"/>
+                  <a:lstStyle/>
+                  <a:p>
+                    <a:pPr algn="ctr"/>
+                    <a:endParaRPr lang="es-CL"/>
+                  </a:p>
+                </p:txBody>
+              </p:sp>
+              <p:sp>
+                <p:nvSpPr>
+                  <p:cNvPr id="146" name="Rectangle 145"/>
+                  <p:cNvSpPr/>
+                  <p:nvPr/>
+                </p:nvSpPr>
+                <p:spPr>
+                  <a:xfrm>
+                    <a:off x="3419872" y="4005064"/>
+                    <a:ext cx="144016" cy="144016"/>
+                  </a:xfrm>
+                  <a:prstGeom prst="rect">
+                    <a:avLst/>
+                  </a:prstGeom>
+                  <a:solidFill>
+                    <a:schemeClr val="bg1">
+                      <a:lumMod val="75000"/>
+                    </a:schemeClr>
+                  </a:solidFill>
+                  <a:ln>
+                    <a:solidFill>
+                      <a:schemeClr val="accent2"/>
+                    </a:solidFill>
+                  </a:ln>
+                </p:spPr>
+                <p:style>
+                  <a:lnRef idx="2">
+                    <a:schemeClr val="accent1">
+                      <a:shade val="50000"/>
+                    </a:schemeClr>
+                  </a:lnRef>
+                  <a:fillRef idx="1">
+                    <a:schemeClr val="accent1"/>
+                  </a:fillRef>
+                  <a:effectRef idx="0">
+                    <a:schemeClr val="accent1"/>
+                  </a:effectRef>
+                  <a:fontRef idx="minor">
+                    <a:schemeClr val="lt1"/>
+                  </a:fontRef>
+                </p:style>
+                <p:txBody>
+                  <a:bodyPr rtlCol="0" anchor="ctr"/>
+                  <a:lstStyle/>
+                  <a:p>
+                    <a:pPr algn="ctr"/>
+                    <a:endParaRPr lang="es-CL"/>
+                  </a:p>
+                </p:txBody>
+              </p:sp>
+              <p:sp>
+                <p:nvSpPr>
+                  <p:cNvPr id="147" name="Rectangle 146"/>
+                  <p:cNvSpPr/>
+                  <p:nvPr/>
+                </p:nvSpPr>
+                <p:spPr>
+                  <a:xfrm>
+                    <a:off x="3635896" y="4005064"/>
+                    <a:ext cx="144016" cy="144016"/>
+                  </a:xfrm>
+                  <a:prstGeom prst="rect">
+                    <a:avLst/>
+                  </a:prstGeom>
+                  <a:solidFill>
+                    <a:schemeClr val="bg1">
+                      <a:lumMod val="75000"/>
+                    </a:schemeClr>
+                  </a:solidFill>
+                  <a:ln>
+                    <a:solidFill>
+                      <a:schemeClr val="accent2"/>
+                    </a:solidFill>
+                  </a:ln>
+                </p:spPr>
+                <p:style>
+                  <a:lnRef idx="2">
+                    <a:schemeClr val="accent1">
+                      <a:shade val="50000"/>
+                    </a:schemeClr>
+                  </a:lnRef>
+                  <a:fillRef idx="1">
+                    <a:schemeClr val="accent1"/>
+                  </a:fillRef>
+                  <a:effectRef idx="0">
+                    <a:schemeClr val="accent1"/>
+                  </a:effectRef>
+                  <a:fontRef idx="minor">
+                    <a:schemeClr val="lt1"/>
+                  </a:fontRef>
+                </p:style>
+                <p:txBody>
+                  <a:bodyPr rtlCol="0" anchor="ctr"/>
+                  <a:lstStyle/>
+                  <a:p>
+                    <a:pPr algn="ctr"/>
+                    <a:endParaRPr lang="es-CL"/>
+                  </a:p>
+                </p:txBody>
+              </p:sp>
+              <p:sp>
+                <p:nvSpPr>
+                  <p:cNvPr id="148" name="Rectangle 147"/>
+                  <p:cNvSpPr/>
+                  <p:nvPr/>
+                </p:nvSpPr>
+                <p:spPr>
+                  <a:xfrm>
+                    <a:off x="3851920" y="4005064"/>
+                    <a:ext cx="144016" cy="144016"/>
+                  </a:xfrm>
+                  <a:prstGeom prst="rect">
+                    <a:avLst/>
+                  </a:prstGeom>
+                  <a:solidFill>
+                    <a:schemeClr val="bg1">
+                      <a:lumMod val="75000"/>
+                    </a:schemeClr>
+                  </a:solidFill>
+                  <a:ln>
+                    <a:solidFill>
+                      <a:schemeClr val="accent2"/>
+                    </a:solidFill>
+                  </a:ln>
+                </p:spPr>
+                <p:style>
+                  <a:lnRef idx="2">
+                    <a:schemeClr val="accent1">
+                      <a:shade val="50000"/>
+                    </a:schemeClr>
+                  </a:lnRef>
+                  <a:fillRef idx="1">
+                    <a:schemeClr val="accent1"/>
+                  </a:fillRef>
+                  <a:effectRef idx="0">
+                    <a:schemeClr val="accent1"/>
+                  </a:effectRef>
+                  <a:fontRef idx="minor">
+                    <a:schemeClr val="lt1"/>
+                  </a:fontRef>
+                </p:style>
+                <p:txBody>
+                  <a:bodyPr rtlCol="0" anchor="ctr"/>
+                  <a:lstStyle/>
+                  <a:p>
+                    <a:pPr algn="ctr"/>
+                    <a:endParaRPr lang="es-CL"/>
+                  </a:p>
+                </p:txBody>
+              </p:sp>
+              <p:sp>
+                <p:nvSpPr>
+                  <p:cNvPr id="149" name="Rectangle 148"/>
+                  <p:cNvSpPr/>
+                  <p:nvPr/>
+                </p:nvSpPr>
+                <p:spPr>
+                  <a:xfrm>
+                    <a:off x="4067944" y="4005064"/>
+                    <a:ext cx="144016" cy="144016"/>
+                  </a:xfrm>
+                  <a:prstGeom prst="rect">
+                    <a:avLst/>
+                  </a:prstGeom>
+                  <a:solidFill>
+                    <a:schemeClr val="bg1"/>
+                  </a:solidFill>
+                  <a:ln>
+                    <a:solidFill>
+                      <a:schemeClr val="accent2"/>
+                    </a:solidFill>
+                  </a:ln>
+                </p:spPr>
+                <p:style>
+                  <a:lnRef idx="2">
+                    <a:schemeClr val="accent1">
+                      <a:shade val="50000"/>
+                    </a:schemeClr>
+                  </a:lnRef>
+                  <a:fillRef idx="1">
+                    <a:schemeClr val="accent1"/>
+                  </a:fillRef>
+                  <a:effectRef idx="0">
+                    <a:schemeClr val="accent1"/>
+                  </a:effectRef>
+                  <a:fontRef idx="minor">
+                    <a:schemeClr val="lt1"/>
+                  </a:fontRef>
+                </p:style>
+                <p:txBody>
+                  <a:bodyPr rtlCol="0" anchor="ctr"/>
+                  <a:lstStyle/>
+                  <a:p>
+                    <a:pPr algn="ctr"/>
+                    <a:endParaRPr lang="es-CL"/>
+                  </a:p>
+                </p:txBody>
+              </p:sp>
+              <p:sp>
+                <p:nvSpPr>
+                  <p:cNvPr id="150" name="TextBox 149"/>
+                  <p:cNvSpPr txBox="1"/>
+                  <p:nvPr/>
+                </p:nvSpPr>
+                <p:spPr>
+                  <a:xfrm>
+                    <a:off x="2987824" y="4170566"/>
+                    <a:ext cx="1296144" cy="338554"/>
+                  </a:xfrm>
+                  <a:prstGeom prst="rect">
+                    <a:avLst/>
+                  </a:prstGeom>
+                  <a:noFill/>
+                </p:spPr>
+                <p:txBody>
+                  <a:bodyPr wrap="square" rtlCol="0">
+                    <a:spAutoFit/>
+                  </a:bodyPr>
+                  <a:lstStyle/>
+                  <a:p>
+                    <a:r>
+                      <a:rPr lang="es-CL" sz="1600" i="1" dirty="0" smtClean="0"/>
+                      <a:t> </a:t>
+                    </a:r>
+                    <a:r>
+                      <a:rPr lang="es-CL" sz="1600" i="1" dirty="0" smtClean="0">
+                        <a:solidFill>
+                          <a:schemeClr val="tx1">
+                            <a:lumMod val="75000"/>
+                            <a:lumOff val="25000"/>
+                          </a:schemeClr>
+                        </a:solidFill>
+                      </a:rPr>
+                      <a:t>ALMUERZO</a:t>
+                    </a:r>
+                    <a:endParaRPr lang="es-CL" sz="1600" i="1" dirty="0">
+                      <a:solidFill>
+                        <a:schemeClr val="tx1">
+                          <a:lumMod val="75000"/>
+                          <a:lumOff val="25000"/>
+                        </a:schemeClr>
+                      </a:solidFill>
+                    </a:endParaRPr>
+                  </a:p>
+                </p:txBody>
+              </p:sp>
+              <p:sp>
+                <p:nvSpPr>
+                  <p:cNvPr id="151" name="Rectangle 150"/>
+                  <p:cNvSpPr/>
+                  <p:nvPr/>
+                </p:nvSpPr>
+                <p:spPr>
+                  <a:xfrm>
+                    <a:off x="2987824" y="4509120"/>
+                    <a:ext cx="144016" cy="144016"/>
+                  </a:xfrm>
+                  <a:prstGeom prst="rect">
+                    <a:avLst/>
+                  </a:prstGeom>
+                  <a:solidFill>
+                    <a:schemeClr val="bg1">
+                      <a:lumMod val="75000"/>
+                    </a:schemeClr>
+                  </a:solidFill>
+                  <a:ln>
+                    <a:solidFill>
+                      <a:schemeClr val="accent2"/>
+                    </a:solidFill>
+                  </a:ln>
+                </p:spPr>
+                <p:style>
+                  <a:lnRef idx="2">
+                    <a:schemeClr val="accent1">
+                      <a:shade val="50000"/>
+                    </a:schemeClr>
+                  </a:lnRef>
+                  <a:fillRef idx="1">
+                    <a:schemeClr val="accent1"/>
+                  </a:fillRef>
+                  <a:effectRef idx="0">
+                    <a:schemeClr val="accent1"/>
+                  </a:effectRef>
+                  <a:fontRef idx="minor">
+                    <a:schemeClr val="lt1"/>
+                  </a:fontRef>
+                </p:style>
+                <p:txBody>
+                  <a:bodyPr rtlCol="0" anchor="ctr"/>
+                  <a:lstStyle/>
+                  <a:p>
+                    <a:pPr algn="ctr"/>
+                    <a:endParaRPr lang="es-CL"/>
+                  </a:p>
+                </p:txBody>
+              </p:sp>
+              <p:sp>
+                <p:nvSpPr>
+                  <p:cNvPr id="152" name="Rectangle 151"/>
+                  <p:cNvSpPr/>
+                  <p:nvPr/>
+                </p:nvSpPr>
+                <p:spPr>
+                  <a:xfrm>
+                    <a:off x="2987824" y="4725144"/>
+                    <a:ext cx="144016" cy="144016"/>
+                  </a:xfrm>
+                  <a:prstGeom prst="rect">
+                    <a:avLst/>
+                  </a:prstGeom>
+                  <a:solidFill>
+                    <a:schemeClr val="bg1"/>
+                  </a:solidFill>
+                  <a:ln>
+                    <a:solidFill>
+                      <a:schemeClr val="accent2"/>
+                    </a:solidFill>
+                  </a:ln>
+                </p:spPr>
+                <p:style>
+                  <a:lnRef idx="2">
+                    <a:schemeClr val="accent1">
+                      <a:shade val="50000"/>
+                    </a:schemeClr>
+                  </a:lnRef>
+                  <a:fillRef idx="1">
+                    <a:schemeClr val="accent1"/>
+                  </a:fillRef>
+                  <a:effectRef idx="0">
+                    <a:schemeClr val="accent1"/>
+                  </a:effectRef>
+                  <a:fontRef idx="minor">
+                    <a:schemeClr val="lt1"/>
+                  </a:fontRef>
+                </p:style>
+                <p:txBody>
+                  <a:bodyPr rtlCol="0" anchor="ctr"/>
+                  <a:lstStyle/>
+                  <a:p>
+                    <a:pPr algn="ctr"/>
+                    <a:endParaRPr lang="es-CL"/>
+                  </a:p>
+                </p:txBody>
+              </p:sp>
+              <p:sp>
+                <p:nvSpPr>
+                  <p:cNvPr id="153" name="Rectangle 152"/>
+                  <p:cNvSpPr/>
+                  <p:nvPr/>
+                </p:nvSpPr>
+                <p:spPr>
+                  <a:xfrm>
+                    <a:off x="3203848" y="4509120"/>
+                    <a:ext cx="144016" cy="144016"/>
+                  </a:xfrm>
+                  <a:prstGeom prst="rect">
+                    <a:avLst/>
+                  </a:prstGeom>
+                  <a:solidFill>
+                    <a:schemeClr val="bg1"/>
+                  </a:solidFill>
+                  <a:ln>
+                    <a:solidFill>
+                      <a:schemeClr val="accent2"/>
+                    </a:solidFill>
+                  </a:ln>
+                </p:spPr>
+                <p:style>
+                  <a:lnRef idx="2">
+                    <a:schemeClr val="accent1">
+                      <a:shade val="50000"/>
+                    </a:schemeClr>
+                  </a:lnRef>
+                  <a:fillRef idx="1">
+                    <a:schemeClr val="accent1"/>
+                  </a:fillRef>
+                  <a:effectRef idx="0">
+                    <a:schemeClr val="accent1"/>
+                  </a:effectRef>
+                  <a:fontRef idx="minor">
+                    <a:schemeClr val="lt1"/>
+                  </a:fontRef>
+                </p:style>
+                <p:txBody>
+                  <a:bodyPr rtlCol="0" anchor="ctr"/>
+                  <a:lstStyle/>
+                  <a:p>
+                    <a:pPr algn="ctr"/>
+                    <a:endParaRPr lang="es-CL"/>
+                  </a:p>
+                </p:txBody>
+              </p:sp>
+              <p:sp>
+                <p:nvSpPr>
+                  <p:cNvPr id="154" name="Rectangle 153"/>
+                  <p:cNvSpPr/>
+                  <p:nvPr/>
+                </p:nvSpPr>
+                <p:spPr>
+                  <a:xfrm>
+                    <a:off x="3203848" y="4725144"/>
+                    <a:ext cx="144016" cy="144016"/>
+                  </a:xfrm>
+                  <a:prstGeom prst="rect">
+                    <a:avLst/>
+                  </a:prstGeom>
+                  <a:solidFill>
+                    <a:schemeClr val="bg1"/>
+                  </a:solidFill>
+                  <a:ln>
+                    <a:solidFill>
+                      <a:schemeClr val="accent2"/>
+                    </a:solidFill>
+                  </a:ln>
+                </p:spPr>
+                <p:style>
+                  <a:lnRef idx="2">
+                    <a:schemeClr val="accent1">
+                      <a:shade val="50000"/>
+                    </a:schemeClr>
+                  </a:lnRef>
+                  <a:fillRef idx="1">
+                    <a:schemeClr val="accent1"/>
+                  </a:fillRef>
+                  <a:effectRef idx="0">
+                    <a:schemeClr val="accent1"/>
+                  </a:effectRef>
+                  <a:fontRef idx="minor">
+                    <a:schemeClr val="lt1"/>
+                  </a:fontRef>
+                </p:style>
+                <p:txBody>
+                  <a:bodyPr rtlCol="0" anchor="ctr"/>
+                  <a:lstStyle/>
+                  <a:p>
+                    <a:pPr algn="ctr"/>
+                    <a:endParaRPr lang="es-CL"/>
+                  </a:p>
+                </p:txBody>
+              </p:sp>
+              <p:sp>
+                <p:nvSpPr>
+                  <p:cNvPr id="155" name="Rectangle 154"/>
+                  <p:cNvSpPr/>
+                  <p:nvPr/>
+                </p:nvSpPr>
+                <p:spPr>
+                  <a:xfrm>
+                    <a:off x="3419872" y="4509120"/>
+                    <a:ext cx="144016" cy="144016"/>
+                  </a:xfrm>
+                  <a:prstGeom prst="rect">
+                    <a:avLst/>
+                  </a:prstGeom>
+                  <a:solidFill>
+                    <a:schemeClr val="bg1">
+                      <a:lumMod val="75000"/>
+                    </a:schemeClr>
+                  </a:solidFill>
+                  <a:ln>
+                    <a:solidFill>
+                      <a:schemeClr val="accent2"/>
+                    </a:solidFill>
+                  </a:ln>
+                </p:spPr>
+                <p:style>
+                  <a:lnRef idx="2">
+                    <a:schemeClr val="accent1">
+                      <a:shade val="50000"/>
+                    </a:schemeClr>
+                  </a:lnRef>
+                  <a:fillRef idx="1">
+                    <a:schemeClr val="accent1"/>
+                  </a:fillRef>
+                  <a:effectRef idx="0">
+                    <a:schemeClr val="accent1"/>
+                  </a:effectRef>
+                  <a:fontRef idx="minor">
+                    <a:schemeClr val="lt1"/>
+                  </a:fontRef>
+                </p:style>
+                <p:txBody>
+                  <a:bodyPr rtlCol="0" anchor="ctr"/>
+                  <a:lstStyle/>
+                  <a:p>
+                    <a:pPr algn="ctr"/>
+                    <a:endParaRPr lang="es-CL"/>
+                  </a:p>
+                </p:txBody>
+              </p:sp>
+              <p:sp>
+                <p:nvSpPr>
+                  <p:cNvPr id="156" name="Rectangle 155"/>
+                  <p:cNvSpPr/>
+                  <p:nvPr/>
+                </p:nvSpPr>
+                <p:spPr>
+                  <a:xfrm>
+                    <a:off x="3419872" y="4725144"/>
+                    <a:ext cx="144016" cy="144016"/>
+                  </a:xfrm>
+                  <a:prstGeom prst="rect">
+                    <a:avLst/>
+                  </a:prstGeom>
+                  <a:solidFill>
+                    <a:schemeClr val="bg1"/>
+                  </a:solidFill>
+                  <a:ln>
+                    <a:solidFill>
+                      <a:schemeClr val="accent2"/>
+                    </a:solidFill>
+                  </a:ln>
+                </p:spPr>
+                <p:style>
+                  <a:lnRef idx="2">
+                    <a:schemeClr val="accent1">
+                      <a:shade val="50000"/>
+                    </a:schemeClr>
+                  </a:lnRef>
+                  <a:fillRef idx="1">
+                    <a:schemeClr val="accent1"/>
+                  </a:fillRef>
+                  <a:effectRef idx="0">
+                    <a:schemeClr val="accent1"/>
+                  </a:effectRef>
+                  <a:fontRef idx="minor">
+                    <a:schemeClr val="lt1"/>
+                  </a:fontRef>
+                </p:style>
+                <p:txBody>
+                  <a:bodyPr rtlCol="0" anchor="ctr"/>
+                  <a:lstStyle/>
+                  <a:p>
+                    <a:pPr algn="ctr"/>
+                    <a:endParaRPr lang="es-CL"/>
+                  </a:p>
+                </p:txBody>
+              </p:sp>
+              <p:sp>
+                <p:nvSpPr>
+                  <p:cNvPr id="157" name="Rectangle 156"/>
+                  <p:cNvSpPr/>
+                  <p:nvPr/>
+                </p:nvSpPr>
+                <p:spPr>
+                  <a:xfrm>
+                    <a:off x="3635896" y="4509120"/>
+                    <a:ext cx="144016" cy="144016"/>
+                  </a:xfrm>
+                  <a:prstGeom prst="rect">
+                    <a:avLst/>
+                  </a:prstGeom>
+                  <a:solidFill>
+                    <a:schemeClr val="bg1">
+                      <a:lumMod val="75000"/>
+                    </a:schemeClr>
+                  </a:solidFill>
+                  <a:ln>
+                    <a:solidFill>
+                      <a:schemeClr val="accent2"/>
+                    </a:solidFill>
+                  </a:ln>
+                </p:spPr>
+                <p:style>
+                  <a:lnRef idx="2">
+                    <a:schemeClr val="accent1">
+                      <a:shade val="50000"/>
+                    </a:schemeClr>
+                  </a:lnRef>
+                  <a:fillRef idx="1">
+                    <a:schemeClr val="accent1"/>
+                  </a:fillRef>
+                  <a:effectRef idx="0">
+                    <a:schemeClr val="accent1"/>
+                  </a:effectRef>
+                  <a:fontRef idx="minor">
+                    <a:schemeClr val="lt1"/>
+                  </a:fontRef>
+                </p:style>
+                <p:txBody>
+                  <a:bodyPr rtlCol="0" anchor="ctr"/>
+                  <a:lstStyle/>
+                  <a:p>
+                    <a:pPr algn="ctr"/>
+                    <a:endParaRPr lang="es-CL"/>
+                  </a:p>
+                </p:txBody>
+              </p:sp>
+              <p:sp>
+                <p:nvSpPr>
+                  <p:cNvPr id="158" name="Rectangle 157"/>
+                  <p:cNvSpPr/>
+                  <p:nvPr/>
+                </p:nvSpPr>
+                <p:spPr>
+                  <a:xfrm>
+                    <a:off x="3635896" y="4725144"/>
+                    <a:ext cx="144016" cy="144016"/>
+                  </a:xfrm>
+                  <a:prstGeom prst="rect">
+                    <a:avLst/>
+                  </a:prstGeom>
+                  <a:solidFill>
+                    <a:schemeClr val="bg1"/>
+                  </a:solidFill>
+                  <a:ln>
+                    <a:solidFill>
+                      <a:schemeClr val="accent2"/>
+                    </a:solidFill>
+                  </a:ln>
+                </p:spPr>
+                <p:style>
+                  <a:lnRef idx="2">
+                    <a:schemeClr val="accent1">
+                      <a:shade val="50000"/>
+                    </a:schemeClr>
+                  </a:lnRef>
+                  <a:fillRef idx="1">
+                    <a:schemeClr val="accent1"/>
+                  </a:fillRef>
+                  <a:effectRef idx="0">
+                    <a:schemeClr val="accent1"/>
+                  </a:effectRef>
+                  <a:fontRef idx="minor">
+                    <a:schemeClr val="lt1"/>
+                  </a:fontRef>
+                </p:style>
+                <p:txBody>
+                  <a:bodyPr rtlCol="0" anchor="ctr"/>
+                  <a:lstStyle/>
+                  <a:p>
+                    <a:pPr algn="ctr"/>
+                    <a:endParaRPr lang="es-CL"/>
+                  </a:p>
+                </p:txBody>
+              </p:sp>
+              <p:sp>
+                <p:nvSpPr>
+                  <p:cNvPr id="159" name="Rectangle 158"/>
+                  <p:cNvSpPr/>
+                  <p:nvPr/>
+                </p:nvSpPr>
+                <p:spPr>
+                  <a:xfrm>
+                    <a:off x="3851920" y="4509120"/>
+                    <a:ext cx="144016" cy="144016"/>
+                  </a:xfrm>
+                  <a:prstGeom prst="rect">
+                    <a:avLst/>
+                  </a:prstGeom>
+                  <a:solidFill>
+                    <a:schemeClr val="bg1"/>
+                  </a:solidFill>
+                  <a:ln>
+                    <a:solidFill>
+                      <a:schemeClr val="accent2"/>
+                    </a:solidFill>
+                  </a:ln>
+                </p:spPr>
+                <p:style>
+                  <a:lnRef idx="2">
+                    <a:schemeClr val="accent1">
+                      <a:shade val="50000"/>
+                    </a:schemeClr>
+                  </a:lnRef>
+                  <a:fillRef idx="1">
+                    <a:schemeClr val="accent1"/>
+                  </a:fillRef>
+                  <a:effectRef idx="0">
+                    <a:schemeClr val="accent1"/>
+                  </a:effectRef>
+                  <a:fontRef idx="minor">
+                    <a:schemeClr val="lt1"/>
+                  </a:fontRef>
+                </p:style>
+                <p:txBody>
+                  <a:bodyPr rtlCol="0" anchor="ctr"/>
+                  <a:lstStyle/>
+                  <a:p>
+                    <a:pPr algn="ctr"/>
+                    <a:endParaRPr lang="es-CL"/>
+                  </a:p>
+                </p:txBody>
+              </p:sp>
+              <p:sp>
+                <p:nvSpPr>
+                  <p:cNvPr id="160" name="Rectangle 159"/>
+                  <p:cNvSpPr/>
+                  <p:nvPr/>
+                </p:nvSpPr>
+                <p:spPr>
+                  <a:xfrm>
+                    <a:off x="3851920" y="4725144"/>
+                    <a:ext cx="144016" cy="144016"/>
+                  </a:xfrm>
+                  <a:prstGeom prst="rect">
+                    <a:avLst/>
+                  </a:prstGeom>
+                  <a:solidFill>
+                    <a:schemeClr val="bg1"/>
+                  </a:solidFill>
+                  <a:ln>
+                    <a:solidFill>
+                      <a:schemeClr val="accent2"/>
+                    </a:solidFill>
+                  </a:ln>
+                </p:spPr>
+                <p:style>
+                  <a:lnRef idx="2">
+                    <a:schemeClr val="accent1">
+                      <a:shade val="50000"/>
+                    </a:schemeClr>
+                  </a:lnRef>
+                  <a:fillRef idx="1">
+                    <a:schemeClr val="accent1"/>
+                  </a:fillRef>
+                  <a:effectRef idx="0">
+                    <a:schemeClr val="accent1"/>
+                  </a:effectRef>
+                  <a:fontRef idx="minor">
+                    <a:schemeClr val="lt1"/>
+                  </a:fontRef>
+                </p:style>
+                <p:txBody>
+                  <a:bodyPr rtlCol="0" anchor="ctr"/>
+                  <a:lstStyle/>
+                  <a:p>
+                    <a:pPr algn="ctr"/>
+                    <a:endParaRPr lang="es-CL"/>
+                  </a:p>
+                </p:txBody>
+              </p:sp>
+              <p:sp>
+                <p:nvSpPr>
+                  <p:cNvPr id="161" name="Rectangle 160"/>
+                  <p:cNvSpPr/>
+                  <p:nvPr/>
+                </p:nvSpPr>
+                <p:spPr>
+                  <a:xfrm>
+                    <a:off x="4067944" y="4509120"/>
+                    <a:ext cx="144016" cy="144016"/>
+                  </a:xfrm>
+                  <a:prstGeom prst="rect">
+                    <a:avLst/>
+                  </a:prstGeom>
+                  <a:solidFill>
+                    <a:schemeClr val="bg1"/>
+                  </a:solidFill>
+                  <a:ln>
+                    <a:solidFill>
+                      <a:schemeClr val="accent2"/>
+                    </a:solidFill>
+                  </a:ln>
+                </p:spPr>
+                <p:style>
+                  <a:lnRef idx="2">
+                    <a:schemeClr val="accent1">
+                      <a:shade val="50000"/>
+                    </a:schemeClr>
+                  </a:lnRef>
+                  <a:fillRef idx="1">
+                    <a:schemeClr val="accent1"/>
+                  </a:fillRef>
+                  <a:effectRef idx="0">
+                    <a:schemeClr val="accent1"/>
+                  </a:effectRef>
+                  <a:fontRef idx="minor">
+                    <a:schemeClr val="lt1"/>
+                  </a:fontRef>
+                </p:style>
+                <p:txBody>
+                  <a:bodyPr rtlCol="0" anchor="ctr"/>
+                  <a:lstStyle/>
+                  <a:p>
+                    <a:pPr algn="ctr"/>
+                    <a:endParaRPr lang="es-CL"/>
+                  </a:p>
+                </p:txBody>
+              </p:sp>
+              <p:sp>
+                <p:nvSpPr>
+                  <p:cNvPr id="162" name="Rectangle 161"/>
+                  <p:cNvSpPr/>
+                  <p:nvPr/>
+                </p:nvSpPr>
+                <p:spPr>
+                  <a:xfrm>
+                    <a:off x="4067944" y="4725144"/>
+                    <a:ext cx="144016" cy="144016"/>
+                  </a:xfrm>
+                  <a:prstGeom prst="rect">
+                    <a:avLst/>
+                  </a:prstGeom>
+                  <a:solidFill>
+                    <a:schemeClr val="bg1"/>
+                  </a:solidFill>
+                  <a:ln>
+                    <a:solidFill>
+                      <a:schemeClr val="accent2"/>
+                    </a:solidFill>
+                  </a:ln>
+                </p:spPr>
+                <p:style>
+                  <a:lnRef idx="2">
+                    <a:schemeClr val="accent1">
+                      <a:shade val="50000"/>
+                    </a:schemeClr>
+                  </a:lnRef>
+                  <a:fillRef idx="1">
+                    <a:schemeClr val="accent1"/>
+                  </a:fillRef>
+                  <a:effectRef idx="0">
+                    <a:schemeClr val="accent1"/>
+                  </a:effectRef>
+                  <a:fontRef idx="minor">
+                    <a:schemeClr val="lt1"/>
+                  </a:fontRef>
+                </p:style>
+                <p:txBody>
+                  <a:bodyPr rtlCol="0" anchor="ctr"/>
+                  <a:lstStyle/>
+                  <a:p>
+                    <a:pPr algn="ctr"/>
+                    <a:endParaRPr lang="es-CL"/>
+                  </a:p>
+                </p:txBody>
+              </p:sp>
+              <p:sp>
+                <p:nvSpPr>
+                  <p:cNvPr id="163" name="Rectangle 162"/>
+                  <p:cNvSpPr/>
+                  <p:nvPr/>
+                </p:nvSpPr>
+                <p:spPr>
+                  <a:xfrm>
+                    <a:off x="2987824" y="4941168"/>
+                    <a:ext cx="144016" cy="144016"/>
+                  </a:xfrm>
+                  <a:prstGeom prst="rect">
+                    <a:avLst/>
+                  </a:prstGeom>
+                  <a:solidFill>
+                    <a:schemeClr val="bg1"/>
+                  </a:solidFill>
+                  <a:ln>
+                    <a:solidFill>
+                      <a:schemeClr val="accent2"/>
+                    </a:solidFill>
+                  </a:ln>
+                </p:spPr>
+                <p:style>
+                  <a:lnRef idx="2">
+                    <a:schemeClr val="accent1">
+                      <a:shade val="50000"/>
+                    </a:schemeClr>
+                  </a:lnRef>
+                  <a:fillRef idx="1">
+                    <a:schemeClr val="accent1"/>
+                  </a:fillRef>
+                  <a:effectRef idx="0">
+                    <a:schemeClr val="accent1"/>
+                  </a:effectRef>
+                  <a:fontRef idx="minor">
+                    <a:schemeClr val="lt1"/>
+                  </a:fontRef>
+                </p:style>
+                <p:txBody>
+                  <a:bodyPr rtlCol="0" anchor="ctr"/>
+                  <a:lstStyle/>
+                  <a:p>
+                    <a:pPr algn="ctr"/>
+                    <a:endParaRPr lang="es-CL"/>
+                  </a:p>
+                </p:txBody>
+              </p:sp>
+              <p:sp>
+                <p:nvSpPr>
+                  <p:cNvPr id="164" name="Rectangle 163"/>
+                  <p:cNvSpPr/>
+                  <p:nvPr/>
+                </p:nvSpPr>
+                <p:spPr>
+                  <a:xfrm>
+                    <a:off x="3203848" y="4941168"/>
+                    <a:ext cx="144016" cy="144016"/>
+                  </a:xfrm>
+                  <a:prstGeom prst="rect">
+                    <a:avLst/>
+                  </a:prstGeom>
+                  <a:solidFill>
+                    <a:schemeClr val="bg1"/>
+                  </a:solidFill>
+                  <a:ln>
+                    <a:solidFill>
+                      <a:schemeClr val="accent2"/>
+                    </a:solidFill>
+                  </a:ln>
+                </p:spPr>
+                <p:style>
+                  <a:lnRef idx="2">
+                    <a:schemeClr val="accent1">
+                      <a:shade val="50000"/>
+                    </a:schemeClr>
+                  </a:lnRef>
+                  <a:fillRef idx="1">
+                    <a:schemeClr val="accent1"/>
+                  </a:fillRef>
+                  <a:effectRef idx="0">
+                    <a:schemeClr val="accent1"/>
+                  </a:effectRef>
+                  <a:fontRef idx="minor">
+                    <a:schemeClr val="lt1"/>
+                  </a:fontRef>
+                </p:style>
+                <p:txBody>
+                  <a:bodyPr rtlCol="0" anchor="ctr"/>
+                  <a:lstStyle/>
+                  <a:p>
+                    <a:pPr algn="ctr"/>
+                    <a:endParaRPr lang="es-CL"/>
+                  </a:p>
+                </p:txBody>
+              </p:sp>
+              <p:sp>
+                <p:nvSpPr>
+                  <p:cNvPr id="165" name="Rectangle 164"/>
+                  <p:cNvSpPr/>
+                  <p:nvPr/>
+                </p:nvSpPr>
+                <p:spPr>
+                  <a:xfrm>
+                    <a:off x="3419872" y="4941168"/>
+                    <a:ext cx="144016" cy="144016"/>
+                  </a:xfrm>
+                  <a:prstGeom prst="rect">
+                    <a:avLst/>
+                  </a:prstGeom>
+                  <a:solidFill>
+                    <a:schemeClr val="bg1"/>
+                  </a:solidFill>
+                  <a:ln>
+                    <a:solidFill>
+                      <a:schemeClr val="accent2"/>
+                    </a:solidFill>
+                  </a:ln>
+                </p:spPr>
+                <p:style>
+                  <a:lnRef idx="2">
+                    <a:schemeClr val="accent1">
+                      <a:shade val="50000"/>
+                    </a:schemeClr>
+                  </a:lnRef>
+                  <a:fillRef idx="1">
+                    <a:schemeClr val="accent1"/>
+                  </a:fillRef>
+                  <a:effectRef idx="0">
+                    <a:schemeClr val="accent1"/>
+                  </a:effectRef>
+                  <a:fontRef idx="minor">
+                    <a:schemeClr val="lt1"/>
+                  </a:fontRef>
+                </p:style>
+                <p:txBody>
+                  <a:bodyPr rtlCol="0" anchor="ctr"/>
+                  <a:lstStyle/>
+                  <a:p>
+                    <a:pPr algn="ctr"/>
+                    <a:endParaRPr lang="es-CL"/>
+                  </a:p>
+                </p:txBody>
+              </p:sp>
+              <p:sp>
+                <p:nvSpPr>
+                  <p:cNvPr id="166" name="Rectangle 165"/>
+                  <p:cNvSpPr/>
+                  <p:nvPr/>
+                </p:nvSpPr>
+                <p:spPr>
+                  <a:xfrm>
+                    <a:off x="3635896" y="4941168"/>
+                    <a:ext cx="144016" cy="144016"/>
+                  </a:xfrm>
+                  <a:prstGeom prst="rect">
+                    <a:avLst/>
+                  </a:prstGeom>
+                  <a:solidFill>
+                    <a:schemeClr val="bg1"/>
+                  </a:solidFill>
+                  <a:ln>
+                    <a:solidFill>
+                      <a:schemeClr val="accent2"/>
+                    </a:solidFill>
+                  </a:ln>
+                </p:spPr>
+                <p:style>
+                  <a:lnRef idx="2">
+                    <a:schemeClr val="accent1">
+                      <a:shade val="50000"/>
+                    </a:schemeClr>
+                  </a:lnRef>
+                  <a:fillRef idx="1">
+                    <a:schemeClr val="accent1"/>
+                  </a:fillRef>
+                  <a:effectRef idx="0">
+                    <a:schemeClr val="accent1"/>
+                  </a:effectRef>
+                  <a:fontRef idx="minor">
+                    <a:schemeClr val="lt1"/>
+                  </a:fontRef>
+                </p:style>
+                <p:txBody>
+                  <a:bodyPr rtlCol="0" anchor="ctr"/>
+                  <a:lstStyle/>
+                  <a:p>
+                    <a:pPr algn="ctr"/>
+                    <a:endParaRPr lang="es-CL"/>
+                  </a:p>
+                </p:txBody>
+              </p:sp>
+              <p:sp>
+                <p:nvSpPr>
+                  <p:cNvPr id="167" name="Rectangle 166"/>
+                  <p:cNvSpPr/>
+                  <p:nvPr/>
+                </p:nvSpPr>
+                <p:spPr>
+                  <a:xfrm>
+                    <a:off x="3851920" y="4941168"/>
+                    <a:ext cx="144016" cy="144016"/>
+                  </a:xfrm>
+                  <a:prstGeom prst="rect">
+                    <a:avLst/>
+                  </a:prstGeom>
+                  <a:solidFill>
+                    <a:schemeClr val="bg1"/>
+                  </a:solidFill>
+                  <a:ln>
+                    <a:solidFill>
+                      <a:schemeClr val="accent2"/>
+                    </a:solidFill>
+                  </a:ln>
+                </p:spPr>
+                <p:style>
+                  <a:lnRef idx="2">
+                    <a:schemeClr val="accent1">
+                      <a:shade val="50000"/>
+                    </a:schemeClr>
+                  </a:lnRef>
+                  <a:fillRef idx="1">
+                    <a:schemeClr val="accent1"/>
+                  </a:fillRef>
+                  <a:effectRef idx="0">
+                    <a:schemeClr val="accent1"/>
+                  </a:effectRef>
+                  <a:fontRef idx="minor">
+                    <a:schemeClr val="lt1"/>
+                  </a:fontRef>
+                </p:style>
+                <p:txBody>
+                  <a:bodyPr rtlCol="0" anchor="ctr"/>
+                  <a:lstStyle/>
+                  <a:p>
+                    <a:pPr algn="ctr"/>
+                    <a:endParaRPr lang="es-CL"/>
+                  </a:p>
+                </p:txBody>
+              </p:sp>
+              <p:sp>
+                <p:nvSpPr>
+                  <p:cNvPr id="168" name="Rectangle 167"/>
+                  <p:cNvSpPr/>
+                  <p:nvPr/>
+                </p:nvSpPr>
+                <p:spPr>
+                  <a:xfrm>
+                    <a:off x="4067944" y="4941168"/>
+                    <a:ext cx="144016" cy="144016"/>
+                  </a:xfrm>
+                  <a:prstGeom prst="rect">
+                    <a:avLst/>
+                  </a:prstGeom>
+                  <a:solidFill>
+                    <a:schemeClr val="bg1"/>
+                  </a:solidFill>
+                  <a:ln>
+                    <a:solidFill>
+                      <a:schemeClr val="accent2"/>
+                    </a:solidFill>
+                  </a:ln>
+                </p:spPr>
+                <p:style>
+                  <a:lnRef idx="2">
+                    <a:schemeClr val="accent1">
+                      <a:shade val="50000"/>
+                    </a:schemeClr>
+                  </a:lnRef>
+                  <a:fillRef idx="1">
+                    <a:schemeClr val="accent1"/>
+                  </a:fillRef>
+                  <a:effectRef idx="0">
+                    <a:schemeClr val="accent1"/>
+                  </a:effectRef>
+                  <a:fontRef idx="minor">
+                    <a:schemeClr val="lt1"/>
+                  </a:fontRef>
+                </p:style>
+                <p:txBody>
+                  <a:bodyPr rtlCol="0" anchor="ctr"/>
+                  <a:lstStyle/>
+                  <a:p>
+                    <a:pPr algn="ctr"/>
+                    <a:endParaRPr lang="es-CL"/>
+                  </a:p>
+                </p:txBody>
+              </p:sp>
+              <p:sp>
+                <p:nvSpPr>
+                  <p:cNvPr id="169" name="TextBox 168"/>
+                  <p:cNvSpPr txBox="1"/>
+                  <p:nvPr/>
+                </p:nvSpPr>
+                <p:spPr>
+                  <a:xfrm>
+                    <a:off x="2843808" y="3212976"/>
+                    <a:ext cx="1584176" cy="369332"/>
+                  </a:xfrm>
+                  <a:prstGeom prst="rect">
+                    <a:avLst/>
+                  </a:prstGeom>
+                  <a:noFill/>
+                </p:spPr>
+                <p:txBody>
+                  <a:bodyPr wrap="square" rtlCol="0">
+                    <a:spAutoFit/>
+                  </a:bodyPr>
+                  <a:lstStyle/>
+                  <a:p>
+                    <a:r>
+                      <a:rPr lang="es-CL" i="1" dirty="0" smtClean="0"/>
+                      <a:t> </a:t>
+                    </a:r>
+                    <a:r>
+                      <a:rPr lang="es-CL" i="1" dirty="0" smtClean="0">
+                        <a:solidFill>
+                          <a:schemeClr val="tx1">
+                            <a:lumMod val="75000"/>
+                            <a:lumOff val="25000"/>
+                          </a:schemeClr>
+                        </a:solidFill>
+                      </a:rPr>
+                      <a:t>L  M W J  V  S</a:t>
+                    </a:r>
+                    <a:endParaRPr lang="es-CL" i="1" dirty="0">
+                      <a:solidFill>
+                        <a:schemeClr val="tx1">
+                          <a:lumMod val="75000"/>
+                          <a:lumOff val="25000"/>
+                        </a:schemeClr>
+                      </a:solidFill>
+                    </a:endParaRPr>
+                  </a:p>
+                </p:txBody>
+              </p:sp>
+            </p:grpSp>
+            <p:grpSp>
+              <p:nvGrpSpPr>
+                <p:cNvPr id="126" name="Group 107"/>
+                <p:cNvGrpSpPr/>
+                <p:nvPr/>
+              </p:nvGrpSpPr>
+              <p:grpSpPr>
+                <a:xfrm>
+                  <a:off x="3231280" y="4553696"/>
+                  <a:ext cx="90296" cy="72008"/>
+                  <a:chOff x="9886" y="3645024"/>
+                  <a:chExt cx="97618" cy="144016"/>
+                </a:xfrm>
+              </p:grpSpPr>
+              <p:cxnSp>
+                <p:nvCxnSpPr>
+                  <p:cNvPr id="130" name="Straight Connector 129"/>
+                  <p:cNvCxnSpPr/>
+                  <p:nvPr/>
+                </p:nvCxnSpPr>
+                <p:spPr>
+                  <a:xfrm>
+                    <a:off x="9886" y="3707888"/>
+                    <a:ext cx="35495" cy="72008"/>
+                  </a:xfrm>
+                  <a:prstGeom prst="line">
+                    <a:avLst/>
+                  </a:prstGeom>
+                  <a:ln w="28575">
+                    <a:solidFill>
+                      <a:srgbClr val="00B050"/>
+                    </a:solidFill>
+                  </a:ln>
+                </p:spPr>
+                <p:style>
+                  <a:lnRef idx="1">
+                    <a:schemeClr val="accent1"/>
+                  </a:lnRef>
+                  <a:fillRef idx="0">
+                    <a:schemeClr val="accent1"/>
+                  </a:fillRef>
+                  <a:effectRef idx="0">
+                    <a:schemeClr val="accent1"/>
+                  </a:effectRef>
+                  <a:fontRef idx="minor">
+                    <a:schemeClr val="tx1"/>
+                  </a:fontRef>
+                </p:style>
+              </p:cxnSp>
+              <p:cxnSp>
+                <p:nvCxnSpPr>
+                  <p:cNvPr id="131" name="Straight Connector 130"/>
+                  <p:cNvCxnSpPr/>
+                  <p:nvPr/>
+                </p:nvCxnSpPr>
+                <p:spPr>
+                  <a:xfrm flipV="1">
+                    <a:off x="35496" y="3645024"/>
+                    <a:ext cx="72008" cy="144016"/>
+                  </a:xfrm>
+                  <a:prstGeom prst="line">
+                    <a:avLst/>
+                  </a:prstGeom>
+                  <a:ln w="28575">
+                    <a:solidFill>
+                      <a:srgbClr val="00B050"/>
+                    </a:solidFill>
+                  </a:ln>
+                </p:spPr>
+                <p:style>
+                  <a:lnRef idx="1">
+                    <a:schemeClr val="accent1"/>
+                  </a:lnRef>
+                  <a:fillRef idx="0">
+                    <a:schemeClr val="accent1"/>
+                  </a:fillRef>
+                  <a:effectRef idx="0">
+                    <a:schemeClr val="accent1"/>
+                  </a:effectRef>
+                  <a:fontRef idx="minor">
+                    <a:schemeClr val="tx1"/>
+                  </a:fontRef>
+                </p:style>
+              </p:cxnSp>
+            </p:grpSp>
+            <p:grpSp>
+              <p:nvGrpSpPr>
+                <p:cNvPr id="127" name="Group 110"/>
+                <p:cNvGrpSpPr/>
+                <p:nvPr/>
+              </p:nvGrpSpPr>
+              <p:grpSpPr>
+                <a:xfrm>
+                  <a:off x="3226708" y="4757148"/>
+                  <a:ext cx="90296" cy="72008"/>
+                  <a:chOff x="9886" y="3645024"/>
+                  <a:chExt cx="97618" cy="144016"/>
+                </a:xfrm>
+              </p:grpSpPr>
+              <p:cxnSp>
+                <p:nvCxnSpPr>
+                  <p:cNvPr id="128" name="Straight Connector 127"/>
+                  <p:cNvCxnSpPr/>
+                  <p:nvPr/>
+                </p:nvCxnSpPr>
+                <p:spPr>
+                  <a:xfrm>
+                    <a:off x="9886" y="3707888"/>
+                    <a:ext cx="35495" cy="72008"/>
+                  </a:xfrm>
+                  <a:prstGeom prst="line">
+                    <a:avLst/>
+                  </a:prstGeom>
+                  <a:ln w="28575">
+                    <a:solidFill>
+                      <a:srgbClr val="00B050"/>
+                    </a:solidFill>
+                  </a:ln>
+                </p:spPr>
+                <p:style>
+                  <a:lnRef idx="1">
+                    <a:schemeClr val="accent1"/>
+                  </a:lnRef>
+                  <a:fillRef idx="0">
+                    <a:schemeClr val="accent1"/>
+                  </a:fillRef>
+                  <a:effectRef idx="0">
+                    <a:schemeClr val="accent1"/>
+                  </a:effectRef>
+                  <a:fontRef idx="minor">
+                    <a:schemeClr val="tx1"/>
+                  </a:fontRef>
+                </p:style>
+              </p:cxnSp>
+              <p:cxnSp>
+                <p:nvCxnSpPr>
+                  <p:cNvPr id="129" name="Straight Connector 128"/>
+                  <p:cNvCxnSpPr/>
+                  <p:nvPr/>
+                </p:nvCxnSpPr>
+                <p:spPr>
+                  <a:xfrm flipV="1">
+                    <a:off x="35496" y="3645024"/>
+                    <a:ext cx="72008" cy="144016"/>
+                  </a:xfrm>
+                  <a:prstGeom prst="line">
+                    <a:avLst/>
+                  </a:prstGeom>
+                  <a:ln w="28575">
+                    <a:solidFill>
+                      <a:srgbClr val="00B050"/>
+                    </a:solidFill>
+                  </a:ln>
+                </p:spPr>
+                <p:style>
+                  <a:lnRef idx="1">
+                    <a:schemeClr val="accent1"/>
+                  </a:lnRef>
+                  <a:fillRef idx="0">
+                    <a:schemeClr val="accent1"/>
+                  </a:fillRef>
+                  <a:effectRef idx="0">
+                    <a:schemeClr val="accent1"/>
+                  </a:effectRef>
+                  <a:fontRef idx="minor">
+                    <a:schemeClr val="tx1"/>
+                  </a:fontRef>
+                </p:style>
+              </p:cxnSp>
+            </p:grpSp>
+          </p:grpSp>
+          <p:sp>
+            <p:nvSpPr>
+              <p:cNvPr id="183" name="Rectangle 182"/>
+              <p:cNvSpPr/>
+              <p:nvPr/>
+            </p:nvSpPr>
+            <p:spPr>
+              <a:xfrm>
+                <a:off x="5436096" y="4509120"/>
+                <a:ext cx="1152128" cy="360040"/>
+              </a:xfrm>
+              <a:prstGeom prst="rect">
+                <a:avLst/>
+              </a:prstGeom>
+              <a:solidFill>
+                <a:schemeClr val="bg1"/>
+              </a:solidFill>
+              <a:ln>
+                <a:solidFill>
+                  <a:schemeClr val="accent2"/>
+                </a:solidFill>
+              </a:ln>
+            </p:spPr>
+            <p:style>
+              <a:lnRef idx="2">
+                <a:schemeClr val="accent1">
+                  <a:shade val="50000"/>
+                </a:schemeClr>
+              </a:lnRef>
+              <a:fillRef idx="1">
+                <a:schemeClr val="accent1"/>
+              </a:fillRef>
+              <a:effectRef idx="0">
+                <a:schemeClr val="accent1"/>
+              </a:effectRef>
+              <a:fontRef idx="minor">
+                <a:schemeClr val="lt1"/>
+              </a:fontRef>
+            </p:style>
+            <p:txBody>
+              <a:bodyPr rtlCol="0" anchor="ctr"/>
+              <a:lstStyle/>
+              <a:p>
                 <a:pPr algn="ctr"/>
                 <a:r>
-                  <a:rPr lang="es-CL" sz="4400" dirty="0" smtClean="0">
+                  <a:rPr lang="es-CL" dirty="0" smtClean="0">
                     <a:solidFill>
                       <a:schemeClr val="tx1"/>
                     </a:solidFill>
                   </a:rPr>
-                  <a:t>MAPA</a:t>
+                  <a:t>Reservar</a:t>
                 </a:r>
-                <a:endParaRPr lang="es-CL" sz="4400" dirty="0">
+                <a:endParaRPr lang="es-CL" dirty="0">
                   <a:solidFill>
                     <a:schemeClr val="tx1"/>
                   </a:solidFill>
@@ -16820,41 +20582,416 @@
               </a:p>
             </p:txBody>
           </p:sp>
-          <p:pic>
-            <p:nvPicPr>
-              <p:cNvPr id="20" name="Picture 19" descr="mapa2.jpg"/>
-              <p:cNvPicPr>
-                <a:picLocks noChangeAspect="1"/>
-              </p:cNvPicPr>
+          <p:sp>
+            <p:nvSpPr>
+              <p:cNvPr id="184" name="TextBox 183"/>
+              <p:cNvSpPr txBox="1"/>
               <p:nvPr/>
-            </p:nvPicPr>
-            <p:blipFill>
-              <a:blip r:embed="rId3" cstate="print"/>
-              <a:stretch>
-                <a:fillRect/>
-              </a:stretch>
-            </p:blipFill>
+            </p:nvSpPr>
             <p:spPr>
               <a:xfrm>
-                <a:off x="1187624" y="1988840"/>
-                <a:ext cx="6768752" cy="4230312"/>
+                <a:off x="5148064" y="3820978"/>
+                <a:ext cx="1728192" cy="400110"/>
               </a:xfrm>
               <a:prstGeom prst="rect">
                 <a:avLst/>
               </a:prstGeom>
+              <a:noFill/>
             </p:spPr>
-          </p:pic>
+            <p:txBody>
+              <a:bodyPr wrap="square" rtlCol="0">
+                <a:spAutoFit/>
+              </a:bodyPr>
+              <a:lstStyle/>
+              <a:p>
+                <a:r>
+                  <a:rPr lang="es-CL" sz="2000" i="1" dirty="0" smtClean="0">
+                    <a:solidFill>
+                      <a:schemeClr val="tx1">
+                        <a:lumMod val="75000"/>
+                        <a:lumOff val="25000"/>
+                      </a:schemeClr>
+                    </a:solidFill>
+                  </a:rPr>
+                  <a:t>Capacidad: 80</a:t>
+                </a:r>
+                <a:endParaRPr lang="es-CL" sz="2000" i="1" dirty="0">
+                  <a:solidFill>
+                    <a:schemeClr val="tx1">
+                      <a:lumMod val="75000"/>
+                      <a:lumOff val="25000"/>
+                    </a:schemeClr>
+                  </a:solidFill>
+                </a:endParaRPr>
+              </a:p>
+            </p:txBody>
+          </p:sp>
         </p:grpSp>
+      </p:grpSp>
+      <p:sp>
+        <p:nvSpPr>
+          <p:cNvPr id="2049" name="Rectangle 1"/>
+          <p:cNvSpPr>
+            <a:spLocks noChangeArrowheads="1"/>
+          </p:cNvSpPr>
+          <p:nvPr/>
+        </p:nvSpPr>
+        <p:spPr bwMode="auto">
+          <a:xfrm>
+            <a:off x="0" y="0"/>
+            <a:ext cx="9144000" cy="457200"/>
+          </a:xfrm>
+          <a:prstGeom prst="rect">
+            <a:avLst/>
+          </a:prstGeom>
+          <a:noFill/>
+          <a:ln w="9525">
+            <a:noFill/>
+            <a:miter lim="800000"/>
+            <a:headEnd/>
+            <a:tailEnd/>
+          </a:ln>
+          <a:effectLst/>
+        </p:spPr>
+        <p:txBody>
+          <a:bodyPr vert="horz" wrap="none" lIns="91440" tIns="45720" rIns="91440" bIns="45720" numCol="1" anchor="ctr" anchorCtr="0" compatLnSpc="1">
+            <a:prstTxWarp prst="textNoShape">
+              <a:avLst/>
+            </a:prstTxWarp>
+            <a:spAutoFit/>
+          </a:bodyPr>
+          <a:lstStyle/>
+          <a:p>
+            <a:pPr marL="0" marR="0" lvl="0" indent="0" algn="l" defTabSz="914400" rtl="0" eaLnBrk="1" fontAlgn="base" latinLnBrk="0" hangingPunct="1">
+              <a:lnSpc>
+                <a:spcPct val="100000"/>
+              </a:lnSpc>
+              <a:spcBef>
+                <a:spcPct val="0"/>
+              </a:spcBef>
+              <a:spcAft>
+                <a:spcPct val="0"/>
+              </a:spcAft>
+              <a:buClrTx/>
+              <a:buSzTx/>
+              <a:buFontTx/>
+              <a:buNone/>
+              <a:tabLst/>
+            </a:pPr>
+            <a:r>
+              <a:rPr kumimoji="0" lang="es-CL" sz="1000" b="1" i="0" u="none" strike="noStrike" cap="none" normalizeH="0" baseline="0" smtClean="0">
+                <a:ln>
+                  <a:noFill/>
+                </a:ln>
+                <a:solidFill>
+                  <a:schemeClr val="tx1"/>
+                </a:solidFill>
+                <a:effectLst/>
+                <a:latin typeface="Arial" pitchFamily="34" charset="0"/>
+                <a:ea typeface="Calibri" pitchFamily="34" charset="0"/>
+                <a:cs typeface="Arial" pitchFamily="34" charset="0"/>
+              </a:rPr>
+              <a:t>Flujo Alternativo:</a:t>
+            </a:r>
+            <a:endParaRPr kumimoji="0" lang="es-CL" sz="800" b="0" i="0" u="none" strike="noStrike" cap="none" normalizeH="0" baseline="0" smtClean="0">
+              <a:ln>
+                <a:noFill/>
+              </a:ln>
+              <a:solidFill>
+                <a:schemeClr val="tx1"/>
+              </a:solidFill>
+              <a:effectLst/>
+              <a:latin typeface="Arial" pitchFamily="34" charset="0"/>
+              <a:cs typeface="Arial" pitchFamily="34" charset="0"/>
+            </a:endParaRPr>
+          </a:p>
+          <a:p>
+            <a:pPr marL="0" marR="0" lvl="0" indent="0" algn="l" defTabSz="914400" rtl="0" eaLnBrk="0" fontAlgn="base" latinLnBrk="0" hangingPunct="0">
+              <a:lnSpc>
+                <a:spcPct val="100000"/>
+              </a:lnSpc>
+              <a:spcBef>
+                <a:spcPct val="0"/>
+              </a:spcBef>
+              <a:spcAft>
+                <a:spcPct val="0"/>
+              </a:spcAft>
+              <a:buClrTx/>
+              <a:buSzTx/>
+              <a:buFontTx/>
+              <a:buNone/>
+              <a:tabLst/>
+            </a:pPr>
+            <a:r>
+              <a:rPr kumimoji="0" lang="es-CL" sz="1000" b="0" i="0" u="none" strike="noStrike" cap="none" normalizeH="0" baseline="0" smtClean="0">
+                <a:ln>
+                  <a:noFill/>
+                </a:ln>
+                <a:solidFill>
+                  <a:schemeClr val="tx1"/>
+                </a:solidFill>
+                <a:effectLst/>
+                <a:latin typeface="Arial" pitchFamily="34" charset="0"/>
+                <a:ea typeface="Calibri" pitchFamily="34" charset="0"/>
+                <a:cs typeface="Arial" pitchFamily="34" charset="0"/>
+              </a:rPr>
+              <a:t>El usuario hace </a:t>
+            </a:r>
+            <a:r>
+              <a:rPr kumimoji="0" lang="es-CL" sz="1000" b="0" i="1" u="none" strike="noStrike" cap="none" normalizeH="0" baseline="0" smtClean="0">
+                <a:ln>
+                  <a:noFill/>
+                </a:ln>
+                <a:solidFill>
+                  <a:schemeClr val="tx1"/>
+                </a:solidFill>
+                <a:effectLst/>
+                <a:latin typeface="Arial" pitchFamily="34" charset="0"/>
+                <a:ea typeface="Calibri" pitchFamily="34" charset="0"/>
+                <a:cs typeface="Arial" pitchFamily="34" charset="0"/>
+              </a:rPr>
+              <a:t>click</a:t>
+            </a:r>
+            <a:r>
+              <a:rPr kumimoji="0" lang="es-CL" sz="1000" b="0" i="0" u="none" strike="noStrike" cap="none" normalizeH="0" baseline="0" smtClean="0">
+                <a:ln>
+                  <a:noFill/>
+                </a:ln>
+                <a:solidFill>
+                  <a:schemeClr val="tx1"/>
+                </a:solidFill>
+                <a:effectLst/>
+                <a:latin typeface="Arial" pitchFamily="34" charset="0"/>
+                <a:ea typeface="Calibri" pitchFamily="34" charset="0"/>
+                <a:cs typeface="Arial" pitchFamily="34" charset="0"/>
+              </a:rPr>
+              <a:t> fuera del formulario</a:t>
+            </a:r>
+            <a:endParaRPr kumimoji="0" lang="es-CL" sz="1800" b="0" i="0" u="none" strike="noStrike" cap="none" normalizeH="0" baseline="0" smtClean="0">
+              <a:ln>
+                <a:noFill/>
+              </a:ln>
+              <a:solidFill>
+                <a:schemeClr val="tx1"/>
+              </a:solidFill>
+              <a:effectLst/>
+              <a:latin typeface="Arial" pitchFamily="34" charset="0"/>
+              <a:cs typeface="Arial" pitchFamily="34" charset="0"/>
+            </a:endParaRPr>
+          </a:p>
+        </p:txBody>
+      </p:sp>
+    </p:spTree>
+  </p:cSld>
+  <p:clrMapOvr>
+    <a:masterClrMapping/>
+  </p:clrMapOvr>
+  <p:transition advClick="0"/>
+  <p:timing>
+    <p:tnLst>
+      <p:par>
+        <p:cTn id="1" dur="indefinite" restart="never" nodeType="tmRoot"/>
+      </p:par>
+    </p:tnLst>
+  </p:timing>
+</p:sld>
+</file>
+
+<file path=ppt/slides/slide9.xml><?xml version="1.0" encoding="utf-8"?>
+<p:sld xmlns:a="http://schemas.openxmlformats.org/drawingml/2006/main" xmlns:r="http://schemas.openxmlformats.org/officeDocument/2006/relationships" xmlns:p="http://schemas.openxmlformats.org/presentationml/2006/main">
+  <p:cSld>
+    <p:spTree>
+      <p:nvGrpSpPr>
+        <p:cNvPr id="1" name=""/>
+        <p:cNvGrpSpPr/>
+        <p:nvPr/>
+      </p:nvGrpSpPr>
+      <p:grpSpPr>
+        <a:xfrm>
+          <a:off x="0" y="0"/>
+          <a:ext cx="0" cy="0"/>
+          <a:chOff x="0" y="0"/>
+          <a:chExt cx="0" cy="0"/>
+        </a:xfrm>
+      </p:grpSpPr>
+      <p:grpSp>
+        <p:nvGrpSpPr>
+          <p:cNvPr id="2" name="Group 20"/>
+          <p:cNvGrpSpPr/>
+          <p:nvPr/>
+        </p:nvGrpSpPr>
+        <p:grpSpPr>
+          <a:xfrm>
+            <a:off x="611560" y="1412776"/>
+            <a:ext cx="7992888" cy="5040560"/>
+            <a:chOff x="611560" y="1412776"/>
+            <a:chExt cx="7992888" cy="5040560"/>
+          </a:xfrm>
+        </p:grpSpPr>
         <p:sp>
           <p:nvSpPr>
-            <p:cNvPr id="24" name="Rectangle 23"/>
+            <p:cNvPr id="5" name="Rectangle 4"/>
             <p:cNvSpPr/>
             <p:nvPr/>
           </p:nvSpPr>
           <p:spPr>
             <a:xfrm>
-              <a:off x="611560" y="6237312"/>
-              <a:ext cx="7992888" cy="216024"/>
+              <a:off x="611560" y="1412776"/>
+              <a:ext cx="7992888" cy="5040560"/>
+            </a:xfrm>
+            <a:prstGeom prst="rect">
+              <a:avLst/>
+            </a:prstGeom>
+            <a:solidFill>
+              <a:schemeClr val="bg1"/>
+            </a:solidFill>
+            <a:ln>
+              <a:solidFill>
+                <a:schemeClr val="accent4">
+                  <a:lumMod val="50000"/>
+                </a:schemeClr>
+              </a:solidFill>
+            </a:ln>
+          </p:spPr>
+          <p:style>
+            <a:lnRef idx="2">
+              <a:schemeClr val="accent1">
+                <a:shade val="50000"/>
+              </a:schemeClr>
+            </a:lnRef>
+            <a:fillRef idx="1">
+              <a:schemeClr val="accent1"/>
+            </a:fillRef>
+            <a:effectRef idx="0">
+              <a:schemeClr val="accent1"/>
+            </a:effectRef>
+            <a:fontRef idx="minor">
+              <a:schemeClr val="lt1"/>
+            </a:fontRef>
+          </p:style>
+          <p:txBody>
+            <a:bodyPr rtlCol="0" anchor="ctr"/>
+            <a:lstStyle/>
+            <a:p>
+              <a:pPr algn="ctr"/>
+              <a:r>
+                <a:rPr lang="es-CL" sz="4400" dirty="0" smtClean="0">
+                  <a:solidFill>
+                    <a:schemeClr val="tx1"/>
+                  </a:solidFill>
+                </a:rPr>
+                <a:t>MAPA</a:t>
+              </a:r>
+              <a:endParaRPr lang="es-CL" sz="4400" dirty="0">
+                <a:solidFill>
+                  <a:schemeClr val="tx1"/>
+                </a:solidFill>
+              </a:endParaRPr>
+            </a:p>
+          </p:txBody>
+        </p:sp>
+        <p:pic>
+          <p:nvPicPr>
+            <p:cNvPr id="20" name="Picture 19" descr="mapa2.jpg"/>
+            <p:cNvPicPr>
+              <a:picLocks noChangeAspect="1"/>
+            </p:cNvPicPr>
+            <p:nvPr/>
+          </p:nvPicPr>
+          <p:blipFill>
+            <a:blip r:embed="rId3" cstate="print"/>
+            <a:stretch>
+              <a:fillRect/>
+            </a:stretch>
+          </p:blipFill>
+          <p:spPr>
+            <a:xfrm>
+              <a:off x="1187624" y="1988840"/>
+              <a:ext cx="6768752" cy="4230312"/>
+            </a:xfrm>
+            <a:prstGeom prst="rect">
+              <a:avLst/>
+            </a:prstGeom>
+          </p:spPr>
+        </p:pic>
+      </p:grpSp>
+      <p:sp>
+        <p:nvSpPr>
+          <p:cNvPr id="24" name="Rectangle 23"/>
+          <p:cNvSpPr/>
+          <p:nvPr/>
+        </p:nvSpPr>
+        <p:spPr>
+          <a:xfrm>
+            <a:off x="611560" y="6237312"/>
+            <a:ext cx="7992888" cy="216024"/>
+          </a:xfrm>
+          <a:prstGeom prst="rect">
+            <a:avLst/>
+          </a:prstGeom>
+          <a:solidFill>
+            <a:schemeClr val="bg1">
+              <a:lumMod val="95000"/>
+            </a:schemeClr>
+          </a:solidFill>
+          <a:ln>
+            <a:solidFill>
+              <a:schemeClr val="tx1">
+                <a:lumMod val="75000"/>
+                <a:lumOff val="25000"/>
+              </a:schemeClr>
+            </a:solidFill>
+          </a:ln>
+        </p:spPr>
+        <p:style>
+          <a:lnRef idx="2">
+            <a:schemeClr val="accent1">
+              <a:shade val="50000"/>
+            </a:schemeClr>
+          </a:lnRef>
+          <a:fillRef idx="1">
+            <a:schemeClr val="accent1"/>
+          </a:fillRef>
+          <a:effectRef idx="0">
+            <a:schemeClr val="accent1"/>
+          </a:effectRef>
+          <a:fontRef idx="minor">
+            <a:schemeClr val="lt1"/>
+          </a:fontRef>
+        </p:style>
+        <p:txBody>
+          <a:bodyPr rtlCol="0" anchor="ctr"/>
+          <a:lstStyle/>
+          <a:p>
+            <a:pPr algn="ctr"/>
+            <a:endParaRPr lang="es-CL"/>
+          </a:p>
+        </p:txBody>
+      </p:sp>
+      <p:grpSp>
+        <p:nvGrpSpPr>
+          <p:cNvPr id="3" name="Group 27"/>
+          <p:cNvGrpSpPr/>
+          <p:nvPr/>
+        </p:nvGrpSpPr>
+        <p:grpSpPr>
+          <a:xfrm>
+            <a:off x="8388424" y="6237312"/>
+            <a:ext cx="216024" cy="216024"/>
+            <a:chOff x="8388424" y="6237312"/>
+            <a:chExt cx="216024" cy="216024"/>
+          </a:xfrm>
+        </p:grpSpPr>
+        <p:sp>
+          <p:nvSpPr>
+            <p:cNvPr id="25" name="Rectangle 24"/>
+            <p:cNvSpPr/>
+            <p:nvPr/>
+          </p:nvSpPr>
+          <p:spPr>
+            <a:xfrm>
+              <a:off x="8388424" y="6237312"/>
+              <a:ext cx="216024" cy="216024"/>
             </a:xfrm>
             <a:prstGeom prst="rect">
               <a:avLst/>
@@ -16898,260 +21035,18 @@
             </a:p>
           </p:txBody>
         </p:sp>
-        <p:grpSp>
-          <p:nvGrpSpPr>
-            <p:cNvPr id="3" name="Group 27"/>
-            <p:cNvGrpSpPr/>
-            <p:nvPr/>
-          </p:nvGrpSpPr>
-          <p:grpSpPr>
-            <a:xfrm>
-              <a:off x="8388424" y="6237312"/>
-              <a:ext cx="216024" cy="216024"/>
-              <a:chOff x="8388424" y="6237312"/>
-              <a:chExt cx="216024" cy="216024"/>
-            </a:xfrm>
-          </p:grpSpPr>
-          <p:sp>
-            <p:nvSpPr>
-              <p:cNvPr id="25" name="Rectangle 24"/>
-              <p:cNvSpPr/>
-              <p:nvPr/>
-            </p:nvSpPr>
-            <p:spPr>
-              <a:xfrm>
-                <a:off x="8388424" y="6237312"/>
-                <a:ext cx="216024" cy="216024"/>
-              </a:xfrm>
-              <a:prstGeom prst="rect">
-                <a:avLst/>
-              </a:prstGeom>
-              <a:solidFill>
-                <a:schemeClr val="bg1">
-                  <a:lumMod val="95000"/>
-                </a:schemeClr>
-              </a:solidFill>
-              <a:ln>
-                <a:solidFill>
-                  <a:schemeClr val="tx1">
-                    <a:lumMod val="75000"/>
-                    <a:lumOff val="25000"/>
-                  </a:schemeClr>
-                </a:solidFill>
-              </a:ln>
-            </p:spPr>
-            <p:style>
-              <a:lnRef idx="2">
-                <a:schemeClr val="accent1">
-                  <a:shade val="50000"/>
-                </a:schemeClr>
-              </a:lnRef>
-              <a:fillRef idx="1">
-                <a:schemeClr val="accent1"/>
-              </a:fillRef>
-              <a:effectRef idx="0">
-                <a:schemeClr val="accent1"/>
-              </a:effectRef>
-              <a:fontRef idx="minor">
-                <a:schemeClr val="lt1"/>
-              </a:fontRef>
-            </p:style>
-            <p:txBody>
-              <a:bodyPr rtlCol="0" anchor="ctr"/>
-              <a:lstStyle/>
-              <a:p>
-                <a:pPr algn="ctr"/>
-                <a:endParaRPr lang="es-CL"/>
-              </a:p>
-            </p:txBody>
-          </p:sp>
-          <p:sp>
-            <p:nvSpPr>
-              <p:cNvPr id="27" name="Isosceles Triangle 26"/>
-              <p:cNvSpPr/>
-              <p:nvPr/>
-            </p:nvSpPr>
-            <p:spPr>
-              <a:xfrm rot="5400000">
-                <a:off x="8388424" y="6237312"/>
-                <a:ext cx="216024" cy="216024"/>
-              </a:xfrm>
-              <a:prstGeom prst="triangle">
-                <a:avLst/>
-              </a:prstGeom>
-              <a:solidFill>
-                <a:schemeClr val="bg1">
-                  <a:lumMod val="75000"/>
-                </a:schemeClr>
-              </a:solidFill>
-              <a:ln>
-                <a:solidFill>
-                  <a:schemeClr val="tx1">
-                    <a:lumMod val="75000"/>
-                    <a:lumOff val="25000"/>
-                  </a:schemeClr>
-                </a:solidFill>
-              </a:ln>
-            </p:spPr>
-            <p:style>
-              <a:lnRef idx="2">
-                <a:schemeClr val="accent1">
-                  <a:shade val="50000"/>
-                </a:schemeClr>
-              </a:lnRef>
-              <a:fillRef idx="1">
-                <a:schemeClr val="accent1"/>
-              </a:fillRef>
-              <a:effectRef idx="0">
-                <a:schemeClr val="accent1"/>
-              </a:effectRef>
-              <a:fontRef idx="minor">
-                <a:schemeClr val="lt1"/>
-              </a:fontRef>
-            </p:style>
-            <p:txBody>
-              <a:bodyPr rtlCol="0" anchor="ctr"/>
-              <a:lstStyle/>
-              <a:p>
-                <a:pPr algn="ctr"/>
-                <a:endParaRPr lang="es-CL"/>
-              </a:p>
-            </p:txBody>
-          </p:sp>
-        </p:grpSp>
-        <p:grpSp>
-          <p:nvGrpSpPr>
-            <p:cNvPr id="4" name="Group 28"/>
-            <p:cNvGrpSpPr/>
-            <p:nvPr/>
-          </p:nvGrpSpPr>
-          <p:grpSpPr>
-            <a:xfrm rot="10800000">
-              <a:off x="611560" y="6237312"/>
-              <a:ext cx="216024" cy="216024"/>
-              <a:chOff x="8388424" y="6237312"/>
-              <a:chExt cx="216024" cy="216024"/>
-            </a:xfrm>
-          </p:grpSpPr>
-          <p:sp>
-            <p:nvSpPr>
-              <p:cNvPr id="30" name="Rectangle 29"/>
-              <p:cNvSpPr/>
-              <p:nvPr/>
-            </p:nvSpPr>
-            <p:spPr>
-              <a:xfrm>
-                <a:off x="8388424" y="6237312"/>
-                <a:ext cx="216024" cy="216024"/>
-              </a:xfrm>
-              <a:prstGeom prst="rect">
-                <a:avLst/>
-              </a:prstGeom>
-              <a:solidFill>
-                <a:schemeClr val="bg1">
-                  <a:lumMod val="95000"/>
-                </a:schemeClr>
-              </a:solidFill>
-              <a:ln>
-                <a:solidFill>
-                  <a:schemeClr val="tx1">
-                    <a:lumMod val="75000"/>
-                    <a:lumOff val="25000"/>
-                  </a:schemeClr>
-                </a:solidFill>
-              </a:ln>
-            </p:spPr>
-            <p:style>
-              <a:lnRef idx="2">
-                <a:schemeClr val="accent1">
-                  <a:shade val="50000"/>
-                </a:schemeClr>
-              </a:lnRef>
-              <a:fillRef idx="1">
-                <a:schemeClr val="accent1"/>
-              </a:fillRef>
-              <a:effectRef idx="0">
-                <a:schemeClr val="accent1"/>
-              </a:effectRef>
-              <a:fontRef idx="minor">
-                <a:schemeClr val="lt1"/>
-              </a:fontRef>
-            </p:style>
-            <p:txBody>
-              <a:bodyPr rtlCol="0" anchor="ctr"/>
-              <a:lstStyle/>
-              <a:p>
-                <a:pPr algn="ctr"/>
-                <a:endParaRPr lang="es-CL"/>
-              </a:p>
-            </p:txBody>
-          </p:sp>
-          <p:sp>
-            <p:nvSpPr>
-              <p:cNvPr id="31" name="Isosceles Triangle 30"/>
-              <p:cNvSpPr/>
-              <p:nvPr/>
-            </p:nvSpPr>
-            <p:spPr>
-              <a:xfrm rot="5400000">
-                <a:off x="8388424" y="6237312"/>
-                <a:ext cx="216024" cy="216024"/>
-              </a:xfrm>
-              <a:prstGeom prst="triangle">
-                <a:avLst/>
-              </a:prstGeom>
-              <a:solidFill>
-                <a:schemeClr val="bg1">
-                  <a:lumMod val="75000"/>
-                </a:schemeClr>
-              </a:solidFill>
-              <a:ln>
-                <a:solidFill>
-                  <a:schemeClr val="tx1">
-                    <a:lumMod val="75000"/>
-                    <a:lumOff val="25000"/>
-                  </a:schemeClr>
-                </a:solidFill>
-              </a:ln>
-            </p:spPr>
-            <p:style>
-              <a:lnRef idx="2">
-                <a:schemeClr val="accent1">
-                  <a:shade val="50000"/>
-                </a:schemeClr>
-              </a:lnRef>
-              <a:fillRef idx="1">
-                <a:schemeClr val="accent1"/>
-              </a:fillRef>
-              <a:effectRef idx="0">
-                <a:schemeClr val="accent1"/>
-              </a:effectRef>
-              <a:fontRef idx="minor">
-                <a:schemeClr val="lt1"/>
-              </a:fontRef>
-            </p:style>
-            <p:txBody>
-              <a:bodyPr rtlCol="0" anchor="ctr"/>
-              <a:lstStyle/>
-              <a:p>
-                <a:pPr algn="ctr"/>
-                <a:endParaRPr lang="es-CL"/>
-              </a:p>
-            </p:txBody>
-          </p:sp>
-        </p:grpSp>
         <p:sp>
           <p:nvSpPr>
-            <p:cNvPr id="32" name="Rectangle 31"/>
+            <p:cNvPr id="27" name="Isosceles Triangle 26"/>
             <p:cNvSpPr/>
             <p:nvPr/>
           </p:nvSpPr>
           <p:spPr>
-            <a:xfrm>
-              <a:off x="2483768" y="6237312"/>
-              <a:ext cx="4464496" cy="216024"/>
+            <a:xfrm rot="5400000">
+              <a:off x="8388424" y="6237312"/>
+              <a:ext cx="216024" cy="216024"/>
             </a:xfrm>
-            <a:prstGeom prst="rect">
+            <a:prstGeom prst="triangle">
               <a:avLst/>
             </a:prstGeom>
             <a:solidFill>
@@ -17193,79 +21088,45 @@
             </a:p>
           </p:txBody>
         </p:sp>
+      </p:grpSp>
+      <p:grpSp>
+        <p:nvGrpSpPr>
+          <p:cNvPr id="4" name="Group 28"/>
+          <p:cNvGrpSpPr/>
+          <p:nvPr/>
+        </p:nvGrpSpPr>
+        <p:grpSpPr>
+          <a:xfrm rot="10800000">
+            <a:off x="611560" y="6237312"/>
+            <a:ext cx="216024" cy="216024"/>
+            <a:chOff x="8388424" y="6237312"/>
+            <a:chExt cx="216024" cy="216024"/>
+          </a:xfrm>
+        </p:grpSpPr>
         <p:sp>
           <p:nvSpPr>
-            <p:cNvPr id="39" name="Rectangle 38"/>
+            <p:cNvPr id="30" name="Rectangle 29"/>
             <p:cNvSpPr/>
             <p:nvPr/>
           </p:nvSpPr>
           <p:spPr>
             <a:xfrm>
-              <a:off x="611560" y="692696"/>
-              <a:ext cx="7992888" cy="567680"/>
+              <a:off x="8388424" y="6237312"/>
+              <a:ext cx="216024" cy="216024"/>
             </a:xfrm>
             <a:prstGeom prst="rect">
               <a:avLst/>
             </a:prstGeom>
             <a:solidFill>
-              <a:schemeClr val="bg1"/>
+              <a:schemeClr val="bg1">
+                <a:lumMod val="95000"/>
+              </a:schemeClr>
             </a:solidFill>
             <a:ln>
               <a:solidFill>
-                <a:schemeClr val="accent1"/>
-              </a:solidFill>
-            </a:ln>
-          </p:spPr>
-          <p:style>
-            <a:lnRef idx="2">
-              <a:schemeClr val="accent1">
-                <a:shade val="50000"/>
-              </a:schemeClr>
-            </a:lnRef>
-            <a:fillRef idx="1">
-              <a:schemeClr val="accent1"/>
-            </a:fillRef>
-            <a:effectRef idx="0">
-              <a:schemeClr val="accent1"/>
-            </a:effectRef>
-            <a:fontRef idx="minor">
-              <a:schemeClr val="lt1"/>
-            </a:fontRef>
-          </p:style>
-          <p:txBody>
-            <a:bodyPr rtlCol="0" anchor="ctr"/>
-            <a:lstStyle/>
-            <a:p>
-              <a:pPr algn="ctr"/>
-              <a:endParaRPr lang="es-CL" sz="4400" dirty="0">
-                <a:solidFill>
-                  <a:schemeClr val="tx1"/>
-                </a:solidFill>
-              </a:endParaRPr>
-            </a:p>
-          </p:txBody>
-        </p:sp>
-        <p:sp>
-          <p:nvSpPr>
-            <p:cNvPr id="40" name="Rectangle 39"/>
-            <p:cNvSpPr/>
-            <p:nvPr/>
-          </p:nvSpPr>
-          <p:spPr>
-            <a:xfrm>
-              <a:off x="539552" y="692696"/>
-              <a:ext cx="1296144" cy="576064"/>
-            </a:xfrm>
-            <a:prstGeom prst="rect">
-              <a:avLst/>
-            </a:prstGeom>
-            <a:solidFill>
-              <a:schemeClr val="accent2"/>
-            </a:solidFill>
-            <a:ln>
-              <a:solidFill>
-                <a:schemeClr val="accent2">
-                  <a:lumMod val="50000"/>
+                <a:schemeClr val="tx1">
+                  <a:lumMod val="75000"/>
+                  <a:lumOff val="25000"/>
                 </a:schemeClr>
               </a:solidFill>
             </a:ln>
@@ -17291,53 +21152,34 @@
             <a:lstStyle/>
             <a:p>
               <a:pPr algn="ctr"/>
-              <a:r>
-                <a:rPr lang="es-CL" sz="2400" dirty="0" smtClean="0">
-                  <a:solidFill>
-                    <a:schemeClr val="bg1"/>
-                  </a:solidFill>
-                </a:rPr>
-                <a:t>Spot </a:t>
-              </a:r>
-              <a:r>
-                <a:rPr lang="es-CL" sz="2400" dirty="0" err="1" smtClean="0">
-                  <a:solidFill>
-                    <a:schemeClr val="bg1"/>
-                  </a:solidFill>
-                </a:rPr>
-                <a:t>it!</a:t>
-              </a:r>
-              <a:endParaRPr lang="es-CL" sz="2400" dirty="0">
-                <a:solidFill>
-                  <a:schemeClr val="bg1"/>
-                </a:solidFill>
-              </a:endParaRPr>
+              <a:endParaRPr lang="es-CL"/>
             </a:p>
           </p:txBody>
         </p:sp>
         <p:sp>
           <p:nvSpPr>
-            <p:cNvPr id="41" name="Rectangle 40">
-              <a:hlinkClick r:id="rId4" action="ppaction://hlinksldjump"/>
-            </p:cNvPr>
+            <p:cNvPr id="31" name="Isosceles Triangle 30"/>
             <p:cNvSpPr/>
             <p:nvPr/>
           </p:nvSpPr>
           <p:spPr>
-            <a:xfrm>
-              <a:off x="1780313" y="692696"/>
-              <a:ext cx="1279519" cy="576064"/>
+            <a:xfrm rot="5400000">
+              <a:off x="8388424" y="6237312"/>
+              <a:ext cx="216024" cy="216024"/>
             </a:xfrm>
-            <a:prstGeom prst="rect">
+            <a:prstGeom prst="triangle">
               <a:avLst/>
             </a:prstGeom>
             <a:solidFill>
-              <a:schemeClr val="accent2"/>
+              <a:schemeClr val="bg1">
+                <a:lumMod val="75000"/>
+              </a:schemeClr>
             </a:solidFill>
             <a:ln>
               <a:solidFill>
-                <a:schemeClr val="accent2">
-                  <a:lumMod val="50000"/>
+                <a:schemeClr val="tx1">
+                  <a:lumMod val="75000"/>
+                  <a:lumOff val="25000"/>
                 </a:schemeClr>
               </a:solidFill>
             </a:ln>
@@ -17363,39 +21205,644 @@
             <a:lstStyle/>
             <a:p>
               <a:pPr algn="ctr"/>
-              <a:r>
-                <a:rPr lang="es-CL" sz="2400" dirty="0" smtClean="0">
-                  <a:solidFill>
-                    <a:schemeClr val="bg1"/>
-                  </a:solidFill>
-                </a:rPr>
-                <a:t>Lugares</a:t>
-              </a:r>
+              <a:endParaRPr lang="es-CL"/>
             </a:p>
           </p:txBody>
         </p:sp>
+      </p:grpSp>
+      <p:sp>
+        <p:nvSpPr>
+          <p:cNvPr id="32" name="Rectangle 31"/>
+          <p:cNvSpPr/>
+          <p:nvPr/>
+        </p:nvSpPr>
+        <p:spPr>
+          <a:xfrm>
+            <a:off x="2483768" y="6237312"/>
+            <a:ext cx="4464496" cy="216024"/>
+          </a:xfrm>
+          <a:prstGeom prst="rect">
+            <a:avLst/>
+          </a:prstGeom>
+          <a:solidFill>
+            <a:schemeClr val="bg1">
+              <a:lumMod val="75000"/>
+            </a:schemeClr>
+          </a:solidFill>
+          <a:ln>
+            <a:solidFill>
+              <a:schemeClr val="tx1">
+                <a:lumMod val="75000"/>
+                <a:lumOff val="25000"/>
+              </a:schemeClr>
+            </a:solidFill>
+          </a:ln>
+        </p:spPr>
+        <p:style>
+          <a:lnRef idx="2">
+            <a:schemeClr val="accent1">
+              <a:shade val="50000"/>
+            </a:schemeClr>
+          </a:lnRef>
+          <a:fillRef idx="1">
+            <a:schemeClr val="accent1"/>
+          </a:fillRef>
+          <a:effectRef idx="0">
+            <a:schemeClr val="accent1"/>
+          </a:effectRef>
+          <a:fontRef idx="minor">
+            <a:schemeClr val="lt1"/>
+          </a:fontRef>
+        </p:style>
+        <p:txBody>
+          <a:bodyPr rtlCol="0" anchor="ctr"/>
+          <a:lstStyle/>
+          <a:p>
+            <a:pPr algn="ctr"/>
+            <a:endParaRPr lang="es-CL"/>
+          </a:p>
+        </p:txBody>
+      </p:sp>
+      <p:sp>
+        <p:nvSpPr>
+          <p:cNvPr id="39" name="Rectangle 38"/>
+          <p:cNvSpPr/>
+          <p:nvPr/>
+        </p:nvSpPr>
+        <p:spPr>
+          <a:xfrm>
+            <a:off x="611560" y="692696"/>
+            <a:ext cx="7992888" cy="567680"/>
+          </a:xfrm>
+          <a:prstGeom prst="rect">
+            <a:avLst/>
+          </a:prstGeom>
+          <a:solidFill>
+            <a:schemeClr val="bg1"/>
+          </a:solidFill>
+          <a:ln>
+            <a:solidFill>
+              <a:schemeClr val="accent1"/>
+            </a:solidFill>
+          </a:ln>
+        </p:spPr>
+        <p:style>
+          <a:lnRef idx="2">
+            <a:schemeClr val="accent1">
+              <a:shade val="50000"/>
+            </a:schemeClr>
+          </a:lnRef>
+          <a:fillRef idx="1">
+            <a:schemeClr val="accent1"/>
+          </a:fillRef>
+          <a:effectRef idx="0">
+            <a:schemeClr val="accent1"/>
+          </a:effectRef>
+          <a:fontRef idx="minor">
+            <a:schemeClr val="lt1"/>
+          </a:fontRef>
+        </p:style>
+        <p:txBody>
+          <a:bodyPr rtlCol="0" anchor="ctr"/>
+          <a:lstStyle/>
+          <a:p>
+            <a:pPr algn="ctr"/>
+            <a:endParaRPr lang="es-CL" sz="4400" dirty="0">
+              <a:solidFill>
+                <a:schemeClr val="tx1"/>
+              </a:solidFill>
+            </a:endParaRPr>
+          </a:p>
+        </p:txBody>
+      </p:sp>
+      <p:sp>
+        <p:nvSpPr>
+          <p:cNvPr id="40" name="Rectangle 39"/>
+          <p:cNvSpPr/>
+          <p:nvPr/>
+        </p:nvSpPr>
+        <p:spPr>
+          <a:xfrm>
+            <a:off x="539552" y="692696"/>
+            <a:ext cx="1296144" cy="576064"/>
+          </a:xfrm>
+          <a:prstGeom prst="rect">
+            <a:avLst/>
+          </a:prstGeom>
+          <a:solidFill>
+            <a:schemeClr val="accent2"/>
+          </a:solidFill>
+          <a:ln>
+            <a:solidFill>
+              <a:schemeClr val="accent2">
+                <a:lumMod val="50000"/>
+              </a:schemeClr>
+            </a:solidFill>
+          </a:ln>
+        </p:spPr>
+        <p:style>
+          <a:lnRef idx="2">
+            <a:schemeClr val="accent1">
+              <a:shade val="50000"/>
+            </a:schemeClr>
+          </a:lnRef>
+          <a:fillRef idx="1">
+            <a:schemeClr val="accent1"/>
+          </a:fillRef>
+          <a:effectRef idx="0">
+            <a:schemeClr val="accent1"/>
+          </a:effectRef>
+          <a:fontRef idx="minor">
+            <a:schemeClr val="lt1"/>
+          </a:fontRef>
+        </p:style>
+        <p:txBody>
+          <a:bodyPr rtlCol="0" anchor="ctr"/>
+          <a:lstStyle/>
+          <a:p>
+            <a:pPr algn="ctr"/>
+            <a:r>
+              <a:rPr lang="es-CL" sz="2400" dirty="0" smtClean="0">
+                <a:solidFill>
+                  <a:schemeClr val="bg1"/>
+                </a:solidFill>
+              </a:rPr>
+              <a:t>Spot </a:t>
+            </a:r>
+            <a:r>
+              <a:rPr lang="es-CL" sz="2400" dirty="0" err="1" smtClean="0">
+                <a:solidFill>
+                  <a:schemeClr val="bg1"/>
+                </a:solidFill>
+              </a:rPr>
+              <a:t>it!</a:t>
+            </a:r>
+            <a:endParaRPr lang="es-CL" sz="2400" dirty="0">
+              <a:solidFill>
+                <a:schemeClr val="bg1"/>
+              </a:solidFill>
+            </a:endParaRPr>
+          </a:p>
+        </p:txBody>
+      </p:sp>
+      <p:sp>
+        <p:nvSpPr>
+          <p:cNvPr id="41" name="Rectangle 40">
+            <a:hlinkClick r:id="rId4" action="ppaction://hlinksldjump"/>
+          </p:cNvPr>
+          <p:cNvSpPr/>
+          <p:nvPr/>
+        </p:nvSpPr>
+        <p:spPr>
+          <a:xfrm>
+            <a:off x="1780313" y="692696"/>
+            <a:ext cx="1279519" cy="576064"/>
+          </a:xfrm>
+          <a:prstGeom prst="rect">
+            <a:avLst/>
+          </a:prstGeom>
+          <a:solidFill>
+            <a:schemeClr val="accent2"/>
+          </a:solidFill>
+          <a:ln>
+            <a:solidFill>
+              <a:schemeClr val="accent2">
+                <a:lumMod val="50000"/>
+              </a:schemeClr>
+            </a:solidFill>
+          </a:ln>
+        </p:spPr>
+        <p:style>
+          <a:lnRef idx="2">
+            <a:schemeClr val="accent1">
+              <a:shade val="50000"/>
+            </a:schemeClr>
+          </a:lnRef>
+          <a:fillRef idx="1">
+            <a:schemeClr val="accent1"/>
+          </a:fillRef>
+          <a:effectRef idx="0">
+            <a:schemeClr val="accent1"/>
+          </a:effectRef>
+          <a:fontRef idx="minor">
+            <a:schemeClr val="lt1"/>
+          </a:fontRef>
+        </p:style>
+        <p:txBody>
+          <a:bodyPr rtlCol="0" anchor="ctr"/>
+          <a:lstStyle/>
+          <a:p>
+            <a:pPr algn="ctr"/>
+            <a:r>
+              <a:rPr lang="es-CL" sz="2400" dirty="0" smtClean="0">
+                <a:solidFill>
+                  <a:schemeClr val="bg1"/>
+                </a:solidFill>
+              </a:rPr>
+              <a:t>Lugares</a:t>
+            </a:r>
+          </a:p>
+        </p:txBody>
+      </p:sp>
+      <p:sp>
+        <p:nvSpPr>
+          <p:cNvPr id="42" name="Rectangle 41"/>
+          <p:cNvSpPr/>
+          <p:nvPr/>
+        </p:nvSpPr>
+        <p:spPr>
+          <a:xfrm>
+            <a:off x="7308304" y="692696"/>
+            <a:ext cx="1296144" cy="576064"/>
+          </a:xfrm>
+          <a:prstGeom prst="rect">
+            <a:avLst/>
+          </a:prstGeom>
+          <a:solidFill>
+            <a:schemeClr val="accent2"/>
+          </a:solidFill>
+          <a:ln>
+            <a:solidFill>
+              <a:schemeClr val="accent2">
+                <a:lumMod val="50000"/>
+              </a:schemeClr>
+            </a:solidFill>
+          </a:ln>
+        </p:spPr>
+        <p:style>
+          <a:lnRef idx="2">
+            <a:schemeClr val="accent1">
+              <a:shade val="50000"/>
+            </a:schemeClr>
+          </a:lnRef>
+          <a:fillRef idx="1">
+            <a:schemeClr val="accent1"/>
+          </a:fillRef>
+          <a:effectRef idx="0">
+            <a:schemeClr val="accent1"/>
+          </a:effectRef>
+          <a:fontRef idx="minor">
+            <a:schemeClr val="lt1"/>
+          </a:fontRef>
+        </p:style>
+        <p:txBody>
+          <a:bodyPr rtlCol="0" anchor="ctr"/>
+          <a:lstStyle/>
+          <a:p>
+            <a:pPr algn="ctr"/>
+            <a:r>
+              <a:rPr lang="es-CL" sz="2400" dirty="0" smtClean="0">
+                <a:solidFill>
+                  <a:schemeClr val="bg1"/>
+                </a:solidFill>
+              </a:rPr>
+              <a:t>Ariel</a:t>
+            </a:r>
+            <a:endParaRPr lang="es-CL" sz="2400" dirty="0">
+              <a:solidFill>
+                <a:schemeClr val="bg1"/>
+              </a:solidFill>
+            </a:endParaRPr>
+          </a:p>
+        </p:txBody>
+      </p:sp>
+      <p:sp>
+        <p:nvSpPr>
+          <p:cNvPr id="43" name="Rectangle 42">
+            <a:hlinkClick r:id="rId4" action="ppaction://hlinksldjump"/>
+          </p:cNvPr>
+          <p:cNvSpPr/>
+          <p:nvPr/>
+        </p:nvSpPr>
+        <p:spPr>
+          <a:xfrm>
+            <a:off x="5364088" y="692696"/>
+            <a:ext cx="1944216" cy="576064"/>
+          </a:xfrm>
+          <a:prstGeom prst="rect">
+            <a:avLst/>
+          </a:prstGeom>
+          <a:solidFill>
+            <a:schemeClr val="accent2">
+              <a:lumMod val="75000"/>
+            </a:schemeClr>
+          </a:solidFill>
+          <a:ln>
+            <a:solidFill>
+              <a:schemeClr val="accent2">
+                <a:lumMod val="50000"/>
+              </a:schemeClr>
+            </a:solidFill>
+          </a:ln>
+        </p:spPr>
+        <p:style>
+          <a:lnRef idx="2">
+            <a:schemeClr val="accent1">
+              <a:shade val="50000"/>
+            </a:schemeClr>
+          </a:lnRef>
+          <a:fillRef idx="1">
+            <a:schemeClr val="accent1"/>
+          </a:fillRef>
+          <a:effectRef idx="0">
+            <a:schemeClr val="accent1"/>
+          </a:effectRef>
+          <a:fontRef idx="minor">
+            <a:schemeClr val="lt1"/>
+          </a:fontRef>
+        </p:style>
+        <p:txBody>
+          <a:bodyPr rtlCol="0" anchor="ctr"/>
+          <a:lstStyle/>
+          <a:p>
+            <a:pPr algn="ctr"/>
+            <a:r>
+              <a:rPr lang="es-CL" sz="2400" dirty="0" smtClean="0">
+                <a:solidFill>
+                  <a:schemeClr val="bg1"/>
+                </a:solidFill>
+              </a:rPr>
+              <a:t>Eventos</a:t>
+            </a:r>
+            <a:endParaRPr lang="es-CL" sz="2400" dirty="0">
+              <a:solidFill>
+                <a:schemeClr val="bg1"/>
+              </a:solidFill>
+            </a:endParaRPr>
+          </a:p>
+        </p:txBody>
+      </p:sp>
+      <p:sp>
+        <p:nvSpPr>
+          <p:cNvPr id="28" name="Rectangle 27">
+            <a:hlinkClick r:id="rId5" action="ppaction://hlinksldjump"/>
+          </p:cNvPr>
+          <p:cNvSpPr/>
+          <p:nvPr/>
+        </p:nvSpPr>
+        <p:spPr>
+          <a:xfrm>
+            <a:off x="4067944" y="692696"/>
+            <a:ext cx="1296144" cy="576064"/>
+          </a:xfrm>
+          <a:prstGeom prst="rect">
+            <a:avLst/>
+          </a:prstGeom>
+          <a:solidFill>
+            <a:schemeClr val="accent2"/>
+          </a:solidFill>
+          <a:ln>
+            <a:solidFill>
+              <a:schemeClr val="accent2">
+                <a:lumMod val="50000"/>
+              </a:schemeClr>
+            </a:solidFill>
+          </a:ln>
+        </p:spPr>
+        <p:style>
+          <a:lnRef idx="2">
+            <a:schemeClr val="accent1">
+              <a:shade val="50000"/>
+            </a:schemeClr>
+          </a:lnRef>
+          <a:fillRef idx="1">
+            <a:schemeClr val="accent1"/>
+          </a:fillRef>
+          <a:effectRef idx="0">
+            <a:schemeClr val="accent1"/>
+          </a:effectRef>
+          <a:fontRef idx="minor">
+            <a:schemeClr val="lt1"/>
+          </a:fontRef>
+        </p:style>
+        <p:txBody>
+          <a:bodyPr rtlCol="0" anchor="ctr"/>
+          <a:lstStyle/>
+          <a:p>
+            <a:pPr algn="ctr"/>
+            <a:r>
+              <a:rPr lang="es-CL" sz="2400" dirty="0" smtClean="0">
+                <a:solidFill>
+                  <a:schemeClr val="bg1"/>
+                </a:solidFill>
+              </a:rPr>
+              <a:t>Personas</a:t>
+            </a:r>
+            <a:endParaRPr lang="es-CL" sz="2400" dirty="0">
+              <a:solidFill>
+                <a:schemeClr val="bg1"/>
+              </a:solidFill>
+            </a:endParaRPr>
+          </a:p>
+        </p:txBody>
+      </p:sp>
+      <p:sp>
+        <p:nvSpPr>
+          <p:cNvPr id="88" name="Rectangle 87">
+            <a:hlinkClick r:id="rId5" action="ppaction://hlinksldjump"/>
+          </p:cNvPr>
+          <p:cNvSpPr/>
+          <p:nvPr/>
+        </p:nvSpPr>
+        <p:spPr>
+          <a:xfrm>
+            <a:off x="3059832" y="692696"/>
+            <a:ext cx="999728" cy="576064"/>
+          </a:xfrm>
+          <a:prstGeom prst="rect">
+            <a:avLst/>
+          </a:prstGeom>
+          <a:solidFill>
+            <a:schemeClr val="accent2"/>
+          </a:solidFill>
+          <a:ln>
+            <a:solidFill>
+              <a:schemeClr val="accent2">
+                <a:lumMod val="50000"/>
+              </a:schemeClr>
+            </a:solidFill>
+          </a:ln>
+        </p:spPr>
+        <p:style>
+          <a:lnRef idx="2">
+            <a:schemeClr val="accent1">
+              <a:shade val="50000"/>
+            </a:schemeClr>
+          </a:lnRef>
+          <a:fillRef idx="1">
+            <a:schemeClr val="accent1"/>
+          </a:fillRef>
+          <a:effectRef idx="0">
+            <a:schemeClr val="accent1"/>
+          </a:effectRef>
+          <a:fontRef idx="minor">
+            <a:schemeClr val="lt1"/>
+          </a:fontRef>
+        </p:style>
+        <p:txBody>
+          <a:bodyPr rtlCol="0" anchor="ctr"/>
+          <a:lstStyle/>
+          <a:p>
+            <a:pPr algn="ctr"/>
+            <a:r>
+              <a:rPr lang="es-CL" sz="2400" dirty="0" smtClean="0">
+                <a:solidFill>
+                  <a:schemeClr val="bg1"/>
+                </a:solidFill>
+              </a:rPr>
+              <a:t>Salas</a:t>
+            </a:r>
+            <a:endParaRPr lang="es-CL" sz="2400" dirty="0">
+              <a:solidFill>
+                <a:schemeClr val="bg1"/>
+              </a:solidFill>
+            </a:endParaRPr>
+          </a:p>
+        </p:txBody>
+      </p:sp>
+      <p:grpSp>
+        <p:nvGrpSpPr>
+          <p:cNvPr id="199" name="Group 198"/>
+          <p:cNvGrpSpPr/>
+          <p:nvPr/>
+        </p:nvGrpSpPr>
+        <p:grpSpPr>
+          <a:xfrm>
+            <a:off x="2195736" y="2636912"/>
+            <a:ext cx="5328592" cy="2736304"/>
+            <a:chOff x="2771800" y="2780928"/>
+            <a:chExt cx="5328592" cy="2736304"/>
+          </a:xfrm>
+        </p:grpSpPr>
+        <p:grpSp>
+          <p:nvGrpSpPr>
+            <p:cNvPr id="7" name="Group 89"/>
+            <p:cNvGrpSpPr/>
+            <p:nvPr/>
+          </p:nvGrpSpPr>
+          <p:grpSpPr>
+            <a:xfrm>
+              <a:off x="2771800" y="2780928"/>
+              <a:ext cx="5328592" cy="2736304"/>
+              <a:chOff x="2771800" y="2780928"/>
+              <a:chExt cx="3744416" cy="2520280"/>
+            </a:xfrm>
+          </p:grpSpPr>
+          <p:sp>
+            <p:nvSpPr>
+              <p:cNvPr id="33" name="Rectangle 32"/>
+              <p:cNvSpPr/>
+              <p:nvPr/>
+            </p:nvSpPr>
+            <p:spPr>
+              <a:xfrm>
+                <a:off x="2771800" y="2780928"/>
+                <a:ext cx="3744416" cy="2520280"/>
+              </a:xfrm>
+              <a:prstGeom prst="rect">
+                <a:avLst/>
+              </a:prstGeom>
+              <a:solidFill>
+                <a:schemeClr val="bg1">
+                  <a:lumMod val="50000"/>
+                  <a:alpha val="69804"/>
+                </a:schemeClr>
+              </a:solidFill>
+            </p:spPr>
+            <p:style>
+              <a:lnRef idx="2">
+                <a:schemeClr val="accent1">
+                  <a:shade val="50000"/>
+                </a:schemeClr>
+              </a:lnRef>
+              <a:fillRef idx="1">
+                <a:schemeClr val="accent1"/>
+              </a:fillRef>
+              <a:effectRef idx="0">
+                <a:schemeClr val="accent1"/>
+              </a:effectRef>
+              <a:fontRef idx="minor">
+                <a:schemeClr val="lt1"/>
+              </a:fontRef>
+            </p:style>
+            <p:txBody>
+              <a:bodyPr rtlCol="0" anchor="ctr"/>
+              <a:lstStyle/>
+              <a:p>
+                <a:pPr algn="ctr"/>
+                <a:endParaRPr lang="es-CL"/>
+              </a:p>
+            </p:txBody>
+          </p:sp>
+          <p:sp>
+            <p:nvSpPr>
+              <p:cNvPr id="80" name="TextBox 79"/>
+              <p:cNvSpPr txBox="1"/>
+              <p:nvPr/>
+            </p:nvSpPr>
+            <p:spPr>
+              <a:xfrm>
+                <a:off x="2843808" y="2852936"/>
+                <a:ext cx="3672408" cy="830997"/>
+              </a:xfrm>
+              <a:prstGeom prst="rect">
+                <a:avLst/>
+              </a:prstGeom>
+              <a:noFill/>
+            </p:spPr>
+            <p:txBody>
+              <a:bodyPr wrap="square" rtlCol="0">
+                <a:spAutoFit/>
+              </a:bodyPr>
+              <a:lstStyle/>
+              <a:p>
+                <a:r>
+                  <a:rPr lang="es-CL" sz="2400" i="1" dirty="0" smtClean="0"/>
+                  <a:t> </a:t>
+                </a:r>
+                <a:r>
+                  <a:rPr lang="es-CL" sz="2400" i="1" dirty="0" smtClean="0">
+                    <a:solidFill>
+                      <a:schemeClr val="tx1">
+                        <a:lumMod val="75000"/>
+                        <a:lumOff val="25000"/>
+                      </a:schemeClr>
+                    </a:solidFill>
+                  </a:rPr>
+                  <a:t>Seleccionar Eventos que quiere Buscar</a:t>
+                </a:r>
+                <a:endParaRPr lang="es-CL" sz="2400" i="1" dirty="0">
+                  <a:solidFill>
+                    <a:schemeClr val="tx1">
+                      <a:lumMod val="75000"/>
+                      <a:lumOff val="25000"/>
+                    </a:schemeClr>
+                  </a:solidFill>
+                </a:endParaRPr>
+              </a:p>
+            </p:txBody>
+          </p:sp>
+        </p:grpSp>
         <p:sp>
           <p:nvSpPr>
-            <p:cNvPr id="42" name="Rectangle 41"/>
+            <p:cNvPr id="117" name="Rectangle 116"/>
             <p:cNvSpPr/>
             <p:nvPr/>
           </p:nvSpPr>
           <p:spPr>
             <a:xfrm>
-              <a:off x="7308304" y="692696"/>
-              <a:ext cx="1296144" cy="576064"/>
+              <a:off x="4355976" y="4941168"/>
+              <a:ext cx="1944216" cy="360040"/>
             </a:xfrm>
             <a:prstGeom prst="rect">
               <a:avLst/>
             </a:prstGeom>
             <a:solidFill>
-              <a:schemeClr val="accent2"/>
+              <a:schemeClr val="bg1"/>
             </a:solidFill>
             <a:ln>
               <a:solidFill>
-                <a:schemeClr val="accent2">
-                  <a:lumMod val="50000"/>
-                </a:schemeClr>
+                <a:schemeClr val="accent2"/>
               </a:solidFill>
             </a:ln>
           </p:spPr>
@@ -17421,298 +21868,16 @@
             <a:p>
               <a:pPr algn="ctr"/>
               <a:r>
-                <a:rPr lang="es-CL" sz="2400" dirty="0" smtClean="0">
+                <a:rPr lang="es-CL" dirty="0" smtClean="0">
                   <a:solidFill>
-                    <a:schemeClr val="bg1"/>
+                    <a:schemeClr val="tx1"/>
                   </a:solidFill>
                 </a:rPr>
-                <a:t>Ariel</a:t>
-              </a:r>
-              <a:endParaRPr lang="es-CL" sz="2400" dirty="0">
-                <a:solidFill>
-                  <a:schemeClr val="bg1"/>
-                </a:solidFill>
-              </a:endParaRPr>
-            </a:p>
-          </p:txBody>
-        </p:sp>
-        <p:sp>
-          <p:nvSpPr>
-            <p:cNvPr id="43" name="Rectangle 42">
-              <a:hlinkClick r:id="rId4" action="ppaction://hlinksldjump"/>
-            </p:cNvPr>
-            <p:cNvSpPr/>
-            <p:nvPr/>
-          </p:nvSpPr>
-          <p:spPr>
-            <a:xfrm>
-              <a:off x="6084168" y="692696"/>
-              <a:ext cx="1224136" cy="576064"/>
-            </a:xfrm>
-            <a:prstGeom prst="rect">
-              <a:avLst/>
-            </a:prstGeom>
-            <a:solidFill>
-              <a:schemeClr val="accent2"/>
-            </a:solidFill>
-            <a:ln>
-              <a:solidFill>
-                <a:schemeClr val="accent2">
-                  <a:lumMod val="50000"/>
-                </a:schemeClr>
-              </a:solidFill>
-            </a:ln>
-          </p:spPr>
-          <p:style>
-            <a:lnRef idx="2">
-              <a:schemeClr val="accent1">
-                <a:shade val="50000"/>
-              </a:schemeClr>
-            </a:lnRef>
-            <a:fillRef idx="1">
-              <a:schemeClr val="accent1"/>
-            </a:fillRef>
-            <a:effectRef idx="0">
-              <a:schemeClr val="accent1"/>
-            </a:effectRef>
-            <a:fontRef idx="minor">
-              <a:schemeClr val="lt1"/>
-            </a:fontRef>
-          </p:style>
-          <p:txBody>
-            <a:bodyPr rtlCol="0" anchor="ctr"/>
-            <a:lstStyle/>
-            <a:p>
-              <a:pPr algn="ctr"/>
-              <a:r>
-                <a:rPr lang="es-CL" sz="2400" dirty="0" smtClean="0">
-                  <a:solidFill>
-                    <a:schemeClr val="bg1"/>
-                  </a:solidFill>
-                </a:rPr>
-                <a:t>Eventos</a:t>
-              </a:r>
-              <a:endParaRPr lang="es-CL" sz="2400" dirty="0">
-                <a:solidFill>
-                  <a:schemeClr val="bg1"/>
-                </a:solidFill>
-              </a:endParaRPr>
-            </a:p>
-          </p:txBody>
-        </p:sp>
-        <p:sp>
-          <p:nvSpPr>
-            <p:cNvPr id="45" name="Rectangle 44">
-              <a:hlinkClick r:id="rId5" action="ppaction://hlinksldjump"/>
-            </p:cNvPr>
-            <p:cNvSpPr/>
-            <p:nvPr/>
-          </p:nvSpPr>
-          <p:spPr>
-            <a:xfrm>
-              <a:off x="3059832" y="692696"/>
-              <a:ext cx="1728192" cy="576064"/>
-            </a:xfrm>
-            <a:prstGeom prst="rect">
-              <a:avLst/>
-            </a:prstGeom>
-            <a:solidFill>
-              <a:schemeClr val="accent2">
-                <a:lumMod val="75000"/>
-              </a:schemeClr>
-            </a:solidFill>
-            <a:ln>
-              <a:solidFill>
-                <a:schemeClr val="accent2">
-                  <a:lumMod val="50000"/>
-                </a:schemeClr>
-              </a:solidFill>
-            </a:ln>
-          </p:spPr>
-          <p:style>
-            <a:lnRef idx="2">
-              <a:schemeClr val="accent1">
-                <a:shade val="50000"/>
-              </a:schemeClr>
-            </a:lnRef>
-            <a:fillRef idx="1">
-              <a:schemeClr val="accent1"/>
-            </a:fillRef>
-            <a:effectRef idx="0">
-              <a:schemeClr val="accent1"/>
-            </a:effectRef>
-            <a:fontRef idx="minor">
-              <a:schemeClr val="lt1"/>
-            </a:fontRef>
-          </p:style>
-          <p:txBody>
-            <a:bodyPr rtlCol="0" anchor="ctr"/>
-            <a:lstStyle/>
-            <a:p>
-              <a:pPr algn="ctr"/>
-              <a:r>
-                <a:rPr lang="es-CL" sz="2400" dirty="0" smtClean="0">
-                  <a:solidFill>
-                    <a:schemeClr val="bg1"/>
-                  </a:solidFill>
-                </a:rPr>
-                <a:t>Salas</a:t>
-              </a:r>
-              <a:endParaRPr lang="es-CL" sz="2400" dirty="0">
-                <a:solidFill>
-                  <a:schemeClr val="bg1"/>
-                </a:solidFill>
-              </a:endParaRPr>
-            </a:p>
-          </p:txBody>
-        </p:sp>
-        <p:sp>
-          <p:nvSpPr>
-            <p:cNvPr id="28" name="Rectangle 27">
-              <a:hlinkClick r:id="rId5" action="ppaction://hlinksldjump"/>
-            </p:cNvPr>
-            <p:cNvSpPr/>
-            <p:nvPr/>
-          </p:nvSpPr>
-          <p:spPr>
-            <a:xfrm>
-              <a:off x="4788024" y="692696"/>
-              <a:ext cx="1296144" cy="576064"/>
-            </a:xfrm>
-            <a:prstGeom prst="rect">
-              <a:avLst/>
-            </a:prstGeom>
-            <a:solidFill>
-              <a:schemeClr val="accent2"/>
-            </a:solidFill>
-            <a:ln>
-              <a:solidFill>
-                <a:schemeClr val="accent2">
-                  <a:lumMod val="50000"/>
-                </a:schemeClr>
-              </a:solidFill>
-            </a:ln>
-          </p:spPr>
-          <p:style>
-            <a:lnRef idx="2">
-              <a:schemeClr val="accent1">
-                <a:shade val="50000"/>
-              </a:schemeClr>
-            </a:lnRef>
-            <a:fillRef idx="1">
-              <a:schemeClr val="accent1"/>
-            </a:fillRef>
-            <a:effectRef idx="0">
-              <a:schemeClr val="accent1"/>
-            </a:effectRef>
-            <a:fontRef idx="minor">
-              <a:schemeClr val="lt1"/>
-            </a:fontRef>
-          </p:style>
-          <p:txBody>
-            <a:bodyPr rtlCol="0" anchor="ctr"/>
-            <a:lstStyle/>
-            <a:p>
-              <a:pPr algn="ctr"/>
-              <a:r>
-                <a:rPr lang="es-CL" sz="2400" dirty="0" smtClean="0">
-                  <a:solidFill>
-                    <a:schemeClr val="bg1"/>
-                  </a:solidFill>
-                </a:rPr>
-                <a:t>Personas</a:t>
-              </a:r>
-              <a:endParaRPr lang="es-CL" sz="2400" dirty="0">
-                <a:solidFill>
-                  <a:schemeClr val="bg1"/>
-                </a:solidFill>
-              </a:endParaRPr>
-            </a:p>
-          </p:txBody>
-        </p:sp>
-        <p:sp>
-          <p:nvSpPr>
-            <p:cNvPr id="88" name="Rectangle 87"/>
-            <p:cNvSpPr/>
-            <p:nvPr/>
-          </p:nvSpPr>
-          <p:spPr>
-            <a:xfrm>
-              <a:off x="611560" y="1412776"/>
-              <a:ext cx="7992888" cy="432048"/>
-            </a:xfrm>
-            <a:prstGeom prst="rect">
-              <a:avLst/>
-            </a:prstGeom>
-            <a:solidFill>
-              <a:schemeClr val="accent4">
-                <a:lumMod val="40000"/>
-                <a:lumOff val="60000"/>
-              </a:schemeClr>
-            </a:solidFill>
-            <a:ln>
-              <a:solidFill>
-                <a:schemeClr val="accent4">
-                  <a:lumMod val="50000"/>
-                </a:schemeClr>
-              </a:solidFill>
-            </a:ln>
-          </p:spPr>
-          <p:style>
-            <a:lnRef idx="2">
-              <a:schemeClr val="accent1">
-                <a:shade val="50000"/>
-              </a:schemeClr>
-            </a:lnRef>
-            <a:fillRef idx="1">
-              <a:schemeClr val="accent1"/>
-            </a:fillRef>
-            <a:effectRef idx="0">
-              <a:schemeClr val="accent1"/>
-            </a:effectRef>
-            <a:fontRef idx="minor">
-              <a:schemeClr val="lt1"/>
-            </a:fontRef>
-          </p:style>
-          <p:txBody>
-            <a:bodyPr rtlCol="0" anchor="ctr"/>
-            <a:lstStyle/>
-            <a:p>
-              <a:r>
-                <a:rPr lang="es-CL" sz="2400" dirty="0" smtClean="0">
-                  <a:solidFill>
-                    <a:schemeClr val="bg1">
-                      <a:lumMod val="50000"/>
-                    </a:schemeClr>
-                  </a:solidFill>
-                </a:rPr>
-                <a:t>Mostrando Resultados para M:4-5		</a:t>
-              </a:r>
-              <a:r>
-                <a:rPr lang="es-CL" sz="2400" i="1" dirty="0" smtClean="0">
-                  <a:solidFill>
-                    <a:schemeClr val="bg1">
-                      <a:lumMod val="50000"/>
-                    </a:schemeClr>
-                  </a:solidFill>
-                </a:rPr>
-                <a:t>Ver Búsqueda</a:t>
-              </a:r>
-              <a:r>
-                <a:rPr lang="es-CL" sz="2400" dirty="0" smtClean="0">
-                  <a:solidFill>
-                    <a:schemeClr val="bg1">
-                      <a:lumMod val="50000"/>
-                    </a:schemeClr>
-                  </a:solidFill>
-                </a:rPr>
-                <a:t>	</a:t>
+                <a:t>Buscar</a:t>
               </a:r>
               <a:endParaRPr lang="es-CL" dirty="0">
                 <a:solidFill>
-                  <a:schemeClr val="bg1">
-                    <a:lumMod val="50000"/>
-                  </a:schemeClr>
+                  <a:schemeClr val="tx1"/>
                 </a:solidFill>
               </a:endParaRPr>
             </a:p>
@@ -17720,78 +21885,230 @@
         </p:sp>
         <p:grpSp>
           <p:nvGrpSpPr>
-            <p:cNvPr id="96" name="Group 95"/>
+            <p:cNvPr id="198" name="Group 197"/>
             <p:cNvGrpSpPr/>
             <p:nvPr/>
           </p:nvGrpSpPr>
           <p:grpSpPr>
-            <a:xfrm rot="20666605">
-              <a:off x="3131840" y="4941168"/>
-              <a:ext cx="236539" cy="216024"/>
-              <a:chOff x="179512" y="2348880"/>
-              <a:chExt cx="236539" cy="216024"/>
+            <a:xfrm>
+              <a:off x="2987824" y="3275692"/>
+              <a:ext cx="2448272" cy="1499085"/>
+              <a:chOff x="2987824" y="3275692"/>
+              <a:chExt cx="2448272" cy="1499085"/>
             </a:xfrm>
           </p:grpSpPr>
-          <p:cxnSp>
-            <p:nvCxnSpPr>
-              <p:cNvPr id="93" name="Straight Connector 92"/>
-              <p:cNvCxnSpPr/>
+          <p:sp>
+            <p:nvSpPr>
+              <p:cNvPr id="89" name="TextBox 88"/>
+              <p:cNvSpPr txBox="1"/>
               <p:nvPr/>
-            </p:nvCxnSpPr>
+            </p:nvSpPr>
             <p:spPr>
-              <a:xfrm flipH="1">
-                <a:off x="179512" y="2348880"/>
-                <a:ext cx="72008" cy="216024"/>
+              <a:xfrm>
+                <a:off x="3262409" y="3573016"/>
+                <a:ext cx="1368152" cy="369332"/>
               </a:xfrm>
-              <a:prstGeom prst="line">
+              <a:prstGeom prst="rect">
                 <a:avLst/>
               </a:prstGeom>
-              <a:ln w="38100">
+              <a:noFill/>
+            </p:spPr>
+            <p:txBody>
+              <a:bodyPr wrap="square" rtlCol="0">
+                <a:spAutoFit/>
+              </a:bodyPr>
+              <a:lstStyle/>
+              <a:p>
+                <a:r>
+                  <a:rPr lang="es-CL" i="1" dirty="0" smtClean="0">
+                    <a:solidFill>
+                      <a:schemeClr val="tx1">
+                        <a:lumMod val="75000"/>
+                        <a:lumOff val="25000"/>
+                      </a:schemeClr>
+                    </a:solidFill>
+                  </a:rPr>
+                  <a:t>Ver todos</a:t>
+                </a:r>
+                <a:endParaRPr lang="es-CL" i="1" dirty="0">
+                  <a:solidFill>
+                    <a:schemeClr val="tx1">
+                      <a:lumMod val="75000"/>
+                      <a:lumOff val="25000"/>
+                    </a:schemeClr>
+                  </a:solidFill>
+                </a:endParaRPr>
+              </a:p>
+            </p:txBody>
+          </p:sp>
+          <p:grpSp>
+            <p:nvGrpSpPr>
+              <p:cNvPr id="166" name="Group 165"/>
+              <p:cNvGrpSpPr/>
+              <p:nvPr/>
+            </p:nvGrpSpPr>
+            <p:grpSpPr>
+              <a:xfrm>
+                <a:off x="3131840" y="4261429"/>
+                <a:ext cx="144016" cy="144016"/>
+                <a:chOff x="3131840" y="3501008"/>
+                <a:chExt cx="144016" cy="144016"/>
+              </a:xfrm>
+            </p:grpSpPr>
+            <p:sp>
+              <p:nvSpPr>
+                <p:cNvPr id="165" name="Rectangle 164"/>
+                <p:cNvSpPr/>
+                <p:nvPr/>
+              </p:nvSpPr>
+              <p:spPr>
+                <a:xfrm>
+                  <a:off x="3131840" y="3501008"/>
+                  <a:ext cx="144016" cy="144016"/>
+                </a:xfrm>
+                <a:prstGeom prst="rect">
+                  <a:avLst/>
+                </a:prstGeom>
                 <a:solidFill>
-                  <a:schemeClr val="tx1">
-                    <a:lumMod val="85000"/>
-                    <a:lumOff val="15000"/>
+                  <a:schemeClr val="bg1"/>
+                </a:solidFill>
+                <a:ln>
+                  <a:solidFill>
+                    <a:schemeClr val="accent2"/>
+                  </a:solidFill>
+                </a:ln>
+              </p:spPr>
+              <p:style>
+                <a:lnRef idx="2">
+                  <a:schemeClr val="accent1">
+                    <a:shade val="50000"/>
                   </a:schemeClr>
-                </a:solidFill>
-              </a:ln>
-            </p:spPr>
-            <p:style>
-              <a:lnRef idx="1">
-                <a:schemeClr val="accent1"/>
-              </a:lnRef>
-              <a:fillRef idx="0">
-                <a:schemeClr val="accent1"/>
-              </a:fillRef>
-              <a:effectRef idx="0">
-                <a:schemeClr val="accent1"/>
-              </a:effectRef>
-              <a:fontRef idx="minor">
-                <a:schemeClr val="tx1"/>
-              </a:fontRef>
-            </p:style>
-          </p:cxnSp>
+                </a:lnRef>
+                <a:fillRef idx="1">
+                  <a:schemeClr val="accent1"/>
+                </a:fillRef>
+                <a:effectRef idx="0">
+                  <a:schemeClr val="accent1"/>
+                </a:effectRef>
+                <a:fontRef idx="minor">
+                  <a:schemeClr val="lt1"/>
+                </a:fontRef>
+              </p:style>
+              <p:txBody>
+                <a:bodyPr rtlCol="0" anchor="ctr"/>
+                <a:lstStyle/>
+                <a:p>
+                  <a:pPr algn="ctr"/>
+                  <a:endParaRPr lang="es-CL"/>
+                </a:p>
+              </p:txBody>
+            </p:sp>
+            <p:grpSp>
+              <p:nvGrpSpPr>
+                <p:cNvPr id="159" name="Group 107"/>
+                <p:cNvGrpSpPr/>
+                <p:nvPr/>
+              </p:nvGrpSpPr>
+              <p:grpSpPr>
+                <a:xfrm>
+                  <a:off x="3158734" y="3541349"/>
+                  <a:ext cx="90296" cy="72008"/>
+                  <a:chOff x="9886" y="3645024"/>
+                  <a:chExt cx="97618" cy="144016"/>
+                </a:xfrm>
+              </p:grpSpPr>
+              <p:cxnSp>
+                <p:nvCxnSpPr>
+                  <p:cNvPr id="160" name="Straight Connector 159"/>
+                  <p:cNvCxnSpPr/>
+                  <p:nvPr/>
+                </p:nvCxnSpPr>
+                <p:spPr>
+                  <a:xfrm>
+                    <a:off x="9886" y="3707888"/>
+                    <a:ext cx="35495" cy="72008"/>
+                  </a:xfrm>
+                  <a:prstGeom prst="line">
+                    <a:avLst/>
+                  </a:prstGeom>
+                  <a:ln w="28575">
+                    <a:solidFill>
+                      <a:srgbClr val="00B050"/>
+                    </a:solidFill>
+                  </a:ln>
+                </p:spPr>
+                <p:style>
+                  <a:lnRef idx="1">
+                    <a:schemeClr val="accent1"/>
+                  </a:lnRef>
+                  <a:fillRef idx="0">
+                    <a:schemeClr val="accent1"/>
+                  </a:fillRef>
+                  <a:effectRef idx="0">
+                    <a:schemeClr val="accent1"/>
+                  </a:effectRef>
+                  <a:fontRef idx="minor">
+                    <a:schemeClr val="tx1"/>
+                  </a:fontRef>
+                </p:style>
+              </p:cxnSp>
+              <p:cxnSp>
+                <p:nvCxnSpPr>
+                  <p:cNvPr id="161" name="Straight Connector 160"/>
+                  <p:cNvCxnSpPr/>
+                  <p:nvPr/>
+                </p:nvCxnSpPr>
+                <p:spPr>
+                  <a:xfrm flipV="1">
+                    <a:off x="35496" y="3645024"/>
+                    <a:ext cx="72008" cy="144016"/>
+                  </a:xfrm>
+                  <a:prstGeom prst="line">
+                    <a:avLst/>
+                  </a:prstGeom>
+                  <a:ln w="28575">
+                    <a:solidFill>
+                      <a:srgbClr val="00B050"/>
+                    </a:solidFill>
+                  </a:ln>
+                </p:spPr>
+                <p:style>
+                  <a:lnRef idx="1">
+                    <a:schemeClr val="accent1"/>
+                  </a:lnRef>
+                  <a:fillRef idx="0">
+                    <a:schemeClr val="accent1"/>
+                  </a:fillRef>
+                  <a:effectRef idx="0">
+                    <a:schemeClr val="accent1"/>
+                  </a:effectRef>
+                  <a:fontRef idx="minor">
+                    <a:schemeClr val="tx1"/>
+                  </a:fontRef>
+                </p:style>
+              </p:cxnSp>
+            </p:grpSp>
+          </p:grpSp>
           <p:sp>
             <p:nvSpPr>
-              <p:cNvPr id="95" name="Isosceles Triangle 94"/>
+              <p:cNvPr id="162" name="Rectangle 161"/>
               <p:cNvSpPr/>
               <p:nvPr/>
             </p:nvSpPr>
             <p:spPr>
-              <a:xfrm rot="6580326">
-                <a:off x="285401" y="2336563"/>
-                <a:ext cx="92650" cy="168650"/>
+              <a:xfrm>
+                <a:off x="3131840" y="3685365"/>
+                <a:ext cx="144016" cy="144016"/>
               </a:xfrm>
-              <a:prstGeom prst="triangle">
+              <a:prstGeom prst="rect">
                 <a:avLst/>
               </a:prstGeom>
               <a:solidFill>
-                <a:schemeClr val="accent2"/>
+                <a:schemeClr val="bg1"/>
               </a:solidFill>
               <a:ln>
                 <a:solidFill>
-                  <a:schemeClr val="accent2">
-                    <a:lumMod val="50000"/>
-                  </a:schemeClr>
+                  <a:schemeClr val="accent2"/>
                 </a:solidFill>
               </a:ln>
             </p:spPr>
@@ -17820,81 +22137,262 @@
               </a:p>
             </p:txBody>
           </p:sp>
-        </p:grpSp>
-        <p:grpSp>
-          <p:nvGrpSpPr>
-            <p:cNvPr id="99" name="Group 98"/>
-            <p:cNvGrpSpPr/>
-            <p:nvPr/>
-          </p:nvGrpSpPr>
-          <p:grpSpPr>
-            <a:xfrm rot="20666605">
-              <a:off x="3516515" y="4680898"/>
-              <a:ext cx="236539" cy="216024"/>
-              <a:chOff x="179512" y="2348880"/>
-              <a:chExt cx="236539" cy="216024"/>
-            </a:xfrm>
-          </p:grpSpPr>
-          <p:cxnSp>
-            <p:nvCxnSpPr>
-              <p:cNvPr id="100" name="Straight Connector 99"/>
-              <p:cNvCxnSpPr/>
+          <p:sp>
+            <p:nvSpPr>
+              <p:cNvPr id="163" name="TextBox 162"/>
+              <p:cNvSpPr txBox="1"/>
               <p:nvPr/>
-            </p:nvCxnSpPr>
+            </p:nvSpPr>
             <p:spPr>
-              <a:xfrm flipH="1">
-                <a:off x="179512" y="2348880"/>
-                <a:ext cx="72008" cy="216024"/>
+              <a:xfrm>
+                <a:off x="3275856" y="3829381"/>
+                <a:ext cx="1872208" cy="369332"/>
               </a:xfrm>
-              <a:prstGeom prst="line">
+              <a:prstGeom prst="rect">
                 <a:avLst/>
               </a:prstGeom>
-              <a:ln w="38100">
+              <a:noFill/>
+            </p:spPr>
+            <p:txBody>
+              <a:bodyPr wrap="square" rtlCol="0">
+                <a:spAutoFit/>
+              </a:bodyPr>
+              <a:lstStyle/>
+              <a:p>
+                <a:r>
+                  <a:rPr lang="es-CL" i="1" dirty="0" smtClean="0">
+                    <a:solidFill>
+                      <a:schemeClr val="tx1">
+                        <a:lumMod val="75000"/>
+                        <a:lumOff val="25000"/>
+                      </a:schemeClr>
+                    </a:solidFill>
+                  </a:rPr>
+                  <a:t>Eventos oficiales</a:t>
+                </a:r>
+                <a:endParaRPr lang="es-CL" i="1" dirty="0">
+                  <a:solidFill>
+                    <a:schemeClr val="tx1">
+                      <a:lumMod val="75000"/>
+                      <a:lumOff val="25000"/>
+                    </a:schemeClr>
+                  </a:solidFill>
+                </a:endParaRPr>
+              </a:p>
+            </p:txBody>
+          </p:sp>
+          <p:grpSp>
+            <p:nvGrpSpPr>
+              <p:cNvPr id="167" name="Group 166"/>
+              <p:cNvGrpSpPr/>
+              <p:nvPr/>
+            </p:nvGrpSpPr>
+            <p:grpSpPr>
+              <a:xfrm>
+                <a:off x="3131840" y="3973397"/>
+                <a:ext cx="144016" cy="144016"/>
+                <a:chOff x="3131840" y="3501008"/>
+                <a:chExt cx="144016" cy="144016"/>
+              </a:xfrm>
+            </p:grpSpPr>
+            <p:sp>
+              <p:nvSpPr>
+                <p:cNvPr id="168" name="Rectangle 167"/>
+                <p:cNvSpPr/>
+                <p:nvPr/>
+              </p:nvSpPr>
+              <p:spPr>
+                <a:xfrm>
+                  <a:off x="3131840" y="3501008"/>
+                  <a:ext cx="144016" cy="144016"/>
+                </a:xfrm>
+                <a:prstGeom prst="rect">
+                  <a:avLst/>
+                </a:prstGeom>
                 <a:solidFill>
-                  <a:schemeClr val="tx1">
-                    <a:lumMod val="85000"/>
-                    <a:lumOff val="15000"/>
+                  <a:schemeClr val="bg1"/>
+                </a:solidFill>
+                <a:ln>
+                  <a:solidFill>
+                    <a:schemeClr val="accent2"/>
+                  </a:solidFill>
+                </a:ln>
+              </p:spPr>
+              <p:style>
+                <a:lnRef idx="2">
+                  <a:schemeClr val="accent1">
+                    <a:shade val="50000"/>
                   </a:schemeClr>
-                </a:solidFill>
-              </a:ln>
-            </p:spPr>
-            <p:style>
-              <a:lnRef idx="1">
-                <a:schemeClr val="accent1"/>
-              </a:lnRef>
-              <a:fillRef idx="0">
-                <a:schemeClr val="accent1"/>
-              </a:fillRef>
-              <a:effectRef idx="0">
-                <a:schemeClr val="accent1"/>
-              </a:effectRef>
-              <a:fontRef idx="minor">
-                <a:schemeClr val="tx1"/>
-              </a:fontRef>
-            </p:style>
-          </p:cxnSp>
+                </a:lnRef>
+                <a:fillRef idx="1">
+                  <a:schemeClr val="accent1"/>
+                </a:fillRef>
+                <a:effectRef idx="0">
+                  <a:schemeClr val="accent1"/>
+                </a:effectRef>
+                <a:fontRef idx="minor">
+                  <a:schemeClr val="lt1"/>
+                </a:fontRef>
+              </p:style>
+              <p:txBody>
+                <a:bodyPr rtlCol="0" anchor="ctr"/>
+                <a:lstStyle/>
+                <a:p>
+                  <a:pPr algn="ctr"/>
+                  <a:endParaRPr lang="es-CL"/>
+                </a:p>
+              </p:txBody>
+            </p:sp>
+            <p:grpSp>
+              <p:nvGrpSpPr>
+                <p:cNvPr id="169" name="Group 107"/>
+                <p:cNvGrpSpPr/>
+                <p:nvPr/>
+              </p:nvGrpSpPr>
+              <p:grpSpPr>
+                <a:xfrm>
+                  <a:off x="3158734" y="3541349"/>
+                  <a:ext cx="90296" cy="72008"/>
+                  <a:chOff x="9886" y="3645024"/>
+                  <a:chExt cx="97618" cy="144016"/>
+                </a:xfrm>
+              </p:grpSpPr>
+              <p:cxnSp>
+                <p:nvCxnSpPr>
+                  <p:cNvPr id="170" name="Straight Connector 169"/>
+                  <p:cNvCxnSpPr/>
+                  <p:nvPr/>
+                </p:nvCxnSpPr>
+                <p:spPr>
+                  <a:xfrm>
+                    <a:off x="9886" y="3707888"/>
+                    <a:ext cx="35495" cy="72008"/>
+                  </a:xfrm>
+                  <a:prstGeom prst="line">
+                    <a:avLst/>
+                  </a:prstGeom>
+                  <a:ln w="28575">
+                    <a:solidFill>
+                      <a:srgbClr val="00B050"/>
+                    </a:solidFill>
+                  </a:ln>
+                </p:spPr>
+                <p:style>
+                  <a:lnRef idx="1">
+                    <a:schemeClr val="accent1"/>
+                  </a:lnRef>
+                  <a:fillRef idx="0">
+                    <a:schemeClr val="accent1"/>
+                  </a:fillRef>
+                  <a:effectRef idx="0">
+                    <a:schemeClr val="accent1"/>
+                  </a:effectRef>
+                  <a:fontRef idx="minor">
+                    <a:schemeClr val="tx1"/>
+                  </a:fontRef>
+                </p:style>
+              </p:cxnSp>
+              <p:cxnSp>
+                <p:nvCxnSpPr>
+                  <p:cNvPr id="171" name="Straight Connector 170"/>
+                  <p:cNvCxnSpPr/>
+                  <p:nvPr/>
+                </p:nvCxnSpPr>
+                <p:spPr>
+                  <a:xfrm flipV="1">
+                    <a:off x="35496" y="3645024"/>
+                    <a:ext cx="72008" cy="144016"/>
+                  </a:xfrm>
+                  <a:prstGeom prst="line">
+                    <a:avLst/>
+                  </a:prstGeom>
+                  <a:ln w="28575">
+                    <a:solidFill>
+                      <a:srgbClr val="00B050"/>
+                    </a:solidFill>
+                  </a:ln>
+                </p:spPr>
+                <p:style>
+                  <a:lnRef idx="1">
+                    <a:schemeClr val="accent1"/>
+                  </a:lnRef>
+                  <a:fillRef idx="0">
+                    <a:schemeClr val="accent1"/>
+                  </a:fillRef>
+                  <a:effectRef idx="0">
+                    <a:schemeClr val="accent1"/>
+                  </a:effectRef>
+                  <a:fontRef idx="minor">
+                    <a:schemeClr val="tx1"/>
+                  </a:fontRef>
+                </p:style>
+              </p:cxnSp>
+            </p:grpSp>
+          </p:grpSp>
           <p:sp>
             <p:nvSpPr>
-              <p:cNvPr id="101" name="Isosceles Triangle 100"/>
+              <p:cNvPr id="172" name="TextBox 171"/>
+              <p:cNvSpPr txBox="1"/>
+              <p:nvPr/>
+            </p:nvSpPr>
+            <p:spPr>
+              <a:xfrm>
+                <a:off x="3275856" y="4117413"/>
+                <a:ext cx="1944216" cy="369332"/>
+              </a:xfrm>
+              <a:prstGeom prst="rect">
+                <a:avLst/>
+              </a:prstGeom>
+              <a:noFill/>
+            </p:spPr>
+            <p:txBody>
+              <a:bodyPr wrap="square" rtlCol="0">
+                <a:spAutoFit/>
+              </a:bodyPr>
+              <a:lstStyle/>
+              <a:p>
+                <a:r>
+                  <a:rPr lang="es-CL" i="1" dirty="0" smtClean="0">
+                    <a:solidFill>
+                      <a:schemeClr val="tx1">
+                        <a:lumMod val="75000"/>
+                        <a:lumOff val="25000"/>
+                      </a:schemeClr>
+                    </a:solidFill>
+                  </a:rPr>
+                  <a:t>Eventos confiables</a:t>
+                </a:r>
+                <a:endParaRPr lang="es-CL" i="1" dirty="0">
+                  <a:solidFill>
+                    <a:schemeClr val="tx1">
+                      <a:lumMod val="75000"/>
+                      <a:lumOff val="25000"/>
+                    </a:schemeClr>
+                  </a:solidFill>
+                </a:endParaRPr>
+              </a:p>
+            </p:txBody>
+          </p:sp>
+          <p:sp>
+            <p:nvSpPr>
+              <p:cNvPr id="173" name="Rectangle 172"/>
               <p:cNvSpPr/>
               <p:nvPr/>
             </p:nvSpPr>
             <p:spPr>
-              <a:xfrm rot="6580326">
-                <a:off x="285401" y="2336563"/>
-                <a:ext cx="92650" cy="168650"/>
+              <a:xfrm>
+                <a:off x="3131840" y="4549461"/>
+                <a:ext cx="144016" cy="144016"/>
               </a:xfrm>
-              <a:prstGeom prst="triangle">
+              <a:prstGeom prst="rect">
                 <a:avLst/>
               </a:prstGeom>
               <a:solidFill>
-                <a:schemeClr val="accent2"/>
+                <a:schemeClr val="bg1"/>
               </a:solidFill>
               <a:ln>
                 <a:solidFill>
-                  <a:schemeClr val="accent2">
-                    <a:lumMod val="50000"/>
-                  </a:schemeClr>
+                  <a:schemeClr val="accent2"/>
                 </a:solidFill>
               </a:ln>
             </p:spPr>
@@ -17923,81 +22421,217 @@
               </a:p>
             </p:txBody>
           </p:sp>
+          <p:sp>
+            <p:nvSpPr>
+              <p:cNvPr id="174" name="TextBox 173"/>
+              <p:cNvSpPr txBox="1"/>
+              <p:nvPr/>
+            </p:nvSpPr>
+            <p:spPr>
+              <a:xfrm>
+                <a:off x="3275856" y="4405445"/>
+                <a:ext cx="2160240" cy="369332"/>
+              </a:xfrm>
+              <a:prstGeom prst="rect">
+                <a:avLst/>
+              </a:prstGeom>
+              <a:noFill/>
+            </p:spPr>
+            <p:txBody>
+              <a:bodyPr wrap="square" rtlCol="0">
+                <a:spAutoFit/>
+              </a:bodyPr>
+              <a:lstStyle/>
+              <a:p>
+                <a:r>
+                  <a:rPr lang="es-CL" i="1" dirty="0" smtClean="0">
+                    <a:solidFill>
+                      <a:schemeClr val="tx1">
+                        <a:lumMod val="75000"/>
+                        <a:lumOff val="25000"/>
+                      </a:schemeClr>
+                    </a:solidFill>
+                  </a:rPr>
+                  <a:t>Eventos de usuarios</a:t>
+                </a:r>
+                <a:endParaRPr lang="es-CL" i="1" dirty="0">
+                  <a:solidFill>
+                    <a:schemeClr val="tx1">
+                      <a:lumMod val="75000"/>
+                      <a:lumOff val="25000"/>
+                    </a:schemeClr>
+                  </a:solidFill>
+                </a:endParaRPr>
+              </a:p>
+            </p:txBody>
+          </p:sp>
+          <p:sp>
+            <p:nvSpPr>
+              <p:cNvPr id="175" name="TextBox 174"/>
+              <p:cNvSpPr txBox="1"/>
+              <p:nvPr/>
+            </p:nvSpPr>
+            <p:spPr>
+              <a:xfrm>
+                <a:off x="2987824" y="3275692"/>
+                <a:ext cx="2160240" cy="400110"/>
+              </a:xfrm>
+              <a:prstGeom prst="rect">
+                <a:avLst/>
+              </a:prstGeom>
+              <a:noFill/>
+            </p:spPr>
+            <p:txBody>
+              <a:bodyPr wrap="square" rtlCol="0">
+                <a:spAutoFit/>
+              </a:bodyPr>
+              <a:lstStyle/>
+              <a:p>
+                <a:r>
+                  <a:rPr lang="es-CL" sz="2000" i="1" dirty="0" smtClean="0">
+                    <a:solidFill>
+                      <a:schemeClr val="tx1">
+                        <a:lumMod val="75000"/>
+                        <a:lumOff val="25000"/>
+                      </a:schemeClr>
+                    </a:solidFill>
+                  </a:rPr>
+                  <a:t>Filtrar por Tipo</a:t>
+                </a:r>
+                <a:endParaRPr lang="es-CL" sz="2000" i="1" dirty="0">
+                  <a:solidFill>
+                    <a:schemeClr val="tx1">
+                      <a:lumMod val="75000"/>
+                      <a:lumOff val="25000"/>
+                    </a:schemeClr>
+                  </a:solidFill>
+                </a:endParaRPr>
+              </a:p>
+            </p:txBody>
+          </p:sp>
         </p:grpSp>
         <p:grpSp>
           <p:nvGrpSpPr>
-            <p:cNvPr id="102" name="Group 101"/>
+            <p:cNvPr id="197" name="Group 196"/>
             <p:cNvGrpSpPr/>
             <p:nvPr/>
           </p:nvGrpSpPr>
           <p:grpSpPr>
-            <a:xfrm rot="20666605">
-              <a:off x="3588524" y="4752905"/>
-              <a:ext cx="236539" cy="216024"/>
-              <a:chOff x="179512" y="2348880"/>
-              <a:chExt cx="236539" cy="216024"/>
+            <a:xfrm>
+              <a:off x="5652120" y="3284984"/>
+              <a:ext cx="2232248" cy="1521460"/>
+              <a:chOff x="5508104" y="3284984"/>
+              <a:chExt cx="2232248" cy="1521460"/>
             </a:xfrm>
           </p:grpSpPr>
-          <p:cxnSp>
-            <p:nvCxnSpPr>
-              <p:cNvPr id="103" name="Straight Connector 102"/>
-              <p:cNvCxnSpPr/>
+          <p:sp>
+            <p:nvSpPr>
+              <p:cNvPr id="176" name="TextBox 175"/>
+              <p:cNvSpPr txBox="1"/>
               <p:nvPr/>
-            </p:nvCxnSpPr>
+            </p:nvSpPr>
             <p:spPr>
-              <a:xfrm flipH="1">
-                <a:off x="179512" y="2348880"/>
-                <a:ext cx="72008" cy="216024"/>
+              <a:xfrm>
+                <a:off x="5508104" y="3284984"/>
+                <a:ext cx="2160240" cy="400110"/>
               </a:xfrm>
-              <a:prstGeom prst="line">
+              <a:prstGeom prst="rect">
                 <a:avLst/>
               </a:prstGeom>
-              <a:ln w="38100">
-                <a:solidFill>
-                  <a:schemeClr val="tx1">
-                    <a:lumMod val="85000"/>
-                    <a:lumOff val="15000"/>
-                  </a:schemeClr>
-                </a:solidFill>
-              </a:ln>
+              <a:noFill/>
             </p:spPr>
-            <p:style>
-              <a:lnRef idx="1">
-                <a:schemeClr val="accent1"/>
-              </a:lnRef>
-              <a:fillRef idx="0">
-                <a:schemeClr val="accent1"/>
-              </a:fillRef>
-              <a:effectRef idx="0">
-                <a:schemeClr val="accent1"/>
-              </a:effectRef>
-              <a:fontRef idx="minor">
-                <a:schemeClr val="tx1"/>
-              </a:fontRef>
-            </p:style>
-          </p:cxnSp>
+            <p:txBody>
+              <a:bodyPr wrap="square" rtlCol="0">
+                <a:spAutoFit/>
+              </a:bodyPr>
+              <a:lstStyle/>
+              <a:p>
+                <a:r>
+                  <a:rPr lang="es-CL" sz="2000" i="1" dirty="0" smtClean="0">
+                    <a:solidFill>
+                      <a:schemeClr val="tx1">
+                        <a:lumMod val="75000"/>
+                        <a:lumOff val="25000"/>
+                      </a:schemeClr>
+                    </a:solidFill>
+                  </a:rPr>
+                  <a:t>Filtrar por Fecha</a:t>
+                </a:r>
+                <a:endParaRPr lang="es-CL" sz="2000" i="1" dirty="0">
+                  <a:solidFill>
+                    <a:schemeClr val="tx1">
+                      <a:lumMod val="75000"/>
+                      <a:lumOff val="25000"/>
+                    </a:schemeClr>
+                  </a:solidFill>
+                </a:endParaRPr>
+              </a:p>
+            </p:txBody>
+          </p:sp>
           <p:sp>
             <p:nvSpPr>
-              <p:cNvPr id="104" name="Isosceles Triangle 103"/>
+              <p:cNvPr id="177" name="TextBox 176"/>
+              <p:cNvSpPr txBox="1"/>
+              <p:nvPr/>
+            </p:nvSpPr>
+            <p:spPr>
+              <a:xfrm>
+                <a:off x="5796136" y="3573016"/>
+                <a:ext cx="1368152" cy="369332"/>
+              </a:xfrm>
+              <a:prstGeom prst="rect">
+                <a:avLst/>
+              </a:prstGeom>
+              <a:noFill/>
+            </p:spPr>
+            <p:txBody>
+              <a:bodyPr wrap="square" rtlCol="0">
+                <a:spAutoFit/>
+              </a:bodyPr>
+              <a:lstStyle/>
+              <a:p>
+                <a:r>
+                  <a:rPr lang="es-CL" i="1" dirty="0" smtClean="0">
+                    <a:solidFill>
+                      <a:schemeClr val="tx1">
+                        <a:lumMod val="75000"/>
+                        <a:lumOff val="25000"/>
+                      </a:schemeClr>
+                    </a:solidFill>
+                  </a:rPr>
+                  <a:t>Ver todos</a:t>
+                </a:r>
+                <a:endParaRPr lang="es-CL" i="1" dirty="0">
+                  <a:solidFill>
+                    <a:schemeClr val="tx1">
+                      <a:lumMod val="75000"/>
+                      <a:lumOff val="25000"/>
+                    </a:schemeClr>
+                  </a:solidFill>
+                </a:endParaRPr>
+              </a:p>
+            </p:txBody>
+          </p:sp>
+          <p:sp>
+            <p:nvSpPr>
+              <p:cNvPr id="178" name="Rectangle 177"/>
               <p:cNvSpPr/>
               <p:nvPr/>
             </p:nvSpPr>
             <p:spPr>
-              <a:xfrm rot="6580326">
-                <a:off x="285401" y="2336563"/>
-                <a:ext cx="92650" cy="168650"/>
+              <a:xfrm>
+                <a:off x="5665567" y="3685365"/>
+                <a:ext cx="144016" cy="144016"/>
               </a:xfrm>
-              <a:prstGeom prst="triangle">
+              <a:prstGeom prst="rect">
                 <a:avLst/>
               </a:prstGeom>
               <a:solidFill>
-                <a:schemeClr val="accent2"/>
+                <a:schemeClr val="bg1"/>
               </a:solidFill>
               <a:ln>
                 <a:solidFill>
-                  <a:schemeClr val="accent2">
-                    <a:lumMod val="50000"/>
-                  </a:schemeClr>
+                  <a:schemeClr val="accent2"/>
                 </a:solidFill>
               </a:ln>
             </p:spPr>
@@ -18023,6 +22657,482 @@
               <a:p>
                 <a:pPr algn="ctr"/>
                 <a:endParaRPr lang="es-CL"/>
+              </a:p>
+            </p:txBody>
+          </p:sp>
+          <p:sp>
+            <p:nvSpPr>
+              <p:cNvPr id="179" name="TextBox 178"/>
+              <p:cNvSpPr txBox="1"/>
+              <p:nvPr/>
+            </p:nvSpPr>
+            <p:spPr>
+              <a:xfrm>
+                <a:off x="5796136" y="3861048"/>
+                <a:ext cx="1008112" cy="369332"/>
+              </a:xfrm>
+              <a:prstGeom prst="rect">
+                <a:avLst/>
+              </a:prstGeom>
+              <a:noFill/>
+            </p:spPr>
+            <p:txBody>
+              <a:bodyPr wrap="square" rtlCol="0">
+                <a:spAutoFit/>
+              </a:bodyPr>
+              <a:lstStyle/>
+              <a:p>
+                <a:r>
+                  <a:rPr lang="es-CL" i="1" dirty="0" smtClean="0">
+                    <a:solidFill>
+                      <a:schemeClr val="tx1">
+                        <a:lumMod val="75000"/>
+                        <a:lumOff val="25000"/>
+                      </a:schemeClr>
+                    </a:solidFill>
+                  </a:rPr>
+                  <a:t>Hoy</a:t>
+                </a:r>
+                <a:endParaRPr lang="es-CL" i="1" dirty="0">
+                  <a:solidFill>
+                    <a:schemeClr val="tx1">
+                      <a:lumMod val="75000"/>
+                      <a:lumOff val="25000"/>
+                    </a:schemeClr>
+                  </a:solidFill>
+                </a:endParaRPr>
+              </a:p>
+            </p:txBody>
+          </p:sp>
+          <p:grpSp>
+            <p:nvGrpSpPr>
+              <p:cNvPr id="180" name="Group 179"/>
+              <p:cNvGrpSpPr/>
+              <p:nvPr/>
+            </p:nvGrpSpPr>
+            <p:grpSpPr>
+              <a:xfrm>
+                <a:off x="5652120" y="4005064"/>
+                <a:ext cx="144016" cy="144016"/>
+                <a:chOff x="3131840" y="3501008"/>
+                <a:chExt cx="144016" cy="144016"/>
+              </a:xfrm>
+            </p:grpSpPr>
+            <p:sp>
+              <p:nvSpPr>
+                <p:cNvPr id="181" name="Rectangle 180"/>
+                <p:cNvSpPr/>
+                <p:nvPr/>
+              </p:nvSpPr>
+              <p:spPr>
+                <a:xfrm>
+                  <a:off x="3131840" y="3501008"/>
+                  <a:ext cx="144016" cy="144016"/>
+                </a:xfrm>
+                <a:prstGeom prst="rect">
+                  <a:avLst/>
+                </a:prstGeom>
+                <a:solidFill>
+                  <a:schemeClr val="bg1"/>
+                </a:solidFill>
+                <a:ln>
+                  <a:solidFill>
+                    <a:schemeClr val="accent2"/>
+                  </a:solidFill>
+                </a:ln>
+              </p:spPr>
+              <p:style>
+                <a:lnRef idx="2">
+                  <a:schemeClr val="accent1">
+                    <a:shade val="50000"/>
+                  </a:schemeClr>
+                </a:lnRef>
+                <a:fillRef idx="1">
+                  <a:schemeClr val="accent1"/>
+                </a:fillRef>
+                <a:effectRef idx="0">
+                  <a:schemeClr val="accent1"/>
+                </a:effectRef>
+                <a:fontRef idx="minor">
+                  <a:schemeClr val="lt1"/>
+                </a:fontRef>
+              </p:style>
+              <p:txBody>
+                <a:bodyPr rtlCol="0" anchor="ctr"/>
+                <a:lstStyle/>
+                <a:p>
+                  <a:pPr algn="ctr"/>
+                  <a:endParaRPr lang="es-CL"/>
+                </a:p>
+              </p:txBody>
+            </p:sp>
+            <p:grpSp>
+              <p:nvGrpSpPr>
+                <p:cNvPr id="182" name="Group 107"/>
+                <p:cNvGrpSpPr/>
+                <p:nvPr/>
+              </p:nvGrpSpPr>
+              <p:grpSpPr>
+                <a:xfrm>
+                  <a:off x="3158734" y="3541349"/>
+                  <a:ext cx="90296" cy="72008"/>
+                  <a:chOff x="9886" y="3645024"/>
+                  <a:chExt cx="97618" cy="144016"/>
+                </a:xfrm>
+              </p:grpSpPr>
+              <p:cxnSp>
+                <p:nvCxnSpPr>
+                  <p:cNvPr id="183" name="Straight Connector 182"/>
+                  <p:cNvCxnSpPr/>
+                  <p:nvPr/>
+                </p:nvCxnSpPr>
+                <p:spPr>
+                  <a:xfrm>
+                    <a:off x="9886" y="3707888"/>
+                    <a:ext cx="35495" cy="72008"/>
+                  </a:xfrm>
+                  <a:prstGeom prst="line">
+                    <a:avLst/>
+                  </a:prstGeom>
+                  <a:ln w="28575">
+                    <a:solidFill>
+                      <a:srgbClr val="00B050"/>
+                    </a:solidFill>
+                  </a:ln>
+                </p:spPr>
+                <p:style>
+                  <a:lnRef idx="1">
+                    <a:schemeClr val="accent1"/>
+                  </a:lnRef>
+                  <a:fillRef idx="0">
+                    <a:schemeClr val="accent1"/>
+                  </a:fillRef>
+                  <a:effectRef idx="0">
+                    <a:schemeClr val="accent1"/>
+                  </a:effectRef>
+                  <a:fontRef idx="minor">
+                    <a:schemeClr val="tx1"/>
+                  </a:fontRef>
+                </p:style>
+              </p:cxnSp>
+              <p:cxnSp>
+                <p:nvCxnSpPr>
+                  <p:cNvPr id="184" name="Straight Connector 183"/>
+                  <p:cNvCxnSpPr/>
+                  <p:nvPr/>
+                </p:nvCxnSpPr>
+                <p:spPr>
+                  <a:xfrm flipV="1">
+                    <a:off x="35496" y="3645024"/>
+                    <a:ext cx="72008" cy="144016"/>
+                  </a:xfrm>
+                  <a:prstGeom prst="line">
+                    <a:avLst/>
+                  </a:prstGeom>
+                  <a:ln w="28575">
+                    <a:solidFill>
+                      <a:srgbClr val="00B050"/>
+                    </a:solidFill>
+                  </a:ln>
+                </p:spPr>
+                <p:style>
+                  <a:lnRef idx="1">
+                    <a:schemeClr val="accent1"/>
+                  </a:lnRef>
+                  <a:fillRef idx="0">
+                    <a:schemeClr val="accent1"/>
+                  </a:fillRef>
+                  <a:effectRef idx="0">
+                    <a:schemeClr val="accent1"/>
+                  </a:effectRef>
+                  <a:fontRef idx="minor">
+                    <a:schemeClr val="tx1"/>
+                  </a:fontRef>
+                </p:style>
+              </p:cxnSp>
+            </p:grpSp>
+          </p:grpSp>
+          <p:grpSp>
+            <p:nvGrpSpPr>
+              <p:cNvPr id="185" name="Group 184"/>
+              <p:cNvGrpSpPr/>
+              <p:nvPr/>
+            </p:nvGrpSpPr>
+            <p:grpSpPr>
+              <a:xfrm>
+                <a:off x="5652120" y="4293096"/>
+                <a:ext cx="144016" cy="144016"/>
+                <a:chOff x="3131840" y="3501008"/>
+                <a:chExt cx="144016" cy="144016"/>
+              </a:xfrm>
+            </p:grpSpPr>
+            <p:sp>
+              <p:nvSpPr>
+                <p:cNvPr id="186" name="Rectangle 185"/>
+                <p:cNvSpPr/>
+                <p:nvPr/>
+              </p:nvSpPr>
+              <p:spPr>
+                <a:xfrm>
+                  <a:off x="3131840" y="3501008"/>
+                  <a:ext cx="144016" cy="144016"/>
+                </a:xfrm>
+                <a:prstGeom prst="rect">
+                  <a:avLst/>
+                </a:prstGeom>
+                <a:solidFill>
+                  <a:schemeClr val="bg1"/>
+                </a:solidFill>
+                <a:ln>
+                  <a:solidFill>
+                    <a:schemeClr val="accent2"/>
+                  </a:solidFill>
+                </a:ln>
+              </p:spPr>
+              <p:style>
+                <a:lnRef idx="2">
+                  <a:schemeClr val="accent1">
+                    <a:shade val="50000"/>
+                  </a:schemeClr>
+                </a:lnRef>
+                <a:fillRef idx="1">
+                  <a:schemeClr val="accent1"/>
+                </a:fillRef>
+                <a:effectRef idx="0">
+                  <a:schemeClr val="accent1"/>
+                </a:effectRef>
+                <a:fontRef idx="minor">
+                  <a:schemeClr val="lt1"/>
+                </a:fontRef>
+              </p:style>
+              <p:txBody>
+                <a:bodyPr rtlCol="0" anchor="ctr"/>
+                <a:lstStyle/>
+                <a:p>
+                  <a:pPr algn="ctr"/>
+                  <a:endParaRPr lang="es-CL"/>
+                </a:p>
+              </p:txBody>
+            </p:sp>
+            <p:grpSp>
+              <p:nvGrpSpPr>
+                <p:cNvPr id="187" name="Group 107"/>
+                <p:cNvGrpSpPr/>
+                <p:nvPr/>
+              </p:nvGrpSpPr>
+              <p:grpSpPr>
+                <a:xfrm>
+                  <a:off x="3158734" y="3541349"/>
+                  <a:ext cx="90296" cy="72008"/>
+                  <a:chOff x="9886" y="3645024"/>
+                  <a:chExt cx="97618" cy="144016"/>
+                </a:xfrm>
+              </p:grpSpPr>
+              <p:cxnSp>
+                <p:nvCxnSpPr>
+                  <p:cNvPr id="188" name="Straight Connector 187"/>
+                  <p:cNvCxnSpPr/>
+                  <p:nvPr/>
+                </p:nvCxnSpPr>
+                <p:spPr>
+                  <a:xfrm>
+                    <a:off x="9886" y="3707888"/>
+                    <a:ext cx="35495" cy="72008"/>
+                  </a:xfrm>
+                  <a:prstGeom prst="line">
+                    <a:avLst/>
+                  </a:prstGeom>
+                  <a:ln w="28575">
+                    <a:solidFill>
+                      <a:srgbClr val="00B050"/>
+                    </a:solidFill>
+                  </a:ln>
+                </p:spPr>
+                <p:style>
+                  <a:lnRef idx="1">
+                    <a:schemeClr val="accent1"/>
+                  </a:lnRef>
+                  <a:fillRef idx="0">
+                    <a:schemeClr val="accent1"/>
+                  </a:fillRef>
+                  <a:effectRef idx="0">
+                    <a:schemeClr val="accent1"/>
+                  </a:effectRef>
+                  <a:fontRef idx="minor">
+                    <a:schemeClr val="tx1"/>
+                  </a:fontRef>
+                </p:style>
+              </p:cxnSp>
+              <p:cxnSp>
+                <p:nvCxnSpPr>
+                  <p:cNvPr id="189" name="Straight Connector 188"/>
+                  <p:cNvCxnSpPr/>
+                  <p:nvPr/>
+                </p:nvCxnSpPr>
+                <p:spPr>
+                  <a:xfrm flipV="1">
+                    <a:off x="35496" y="3645024"/>
+                    <a:ext cx="72008" cy="144016"/>
+                  </a:xfrm>
+                  <a:prstGeom prst="line">
+                    <a:avLst/>
+                  </a:prstGeom>
+                  <a:ln w="28575">
+                    <a:solidFill>
+                      <a:srgbClr val="00B050"/>
+                    </a:solidFill>
+                  </a:ln>
+                </p:spPr>
+                <p:style>
+                  <a:lnRef idx="1">
+                    <a:schemeClr val="accent1"/>
+                  </a:lnRef>
+                  <a:fillRef idx="0">
+                    <a:schemeClr val="accent1"/>
+                  </a:fillRef>
+                  <a:effectRef idx="0">
+                    <a:schemeClr val="accent1"/>
+                  </a:effectRef>
+                  <a:fontRef idx="minor">
+                    <a:schemeClr val="tx1"/>
+                  </a:fontRef>
+                </p:style>
+              </p:cxnSp>
+            </p:grpSp>
+          </p:grpSp>
+          <p:sp>
+            <p:nvSpPr>
+              <p:cNvPr id="190" name="TextBox 189"/>
+              <p:cNvSpPr txBox="1"/>
+              <p:nvPr/>
+            </p:nvSpPr>
+            <p:spPr>
+              <a:xfrm>
+                <a:off x="5796136" y="4149080"/>
+                <a:ext cx="1944216" cy="369332"/>
+              </a:xfrm>
+              <a:prstGeom prst="rect">
+                <a:avLst/>
+              </a:prstGeom>
+              <a:noFill/>
+            </p:spPr>
+            <p:txBody>
+              <a:bodyPr wrap="square" rtlCol="0">
+                <a:spAutoFit/>
+              </a:bodyPr>
+              <a:lstStyle/>
+              <a:p>
+                <a:r>
+                  <a:rPr lang="es-CL" i="1" dirty="0" smtClean="0">
+                    <a:solidFill>
+                      <a:schemeClr val="tx1">
+                        <a:lumMod val="75000"/>
+                        <a:lumOff val="25000"/>
+                      </a:schemeClr>
+                    </a:solidFill>
+                  </a:rPr>
+                  <a:t>Esta semana</a:t>
+                </a:r>
+                <a:endParaRPr lang="es-CL" i="1" dirty="0">
+                  <a:solidFill>
+                    <a:schemeClr val="tx1">
+                      <a:lumMod val="75000"/>
+                      <a:lumOff val="25000"/>
+                    </a:schemeClr>
+                  </a:solidFill>
+                </a:endParaRPr>
+              </a:p>
+            </p:txBody>
+          </p:sp>
+          <p:sp>
+            <p:nvSpPr>
+              <p:cNvPr id="192" name="Rectangle 191"/>
+              <p:cNvSpPr/>
+              <p:nvPr/>
+            </p:nvSpPr>
+            <p:spPr>
+              <a:xfrm>
+                <a:off x="5652120" y="4581128"/>
+                <a:ext cx="144016" cy="144016"/>
+              </a:xfrm>
+              <a:prstGeom prst="rect">
+                <a:avLst/>
+              </a:prstGeom>
+              <a:solidFill>
+                <a:schemeClr val="bg1"/>
+              </a:solidFill>
+              <a:ln>
+                <a:solidFill>
+                  <a:schemeClr val="accent2"/>
+                </a:solidFill>
+              </a:ln>
+            </p:spPr>
+            <p:style>
+              <a:lnRef idx="2">
+                <a:schemeClr val="accent1">
+                  <a:shade val="50000"/>
+                </a:schemeClr>
+              </a:lnRef>
+              <a:fillRef idx="1">
+                <a:schemeClr val="accent1"/>
+              </a:fillRef>
+              <a:effectRef idx="0">
+                <a:schemeClr val="accent1"/>
+              </a:effectRef>
+              <a:fontRef idx="minor">
+                <a:schemeClr val="lt1"/>
+              </a:fontRef>
+            </p:style>
+            <p:txBody>
+              <a:bodyPr rtlCol="0" anchor="ctr"/>
+              <a:lstStyle/>
+              <a:p>
+                <a:pPr algn="ctr"/>
+                <a:endParaRPr lang="es-CL"/>
+              </a:p>
+            </p:txBody>
+          </p:sp>
+          <p:sp>
+            <p:nvSpPr>
+              <p:cNvPr id="196" name="TextBox 195"/>
+              <p:cNvSpPr txBox="1"/>
+              <p:nvPr/>
+            </p:nvSpPr>
+            <p:spPr>
+              <a:xfrm>
+                <a:off x="5796136" y="4437112"/>
+                <a:ext cx="1944216" cy="369332"/>
+              </a:xfrm>
+              <a:prstGeom prst="rect">
+                <a:avLst/>
+              </a:prstGeom>
+              <a:noFill/>
+            </p:spPr>
+            <p:txBody>
+              <a:bodyPr wrap="square" rtlCol="0">
+                <a:spAutoFit/>
+              </a:bodyPr>
+              <a:lstStyle/>
+              <a:p>
+                <a:r>
+                  <a:rPr lang="es-CL" i="1" dirty="0" smtClean="0">
+                    <a:solidFill>
+                      <a:schemeClr val="tx1">
+                        <a:lumMod val="75000"/>
+                        <a:lumOff val="25000"/>
+                      </a:schemeClr>
+                    </a:solidFill>
+                  </a:rPr>
+                  <a:t>Este mes</a:t>
+                </a:r>
+                <a:endParaRPr lang="es-CL" i="1" dirty="0">
+                  <a:solidFill>
+                    <a:schemeClr val="tx1">
+                      <a:lumMod val="75000"/>
+                      <a:lumOff val="25000"/>
+                    </a:schemeClr>
+                  </a:solidFill>
+                </a:endParaRPr>
               </a:p>
             </p:txBody>
           </p:sp>

--- a/Diseño/Spot it - Boceto de Interfaz.pptx
+++ b/Diseño/Spot it - Boceto de Interfaz.pptx
@@ -5,7 +5,7 @@
     <p:sldMasterId id="2147483648" r:id="rId1"/>
   </p:sldMasterIdLst>
   <p:notesMasterIdLst>
-    <p:notesMasterId r:id="rId11"/>
+    <p:notesMasterId r:id="rId12"/>
   </p:notesMasterIdLst>
   <p:sldIdLst>
     <p:sldId id="256" r:id="rId2"/>
@@ -17,6 +17,7 @@
     <p:sldId id="266" r:id="rId8"/>
     <p:sldId id="267" r:id="rId9"/>
     <p:sldId id="268" r:id="rId10"/>
+    <p:sldId id="269" r:id="rId11"/>
   </p:sldIdLst>
   <p:sldSz cx="9144000" cy="6858000" type="screen4x3"/>
   <p:notesSz cx="6858000" cy="9144000"/>
@@ -207,7 +208,7 @@
             <a:fld id="{8BC77FF1-B9E3-4976-878F-8B60164EA573}" type="datetimeFigureOut">
               <a:rPr lang="es-CL" smtClean="0"/>
               <a:pPr/>
-              <a:t>05-10-2012</a:t>
+              <a:t>13-10-2012</a:t>
             </a:fld>
             <a:endParaRPr lang="es-CL"/>
           </a:p>
@@ -1229,6 +1230,92 @@
 </p:notes>
 </file>
 
+<file path=ppt/notesSlides/notesSlide9.xml><?xml version="1.0" encoding="utf-8"?>
+<p:notes xmlns:a="http://schemas.openxmlformats.org/drawingml/2006/main" xmlns:r="http://schemas.openxmlformats.org/officeDocument/2006/relationships" xmlns:p="http://schemas.openxmlformats.org/presentationml/2006/main">
+  <p:cSld>
+    <p:spTree>
+      <p:nvGrpSpPr>
+        <p:cNvPr id="1" name=""/>
+        <p:cNvGrpSpPr/>
+        <p:nvPr/>
+      </p:nvGrpSpPr>
+      <p:grpSpPr>
+        <a:xfrm>
+          <a:off x="0" y="0"/>
+          <a:ext cx="0" cy="0"/>
+          <a:chOff x="0" y="0"/>
+          <a:chExt cx="0" cy="0"/>
+        </a:xfrm>
+      </p:grpSpPr>
+      <p:sp>
+        <p:nvSpPr>
+          <p:cNvPr id="2" name="Slide Image Placeholder 1"/>
+          <p:cNvSpPr>
+            <a:spLocks noGrp="1" noRot="1" noChangeAspect="1"/>
+          </p:cNvSpPr>
+          <p:nvPr>
+            <p:ph type="sldImg"/>
+          </p:nvPr>
+        </p:nvSpPr>
+        <p:spPr/>
+      </p:sp>
+      <p:sp>
+        <p:nvSpPr>
+          <p:cNvPr id="3" name="Notes Placeholder 2"/>
+          <p:cNvSpPr>
+            <a:spLocks noGrp="1"/>
+          </p:cNvSpPr>
+          <p:nvPr>
+            <p:ph type="body" idx="1"/>
+          </p:nvPr>
+        </p:nvSpPr>
+        <p:spPr/>
+        <p:txBody>
+          <a:bodyPr>
+            <a:normAutofit/>
+          </a:bodyPr>
+          <a:lstStyle/>
+          <a:p>
+            <a:r>
+              <a:rPr lang="es-CL" dirty="0" smtClean="0"/>
+              <a:t>Acá sale el mapa</a:t>
+            </a:r>
+            <a:endParaRPr lang="es-CL" dirty="0"/>
+          </a:p>
+        </p:txBody>
+      </p:sp>
+      <p:sp>
+        <p:nvSpPr>
+          <p:cNvPr id="4" name="Slide Number Placeholder 3"/>
+          <p:cNvSpPr>
+            <a:spLocks noGrp="1"/>
+          </p:cNvSpPr>
+          <p:nvPr>
+            <p:ph type="sldNum" sz="quarter" idx="10"/>
+          </p:nvPr>
+        </p:nvSpPr>
+        <p:spPr/>
+        <p:txBody>
+          <a:bodyPr/>
+          <a:lstStyle/>
+          <a:p>
+            <a:fld id="{D35FE5BB-43CA-4601-BB66-B0438049108F}" type="slidenum">
+              <a:rPr lang="es-CL" smtClean="0"/>
+              <a:pPr/>
+              <a:t>10</a:t>
+            </a:fld>
+            <a:endParaRPr lang="es-CL"/>
+          </a:p>
+        </p:txBody>
+      </p:sp>
+    </p:spTree>
+  </p:cSld>
+  <p:clrMapOvr>
+    <a:masterClrMapping/>
+  </p:clrMapOvr>
+</p:notes>
+</file>
+
 <file path=ppt/slideLayouts/slideLayout1.xml><?xml version="1.0" encoding="utf-8"?>
 <p:sldLayout xmlns:a="http://schemas.openxmlformats.org/drawingml/2006/main" xmlns:r="http://schemas.openxmlformats.org/officeDocument/2006/relationships" xmlns:p="http://schemas.openxmlformats.org/presentationml/2006/main" type="title" preserve="1">
   <p:cSld name="Title Slide">
@@ -1411,7 +1498,7 @@
             <a:fld id="{F43E7CD0-6A35-4941-AE38-9B0AC2DC948D}" type="datetimeFigureOut">
               <a:rPr lang="es-CL" smtClean="0"/>
               <a:pPr/>
-              <a:t>05-10-2012</a:t>
+              <a:t>13-10-2012</a:t>
             </a:fld>
             <a:endParaRPr lang="es-CL"/>
           </a:p>
@@ -1578,7 +1665,7 @@
             <a:fld id="{F43E7CD0-6A35-4941-AE38-9B0AC2DC948D}" type="datetimeFigureOut">
               <a:rPr lang="es-CL" smtClean="0"/>
               <a:pPr/>
-              <a:t>05-10-2012</a:t>
+              <a:t>13-10-2012</a:t>
             </a:fld>
             <a:endParaRPr lang="es-CL"/>
           </a:p>
@@ -1755,7 +1842,7 @@
             <a:fld id="{F43E7CD0-6A35-4941-AE38-9B0AC2DC948D}" type="datetimeFigureOut">
               <a:rPr lang="es-CL" smtClean="0"/>
               <a:pPr/>
-              <a:t>05-10-2012</a:t>
+              <a:t>13-10-2012</a:t>
             </a:fld>
             <a:endParaRPr lang="es-CL"/>
           </a:p>
@@ -1922,7 +2009,7 @@
             <a:fld id="{F43E7CD0-6A35-4941-AE38-9B0AC2DC948D}" type="datetimeFigureOut">
               <a:rPr lang="es-CL" smtClean="0"/>
               <a:pPr/>
-              <a:t>05-10-2012</a:t>
+              <a:t>13-10-2012</a:t>
             </a:fld>
             <a:endParaRPr lang="es-CL"/>
           </a:p>
@@ -2165,7 +2252,7 @@
             <a:fld id="{F43E7CD0-6A35-4941-AE38-9B0AC2DC948D}" type="datetimeFigureOut">
               <a:rPr lang="es-CL" smtClean="0"/>
               <a:pPr/>
-              <a:t>05-10-2012</a:t>
+              <a:t>13-10-2012</a:t>
             </a:fld>
             <a:endParaRPr lang="es-CL"/>
           </a:p>
@@ -2450,7 +2537,7 @@
             <a:fld id="{F43E7CD0-6A35-4941-AE38-9B0AC2DC948D}" type="datetimeFigureOut">
               <a:rPr lang="es-CL" smtClean="0"/>
               <a:pPr/>
-              <a:t>05-10-2012</a:t>
+              <a:t>13-10-2012</a:t>
             </a:fld>
             <a:endParaRPr lang="es-CL"/>
           </a:p>
@@ -2869,7 +2956,7 @@
             <a:fld id="{F43E7CD0-6A35-4941-AE38-9B0AC2DC948D}" type="datetimeFigureOut">
               <a:rPr lang="es-CL" smtClean="0"/>
               <a:pPr/>
-              <a:t>05-10-2012</a:t>
+              <a:t>13-10-2012</a:t>
             </a:fld>
             <a:endParaRPr lang="es-CL"/>
           </a:p>
@@ -2984,7 +3071,7 @@
             <a:fld id="{F43E7CD0-6A35-4941-AE38-9B0AC2DC948D}" type="datetimeFigureOut">
               <a:rPr lang="es-CL" smtClean="0"/>
               <a:pPr/>
-              <a:t>05-10-2012</a:t>
+              <a:t>13-10-2012</a:t>
             </a:fld>
             <a:endParaRPr lang="es-CL"/>
           </a:p>
@@ -3076,7 +3163,7 @@
             <a:fld id="{F43E7CD0-6A35-4941-AE38-9B0AC2DC948D}" type="datetimeFigureOut">
               <a:rPr lang="es-CL" smtClean="0"/>
               <a:pPr/>
-              <a:t>05-10-2012</a:t>
+              <a:t>13-10-2012</a:t>
             </a:fld>
             <a:endParaRPr lang="es-CL"/>
           </a:p>
@@ -3350,7 +3437,7 @@
             <a:fld id="{F43E7CD0-6A35-4941-AE38-9B0AC2DC948D}" type="datetimeFigureOut">
               <a:rPr lang="es-CL" smtClean="0"/>
               <a:pPr/>
-              <a:t>05-10-2012</a:t>
+              <a:t>13-10-2012</a:t>
             </a:fld>
             <a:endParaRPr lang="es-CL"/>
           </a:p>
@@ -3600,7 +3687,7 @@
             <a:fld id="{F43E7CD0-6A35-4941-AE38-9B0AC2DC948D}" type="datetimeFigureOut">
               <a:rPr lang="es-CL" smtClean="0"/>
               <a:pPr/>
-              <a:t>05-10-2012</a:t>
+              <a:t>13-10-2012</a:t>
             </a:fld>
             <a:endParaRPr lang="es-CL"/>
           </a:p>
@@ -3810,7 +3897,7 @@
             <a:fld id="{F43E7CD0-6A35-4941-AE38-9B0AC2DC948D}" type="datetimeFigureOut">
               <a:rPr lang="es-CL" smtClean="0"/>
               <a:pPr/>
-              <a:t>05-10-2012</a:t>
+              <a:t>13-10-2012</a:t>
             </a:fld>
             <a:endParaRPr lang="es-CL"/>
           </a:p>
@@ -4248,6 +4335,2372 @@
   <p:clrMapOvr>
     <a:masterClrMapping/>
   </p:clrMapOvr>
+  <p:timing>
+    <p:tnLst>
+      <p:par>
+        <p:cTn id="1" dur="indefinite" restart="never" nodeType="tmRoot"/>
+      </p:par>
+    </p:tnLst>
+  </p:timing>
+</p:sld>
+</file>
+
+<file path=ppt/slides/slide10.xml><?xml version="1.0" encoding="utf-8"?>
+<p:sld xmlns:a="http://schemas.openxmlformats.org/drawingml/2006/main" xmlns:r="http://schemas.openxmlformats.org/officeDocument/2006/relationships" xmlns:p="http://schemas.openxmlformats.org/presentationml/2006/main">
+  <p:cSld>
+    <p:spTree>
+      <p:nvGrpSpPr>
+        <p:cNvPr id="1" name=""/>
+        <p:cNvGrpSpPr/>
+        <p:nvPr/>
+      </p:nvGrpSpPr>
+      <p:grpSpPr>
+        <a:xfrm>
+          <a:off x="0" y="0"/>
+          <a:ext cx="0" cy="0"/>
+          <a:chOff x="0" y="0"/>
+          <a:chExt cx="0" cy="0"/>
+        </a:xfrm>
+      </p:grpSpPr>
+      <p:sp>
+        <p:nvSpPr>
+          <p:cNvPr id="5" name="Rectangle 4"/>
+          <p:cNvSpPr/>
+          <p:nvPr/>
+        </p:nvSpPr>
+        <p:spPr>
+          <a:xfrm>
+            <a:off x="611560" y="1412776"/>
+            <a:ext cx="7992888" cy="5040560"/>
+          </a:xfrm>
+          <a:prstGeom prst="rect">
+            <a:avLst/>
+          </a:prstGeom>
+          <a:solidFill>
+            <a:schemeClr val="bg1"/>
+          </a:solidFill>
+          <a:ln>
+            <a:solidFill>
+              <a:schemeClr val="accent4">
+                <a:lumMod val="50000"/>
+              </a:schemeClr>
+            </a:solidFill>
+          </a:ln>
+        </p:spPr>
+        <p:style>
+          <a:lnRef idx="2">
+            <a:schemeClr val="accent1">
+              <a:shade val="50000"/>
+            </a:schemeClr>
+          </a:lnRef>
+          <a:fillRef idx="1">
+            <a:schemeClr val="accent1"/>
+          </a:fillRef>
+          <a:effectRef idx="0">
+            <a:schemeClr val="accent1"/>
+          </a:effectRef>
+          <a:fontRef idx="minor">
+            <a:schemeClr val="lt1"/>
+          </a:fontRef>
+        </p:style>
+        <p:txBody>
+          <a:bodyPr rtlCol="0" anchor="ctr"/>
+          <a:lstStyle/>
+          <a:p>
+            <a:pPr algn="ctr"/>
+            <a:r>
+              <a:rPr lang="es-CL" sz="4400" dirty="0" smtClean="0">
+                <a:solidFill>
+                  <a:schemeClr val="tx1"/>
+                </a:solidFill>
+              </a:rPr>
+              <a:t>MAPA</a:t>
+            </a:r>
+            <a:endParaRPr lang="es-CL" sz="4400" dirty="0">
+              <a:solidFill>
+                <a:schemeClr val="tx1"/>
+              </a:solidFill>
+            </a:endParaRPr>
+          </a:p>
+        </p:txBody>
+      </p:sp>
+      <p:pic>
+        <p:nvPicPr>
+          <p:cNvPr id="20" name="Picture 19" descr="mapa2.jpg"/>
+          <p:cNvPicPr>
+            <a:picLocks noChangeAspect="1"/>
+          </p:cNvPicPr>
+          <p:nvPr/>
+        </p:nvPicPr>
+        <p:blipFill>
+          <a:blip r:embed="rId3" cstate="print"/>
+          <a:stretch>
+            <a:fillRect/>
+          </a:stretch>
+        </p:blipFill>
+        <p:spPr>
+          <a:xfrm>
+            <a:off x="1187624" y="1988840"/>
+            <a:ext cx="6768752" cy="4230312"/>
+          </a:xfrm>
+          <a:prstGeom prst="rect">
+            <a:avLst/>
+          </a:prstGeom>
+        </p:spPr>
+      </p:pic>
+      <p:sp>
+        <p:nvSpPr>
+          <p:cNvPr id="39" name="Rectangle 38"/>
+          <p:cNvSpPr/>
+          <p:nvPr/>
+        </p:nvSpPr>
+        <p:spPr>
+          <a:xfrm>
+            <a:off x="611560" y="692696"/>
+            <a:ext cx="7992888" cy="567680"/>
+          </a:xfrm>
+          <a:prstGeom prst="rect">
+            <a:avLst/>
+          </a:prstGeom>
+          <a:solidFill>
+            <a:schemeClr val="bg1"/>
+          </a:solidFill>
+          <a:ln>
+            <a:solidFill>
+              <a:schemeClr val="accent1"/>
+            </a:solidFill>
+          </a:ln>
+        </p:spPr>
+        <p:style>
+          <a:lnRef idx="2">
+            <a:schemeClr val="accent1">
+              <a:shade val="50000"/>
+            </a:schemeClr>
+          </a:lnRef>
+          <a:fillRef idx="1">
+            <a:schemeClr val="accent1"/>
+          </a:fillRef>
+          <a:effectRef idx="0">
+            <a:schemeClr val="accent1"/>
+          </a:effectRef>
+          <a:fontRef idx="minor">
+            <a:schemeClr val="lt1"/>
+          </a:fontRef>
+        </p:style>
+        <p:txBody>
+          <a:bodyPr rtlCol="0" anchor="ctr"/>
+          <a:lstStyle/>
+          <a:p>
+            <a:pPr algn="ctr"/>
+            <a:endParaRPr lang="es-CL" sz="4400" dirty="0">
+              <a:solidFill>
+                <a:schemeClr val="tx1"/>
+              </a:solidFill>
+            </a:endParaRPr>
+          </a:p>
+        </p:txBody>
+      </p:sp>
+      <p:sp>
+        <p:nvSpPr>
+          <p:cNvPr id="40" name="Rectangle 39"/>
+          <p:cNvSpPr/>
+          <p:nvPr/>
+        </p:nvSpPr>
+        <p:spPr>
+          <a:xfrm>
+            <a:off x="539552" y="692696"/>
+            <a:ext cx="1296144" cy="576064"/>
+          </a:xfrm>
+          <a:prstGeom prst="rect">
+            <a:avLst/>
+          </a:prstGeom>
+          <a:solidFill>
+            <a:schemeClr val="accent1">
+              <a:lumMod val="60000"/>
+              <a:lumOff val="40000"/>
+            </a:schemeClr>
+          </a:solidFill>
+          <a:ln>
+            <a:solidFill>
+              <a:schemeClr val="accent1"/>
+            </a:solidFill>
+          </a:ln>
+        </p:spPr>
+        <p:style>
+          <a:lnRef idx="2">
+            <a:schemeClr val="accent1">
+              <a:shade val="50000"/>
+            </a:schemeClr>
+          </a:lnRef>
+          <a:fillRef idx="1">
+            <a:schemeClr val="accent1"/>
+          </a:fillRef>
+          <a:effectRef idx="0">
+            <a:schemeClr val="accent1"/>
+          </a:effectRef>
+          <a:fontRef idx="minor">
+            <a:schemeClr val="lt1"/>
+          </a:fontRef>
+        </p:style>
+        <p:txBody>
+          <a:bodyPr rtlCol="0" anchor="ctr"/>
+          <a:lstStyle/>
+          <a:p>
+            <a:pPr algn="ctr"/>
+            <a:r>
+              <a:rPr lang="es-CL" sz="2400" dirty="0" smtClean="0">
+                <a:solidFill>
+                  <a:schemeClr val="bg1"/>
+                </a:solidFill>
+              </a:rPr>
+              <a:t>Spot </a:t>
+            </a:r>
+            <a:r>
+              <a:rPr lang="es-CL" sz="2400" dirty="0" err="1" smtClean="0">
+                <a:solidFill>
+                  <a:schemeClr val="bg1"/>
+                </a:solidFill>
+              </a:rPr>
+              <a:t>it!</a:t>
+            </a:r>
+            <a:endParaRPr lang="es-CL" sz="2400" dirty="0">
+              <a:solidFill>
+                <a:schemeClr val="bg1"/>
+              </a:solidFill>
+            </a:endParaRPr>
+          </a:p>
+        </p:txBody>
+      </p:sp>
+      <p:sp>
+        <p:nvSpPr>
+          <p:cNvPr id="41" name="Rectangle 40">
+            <a:hlinkClick r:id="rId4" action="ppaction://hlinksldjump"/>
+          </p:cNvPr>
+          <p:cNvSpPr/>
+          <p:nvPr/>
+        </p:nvSpPr>
+        <p:spPr>
+          <a:xfrm>
+            <a:off x="1780313" y="692696"/>
+            <a:ext cx="1279519" cy="576064"/>
+          </a:xfrm>
+          <a:prstGeom prst="rect">
+            <a:avLst/>
+          </a:prstGeom>
+          <a:solidFill>
+            <a:schemeClr val="accent1">
+              <a:lumMod val="60000"/>
+              <a:lumOff val="40000"/>
+            </a:schemeClr>
+          </a:solidFill>
+          <a:ln>
+            <a:solidFill>
+              <a:schemeClr val="accent1"/>
+            </a:solidFill>
+          </a:ln>
+        </p:spPr>
+        <p:style>
+          <a:lnRef idx="2">
+            <a:schemeClr val="accent1">
+              <a:shade val="50000"/>
+            </a:schemeClr>
+          </a:lnRef>
+          <a:fillRef idx="1">
+            <a:schemeClr val="accent1"/>
+          </a:fillRef>
+          <a:effectRef idx="0">
+            <a:schemeClr val="accent1"/>
+          </a:effectRef>
+          <a:fontRef idx="minor">
+            <a:schemeClr val="lt1"/>
+          </a:fontRef>
+        </p:style>
+        <p:txBody>
+          <a:bodyPr rtlCol="0" anchor="ctr"/>
+          <a:lstStyle/>
+          <a:p>
+            <a:pPr algn="ctr"/>
+            <a:r>
+              <a:rPr lang="es-CL" sz="2400" dirty="0" smtClean="0">
+                <a:solidFill>
+                  <a:schemeClr val="bg1"/>
+                </a:solidFill>
+              </a:rPr>
+              <a:t>Lugares</a:t>
+            </a:r>
+          </a:p>
+        </p:txBody>
+      </p:sp>
+      <p:sp>
+        <p:nvSpPr>
+          <p:cNvPr id="42" name="Rectangle 41"/>
+          <p:cNvSpPr/>
+          <p:nvPr/>
+        </p:nvSpPr>
+        <p:spPr>
+          <a:xfrm>
+            <a:off x="7308304" y="692696"/>
+            <a:ext cx="1296144" cy="576064"/>
+          </a:xfrm>
+          <a:prstGeom prst="rect">
+            <a:avLst/>
+          </a:prstGeom>
+          <a:solidFill>
+            <a:schemeClr val="accent1">
+              <a:lumMod val="60000"/>
+              <a:lumOff val="40000"/>
+            </a:schemeClr>
+          </a:solidFill>
+          <a:ln>
+            <a:solidFill>
+              <a:schemeClr val="accent1"/>
+            </a:solidFill>
+          </a:ln>
+        </p:spPr>
+        <p:style>
+          <a:lnRef idx="2">
+            <a:schemeClr val="accent1">
+              <a:shade val="50000"/>
+            </a:schemeClr>
+          </a:lnRef>
+          <a:fillRef idx="1">
+            <a:schemeClr val="accent1"/>
+          </a:fillRef>
+          <a:effectRef idx="0">
+            <a:schemeClr val="accent1"/>
+          </a:effectRef>
+          <a:fontRef idx="minor">
+            <a:schemeClr val="lt1"/>
+          </a:fontRef>
+        </p:style>
+        <p:txBody>
+          <a:bodyPr rtlCol="0" anchor="ctr"/>
+          <a:lstStyle/>
+          <a:p>
+            <a:pPr algn="ctr"/>
+            <a:r>
+              <a:rPr lang="es-CL" sz="2400" dirty="0" smtClean="0">
+                <a:solidFill>
+                  <a:schemeClr val="bg1"/>
+                </a:solidFill>
+              </a:rPr>
+              <a:t>Ariel</a:t>
+            </a:r>
+            <a:endParaRPr lang="es-CL" sz="2400" dirty="0">
+              <a:solidFill>
+                <a:schemeClr val="bg1"/>
+              </a:solidFill>
+            </a:endParaRPr>
+          </a:p>
+        </p:txBody>
+      </p:sp>
+      <p:sp>
+        <p:nvSpPr>
+          <p:cNvPr id="28" name="Rectangle 27">
+            <a:hlinkClick r:id="rId5" action="ppaction://hlinksldjump"/>
+          </p:cNvPr>
+          <p:cNvSpPr/>
+          <p:nvPr/>
+        </p:nvSpPr>
+        <p:spPr>
+          <a:xfrm>
+            <a:off x="4067944" y="692696"/>
+            <a:ext cx="1296144" cy="576064"/>
+          </a:xfrm>
+          <a:prstGeom prst="rect">
+            <a:avLst/>
+          </a:prstGeom>
+          <a:solidFill>
+            <a:schemeClr val="accent1">
+              <a:lumMod val="60000"/>
+              <a:lumOff val="40000"/>
+            </a:schemeClr>
+          </a:solidFill>
+          <a:ln>
+            <a:solidFill>
+              <a:schemeClr val="accent1"/>
+            </a:solidFill>
+          </a:ln>
+        </p:spPr>
+        <p:style>
+          <a:lnRef idx="2">
+            <a:schemeClr val="accent1">
+              <a:shade val="50000"/>
+            </a:schemeClr>
+          </a:lnRef>
+          <a:fillRef idx="1">
+            <a:schemeClr val="accent1"/>
+          </a:fillRef>
+          <a:effectRef idx="0">
+            <a:schemeClr val="accent1"/>
+          </a:effectRef>
+          <a:fontRef idx="minor">
+            <a:schemeClr val="lt1"/>
+          </a:fontRef>
+        </p:style>
+        <p:txBody>
+          <a:bodyPr rtlCol="0" anchor="ctr"/>
+          <a:lstStyle/>
+          <a:p>
+            <a:pPr algn="ctr"/>
+            <a:r>
+              <a:rPr lang="es-CL" sz="2400" dirty="0" smtClean="0">
+                <a:solidFill>
+                  <a:schemeClr val="bg1"/>
+                </a:solidFill>
+              </a:rPr>
+              <a:t>Personas</a:t>
+            </a:r>
+            <a:endParaRPr lang="es-CL" sz="2400" dirty="0">
+              <a:solidFill>
+                <a:schemeClr val="bg1"/>
+              </a:solidFill>
+            </a:endParaRPr>
+          </a:p>
+        </p:txBody>
+      </p:sp>
+      <p:sp>
+        <p:nvSpPr>
+          <p:cNvPr id="88" name="Rectangle 87">
+            <a:hlinkClick r:id="rId5" action="ppaction://hlinksldjump"/>
+          </p:cNvPr>
+          <p:cNvSpPr/>
+          <p:nvPr/>
+        </p:nvSpPr>
+        <p:spPr>
+          <a:xfrm>
+            <a:off x="3059832" y="692696"/>
+            <a:ext cx="999728" cy="576064"/>
+          </a:xfrm>
+          <a:prstGeom prst="rect">
+            <a:avLst/>
+          </a:prstGeom>
+          <a:solidFill>
+            <a:schemeClr val="accent1">
+              <a:lumMod val="60000"/>
+              <a:lumOff val="40000"/>
+            </a:schemeClr>
+          </a:solidFill>
+          <a:ln>
+            <a:solidFill>
+              <a:schemeClr val="accent1"/>
+            </a:solidFill>
+          </a:ln>
+        </p:spPr>
+        <p:style>
+          <a:lnRef idx="2">
+            <a:schemeClr val="accent1">
+              <a:shade val="50000"/>
+            </a:schemeClr>
+          </a:lnRef>
+          <a:fillRef idx="1">
+            <a:schemeClr val="accent1"/>
+          </a:fillRef>
+          <a:effectRef idx="0">
+            <a:schemeClr val="accent1"/>
+          </a:effectRef>
+          <a:fontRef idx="minor">
+            <a:schemeClr val="lt1"/>
+          </a:fontRef>
+        </p:style>
+        <p:txBody>
+          <a:bodyPr rtlCol="0" anchor="ctr"/>
+          <a:lstStyle/>
+          <a:p>
+            <a:pPr algn="ctr"/>
+            <a:r>
+              <a:rPr lang="es-CL" sz="2400" dirty="0" smtClean="0">
+                <a:solidFill>
+                  <a:schemeClr val="bg1"/>
+                </a:solidFill>
+              </a:rPr>
+              <a:t>Salas</a:t>
+            </a:r>
+            <a:endParaRPr lang="es-CL" sz="2400" dirty="0">
+              <a:solidFill>
+                <a:schemeClr val="bg1"/>
+              </a:solidFill>
+            </a:endParaRPr>
+          </a:p>
+        </p:txBody>
+      </p:sp>
+      <p:sp>
+        <p:nvSpPr>
+          <p:cNvPr id="43" name="Rectangle 42">
+            <a:hlinkClick r:id="rId4" action="ppaction://hlinksldjump"/>
+          </p:cNvPr>
+          <p:cNvSpPr/>
+          <p:nvPr/>
+        </p:nvSpPr>
+        <p:spPr>
+          <a:xfrm>
+            <a:off x="5364088" y="692696"/>
+            <a:ext cx="1944216" cy="576064"/>
+          </a:xfrm>
+          <a:prstGeom prst="rect">
+            <a:avLst/>
+          </a:prstGeom>
+          <a:solidFill>
+            <a:schemeClr val="tx2">
+              <a:lumMod val="60000"/>
+              <a:lumOff val="40000"/>
+            </a:schemeClr>
+          </a:solidFill>
+          <a:ln>
+            <a:solidFill>
+              <a:schemeClr val="tx2"/>
+            </a:solidFill>
+          </a:ln>
+        </p:spPr>
+        <p:style>
+          <a:lnRef idx="2">
+            <a:schemeClr val="accent1">
+              <a:shade val="50000"/>
+            </a:schemeClr>
+          </a:lnRef>
+          <a:fillRef idx="1">
+            <a:schemeClr val="accent1"/>
+          </a:fillRef>
+          <a:effectRef idx="0">
+            <a:schemeClr val="accent1"/>
+          </a:effectRef>
+          <a:fontRef idx="minor">
+            <a:schemeClr val="lt1"/>
+          </a:fontRef>
+        </p:style>
+        <p:txBody>
+          <a:bodyPr rtlCol="0" anchor="ctr"/>
+          <a:lstStyle/>
+          <a:p>
+            <a:pPr algn="ctr"/>
+            <a:r>
+              <a:rPr lang="es-CL" sz="2400" dirty="0" smtClean="0">
+                <a:solidFill>
+                  <a:schemeClr val="bg1"/>
+                </a:solidFill>
+              </a:rPr>
+              <a:t>Eventos</a:t>
+            </a:r>
+            <a:endParaRPr lang="es-CL" sz="2400" dirty="0">
+              <a:solidFill>
+                <a:schemeClr val="bg1"/>
+              </a:solidFill>
+            </a:endParaRPr>
+          </a:p>
+        </p:txBody>
+      </p:sp>
+      <p:grpSp>
+        <p:nvGrpSpPr>
+          <p:cNvPr id="119" name="Group 118"/>
+          <p:cNvGrpSpPr/>
+          <p:nvPr/>
+        </p:nvGrpSpPr>
+        <p:grpSpPr>
+          <a:xfrm>
+            <a:off x="611560" y="6237312"/>
+            <a:ext cx="7992888" cy="216024"/>
+            <a:chOff x="611560" y="6237312"/>
+            <a:chExt cx="7992888" cy="216024"/>
+          </a:xfrm>
+        </p:grpSpPr>
+        <p:sp>
+          <p:nvSpPr>
+            <p:cNvPr id="24" name="Rectangle 23"/>
+            <p:cNvSpPr/>
+            <p:nvPr/>
+          </p:nvSpPr>
+          <p:spPr>
+            <a:xfrm>
+              <a:off x="611560" y="6237312"/>
+              <a:ext cx="7992888" cy="216024"/>
+            </a:xfrm>
+            <a:prstGeom prst="rect">
+              <a:avLst/>
+            </a:prstGeom>
+            <a:solidFill>
+              <a:schemeClr val="bg1">
+                <a:lumMod val="95000"/>
+              </a:schemeClr>
+            </a:solidFill>
+            <a:ln>
+              <a:solidFill>
+                <a:schemeClr val="tx1">
+                  <a:lumMod val="75000"/>
+                  <a:lumOff val="25000"/>
+                </a:schemeClr>
+              </a:solidFill>
+            </a:ln>
+          </p:spPr>
+          <p:style>
+            <a:lnRef idx="2">
+              <a:schemeClr val="accent1">
+                <a:shade val="50000"/>
+              </a:schemeClr>
+            </a:lnRef>
+            <a:fillRef idx="1">
+              <a:schemeClr val="accent1"/>
+            </a:fillRef>
+            <a:effectRef idx="0">
+              <a:schemeClr val="accent1"/>
+            </a:effectRef>
+            <a:fontRef idx="minor">
+              <a:schemeClr val="lt1"/>
+            </a:fontRef>
+          </p:style>
+          <p:txBody>
+            <a:bodyPr rtlCol="0" anchor="ctr"/>
+            <a:lstStyle/>
+            <a:p>
+              <a:pPr algn="ctr"/>
+              <a:endParaRPr lang="es-CL"/>
+            </a:p>
+          </p:txBody>
+        </p:sp>
+        <p:grpSp>
+          <p:nvGrpSpPr>
+            <p:cNvPr id="3" name="Group 27"/>
+            <p:cNvGrpSpPr/>
+            <p:nvPr/>
+          </p:nvGrpSpPr>
+          <p:grpSpPr>
+            <a:xfrm>
+              <a:off x="8388424" y="6237312"/>
+              <a:ext cx="216024" cy="216024"/>
+              <a:chOff x="8388424" y="6237312"/>
+              <a:chExt cx="216024" cy="216024"/>
+            </a:xfrm>
+          </p:grpSpPr>
+          <p:sp>
+            <p:nvSpPr>
+              <p:cNvPr id="25" name="Rectangle 24"/>
+              <p:cNvSpPr/>
+              <p:nvPr/>
+            </p:nvSpPr>
+            <p:spPr>
+              <a:xfrm>
+                <a:off x="8388424" y="6237312"/>
+                <a:ext cx="216024" cy="216024"/>
+              </a:xfrm>
+              <a:prstGeom prst="rect">
+                <a:avLst/>
+              </a:prstGeom>
+              <a:solidFill>
+                <a:schemeClr val="bg1">
+                  <a:lumMod val="95000"/>
+                </a:schemeClr>
+              </a:solidFill>
+              <a:ln>
+                <a:solidFill>
+                  <a:schemeClr val="tx1">
+                    <a:lumMod val="75000"/>
+                    <a:lumOff val="25000"/>
+                  </a:schemeClr>
+                </a:solidFill>
+              </a:ln>
+            </p:spPr>
+            <p:style>
+              <a:lnRef idx="2">
+                <a:schemeClr val="accent1">
+                  <a:shade val="50000"/>
+                </a:schemeClr>
+              </a:lnRef>
+              <a:fillRef idx="1">
+                <a:schemeClr val="accent1"/>
+              </a:fillRef>
+              <a:effectRef idx="0">
+                <a:schemeClr val="accent1"/>
+              </a:effectRef>
+              <a:fontRef idx="minor">
+                <a:schemeClr val="lt1"/>
+              </a:fontRef>
+            </p:style>
+            <p:txBody>
+              <a:bodyPr rtlCol="0" anchor="ctr"/>
+              <a:lstStyle/>
+              <a:p>
+                <a:pPr algn="ctr"/>
+                <a:endParaRPr lang="es-CL"/>
+              </a:p>
+            </p:txBody>
+          </p:sp>
+          <p:sp>
+            <p:nvSpPr>
+              <p:cNvPr id="27" name="Isosceles Triangle 26"/>
+              <p:cNvSpPr/>
+              <p:nvPr/>
+            </p:nvSpPr>
+            <p:spPr>
+              <a:xfrm rot="5400000">
+                <a:off x="8388424" y="6237312"/>
+                <a:ext cx="216024" cy="216024"/>
+              </a:xfrm>
+              <a:prstGeom prst="triangle">
+                <a:avLst/>
+              </a:prstGeom>
+              <a:solidFill>
+                <a:schemeClr val="bg1">
+                  <a:lumMod val="75000"/>
+                </a:schemeClr>
+              </a:solidFill>
+              <a:ln>
+                <a:solidFill>
+                  <a:schemeClr val="tx1">
+                    <a:lumMod val="75000"/>
+                    <a:lumOff val="25000"/>
+                  </a:schemeClr>
+                </a:solidFill>
+              </a:ln>
+            </p:spPr>
+            <p:style>
+              <a:lnRef idx="2">
+                <a:schemeClr val="accent1">
+                  <a:shade val="50000"/>
+                </a:schemeClr>
+              </a:lnRef>
+              <a:fillRef idx="1">
+                <a:schemeClr val="accent1"/>
+              </a:fillRef>
+              <a:effectRef idx="0">
+                <a:schemeClr val="accent1"/>
+              </a:effectRef>
+              <a:fontRef idx="minor">
+                <a:schemeClr val="lt1"/>
+              </a:fontRef>
+            </p:style>
+            <p:txBody>
+              <a:bodyPr rtlCol="0" anchor="ctr"/>
+              <a:lstStyle/>
+              <a:p>
+                <a:pPr algn="ctr"/>
+                <a:endParaRPr lang="es-CL"/>
+              </a:p>
+            </p:txBody>
+          </p:sp>
+        </p:grpSp>
+        <p:sp>
+          <p:nvSpPr>
+            <p:cNvPr id="32" name="Rectangle 31"/>
+            <p:cNvSpPr/>
+            <p:nvPr/>
+          </p:nvSpPr>
+          <p:spPr>
+            <a:xfrm>
+              <a:off x="2483768" y="6237312"/>
+              <a:ext cx="4464496" cy="216024"/>
+            </a:xfrm>
+            <a:prstGeom prst="rect">
+              <a:avLst/>
+            </a:prstGeom>
+            <a:solidFill>
+              <a:schemeClr val="bg1">
+                <a:lumMod val="75000"/>
+              </a:schemeClr>
+            </a:solidFill>
+            <a:ln>
+              <a:solidFill>
+                <a:schemeClr val="tx1">
+                  <a:lumMod val="75000"/>
+                  <a:lumOff val="25000"/>
+                </a:schemeClr>
+              </a:solidFill>
+            </a:ln>
+          </p:spPr>
+          <p:style>
+            <a:lnRef idx="2">
+              <a:schemeClr val="accent1">
+                <a:shade val="50000"/>
+              </a:schemeClr>
+            </a:lnRef>
+            <a:fillRef idx="1">
+              <a:schemeClr val="accent1"/>
+            </a:fillRef>
+            <a:effectRef idx="0">
+              <a:schemeClr val="accent1"/>
+            </a:effectRef>
+            <a:fontRef idx="minor">
+              <a:schemeClr val="lt1"/>
+            </a:fontRef>
+          </p:style>
+          <p:txBody>
+            <a:bodyPr rtlCol="0" anchor="ctr"/>
+            <a:lstStyle/>
+            <a:p>
+              <a:pPr algn="ctr"/>
+              <a:endParaRPr lang="es-CL"/>
+            </a:p>
+          </p:txBody>
+        </p:sp>
+        <p:grpSp>
+          <p:nvGrpSpPr>
+            <p:cNvPr id="4" name="Group 28"/>
+            <p:cNvGrpSpPr/>
+            <p:nvPr/>
+          </p:nvGrpSpPr>
+          <p:grpSpPr>
+            <a:xfrm rot="10800000">
+              <a:off x="611560" y="6237312"/>
+              <a:ext cx="216024" cy="216024"/>
+              <a:chOff x="8388424" y="6237312"/>
+              <a:chExt cx="216024" cy="216024"/>
+            </a:xfrm>
+          </p:grpSpPr>
+          <p:sp>
+            <p:nvSpPr>
+              <p:cNvPr id="30" name="Rectangle 29"/>
+              <p:cNvSpPr/>
+              <p:nvPr/>
+            </p:nvSpPr>
+            <p:spPr>
+              <a:xfrm>
+                <a:off x="8388424" y="6237312"/>
+                <a:ext cx="216024" cy="216024"/>
+              </a:xfrm>
+              <a:prstGeom prst="rect">
+                <a:avLst/>
+              </a:prstGeom>
+              <a:solidFill>
+                <a:schemeClr val="bg1">
+                  <a:lumMod val="95000"/>
+                </a:schemeClr>
+              </a:solidFill>
+              <a:ln>
+                <a:solidFill>
+                  <a:schemeClr val="tx1">
+                    <a:lumMod val="75000"/>
+                    <a:lumOff val="25000"/>
+                  </a:schemeClr>
+                </a:solidFill>
+              </a:ln>
+            </p:spPr>
+            <p:style>
+              <a:lnRef idx="2">
+                <a:schemeClr val="accent1">
+                  <a:shade val="50000"/>
+                </a:schemeClr>
+              </a:lnRef>
+              <a:fillRef idx="1">
+                <a:schemeClr val="accent1"/>
+              </a:fillRef>
+              <a:effectRef idx="0">
+                <a:schemeClr val="accent1"/>
+              </a:effectRef>
+              <a:fontRef idx="minor">
+                <a:schemeClr val="lt1"/>
+              </a:fontRef>
+            </p:style>
+            <p:txBody>
+              <a:bodyPr rtlCol="0" anchor="ctr"/>
+              <a:lstStyle/>
+              <a:p>
+                <a:pPr algn="ctr"/>
+                <a:endParaRPr lang="es-CL"/>
+              </a:p>
+            </p:txBody>
+          </p:sp>
+          <p:sp>
+            <p:nvSpPr>
+              <p:cNvPr id="31" name="Isosceles Triangle 30"/>
+              <p:cNvSpPr/>
+              <p:nvPr/>
+            </p:nvSpPr>
+            <p:spPr>
+              <a:xfrm rot="5400000">
+                <a:off x="8388424" y="6237312"/>
+                <a:ext cx="216024" cy="216024"/>
+              </a:xfrm>
+              <a:prstGeom prst="triangle">
+                <a:avLst/>
+              </a:prstGeom>
+              <a:solidFill>
+                <a:schemeClr val="bg1">
+                  <a:lumMod val="75000"/>
+                </a:schemeClr>
+              </a:solidFill>
+              <a:ln>
+                <a:solidFill>
+                  <a:schemeClr val="tx1">
+                    <a:lumMod val="75000"/>
+                    <a:lumOff val="25000"/>
+                  </a:schemeClr>
+                </a:solidFill>
+              </a:ln>
+            </p:spPr>
+            <p:style>
+              <a:lnRef idx="2">
+                <a:schemeClr val="accent1">
+                  <a:shade val="50000"/>
+                </a:schemeClr>
+              </a:lnRef>
+              <a:fillRef idx="1">
+                <a:schemeClr val="accent1"/>
+              </a:fillRef>
+              <a:effectRef idx="0">
+                <a:schemeClr val="accent1"/>
+              </a:effectRef>
+              <a:fontRef idx="minor">
+                <a:schemeClr val="lt1"/>
+              </a:fontRef>
+            </p:style>
+            <p:txBody>
+              <a:bodyPr rtlCol="0" anchor="ctr"/>
+              <a:lstStyle/>
+              <a:p>
+                <a:pPr algn="ctr"/>
+                <a:endParaRPr lang="es-CL"/>
+              </a:p>
+            </p:txBody>
+          </p:sp>
+        </p:grpSp>
+      </p:grpSp>
+      <p:grpSp>
+        <p:nvGrpSpPr>
+          <p:cNvPr id="121" name="Group 120"/>
+          <p:cNvGrpSpPr/>
+          <p:nvPr/>
+        </p:nvGrpSpPr>
+        <p:grpSpPr>
+          <a:xfrm>
+            <a:off x="2375187" y="2204864"/>
+            <a:ext cx="5797213" cy="3528392"/>
+            <a:chOff x="2015147" y="2636912"/>
+            <a:chExt cx="5797213" cy="3528392"/>
+          </a:xfrm>
+        </p:grpSpPr>
+        <p:grpSp>
+          <p:nvGrpSpPr>
+            <p:cNvPr id="7" name="Group 89"/>
+            <p:cNvGrpSpPr/>
+            <p:nvPr/>
+          </p:nvGrpSpPr>
+          <p:grpSpPr>
+            <a:xfrm>
+              <a:off x="2195736" y="2636912"/>
+              <a:ext cx="5616624" cy="3528392"/>
+              <a:chOff x="2771800" y="2780928"/>
+              <a:chExt cx="3744416" cy="2627526"/>
+            </a:xfrm>
+            <a:noFill/>
+          </p:grpSpPr>
+          <p:sp>
+            <p:nvSpPr>
+              <p:cNvPr id="33" name="Rectangle 32"/>
+              <p:cNvSpPr/>
+              <p:nvPr/>
+            </p:nvSpPr>
+            <p:spPr>
+              <a:xfrm>
+                <a:off x="2771800" y="2780928"/>
+                <a:ext cx="3744416" cy="2627526"/>
+              </a:xfrm>
+              <a:prstGeom prst="rect">
+                <a:avLst/>
+              </a:prstGeom>
+              <a:solidFill>
+                <a:srgbClr val="DCE6F2">
+                  <a:alpha val="80000"/>
+                </a:srgbClr>
+              </a:solidFill>
+              <a:ln>
+                <a:solidFill>
+                  <a:schemeClr val="accent1"/>
+                </a:solidFill>
+              </a:ln>
+            </p:spPr>
+            <p:style>
+              <a:lnRef idx="2">
+                <a:schemeClr val="accent1">
+                  <a:shade val="50000"/>
+                </a:schemeClr>
+              </a:lnRef>
+              <a:fillRef idx="1">
+                <a:schemeClr val="accent1"/>
+              </a:fillRef>
+              <a:effectRef idx="0">
+                <a:schemeClr val="accent1"/>
+              </a:effectRef>
+              <a:fontRef idx="minor">
+                <a:schemeClr val="lt1"/>
+              </a:fontRef>
+            </p:style>
+            <p:txBody>
+              <a:bodyPr rtlCol="0" anchor="ctr"/>
+              <a:lstStyle/>
+              <a:p>
+                <a:pPr algn="ctr"/>
+                <a:endParaRPr lang="es-CL"/>
+              </a:p>
+            </p:txBody>
+          </p:sp>
+          <p:sp>
+            <p:nvSpPr>
+              <p:cNvPr id="80" name="TextBox 79"/>
+              <p:cNvSpPr txBox="1"/>
+              <p:nvPr/>
+            </p:nvSpPr>
+            <p:spPr>
+              <a:xfrm>
+                <a:off x="2843808" y="2852936"/>
+                <a:ext cx="3672408" cy="425218"/>
+              </a:xfrm>
+              <a:prstGeom prst="rect">
+                <a:avLst/>
+              </a:prstGeom>
+              <a:grpFill/>
+            </p:spPr>
+            <p:txBody>
+              <a:bodyPr wrap="square" rtlCol="0">
+                <a:spAutoFit/>
+              </a:bodyPr>
+              <a:lstStyle/>
+              <a:p>
+                <a:r>
+                  <a:rPr lang="es-CL" sz="2400" i="1" dirty="0" smtClean="0"/>
+                  <a:t> </a:t>
+                </a:r>
+                <a:r>
+                  <a:rPr lang="es-CL" sz="2400" i="1" dirty="0" smtClean="0">
+                    <a:solidFill>
+                      <a:schemeClr val="tx1">
+                        <a:lumMod val="75000"/>
+                        <a:lumOff val="25000"/>
+                      </a:schemeClr>
+                    </a:solidFill>
+                  </a:rPr>
+                  <a:t>Edificio San Agustín:</a:t>
+                </a:r>
+                <a:endParaRPr lang="es-CL" sz="2400" i="1" dirty="0">
+                  <a:solidFill>
+                    <a:schemeClr val="tx1">
+                      <a:lumMod val="75000"/>
+                      <a:lumOff val="25000"/>
+                    </a:schemeClr>
+                  </a:solidFill>
+                </a:endParaRPr>
+              </a:p>
+            </p:txBody>
+          </p:sp>
+        </p:grpSp>
+        <p:grpSp>
+          <p:nvGrpSpPr>
+            <p:cNvPr id="120" name="Group 119"/>
+            <p:cNvGrpSpPr/>
+            <p:nvPr/>
+          </p:nvGrpSpPr>
+          <p:grpSpPr>
+            <a:xfrm>
+              <a:off x="2015147" y="3429000"/>
+              <a:ext cx="1354216" cy="2496638"/>
+              <a:chOff x="2015147" y="3429000"/>
+              <a:chExt cx="1354216" cy="2496638"/>
+            </a:xfrm>
+          </p:grpSpPr>
+          <p:sp>
+            <p:nvSpPr>
+              <p:cNvPr id="62" name="Diagonal Stripe 61"/>
+              <p:cNvSpPr/>
+              <p:nvPr/>
+            </p:nvSpPr>
+            <p:spPr>
+              <a:xfrm rot="9045543">
+                <a:off x="2015147" y="3429000"/>
+                <a:ext cx="1354216" cy="2496638"/>
+              </a:xfrm>
+              <a:prstGeom prst="diagStripe">
+                <a:avLst>
+                  <a:gd name="adj" fmla="val 43288"/>
+                </a:avLst>
+              </a:prstGeom>
+              <a:solidFill>
+                <a:schemeClr val="accent1">
+                  <a:alpha val="50000"/>
+                </a:schemeClr>
+              </a:solidFill>
+            </p:spPr>
+            <p:style>
+              <a:lnRef idx="2">
+                <a:schemeClr val="accent1">
+                  <a:shade val="50000"/>
+                </a:schemeClr>
+              </a:lnRef>
+              <a:fillRef idx="1">
+                <a:schemeClr val="accent1"/>
+              </a:fillRef>
+              <a:effectRef idx="0">
+                <a:schemeClr val="accent1"/>
+              </a:effectRef>
+              <a:fontRef idx="minor">
+                <a:schemeClr val="lt1"/>
+              </a:fontRef>
+            </p:style>
+            <p:txBody>
+              <a:bodyPr rtlCol="0" anchor="ctr"/>
+              <a:lstStyle/>
+              <a:p>
+                <a:pPr algn="ctr"/>
+                <a:endParaRPr lang="es-CL">
+                  <a:solidFill>
+                    <a:schemeClr val="tx1"/>
+                  </a:solidFill>
+                </a:endParaRPr>
+              </a:p>
+            </p:txBody>
+          </p:sp>
+          <p:cxnSp>
+            <p:nvCxnSpPr>
+              <p:cNvPr id="66" name="Straight Connector 65"/>
+              <p:cNvCxnSpPr/>
+              <p:nvPr/>
+            </p:nvCxnSpPr>
+            <p:spPr>
+              <a:xfrm>
+                <a:off x="2699792" y="4050134"/>
+                <a:ext cx="432048" cy="0"/>
+              </a:xfrm>
+              <a:prstGeom prst="line">
+                <a:avLst/>
+              </a:prstGeom>
+              <a:ln w="28575">
+                <a:prstDash val="sysDash"/>
+              </a:ln>
+            </p:spPr>
+            <p:style>
+              <a:lnRef idx="1">
+                <a:schemeClr val="accent1"/>
+              </a:lnRef>
+              <a:fillRef idx="0">
+                <a:schemeClr val="accent1"/>
+              </a:fillRef>
+              <a:effectRef idx="0">
+                <a:schemeClr val="accent1"/>
+              </a:effectRef>
+              <a:fontRef idx="minor">
+                <a:schemeClr val="tx1"/>
+              </a:fontRef>
+            </p:style>
+          </p:cxnSp>
+          <p:cxnSp>
+            <p:nvCxnSpPr>
+              <p:cNvPr id="67" name="Straight Connector 66"/>
+              <p:cNvCxnSpPr/>
+              <p:nvPr/>
+            </p:nvCxnSpPr>
+            <p:spPr>
+              <a:xfrm>
+                <a:off x="2699792" y="4482182"/>
+                <a:ext cx="432048" cy="0"/>
+              </a:xfrm>
+              <a:prstGeom prst="line">
+                <a:avLst/>
+              </a:prstGeom>
+              <a:ln w="28575">
+                <a:prstDash val="sysDash"/>
+              </a:ln>
+            </p:spPr>
+            <p:style>
+              <a:lnRef idx="1">
+                <a:schemeClr val="accent1"/>
+              </a:lnRef>
+              <a:fillRef idx="0">
+                <a:schemeClr val="accent1"/>
+              </a:fillRef>
+              <a:effectRef idx="0">
+                <a:schemeClr val="accent1"/>
+              </a:effectRef>
+              <a:fontRef idx="minor">
+                <a:schemeClr val="tx1"/>
+              </a:fontRef>
+            </p:style>
+          </p:cxnSp>
+          <p:cxnSp>
+            <p:nvCxnSpPr>
+              <p:cNvPr id="69" name="Straight Connector 68"/>
+              <p:cNvCxnSpPr/>
+              <p:nvPr/>
+            </p:nvCxnSpPr>
+            <p:spPr>
+              <a:xfrm>
+                <a:off x="2699792" y="4986238"/>
+                <a:ext cx="432048" cy="0"/>
+              </a:xfrm>
+              <a:prstGeom prst="line">
+                <a:avLst/>
+              </a:prstGeom>
+              <a:ln w="28575">
+                <a:prstDash val="sysDash"/>
+              </a:ln>
+            </p:spPr>
+            <p:style>
+              <a:lnRef idx="1">
+                <a:schemeClr val="accent1"/>
+              </a:lnRef>
+              <a:fillRef idx="0">
+                <a:schemeClr val="accent1"/>
+              </a:fillRef>
+              <a:effectRef idx="0">
+                <a:schemeClr val="accent1"/>
+              </a:effectRef>
+              <a:fontRef idx="minor">
+                <a:schemeClr val="tx1"/>
+              </a:fontRef>
+            </p:style>
+          </p:cxnSp>
+          <p:cxnSp>
+            <p:nvCxnSpPr>
+              <p:cNvPr id="70" name="Straight Connector 69"/>
+              <p:cNvCxnSpPr/>
+              <p:nvPr/>
+            </p:nvCxnSpPr>
+            <p:spPr>
+              <a:xfrm>
+                <a:off x="3131840" y="4482182"/>
+                <a:ext cx="0" cy="288032"/>
+              </a:xfrm>
+              <a:prstGeom prst="line">
+                <a:avLst/>
+              </a:prstGeom>
+              <a:ln w="28575">
+                <a:prstDash val="sysDash"/>
+              </a:ln>
+            </p:spPr>
+            <p:style>
+              <a:lnRef idx="1">
+                <a:schemeClr val="accent1"/>
+              </a:lnRef>
+              <a:fillRef idx="0">
+                <a:schemeClr val="accent1"/>
+              </a:fillRef>
+              <a:effectRef idx="0">
+                <a:schemeClr val="accent1"/>
+              </a:effectRef>
+              <a:fontRef idx="minor">
+                <a:schemeClr val="tx1"/>
+              </a:fontRef>
+            </p:style>
+          </p:cxnSp>
+          <p:cxnSp>
+            <p:nvCxnSpPr>
+              <p:cNvPr id="75" name="Straight Connector 74"/>
+              <p:cNvCxnSpPr/>
+              <p:nvPr/>
+            </p:nvCxnSpPr>
+            <p:spPr>
+              <a:xfrm>
+                <a:off x="2699792" y="5490294"/>
+                <a:ext cx="432048" cy="0"/>
+              </a:xfrm>
+              <a:prstGeom prst="line">
+                <a:avLst/>
+              </a:prstGeom>
+              <a:ln w="28575">
+                <a:prstDash val="sysDash"/>
+              </a:ln>
+            </p:spPr>
+            <p:style>
+              <a:lnRef idx="1">
+                <a:schemeClr val="accent1"/>
+              </a:lnRef>
+              <a:fillRef idx="0">
+                <a:schemeClr val="accent1"/>
+              </a:fillRef>
+              <a:effectRef idx="0">
+                <a:schemeClr val="accent1"/>
+              </a:effectRef>
+              <a:fontRef idx="minor">
+                <a:schemeClr val="tx1"/>
+              </a:fontRef>
+            </p:style>
+          </p:cxnSp>
+          <p:cxnSp>
+            <p:nvCxnSpPr>
+              <p:cNvPr id="76" name="Straight Connector 75"/>
+              <p:cNvCxnSpPr/>
+              <p:nvPr/>
+            </p:nvCxnSpPr>
+            <p:spPr>
+              <a:xfrm>
+                <a:off x="3131840" y="4986238"/>
+                <a:ext cx="0" cy="216024"/>
+              </a:xfrm>
+              <a:prstGeom prst="line">
+                <a:avLst/>
+              </a:prstGeom>
+              <a:ln w="28575">
+                <a:prstDash val="sysDash"/>
+              </a:ln>
+            </p:spPr>
+            <p:style>
+              <a:lnRef idx="1">
+                <a:schemeClr val="accent1"/>
+              </a:lnRef>
+              <a:fillRef idx="0">
+                <a:schemeClr val="accent1"/>
+              </a:fillRef>
+              <a:effectRef idx="0">
+                <a:schemeClr val="accent1"/>
+              </a:effectRef>
+              <a:fontRef idx="minor">
+                <a:schemeClr val="tx1"/>
+              </a:fontRef>
+            </p:style>
+          </p:cxnSp>
+          <p:cxnSp>
+            <p:nvCxnSpPr>
+              <p:cNvPr id="79" name="Straight Connector 78"/>
+              <p:cNvCxnSpPr>
+                <a:stCxn id="62" idx="3"/>
+              </p:cNvCxnSpPr>
+              <p:nvPr/>
+            </p:nvCxnSpPr>
+            <p:spPr>
+              <a:xfrm flipH="1">
+                <a:off x="2699792" y="5909746"/>
+                <a:ext cx="346490" cy="12596"/>
+              </a:xfrm>
+              <a:prstGeom prst="line">
+                <a:avLst/>
+              </a:prstGeom>
+              <a:ln w="28575">
+                <a:prstDash val="sysDash"/>
+              </a:ln>
+            </p:spPr>
+            <p:style>
+              <a:lnRef idx="1">
+                <a:schemeClr val="accent1"/>
+              </a:lnRef>
+              <a:fillRef idx="0">
+                <a:schemeClr val="accent1"/>
+              </a:fillRef>
+              <a:effectRef idx="0">
+                <a:schemeClr val="accent1"/>
+              </a:effectRef>
+              <a:fontRef idx="minor">
+                <a:schemeClr val="tx1"/>
+              </a:fontRef>
+            </p:style>
+          </p:cxnSp>
+        </p:grpSp>
+        <p:grpSp>
+          <p:nvGrpSpPr>
+            <p:cNvPr id="105" name="Group 104"/>
+            <p:cNvGrpSpPr/>
+            <p:nvPr/>
+          </p:nvGrpSpPr>
+          <p:grpSpPr>
+            <a:xfrm>
+              <a:off x="3419872" y="3834110"/>
+              <a:ext cx="2016224" cy="1530752"/>
+              <a:chOff x="3707904" y="3635732"/>
+              <a:chExt cx="2016224" cy="1530752"/>
+            </a:xfrm>
+          </p:grpSpPr>
+          <p:grpSp>
+            <p:nvGrpSpPr>
+              <p:cNvPr id="103" name="Group 102"/>
+              <p:cNvGrpSpPr/>
+              <p:nvPr/>
+            </p:nvGrpSpPr>
+            <p:grpSpPr>
+              <a:xfrm>
+                <a:off x="3851920" y="3933056"/>
+                <a:ext cx="1800200" cy="1233428"/>
+                <a:chOff x="3851920" y="3356992"/>
+                <a:chExt cx="1800200" cy="1233428"/>
+              </a:xfrm>
+            </p:grpSpPr>
+            <p:grpSp>
+              <p:nvGrpSpPr>
+                <p:cNvPr id="94" name="Group 93"/>
+                <p:cNvGrpSpPr/>
+                <p:nvPr/>
+              </p:nvGrpSpPr>
+              <p:grpSpPr>
+                <a:xfrm>
+                  <a:off x="3851920" y="3645024"/>
+                  <a:ext cx="1800200" cy="369332"/>
+                  <a:chOff x="3851920" y="3645024"/>
+                  <a:chExt cx="1800200" cy="369332"/>
+                </a:xfrm>
+              </p:grpSpPr>
+              <p:sp>
+                <p:nvSpPr>
+                  <p:cNvPr id="87" name="Oval 86"/>
+                  <p:cNvSpPr/>
+                  <p:nvPr/>
+                </p:nvSpPr>
+                <p:spPr>
+                  <a:xfrm>
+                    <a:off x="3851920" y="3789040"/>
+                    <a:ext cx="144016" cy="144016"/>
+                  </a:xfrm>
+                  <a:prstGeom prst="ellipse">
+                    <a:avLst/>
+                  </a:prstGeom>
+                  <a:noFill/>
+                  <a:ln>
+                    <a:solidFill>
+                      <a:schemeClr val="bg1">
+                        <a:lumMod val="65000"/>
+                      </a:schemeClr>
+                    </a:solidFill>
+                  </a:ln>
+                </p:spPr>
+                <p:style>
+                  <a:lnRef idx="2">
+                    <a:schemeClr val="accent1">
+                      <a:shade val="50000"/>
+                    </a:schemeClr>
+                  </a:lnRef>
+                  <a:fillRef idx="1">
+                    <a:schemeClr val="accent1"/>
+                  </a:fillRef>
+                  <a:effectRef idx="0">
+                    <a:schemeClr val="accent1"/>
+                  </a:effectRef>
+                  <a:fontRef idx="minor">
+                    <a:schemeClr val="lt1"/>
+                  </a:fontRef>
+                </p:style>
+                <p:txBody>
+                  <a:bodyPr rtlCol="0" anchor="ctr"/>
+                  <a:lstStyle/>
+                  <a:p>
+                    <a:pPr algn="ctr"/>
+                    <a:endParaRPr lang="es-CL"/>
+                  </a:p>
+                </p:txBody>
+              </p:sp>
+              <p:sp>
+                <p:nvSpPr>
+                  <p:cNvPr id="90" name="TextBox 89"/>
+                  <p:cNvSpPr txBox="1"/>
+                  <p:nvPr/>
+                </p:nvSpPr>
+                <p:spPr>
+                  <a:xfrm>
+                    <a:off x="3995936" y="3645024"/>
+                    <a:ext cx="1656184" cy="369332"/>
+                  </a:xfrm>
+                  <a:prstGeom prst="rect">
+                    <a:avLst/>
+                  </a:prstGeom>
+                  <a:noFill/>
+                </p:spPr>
+                <p:txBody>
+                  <a:bodyPr wrap="square" rtlCol="0">
+                    <a:spAutoFit/>
+                  </a:bodyPr>
+                  <a:lstStyle/>
+                  <a:p>
+                    <a:r>
+                      <a:rPr lang="es-CL" i="1" dirty="0" smtClean="0">
+                        <a:solidFill>
+                          <a:schemeClr val="bg1">
+                            <a:lumMod val="50000"/>
+                          </a:schemeClr>
+                        </a:solidFill>
+                      </a:rPr>
+                      <a:t>Segundo Piso</a:t>
+                    </a:r>
+                    <a:endParaRPr lang="es-CL" i="1" dirty="0">
+                      <a:solidFill>
+                        <a:schemeClr val="bg1">
+                          <a:lumMod val="50000"/>
+                        </a:schemeClr>
+                      </a:solidFill>
+                    </a:endParaRPr>
+                  </a:p>
+                </p:txBody>
+              </p:sp>
+            </p:grpSp>
+            <p:grpSp>
+              <p:nvGrpSpPr>
+                <p:cNvPr id="93" name="Group 92"/>
+                <p:cNvGrpSpPr/>
+                <p:nvPr/>
+              </p:nvGrpSpPr>
+              <p:grpSpPr>
+                <a:xfrm>
+                  <a:off x="3851920" y="3356992"/>
+                  <a:ext cx="1512168" cy="369332"/>
+                  <a:chOff x="3851920" y="3356992"/>
+                  <a:chExt cx="1512168" cy="369332"/>
+                </a:xfrm>
+              </p:grpSpPr>
+              <p:sp>
+                <p:nvSpPr>
+                  <p:cNvPr id="86" name="TextBox 85"/>
+                  <p:cNvSpPr txBox="1"/>
+                  <p:nvPr/>
+                </p:nvSpPr>
+                <p:spPr>
+                  <a:xfrm>
+                    <a:off x="3995936" y="3356992"/>
+                    <a:ext cx="1368152" cy="369332"/>
+                  </a:xfrm>
+                  <a:prstGeom prst="rect">
+                    <a:avLst/>
+                  </a:prstGeom>
+                  <a:noFill/>
+                </p:spPr>
+                <p:txBody>
+                  <a:bodyPr wrap="square" rtlCol="0">
+                    <a:spAutoFit/>
+                  </a:bodyPr>
+                  <a:lstStyle/>
+                  <a:p>
+                    <a:r>
+                      <a:rPr lang="es-CL" i="1" dirty="0" smtClean="0">
+                        <a:solidFill>
+                          <a:schemeClr val="bg1">
+                            <a:lumMod val="50000"/>
+                          </a:schemeClr>
+                        </a:solidFill>
+                      </a:rPr>
+                      <a:t>Primer Piso</a:t>
+                    </a:r>
+                    <a:endParaRPr lang="es-CL" i="1" dirty="0">
+                      <a:solidFill>
+                        <a:schemeClr val="bg1">
+                          <a:lumMod val="50000"/>
+                        </a:schemeClr>
+                      </a:solidFill>
+                    </a:endParaRPr>
+                  </a:p>
+                </p:txBody>
+              </p:sp>
+              <p:grpSp>
+                <p:nvGrpSpPr>
+                  <p:cNvPr id="92" name="Group 91"/>
+                  <p:cNvGrpSpPr/>
+                  <p:nvPr/>
+                </p:nvGrpSpPr>
+                <p:grpSpPr>
+                  <a:xfrm>
+                    <a:off x="3851920" y="3501008"/>
+                    <a:ext cx="144016" cy="144016"/>
+                    <a:chOff x="3851920" y="3501008"/>
+                    <a:chExt cx="144016" cy="144016"/>
+                  </a:xfrm>
+                </p:grpSpPr>
+                <p:sp>
+                  <p:nvSpPr>
+                    <p:cNvPr id="84" name="Oval 83"/>
+                    <p:cNvSpPr/>
+                    <p:nvPr/>
+                  </p:nvSpPr>
+                  <p:spPr>
+                    <a:xfrm>
+                      <a:off x="3851920" y="3501008"/>
+                      <a:ext cx="144016" cy="144016"/>
+                    </a:xfrm>
+                    <a:prstGeom prst="ellipse">
+                      <a:avLst/>
+                    </a:prstGeom>
+                    <a:noFill/>
+                    <a:ln>
+                      <a:solidFill>
+                        <a:schemeClr val="bg1">
+                          <a:lumMod val="65000"/>
+                        </a:schemeClr>
+                      </a:solidFill>
+                    </a:ln>
+                  </p:spPr>
+                  <p:style>
+                    <a:lnRef idx="2">
+                      <a:schemeClr val="accent1">
+                        <a:shade val="50000"/>
+                      </a:schemeClr>
+                    </a:lnRef>
+                    <a:fillRef idx="1">
+                      <a:schemeClr val="accent1"/>
+                    </a:fillRef>
+                    <a:effectRef idx="0">
+                      <a:schemeClr val="accent1"/>
+                    </a:effectRef>
+                    <a:fontRef idx="minor">
+                      <a:schemeClr val="lt1"/>
+                    </a:fontRef>
+                  </p:style>
+                  <p:txBody>
+                    <a:bodyPr rtlCol="0" anchor="ctr"/>
+                    <a:lstStyle/>
+                    <a:p>
+                      <a:pPr algn="ctr"/>
+                      <a:endParaRPr lang="es-CL"/>
+                    </a:p>
+                  </p:txBody>
+                </p:sp>
+                <p:sp>
+                  <p:nvSpPr>
+                    <p:cNvPr id="91" name="Oval 90"/>
+                    <p:cNvSpPr/>
+                    <p:nvPr/>
+                  </p:nvSpPr>
+                  <p:spPr>
+                    <a:xfrm>
+                      <a:off x="3899470" y="3548456"/>
+                      <a:ext cx="45719" cy="45719"/>
+                    </a:xfrm>
+                    <a:prstGeom prst="ellipse">
+                      <a:avLst/>
+                    </a:prstGeom>
+                    <a:solidFill>
+                      <a:schemeClr val="accent1">
+                        <a:lumMod val="75000"/>
+                      </a:schemeClr>
+                    </a:solidFill>
+                  </p:spPr>
+                  <p:style>
+                    <a:lnRef idx="2">
+                      <a:schemeClr val="accent1">
+                        <a:shade val="50000"/>
+                      </a:schemeClr>
+                    </a:lnRef>
+                    <a:fillRef idx="1">
+                      <a:schemeClr val="accent1"/>
+                    </a:fillRef>
+                    <a:effectRef idx="0">
+                      <a:schemeClr val="accent1"/>
+                    </a:effectRef>
+                    <a:fontRef idx="minor">
+                      <a:schemeClr val="lt1"/>
+                    </a:fontRef>
+                  </p:style>
+                  <p:txBody>
+                    <a:bodyPr rtlCol="0" anchor="ctr"/>
+                    <a:lstStyle/>
+                    <a:p>
+                      <a:pPr algn="ctr"/>
+                      <a:endParaRPr lang="es-CL"/>
+                    </a:p>
+                  </p:txBody>
+                </p:sp>
+              </p:grpSp>
+            </p:grpSp>
+            <p:grpSp>
+              <p:nvGrpSpPr>
+                <p:cNvPr id="95" name="Group 94"/>
+                <p:cNvGrpSpPr/>
+                <p:nvPr/>
+              </p:nvGrpSpPr>
+              <p:grpSpPr>
+                <a:xfrm>
+                  <a:off x="3851920" y="3933056"/>
+                  <a:ext cx="1512168" cy="369332"/>
+                  <a:chOff x="3851920" y="3645024"/>
+                  <a:chExt cx="1512168" cy="369332"/>
+                </a:xfrm>
+              </p:grpSpPr>
+              <p:sp>
+                <p:nvSpPr>
+                  <p:cNvPr id="96" name="Oval 95"/>
+                  <p:cNvSpPr/>
+                  <p:nvPr/>
+                </p:nvSpPr>
+                <p:spPr>
+                  <a:xfrm>
+                    <a:off x="3851920" y="3789040"/>
+                    <a:ext cx="144016" cy="144016"/>
+                  </a:xfrm>
+                  <a:prstGeom prst="ellipse">
+                    <a:avLst/>
+                  </a:prstGeom>
+                  <a:noFill/>
+                  <a:ln>
+                    <a:solidFill>
+                      <a:schemeClr val="bg1">
+                        <a:lumMod val="65000"/>
+                      </a:schemeClr>
+                    </a:solidFill>
+                  </a:ln>
+                </p:spPr>
+                <p:style>
+                  <a:lnRef idx="2">
+                    <a:schemeClr val="accent1">
+                      <a:shade val="50000"/>
+                    </a:schemeClr>
+                  </a:lnRef>
+                  <a:fillRef idx="1">
+                    <a:schemeClr val="accent1"/>
+                  </a:fillRef>
+                  <a:effectRef idx="0">
+                    <a:schemeClr val="accent1"/>
+                  </a:effectRef>
+                  <a:fontRef idx="minor">
+                    <a:schemeClr val="lt1"/>
+                  </a:fontRef>
+                </p:style>
+                <p:txBody>
+                  <a:bodyPr rtlCol="0" anchor="ctr"/>
+                  <a:lstStyle/>
+                  <a:p>
+                    <a:pPr algn="ctr"/>
+                    <a:endParaRPr lang="es-CL"/>
+                  </a:p>
+                </p:txBody>
+              </p:sp>
+              <p:sp>
+                <p:nvSpPr>
+                  <p:cNvPr id="97" name="TextBox 96"/>
+                  <p:cNvSpPr txBox="1"/>
+                  <p:nvPr/>
+                </p:nvSpPr>
+                <p:spPr>
+                  <a:xfrm>
+                    <a:off x="3995936" y="3645024"/>
+                    <a:ext cx="1368152" cy="369332"/>
+                  </a:xfrm>
+                  <a:prstGeom prst="rect">
+                    <a:avLst/>
+                  </a:prstGeom>
+                  <a:noFill/>
+                </p:spPr>
+                <p:txBody>
+                  <a:bodyPr wrap="square" rtlCol="0">
+                    <a:spAutoFit/>
+                  </a:bodyPr>
+                  <a:lstStyle/>
+                  <a:p>
+                    <a:r>
+                      <a:rPr lang="es-CL" i="1" dirty="0" smtClean="0">
+                        <a:solidFill>
+                          <a:schemeClr val="bg1">
+                            <a:lumMod val="50000"/>
+                          </a:schemeClr>
+                        </a:solidFill>
+                      </a:rPr>
+                      <a:t>Tercer Piso</a:t>
+                    </a:r>
+                    <a:endParaRPr lang="es-CL" i="1" dirty="0">
+                      <a:solidFill>
+                        <a:schemeClr val="bg1">
+                          <a:lumMod val="50000"/>
+                        </a:schemeClr>
+                      </a:solidFill>
+                    </a:endParaRPr>
+                  </a:p>
+                </p:txBody>
+              </p:sp>
+            </p:grpSp>
+            <p:grpSp>
+              <p:nvGrpSpPr>
+                <p:cNvPr id="98" name="Group 97"/>
+                <p:cNvGrpSpPr/>
+                <p:nvPr/>
+              </p:nvGrpSpPr>
+              <p:grpSpPr>
+                <a:xfrm>
+                  <a:off x="3851920" y="4221088"/>
+                  <a:ext cx="1512168" cy="369332"/>
+                  <a:chOff x="3851920" y="3645024"/>
+                  <a:chExt cx="1512168" cy="369332"/>
+                </a:xfrm>
+              </p:grpSpPr>
+              <p:sp>
+                <p:nvSpPr>
+                  <p:cNvPr id="99" name="Oval 98"/>
+                  <p:cNvSpPr/>
+                  <p:nvPr/>
+                </p:nvSpPr>
+                <p:spPr>
+                  <a:xfrm>
+                    <a:off x="3851920" y="3789040"/>
+                    <a:ext cx="144016" cy="144016"/>
+                  </a:xfrm>
+                  <a:prstGeom prst="ellipse">
+                    <a:avLst/>
+                  </a:prstGeom>
+                  <a:noFill/>
+                  <a:ln>
+                    <a:solidFill>
+                      <a:schemeClr val="bg1">
+                        <a:lumMod val="65000"/>
+                      </a:schemeClr>
+                    </a:solidFill>
+                  </a:ln>
+                </p:spPr>
+                <p:style>
+                  <a:lnRef idx="2">
+                    <a:schemeClr val="accent1">
+                      <a:shade val="50000"/>
+                    </a:schemeClr>
+                  </a:lnRef>
+                  <a:fillRef idx="1">
+                    <a:schemeClr val="accent1"/>
+                  </a:fillRef>
+                  <a:effectRef idx="0">
+                    <a:schemeClr val="accent1"/>
+                  </a:effectRef>
+                  <a:fontRef idx="minor">
+                    <a:schemeClr val="lt1"/>
+                  </a:fontRef>
+                </p:style>
+                <p:txBody>
+                  <a:bodyPr rtlCol="0" anchor="ctr"/>
+                  <a:lstStyle/>
+                  <a:p>
+                    <a:pPr algn="ctr"/>
+                    <a:endParaRPr lang="es-CL"/>
+                  </a:p>
+                </p:txBody>
+              </p:sp>
+              <p:sp>
+                <p:nvSpPr>
+                  <p:cNvPr id="100" name="TextBox 99"/>
+                  <p:cNvSpPr txBox="1"/>
+                  <p:nvPr/>
+                </p:nvSpPr>
+                <p:spPr>
+                  <a:xfrm>
+                    <a:off x="3995936" y="3645024"/>
+                    <a:ext cx="1368152" cy="369332"/>
+                  </a:xfrm>
+                  <a:prstGeom prst="rect">
+                    <a:avLst/>
+                  </a:prstGeom>
+                  <a:noFill/>
+                </p:spPr>
+                <p:txBody>
+                  <a:bodyPr wrap="square" rtlCol="0">
+                    <a:spAutoFit/>
+                  </a:bodyPr>
+                  <a:lstStyle/>
+                  <a:p>
+                    <a:r>
+                      <a:rPr lang="es-CL" i="1" dirty="0" smtClean="0">
+                        <a:solidFill>
+                          <a:schemeClr val="bg1">
+                            <a:lumMod val="50000"/>
+                          </a:schemeClr>
+                        </a:solidFill>
+                      </a:rPr>
+                      <a:t>Cuarto Piso</a:t>
+                    </a:r>
+                    <a:endParaRPr lang="es-CL" i="1" dirty="0">
+                      <a:solidFill>
+                        <a:schemeClr val="bg1">
+                          <a:lumMod val="50000"/>
+                        </a:schemeClr>
+                      </a:solidFill>
+                    </a:endParaRPr>
+                  </a:p>
+                </p:txBody>
+              </p:sp>
+            </p:grpSp>
+          </p:grpSp>
+          <p:sp>
+            <p:nvSpPr>
+              <p:cNvPr id="104" name="TextBox 103"/>
+              <p:cNvSpPr txBox="1"/>
+              <p:nvPr/>
+            </p:nvSpPr>
+            <p:spPr>
+              <a:xfrm>
+                <a:off x="3707904" y="3635732"/>
+                <a:ext cx="2016224" cy="369332"/>
+              </a:xfrm>
+              <a:prstGeom prst="rect">
+                <a:avLst/>
+              </a:prstGeom>
+              <a:noFill/>
+            </p:spPr>
+            <p:txBody>
+              <a:bodyPr wrap="square" rtlCol="0">
+                <a:spAutoFit/>
+              </a:bodyPr>
+              <a:lstStyle/>
+              <a:p>
+                <a:r>
+                  <a:rPr lang="es-CL" i="1" dirty="0" smtClean="0">
+                    <a:solidFill>
+                      <a:schemeClr val="bg1">
+                        <a:lumMod val="50000"/>
+                      </a:schemeClr>
+                    </a:solidFill>
+                  </a:rPr>
+                  <a:t>Seleccionar Vista:</a:t>
+                </a:r>
+                <a:endParaRPr lang="es-CL" i="1" dirty="0">
+                  <a:solidFill>
+                    <a:schemeClr val="bg1">
+                      <a:lumMod val="50000"/>
+                    </a:schemeClr>
+                  </a:solidFill>
+                </a:endParaRPr>
+              </a:p>
+            </p:txBody>
+          </p:sp>
+        </p:grpSp>
+        <p:grpSp>
+          <p:nvGrpSpPr>
+            <p:cNvPr id="115" name="Group 114"/>
+            <p:cNvGrpSpPr/>
+            <p:nvPr/>
+          </p:nvGrpSpPr>
+          <p:grpSpPr>
+            <a:xfrm>
+              <a:off x="5292080" y="3284984"/>
+              <a:ext cx="2160240" cy="792088"/>
+              <a:chOff x="5292080" y="3284984"/>
+              <a:chExt cx="2160240" cy="792088"/>
+            </a:xfrm>
+          </p:grpSpPr>
+          <p:sp>
+            <p:nvSpPr>
+              <p:cNvPr id="110" name="Rectangle 109"/>
+              <p:cNvSpPr/>
+              <p:nvPr/>
+            </p:nvSpPr>
+            <p:spPr>
+              <a:xfrm>
+                <a:off x="5364088" y="3645024"/>
+                <a:ext cx="648072" cy="432048"/>
+              </a:xfrm>
+              <a:prstGeom prst="rect">
+                <a:avLst/>
+              </a:prstGeom>
+              <a:solidFill>
+                <a:srgbClr val="9933FF">
+                  <a:alpha val="60000"/>
+                </a:srgbClr>
+              </a:solidFill>
+              <a:ln>
+                <a:solidFill>
+                  <a:schemeClr val="tx1"/>
+                </a:solidFill>
+              </a:ln>
+            </p:spPr>
+            <p:style>
+              <a:lnRef idx="2">
+                <a:schemeClr val="accent1">
+                  <a:shade val="50000"/>
+                </a:schemeClr>
+              </a:lnRef>
+              <a:fillRef idx="1">
+                <a:schemeClr val="accent1"/>
+              </a:fillRef>
+              <a:effectRef idx="0">
+                <a:schemeClr val="accent1"/>
+              </a:effectRef>
+              <a:fontRef idx="minor">
+                <a:schemeClr val="lt1"/>
+              </a:fontRef>
+            </p:style>
+            <p:txBody>
+              <a:bodyPr rtlCol="0" anchor="ctr"/>
+              <a:lstStyle/>
+              <a:p>
+                <a:pPr algn="ctr"/>
+                <a:endParaRPr lang="es-CL"/>
+              </a:p>
+            </p:txBody>
+          </p:sp>
+          <p:sp>
+            <p:nvSpPr>
+              <p:cNvPr id="111" name="Rectangle 110"/>
+              <p:cNvSpPr/>
+              <p:nvPr/>
+            </p:nvSpPr>
+            <p:spPr>
+              <a:xfrm>
+                <a:off x="6084168" y="3645024"/>
+                <a:ext cx="648072" cy="432048"/>
+              </a:xfrm>
+              <a:prstGeom prst="rect">
+                <a:avLst/>
+              </a:prstGeom>
+              <a:solidFill>
+                <a:srgbClr val="9933FF">
+                  <a:alpha val="60000"/>
+                </a:srgbClr>
+              </a:solidFill>
+              <a:ln>
+                <a:solidFill>
+                  <a:schemeClr val="tx1"/>
+                </a:solidFill>
+              </a:ln>
+            </p:spPr>
+            <p:style>
+              <a:lnRef idx="2">
+                <a:schemeClr val="accent1">
+                  <a:shade val="50000"/>
+                </a:schemeClr>
+              </a:lnRef>
+              <a:fillRef idx="1">
+                <a:schemeClr val="accent1"/>
+              </a:fillRef>
+              <a:effectRef idx="0">
+                <a:schemeClr val="accent1"/>
+              </a:effectRef>
+              <a:fontRef idx="minor">
+                <a:schemeClr val="lt1"/>
+              </a:fontRef>
+            </p:style>
+            <p:txBody>
+              <a:bodyPr rtlCol="0" anchor="ctr"/>
+              <a:lstStyle/>
+              <a:p>
+                <a:pPr algn="ctr"/>
+                <a:endParaRPr lang="es-CL"/>
+              </a:p>
+            </p:txBody>
+          </p:sp>
+          <p:sp>
+            <p:nvSpPr>
+              <p:cNvPr id="112" name="Rectangle 111"/>
+              <p:cNvSpPr/>
+              <p:nvPr/>
+            </p:nvSpPr>
+            <p:spPr>
+              <a:xfrm>
+                <a:off x="6804248" y="3645024"/>
+                <a:ext cx="648072" cy="432048"/>
+              </a:xfrm>
+              <a:prstGeom prst="rect">
+                <a:avLst/>
+              </a:prstGeom>
+              <a:solidFill>
+                <a:srgbClr val="9933FF">
+                  <a:alpha val="60000"/>
+                </a:srgbClr>
+              </a:solidFill>
+              <a:ln>
+                <a:solidFill>
+                  <a:schemeClr val="tx1"/>
+                </a:solidFill>
+              </a:ln>
+            </p:spPr>
+            <p:style>
+              <a:lnRef idx="2">
+                <a:schemeClr val="accent1">
+                  <a:shade val="50000"/>
+                </a:schemeClr>
+              </a:lnRef>
+              <a:fillRef idx="1">
+                <a:schemeClr val="accent1"/>
+              </a:fillRef>
+              <a:effectRef idx="0">
+                <a:schemeClr val="accent1"/>
+              </a:effectRef>
+              <a:fontRef idx="minor">
+                <a:schemeClr val="lt1"/>
+              </a:fontRef>
+            </p:style>
+            <p:txBody>
+              <a:bodyPr rtlCol="0" anchor="ctr"/>
+              <a:lstStyle/>
+              <a:p>
+                <a:pPr algn="ctr"/>
+                <a:endParaRPr lang="es-CL"/>
+              </a:p>
+            </p:txBody>
+          </p:sp>
+          <p:sp>
+            <p:nvSpPr>
+              <p:cNvPr id="113" name="TextBox 112"/>
+              <p:cNvSpPr txBox="1"/>
+              <p:nvPr/>
+            </p:nvSpPr>
+            <p:spPr>
+              <a:xfrm>
+                <a:off x="5292080" y="3284984"/>
+                <a:ext cx="2016224" cy="369332"/>
+              </a:xfrm>
+              <a:prstGeom prst="rect">
+                <a:avLst/>
+              </a:prstGeom>
+              <a:noFill/>
+            </p:spPr>
+            <p:txBody>
+              <a:bodyPr wrap="square" rtlCol="0">
+                <a:spAutoFit/>
+              </a:bodyPr>
+              <a:lstStyle/>
+              <a:p>
+                <a:r>
+                  <a:rPr lang="es-CL" i="1" dirty="0" smtClean="0">
+                    <a:solidFill>
+                      <a:schemeClr val="bg1">
+                        <a:lumMod val="50000"/>
+                      </a:schemeClr>
+                    </a:solidFill>
+                  </a:rPr>
+                  <a:t>Fotos:</a:t>
+                </a:r>
+                <a:endParaRPr lang="es-CL" i="1" dirty="0">
+                  <a:solidFill>
+                    <a:schemeClr val="bg1">
+                      <a:lumMod val="50000"/>
+                    </a:schemeClr>
+                  </a:solidFill>
+                </a:endParaRPr>
+              </a:p>
+            </p:txBody>
+          </p:sp>
+        </p:grpSp>
+        <p:sp>
+          <p:nvSpPr>
+            <p:cNvPr id="114" name="TextBox 113"/>
+            <p:cNvSpPr txBox="1"/>
+            <p:nvPr/>
+          </p:nvSpPr>
+          <p:spPr>
+            <a:xfrm>
+              <a:off x="5292080" y="4211796"/>
+              <a:ext cx="2520280" cy="1200329"/>
+            </a:xfrm>
+            <a:prstGeom prst="rect">
+              <a:avLst/>
+            </a:prstGeom>
+            <a:noFill/>
+          </p:spPr>
+          <p:txBody>
+            <a:bodyPr wrap="square" rtlCol="0">
+              <a:spAutoFit/>
+            </a:bodyPr>
+            <a:lstStyle/>
+            <a:p>
+              <a:r>
+                <a:rPr lang="es-CL" i="1" dirty="0" smtClean="0">
+                  <a:solidFill>
+                    <a:schemeClr val="bg1">
+                      <a:lumMod val="50000"/>
+                    </a:schemeClr>
+                  </a:solidFill>
+                </a:rPr>
+                <a:t>Descripción:</a:t>
+              </a:r>
+              <a:br>
+                <a:rPr lang="es-CL" i="1" dirty="0" smtClean="0">
+                  <a:solidFill>
+                    <a:schemeClr val="bg1">
+                      <a:lumMod val="50000"/>
+                    </a:schemeClr>
+                  </a:solidFill>
+                </a:rPr>
+              </a:br>
+              <a:r>
+                <a:rPr lang="es-CL" i="1" dirty="0" smtClean="0">
+                  <a:solidFill>
+                    <a:schemeClr val="bg1">
+                      <a:lumMod val="50000"/>
+                    </a:schemeClr>
+                  </a:solidFill>
+                </a:rPr>
+                <a:t>El San Agustín es un edificio de la facultad de Ingeniería</a:t>
+              </a:r>
+              <a:endParaRPr lang="es-CL" i="1" dirty="0">
+                <a:solidFill>
+                  <a:schemeClr val="bg1">
+                    <a:lumMod val="50000"/>
+                  </a:schemeClr>
+                </a:solidFill>
+              </a:endParaRPr>
+            </a:p>
+          </p:txBody>
+        </p:sp>
+        <p:sp>
+          <p:nvSpPr>
+            <p:cNvPr id="116" name="TextBox 115"/>
+            <p:cNvSpPr txBox="1"/>
+            <p:nvPr/>
+          </p:nvSpPr>
+          <p:spPr>
+            <a:xfrm>
+              <a:off x="5292080" y="5517232"/>
+              <a:ext cx="2016224" cy="369332"/>
+            </a:xfrm>
+            <a:prstGeom prst="rect">
+              <a:avLst/>
+            </a:prstGeom>
+            <a:noFill/>
+          </p:spPr>
+          <p:txBody>
+            <a:bodyPr wrap="square" rtlCol="0">
+              <a:spAutoFit/>
+            </a:bodyPr>
+            <a:lstStyle/>
+            <a:p>
+              <a:r>
+                <a:rPr lang="es-CL" i="1" u="sng" dirty="0" smtClean="0">
+                  <a:solidFill>
+                    <a:schemeClr val="bg1">
+                      <a:lumMod val="50000"/>
+                    </a:schemeClr>
+                  </a:solidFill>
+                </a:rPr>
+                <a:t>Ver Comentarios..</a:t>
+              </a:r>
+              <a:endParaRPr lang="es-CL" i="1" u="sng" dirty="0">
+                <a:solidFill>
+                  <a:schemeClr val="bg1">
+                    <a:lumMod val="50000"/>
+                  </a:schemeClr>
+                </a:solidFill>
+              </a:endParaRPr>
+            </a:p>
+          </p:txBody>
+        </p:sp>
+      </p:grpSp>
+      <p:sp>
+        <p:nvSpPr>
+          <p:cNvPr id="122" name="Isosceles Triangle 121"/>
+          <p:cNvSpPr/>
+          <p:nvPr/>
+        </p:nvSpPr>
+        <p:spPr>
+          <a:xfrm rot="16200000">
+            <a:off x="2231739" y="3969060"/>
+            <a:ext cx="216024" cy="432048"/>
+          </a:xfrm>
+          <a:prstGeom prst="triangle">
+            <a:avLst/>
+          </a:prstGeom>
+          <a:solidFill>
+            <a:srgbClr val="DCE6F2">
+              <a:alpha val="80000"/>
+            </a:srgbClr>
+          </a:solidFill>
+          <a:ln>
+            <a:solidFill>
+              <a:schemeClr val="accent1"/>
+            </a:solidFill>
+          </a:ln>
+        </p:spPr>
+        <p:style>
+          <a:lnRef idx="2">
+            <a:schemeClr val="accent1">
+              <a:shade val="50000"/>
+            </a:schemeClr>
+          </a:lnRef>
+          <a:fillRef idx="1">
+            <a:schemeClr val="accent1"/>
+          </a:fillRef>
+          <a:effectRef idx="0">
+            <a:schemeClr val="accent1"/>
+          </a:effectRef>
+          <a:fontRef idx="minor">
+            <a:schemeClr val="lt1"/>
+          </a:fontRef>
+        </p:style>
+        <p:txBody>
+          <a:bodyPr rtlCol="0" anchor="ctr"/>
+          <a:lstStyle/>
+          <a:p>
+            <a:pPr algn="ctr"/>
+            <a:endParaRPr lang="es-CL"/>
+          </a:p>
+        </p:txBody>
+      </p:sp>
+      <p:grpSp>
+        <p:nvGrpSpPr>
+          <p:cNvPr id="125" name="Group 124"/>
+          <p:cNvGrpSpPr/>
+          <p:nvPr/>
+        </p:nvGrpSpPr>
+        <p:grpSpPr>
+          <a:xfrm>
+            <a:off x="2051720" y="4005064"/>
+            <a:ext cx="222626" cy="220189"/>
+            <a:chOff x="2144867" y="4371037"/>
+            <a:chExt cx="222626" cy="220189"/>
+          </a:xfrm>
+        </p:grpSpPr>
+        <p:cxnSp>
+          <p:nvCxnSpPr>
+            <p:cNvPr id="123" name="Straight Connector 122"/>
+            <p:cNvCxnSpPr/>
+            <p:nvPr/>
+          </p:nvCxnSpPr>
+          <p:spPr>
+            <a:xfrm rot="20666605" flipH="1">
+              <a:off x="2144867" y="4375202"/>
+              <a:ext cx="72008" cy="216024"/>
+            </a:xfrm>
+            <a:prstGeom prst="line">
+              <a:avLst/>
+            </a:prstGeom>
+            <a:ln w="38100">
+              <a:solidFill>
+                <a:schemeClr val="tx1">
+                  <a:lumMod val="85000"/>
+                  <a:lumOff val="15000"/>
+                </a:schemeClr>
+              </a:solidFill>
+            </a:ln>
+          </p:spPr>
+          <p:style>
+            <a:lnRef idx="1">
+              <a:schemeClr val="accent1"/>
+            </a:lnRef>
+            <a:fillRef idx="0">
+              <a:schemeClr val="accent1"/>
+            </a:fillRef>
+            <a:effectRef idx="0">
+              <a:schemeClr val="accent1"/>
+            </a:effectRef>
+            <a:fontRef idx="minor">
+              <a:schemeClr val="tx1"/>
+            </a:fontRef>
+          </p:style>
+        </p:cxnSp>
+        <p:sp>
+          <p:nvSpPr>
+            <p:cNvPr id="124" name="Isosceles Triangle 123"/>
+            <p:cNvSpPr/>
+            <p:nvPr/>
+          </p:nvSpPr>
+          <p:spPr>
+            <a:xfrm rot="5646931">
+              <a:off x="2236843" y="4333037"/>
+              <a:ext cx="92650" cy="168650"/>
+            </a:xfrm>
+            <a:prstGeom prst="triangle">
+              <a:avLst/>
+            </a:prstGeom>
+            <a:solidFill>
+              <a:schemeClr val="accent2"/>
+            </a:solidFill>
+            <a:ln>
+              <a:solidFill>
+                <a:schemeClr val="accent2">
+                  <a:lumMod val="50000"/>
+                </a:schemeClr>
+              </a:solidFill>
+            </a:ln>
+          </p:spPr>
+          <p:style>
+            <a:lnRef idx="2">
+              <a:schemeClr val="accent1">
+                <a:shade val="50000"/>
+              </a:schemeClr>
+            </a:lnRef>
+            <a:fillRef idx="1">
+              <a:schemeClr val="accent1"/>
+            </a:fillRef>
+            <a:effectRef idx="0">
+              <a:schemeClr val="accent1"/>
+            </a:effectRef>
+            <a:fontRef idx="minor">
+              <a:schemeClr val="lt1"/>
+            </a:fontRef>
+          </p:style>
+          <p:txBody>
+            <a:bodyPr rtlCol="0" anchor="ctr"/>
+            <a:lstStyle/>
+            <a:p>
+              <a:pPr algn="ctr"/>
+              <a:endParaRPr lang="es-CL"/>
+            </a:p>
+          </p:txBody>
+        </p:sp>
+      </p:grpSp>
+    </p:spTree>
+  </p:cSld>
+  <p:clrMapOvr>
+    <a:masterClrMapping/>
+  </p:clrMapOvr>
+  <p:transition advClick="0"/>
   <p:timing>
     <p:tnLst>
       <p:par>
@@ -6133,15 +8586,7 @@
                   <a:schemeClr val="tx1"/>
                 </a:solidFill>
               </a:rPr>
-              <a:t>|	Facultad	|	</a:t>
-            </a:r>
-            <a:r>
-              <a:rPr lang="es-CL" sz="2400" dirty="0" smtClean="0">
-                <a:solidFill>
-                  <a:schemeClr val="tx1"/>
-                </a:solidFill>
-              </a:rPr>
-              <a:t>	</a:t>
+              <a:t>|	Facultad	|		</a:t>
             </a:r>
             <a:endParaRPr lang="es-CL" dirty="0">
               <a:solidFill>
@@ -7329,15 +9774,7 @@
                     <a:schemeClr val="tx1"/>
                   </a:solidFill>
                 </a:rPr>
-                <a:t>|	Facultad	|	</a:t>
-              </a:r>
-              <a:r>
-                <a:rPr lang="es-CL" sz="2400" dirty="0" smtClean="0">
-                  <a:solidFill>
-                    <a:schemeClr val="tx1"/>
-                  </a:solidFill>
-                </a:rPr>
-                <a:t>	</a:t>
+                <a:t>|	Facultad	|		</a:t>
               </a:r>
               <a:endParaRPr lang="es-CL" dirty="0">
                 <a:solidFill>
@@ -8724,15 +11161,7 @@
                   <a:schemeClr val="tx1"/>
                 </a:solidFill>
               </a:rPr>
-              <a:t>	|	Facultad	|	</a:t>
-            </a:r>
-            <a:r>
-              <a:rPr lang="es-CL" sz="2400" dirty="0" smtClean="0">
-                <a:solidFill>
-                  <a:schemeClr val="tx1"/>
-                </a:solidFill>
-              </a:rPr>
-              <a:t>	</a:t>
+              <a:t>	|	Facultad	|		</a:t>
             </a:r>
             <a:endParaRPr lang="es-CL" dirty="0">
               <a:solidFill>
@@ -21330,13 +23759,14 @@
             <a:avLst/>
           </a:prstGeom>
           <a:solidFill>
-            <a:schemeClr val="accent2"/>
+            <a:schemeClr val="accent1">
+              <a:lumMod val="60000"/>
+              <a:lumOff val="40000"/>
+            </a:schemeClr>
           </a:solidFill>
           <a:ln>
             <a:solidFill>
-              <a:schemeClr val="accent2">
-                <a:lumMod val="50000"/>
-              </a:schemeClr>
+              <a:schemeClr val="accent1"/>
             </a:solidFill>
           </a:ln>
         </p:spPr>
@@ -21402,13 +23832,14 @@
             <a:avLst/>
           </a:prstGeom>
           <a:solidFill>
-            <a:schemeClr val="accent2"/>
+            <a:schemeClr val="accent1">
+              <a:lumMod val="60000"/>
+              <a:lumOff val="40000"/>
+            </a:schemeClr>
           </a:solidFill>
           <a:ln>
             <a:solidFill>
-              <a:schemeClr val="accent2">
-                <a:lumMod val="50000"/>
-              </a:schemeClr>
+              <a:schemeClr val="accent1"/>
             </a:solidFill>
           </a:ln>
         </p:spPr>
@@ -21459,13 +23890,14 @@
             <a:avLst/>
           </a:prstGeom>
           <a:solidFill>
-            <a:schemeClr val="accent2"/>
+            <a:schemeClr val="accent1">
+              <a:lumMod val="60000"/>
+              <a:lumOff val="40000"/>
+            </a:schemeClr>
           </a:solidFill>
           <a:ln>
             <a:solidFill>
-              <a:schemeClr val="accent2">
-                <a:lumMod val="50000"/>
-              </a:schemeClr>
+              <a:schemeClr val="accent1"/>
             </a:solidFill>
           </a:ln>
         </p:spPr>
@@ -21508,72 +23940,6 @@
       </p:sp>
       <p:sp>
         <p:nvSpPr>
-          <p:cNvPr id="43" name="Rectangle 42">
-            <a:hlinkClick r:id="rId4" action="ppaction://hlinksldjump"/>
-          </p:cNvPr>
-          <p:cNvSpPr/>
-          <p:nvPr/>
-        </p:nvSpPr>
-        <p:spPr>
-          <a:xfrm>
-            <a:off x="5364088" y="692696"/>
-            <a:ext cx="1944216" cy="576064"/>
-          </a:xfrm>
-          <a:prstGeom prst="rect">
-            <a:avLst/>
-          </a:prstGeom>
-          <a:solidFill>
-            <a:schemeClr val="accent2">
-              <a:lumMod val="75000"/>
-            </a:schemeClr>
-          </a:solidFill>
-          <a:ln>
-            <a:solidFill>
-              <a:schemeClr val="accent2">
-                <a:lumMod val="50000"/>
-              </a:schemeClr>
-            </a:solidFill>
-          </a:ln>
-        </p:spPr>
-        <p:style>
-          <a:lnRef idx="2">
-            <a:schemeClr val="accent1">
-              <a:shade val="50000"/>
-            </a:schemeClr>
-          </a:lnRef>
-          <a:fillRef idx="1">
-            <a:schemeClr val="accent1"/>
-          </a:fillRef>
-          <a:effectRef idx="0">
-            <a:schemeClr val="accent1"/>
-          </a:effectRef>
-          <a:fontRef idx="minor">
-            <a:schemeClr val="lt1"/>
-          </a:fontRef>
-        </p:style>
-        <p:txBody>
-          <a:bodyPr rtlCol="0" anchor="ctr"/>
-          <a:lstStyle/>
-          <a:p>
-            <a:pPr algn="ctr"/>
-            <a:r>
-              <a:rPr lang="es-CL" sz="2400" dirty="0" smtClean="0">
-                <a:solidFill>
-                  <a:schemeClr val="bg1"/>
-                </a:solidFill>
-              </a:rPr>
-              <a:t>Eventos</a:t>
-            </a:r>
-            <a:endParaRPr lang="es-CL" sz="2400" dirty="0">
-              <a:solidFill>
-                <a:schemeClr val="bg1"/>
-              </a:solidFill>
-            </a:endParaRPr>
-          </a:p>
-        </p:txBody>
-      </p:sp>
-      <p:sp>
-        <p:nvSpPr>
           <p:cNvPr id="28" name="Rectangle 27">
             <a:hlinkClick r:id="rId5" action="ppaction://hlinksldjump"/>
           </p:cNvPr>
@@ -21589,13 +23955,14 @@
             <a:avLst/>
           </a:prstGeom>
           <a:solidFill>
-            <a:schemeClr val="accent2"/>
+            <a:schemeClr val="accent1">
+              <a:lumMod val="60000"/>
+              <a:lumOff val="40000"/>
+            </a:schemeClr>
           </a:solidFill>
           <a:ln>
             <a:solidFill>
-              <a:schemeClr val="accent2">
-                <a:lumMod val="50000"/>
-              </a:schemeClr>
+              <a:schemeClr val="accent1"/>
             </a:solidFill>
           </a:ln>
         </p:spPr>
@@ -21653,13 +24020,14 @@
             <a:avLst/>
           </a:prstGeom>
           <a:solidFill>
-            <a:schemeClr val="accent2"/>
+            <a:schemeClr val="accent1">
+              <a:lumMod val="60000"/>
+              <a:lumOff val="40000"/>
+            </a:schemeClr>
           </a:solidFill>
           <a:ln>
             <a:solidFill>
-              <a:schemeClr val="accent2">
-                <a:lumMod val="50000"/>
-              </a:schemeClr>
+              <a:schemeClr val="accent1"/>
             </a:solidFill>
           </a:ln>
         </p:spPr>
@@ -21713,6 +24081,7 @@
             <a:chOff x="2771800" y="2780928"/>
             <a:chExt cx="5328592" cy="2736304"/>
           </a:xfrm>
+          <a:noFill/>
         </p:grpSpPr>
         <p:grpSp>
           <p:nvGrpSpPr>
@@ -21727,6 +24096,7 @@
               <a:chOff x="2771800" y="2780928"/>
               <a:chExt cx="3744416" cy="2520280"/>
             </a:xfrm>
+            <a:grpFill/>
           </p:grpSpPr>
           <p:sp>
             <p:nvSpPr>
@@ -21743,11 +24113,15 @@
                 <a:avLst/>
               </a:prstGeom>
               <a:solidFill>
-                <a:schemeClr val="bg1">
-                  <a:lumMod val="50000"/>
-                  <a:alpha val="69804"/>
-                </a:schemeClr>
+                <a:srgbClr val="DCE6F2">
+                  <a:alpha val="80000"/>
+                </a:srgbClr>
               </a:solidFill>
+              <a:ln>
+                <a:solidFill>
+                  <a:schemeClr val="accent1"/>
+                </a:solidFill>
+              </a:ln>
             </p:spPr>
             <p:style>
               <a:lnRef idx="2">
@@ -21788,7 +24162,7 @@
               <a:prstGeom prst="rect">
                 <a:avLst/>
               </a:prstGeom>
-              <a:noFill/>
+              <a:grpFill/>
             </p:spPr>
             <p:txBody>
               <a:bodyPr wrap="square" rtlCol="0">
@@ -21837,12 +24211,10 @@
             <a:prstGeom prst="rect">
               <a:avLst/>
             </a:prstGeom>
-            <a:solidFill>
-              <a:schemeClr val="bg1"/>
-            </a:solidFill>
+            <a:grpFill/>
             <a:ln>
               <a:solidFill>
-                <a:schemeClr val="accent2"/>
+                <a:schemeClr val="accent1"/>
               </a:solidFill>
             </a:ln>
           </p:spPr>
@@ -21896,6 +24268,7 @@
               <a:chOff x="2987824" y="3275692"/>
               <a:chExt cx="2448272" cy="1499085"/>
             </a:xfrm>
+            <a:grpFill/>
           </p:grpSpPr>
           <p:sp>
             <p:nvSpPr>
@@ -21911,7 +24284,7 @@
               <a:prstGeom prst="rect">
                 <a:avLst/>
               </a:prstGeom>
-              <a:noFill/>
+              <a:grpFill/>
             </p:spPr>
             <p:txBody>
               <a:bodyPr wrap="square" rtlCol="0">
@@ -21954,6 +24327,7 @@
                 <a:chOff x="3131840" y="3501008"/>
                 <a:chExt cx="144016" cy="144016"/>
               </a:xfrm>
+              <a:grpFill/>
             </p:grpSpPr>
             <p:sp>
               <p:nvSpPr>
@@ -21969,12 +24343,10 @@
                 <a:prstGeom prst="rect">
                   <a:avLst/>
                 </a:prstGeom>
-                <a:solidFill>
-                  <a:schemeClr val="bg1"/>
-                </a:solidFill>
+                <a:grpFill/>
                 <a:ln>
                   <a:solidFill>
-                    <a:schemeClr val="accent2"/>
+                    <a:schemeClr val="accent1"/>
                   </a:solidFill>
                 </a:ln>
               </p:spPr>
@@ -22016,6 +24388,7 @@
                   <a:chOff x="9886" y="3645024"/>
                   <a:chExt cx="97618" cy="144016"/>
                 </a:xfrm>
+                <a:grpFill/>
               </p:grpSpPr>
               <p:cxnSp>
                 <p:nvCxnSpPr>
@@ -22031,6 +24404,7 @@
                   <a:prstGeom prst="line">
                     <a:avLst/>
                   </a:prstGeom>
+                  <a:grpFill/>
                   <a:ln w="28575">
                     <a:solidFill>
                       <a:srgbClr val="00B050"/>
@@ -22066,6 +24440,7 @@
                   <a:prstGeom prst="line">
                     <a:avLst/>
                   </a:prstGeom>
+                  <a:grpFill/>
                   <a:ln w="28575">
                     <a:solidFill>
                       <a:srgbClr val="00B050"/>
@@ -22103,12 +24478,10 @@
               <a:prstGeom prst="rect">
                 <a:avLst/>
               </a:prstGeom>
-              <a:solidFill>
-                <a:schemeClr val="bg1"/>
-              </a:solidFill>
+              <a:grpFill/>
               <a:ln>
                 <a:solidFill>
-                  <a:schemeClr val="accent2"/>
+                  <a:schemeClr val="accent1"/>
                 </a:solidFill>
               </a:ln>
             </p:spPr>
@@ -22151,7 +24524,7 @@
               <a:prstGeom prst="rect">
                 <a:avLst/>
               </a:prstGeom>
-              <a:noFill/>
+              <a:grpFill/>
             </p:spPr>
             <p:txBody>
               <a:bodyPr wrap="square" rtlCol="0">
@@ -22194,6 +24567,7 @@
                 <a:chOff x="3131840" y="3501008"/>
                 <a:chExt cx="144016" cy="144016"/>
               </a:xfrm>
+              <a:grpFill/>
             </p:grpSpPr>
             <p:sp>
               <p:nvSpPr>
@@ -22209,12 +24583,10 @@
                 <a:prstGeom prst="rect">
                   <a:avLst/>
                 </a:prstGeom>
-                <a:solidFill>
-                  <a:schemeClr val="bg1"/>
-                </a:solidFill>
+                <a:grpFill/>
                 <a:ln>
                   <a:solidFill>
-                    <a:schemeClr val="accent2"/>
+                    <a:schemeClr val="accent1"/>
                   </a:solidFill>
                 </a:ln>
               </p:spPr>
@@ -22256,6 +24628,7 @@
                   <a:chOff x="9886" y="3645024"/>
                   <a:chExt cx="97618" cy="144016"/>
                 </a:xfrm>
+                <a:grpFill/>
               </p:grpSpPr>
               <p:cxnSp>
                 <p:nvCxnSpPr>
@@ -22271,6 +24644,7 @@
                   <a:prstGeom prst="line">
                     <a:avLst/>
                   </a:prstGeom>
+                  <a:grpFill/>
                   <a:ln w="28575">
                     <a:solidFill>
                       <a:srgbClr val="00B050"/>
@@ -22306,6 +24680,7 @@
                   <a:prstGeom prst="line">
                     <a:avLst/>
                   </a:prstGeom>
+                  <a:grpFill/>
                   <a:ln w="28575">
                     <a:solidFill>
                       <a:srgbClr val="00B050"/>
@@ -22343,7 +24718,7 @@
               <a:prstGeom prst="rect">
                 <a:avLst/>
               </a:prstGeom>
-              <a:noFill/>
+              <a:grpFill/>
             </p:spPr>
             <p:txBody>
               <a:bodyPr wrap="square" rtlCol="0">
@@ -22387,12 +24762,10 @@
               <a:prstGeom prst="rect">
                 <a:avLst/>
               </a:prstGeom>
-              <a:solidFill>
-                <a:schemeClr val="bg1"/>
-              </a:solidFill>
+              <a:grpFill/>
               <a:ln>
                 <a:solidFill>
-                  <a:schemeClr val="accent2"/>
+                  <a:schemeClr val="accent1"/>
                 </a:solidFill>
               </a:ln>
             </p:spPr>
@@ -22435,7 +24808,7 @@
               <a:prstGeom prst="rect">
                 <a:avLst/>
               </a:prstGeom>
-              <a:noFill/>
+              <a:grpFill/>
             </p:spPr>
             <p:txBody>
               <a:bodyPr wrap="square" rtlCol="0">
@@ -22479,7 +24852,7 @@
               <a:prstGeom prst="rect">
                 <a:avLst/>
               </a:prstGeom>
-              <a:noFill/>
+              <a:grpFill/>
             </p:spPr>
             <p:txBody>
               <a:bodyPr wrap="square" rtlCol="0">
@@ -22523,6 +24896,7 @@
               <a:chOff x="5508104" y="3284984"/>
               <a:chExt cx="2232248" cy="1521460"/>
             </a:xfrm>
+            <a:grpFill/>
           </p:grpSpPr>
           <p:sp>
             <p:nvSpPr>
@@ -22538,7 +24912,7 @@
               <a:prstGeom prst="rect">
                 <a:avLst/>
               </a:prstGeom>
-              <a:noFill/>
+              <a:grpFill/>
             </p:spPr>
             <p:txBody>
               <a:bodyPr wrap="square" rtlCol="0">
@@ -22582,7 +24956,7 @@
               <a:prstGeom prst="rect">
                 <a:avLst/>
               </a:prstGeom>
-              <a:noFill/>
+              <a:grpFill/>
             </p:spPr>
             <p:txBody>
               <a:bodyPr wrap="square" rtlCol="0">
@@ -22626,12 +25000,10 @@
               <a:prstGeom prst="rect">
                 <a:avLst/>
               </a:prstGeom>
-              <a:solidFill>
-                <a:schemeClr val="bg1"/>
-              </a:solidFill>
+              <a:grpFill/>
               <a:ln>
                 <a:solidFill>
-                  <a:schemeClr val="accent2"/>
+                  <a:schemeClr val="accent1"/>
                 </a:solidFill>
               </a:ln>
             </p:spPr>
@@ -22674,7 +25046,7 @@
               <a:prstGeom prst="rect">
                 <a:avLst/>
               </a:prstGeom>
-              <a:noFill/>
+              <a:grpFill/>
             </p:spPr>
             <p:txBody>
               <a:bodyPr wrap="square" rtlCol="0">
@@ -22717,6 +25089,7 @@
                 <a:chOff x="3131840" y="3501008"/>
                 <a:chExt cx="144016" cy="144016"/>
               </a:xfrm>
+              <a:grpFill/>
             </p:grpSpPr>
             <p:sp>
               <p:nvSpPr>
@@ -22732,12 +25105,10 @@
                 <a:prstGeom prst="rect">
                   <a:avLst/>
                 </a:prstGeom>
-                <a:solidFill>
-                  <a:schemeClr val="bg1"/>
-                </a:solidFill>
+                <a:grpFill/>
                 <a:ln>
                   <a:solidFill>
-                    <a:schemeClr val="accent2"/>
+                    <a:schemeClr val="accent1"/>
                   </a:solidFill>
                 </a:ln>
               </p:spPr>
@@ -22779,6 +25150,7 @@
                   <a:chOff x="9886" y="3645024"/>
                   <a:chExt cx="97618" cy="144016"/>
                 </a:xfrm>
+                <a:grpFill/>
               </p:grpSpPr>
               <p:cxnSp>
                 <p:nvCxnSpPr>
@@ -22794,6 +25166,7 @@
                   <a:prstGeom prst="line">
                     <a:avLst/>
                   </a:prstGeom>
+                  <a:grpFill/>
                   <a:ln w="28575">
                     <a:solidFill>
                       <a:srgbClr val="00B050"/>
@@ -22829,6 +25202,7 @@
                   <a:prstGeom prst="line">
                     <a:avLst/>
                   </a:prstGeom>
+                  <a:grpFill/>
                   <a:ln w="28575">
                     <a:solidFill>
                       <a:srgbClr val="00B050"/>
@@ -22865,6 +25239,7 @@
                 <a:chOff x="3131840" y="3501008"/>
                 <a:chExt cx="144016" cy="144016"/>
               </a:xfrm>
+              <a:grpFill/>
             </p:grpSpPr>
             <p:sp>
               <p:nvSpPr>
@@ -22880,12 +25255,10 @@
                 <a:prstGeom prst="rect">
                   <a:avLst/>
                 </a:prstGeom>
-                <a:solidFill>
-                  <a:schemeClr val="bg1"/>
-                </a:solidFill>
+                <a:grpFill/>
                 <a:ln>
                   <a:solidFill>
-                    <a:schemeClr val="accent2"/>
+                    <a:schemeClr val="accent1"/>
                   </a:solidFill>
                 </a:ln>
               </p:spPr>
@@ -22927,6 +25300,7 @@
                   <a:chOff x="9886" y="3645024"/>
                   <a:chExt cx="97618" cy="144016"/>
                 </a:xfrm>
+                <a:grpFill/>
               </p:grpSpPr>
               <p:cxnSp>
                 <p:nvCxnSpPr>
@@ -22942,6 +25316,7 @@
                   <a:prstGeom prst="line">
                     <a:avLst/>
                   </a:prstGeom>
+                  <a:grpFill/>
                   <a:ln w="28575">
                     <a:solidFill>
                       <a:srgbClr val="00B050"/>
@@ -22977,6 +25352,7 @@
                   <a:prstGeom prst="line">
                     <a:avLst/>
                   </a:prstGeom>
+                  <a:grpFill/>
                   <a:ln w="28575">
                     <a:solidFill>
                       <a:srgbClr val="00B050"/>
@@ -23014,7 +25390,7 @@
               <a:prstGeom prst="rect">
                 <a:avLst/>
               </a:prstGeom>
-              <a:noFill/>
+              <a:grpFill/>
             </p:spPr>
             <p:txBody>
               <a:bodyPr wrap="square" rtlCol="0">
@@ -23058,12 +25434,10 @@
               <a:prstGeom prst="rect">
                 <a:avLst/>
               </a:prstGeom>
-              <a:solidFill>
-                <a:schemeClr val="bg1"/>
-              </a:solidFill>
+              <a:grpFill/>
               <a:ln>
                 <a:solidFill>
-                  <a:schemeClr val="accent2"/>
+                  <a:schemeClr val="accent1"/>
                 </a:solidFill>
               </a:ln>
             </p:spPr>
@@ -23106,7 +25480,7 @@
               <a:prstGeom prst="rect">
                 <a:avLst/>
               </a:prstGeom>
-              <a:noFill/>
+              <a:grpFill/>
             </p:spPr>
             <p:txBody>
               <a:bodyPr wrap="square" rtlCol="0">
@@ -23138,6 +25512,71 @@
           </p:sp>
         </p:grpSp>
       </p:grpSp>
+      <p:sp>
+        <p:nvSpPr>
+          <p:cNvPr id="43" name="Rectangle 42">
+            <a:hlinkClick r:id="rId4" action="ppaction://hlinksldjump"/>
+          </p:cNvPr>
+          <p:cNvSpPr/>
+          <p:nvPr/>
+        </p:nvSpPr>
+        <p:spPr>
+          <a:xfrm>
+            <a:off x="5364088" y="692696"/>
+            <a:ext cx="1944216" cy="576064"/>
+          </a:xfrm>
+          <a:prstGeom prst="rect">
+            <a:avLst/>
+          </a:prstGeom>
+          <a:solidFill>
+            <a:schemeClr val="tx2">
+              <a:lumMod val="60000"/>
+              <a:lumOff val="40000"/>
+            </a:schemeClr>
+          </a:solidFill>
+          <a:ln>
+            <a:solidFill>
+              <a:schemeClr val="tx2"/>
+            </a:solidFill>
+          </a:ln>
+        </p:spPr>
+        <p:style>
+          <a:lnRef idx="2">
+            <a:schemeClr val="accent1">
+              <a:shade val="50000"/>
+            </a:schemeClr>
+          </a:lnRef>
+          <a:fillRef idx="1">
+            <a:schemeClr val="accent1"/>
+          </a:fillRef>
+          <a:effectRef idx="0">
+            <a:schemeClr val="accent1"/>
+          </a:effectRef>
+          <a:fontRef idx="minor">
+            <a:schemeClr val="lt1"/>
+          </a:fontRef>
+        </p:style>
+        <p:txBody>
+          <a:bodyPr rtlCol="0" anchor="ctr"/>
+          <a:lstStyle/>
+          <a:p>
+            <a:pPr algn="ctr"/>
+            <a:r>
+              <a:rPr lang="es-CL" sz="2400" dirty="0" smtClean="0">
+                <a:solidFill>
+                  <a:schemeClr val="bg1"/>
+                </a:solidFill>
+              </a:rPr>
+              <a:t>Eventos</a:t>
+            </a:r>
+            <a:endParaRPr lang="es-CL" sz="2400" dirty="0">
+              <a:solidFill>
+                <a:schemeClr val="bg1"/>
+              </a:solidFill>
+            </a:endParaRPr>
+          </a:p>
+        </p:txBody>
+      </p:sp>
     </p:spTree>
   </p:cSld>
   <p:clrMapOvr>
